--- a/研究组会/组会PPT.pptx
+++ b/研究组会/组会PPT.pptx
@@ -2,8 +2,11 @@
 <file path=ppt/presentation.xml><?xml version="1.0" encoding="utf-8"?>
 <p:presentation xmlns:a="http://schemas.openxmlformats.org/drawingml/2006/main" xmlns:r="http://schemas.openxmlformats.org/officeDocument/2006/relationships" xmlns:p="http://schemas.openxmlformats.org/presentationml/2006/main" saveSubsetFonts="1">
   <p:sldMasterIdLst>
-    <p:sldMasterId id="2147483648" r:id="rId1"/>
+    <p:sldMasterId id="2147483753" r:id="rId1"/>
   </p:sldMasterIdLst>
+  <p:notesMasterIdLst>
+    <p:notesMasterId r:id="rId8"/>
+  </p:notesMasterIdLst>
   <p:sldIdLst>
     <p:sldId id="256" r:id="rId2"/>
     <p:sldId id="257" r:id="rId3"/>
@@ -109,12 +112,22 @@
       </a:defRPr>
     </a:lvl9pPr>
   </p:defaultTextStyle>
+  <p:extLst>
+    <p:ext uri="{EFAFB233-063F-42B5-8137-9DF3F51BA10A}">
+      <p15:sldGuideLst xmlns:p15="http://schemas.microsoft.com/office/powerpoint/2012/main"/>
+    </p:ext>
+  </p:extLst>
 </p:presentation>
 </file>
 
-<file path=ppt/slideLayouts/slideLayout1.xml><?xml version="1.0" encoding="utf-8"?>
-<p:sldLayout xmlns:a="http://schemas.openxmlformats.org/drawingml/2006/main" xmlns:r="http://schemas.openxmlformats.org/officeDocument/2006/relationships" xmlns:p="http://schemas.openxmlformats.org/presentationml/2006/main" type="title" preserve="1">
-  <p:cSld name="标题幻灯片">
+<file path=ppt/notesMasters/notesMaster1.xml><?xml version="1.0" encoding="utf-8"?>
+<p:notesMaster xmlns:a="http://schemas.openxmlformats.org/drawingml/2006/main" xmlns:r="http://schemas.openxmlformats.org/officeDocument/2006/relationships" xmlns:p="http://schemas.openxmlformats.org/presentationml/2006/main">
+  <p:cSld>
+    <p:bg>
+      <p:bgRef idx="1001">
+        <a:schemeClr val="bg1"/>
+      </p:bgRef>
+    </p:bg>
     <p:spTree>
       <p:nvGrpSpPr>
         <p:cNvPr id="1" name=""/>
@@ -131,135 +144,65 @@
       </p:grpSpPr>
       <p:sp>
         <p:nvSpPr>
-          <p:cNvPr id="2" name="标题 1">
-            <a:extLst>
-              <a:ext uri="{FF2B5EF4-FFF2-40B4-BE49-F238E27FC236}">
-                <a16:creationId xmlns:a16="http://schemas.microsoft.com/office/drawing/2014/main" id="{F2CDE3E1-336D-4447-BFAE-3B50429F9F19}"/>
-              </a:ext>
-            </a:extLst>
-          </p:cNvPr>
-          <p:cNvSpPr>
-            <a:spLocks noGrp="1"/>
-          </p:cNvSpPr>
-          <p:nvPr>
-            <p:ph type="ctrTitle"/>
+          <p:cNvPr id="2" name="Header Placeholder 1"/>
+          <p:cNvSpPr>
+            <a:spLocks noGrp="1"/>
+          </p:cNvSpPr>
+          <p:nvPr>
+            <p:ph type="hdr" sz="quarter"/>
           </p:nvPr>
         </p:nvSpPr>
         <p:spPr>
           <a:xfrm>
-            <a:off x="1524000" y="1122363"/>
-            <a:ext cx="9144000" cy="2387600"/>
+            <a:off x="0" y="0"/>
+            <a:ext cx="2971800" cy="458788"/>
           </a:xfrm>
+          <a:prstGeom prst="rect">
+            <a:avLst/>
+          </a:prstGeom>
         </p:spPr>
         <p:txBody>
-          <a:bodyPr anchor="b"/>
+          <a:bodyPr vert="horz" lIns="91440" tIns="45720" rIns="91440" bIns="45720" rtlCol="0"/>
           <a:lstStyle>
-            <a:lvl1pPr algn="ctr">
-              <a:defRPr sz="6000"/>
+            <a:lvl1pPr algn="l">
+              <a:defRPr sz="1200"/>
             </a:lvl1pPr>
           </a:lstStyle>
           <a:p>
-            <a:r>
-              <a:rPr lang="zh-CN" altLang="en-US"/>
-              <a:t>单击此处编辑母版标题样式</a:t>
-            </a:r>
-          </a:p>
-        </p:txBody>
-      </p:sp>
-      <p:sp>
-        <p:nvSpPr>
-          <p:cNvPr id="3" name="副标题 2">
-            <a:extLst>
-              <a:ext uri="{FF2B5EF4-FFF2-40B4-BE49-F238E27FC236}">
-                <a16:creationId xmlns:a16="http://schemas.microsoft.com/office/drawing/2014/main" id="{4C8DB0F5-097C-43E2-BF4A-84476F40D60C}"/>
-              </a:ext>
-            </a:extLst>
-          </p:cNvPr>
-          <p:cNvSpPr>
-            <a:spLocks noGrp="1"/>
-          </p:cNvSpPr>
-          <p:nvPr>
-            <p:ph type="subTitle" idx="1"/>
+            <a:endParaRPr lang="zh-CN" altLang="en-US"/>
+          </a:p>
+        </p:txBody>
+      </p:sp>
+      <p:sp>
+        <p:nvSpPr>
+          <p:cNvPr id="3" name="Date Placeholder 2"/>
+          <p:cNvSpPr>
+            <a:spLocks noGrp="1"/>
+          </p:cNvSpPr>
+          <p:nvPr>
+            <p:ph type="dt" idx="1"/>
           </p:nvPr>
         </p:nvSpPr>
         <p:spPr>
           <a:xfrm>
-            <a:off x="1524000" y="3602038"/>
-            <a:ext cx="9144000" cy="1655762"/>
+            <a:off x="3884613" y="0"/>
+            <a:ext cx="2971800" cy="458788"/>
           </a:xfrm>
+          <a:prstGeom prst="rect">
+            <a:avLst/>
+          </a:prstGeom>
         </p:spPr>
         <p:txBody>
-          <a:bodyPr/>
+          <a:bodyPr vert="horz" lIns="91440" tIns="45720" rIns="91440" bIns="45720" rtlCol="0"/>
           <a:lstStyle>
-            <a:lvl1pPr marL="0" indent="0" algn="ctr">
-              <a:buNone/>
-              <a:defRPr sz="2400"/>
+            <a:lvl1pPr algn="r">
+              <a:defRPr sz="1200"/>
             </a:lvl1pPr>
-            <a:lvl2pPr marL="457200" indent="0" algn="ctr">
-              <a:buNone/>
-              <a:defRPr sz="2000"/>
-            </a:lvl2pPr>
-            <a:lvl3pPr marL="914400" indent="0" algn="ctr">
-              <a:buNone/>
-              <a:defRPr sz="1800"/>
-            </a:lvl3pPr>
-            <a:lvl4pPr marL="1371600" indent="0" algn="ctr">
-              <a:buNone/>
-              <a:defRPr sz="1600"/>
-            </a:lvl4pPr>
-            <a:lvl5pPr marL="1828800" indent="0" algn="ctr">
-              <a:buNone/>
-              <a:defRPr sz="1600"/>
-            </a:lvl5pPr>
-            <a:lvl6pPr marL="2286000" indent="0" algn="ctr">
-              <a:buNone/>
-              <a:defRPr sz="1600"/>
-            </a:lvl6pPr>
-            <a:lvl7pPr marL="2743200" indent="0" algn="ctr">
-              <a:buNone/>
-              <a:defRPr sz="1600"/>
-            </a:lvl7pPr>
-            <a:lvl8pPr marL="3200400" indent="0" algn="ctr">
-              <a:buNone/>
-              <a:defRPr sz="1600"/>
-            </a:lvl8pPr>
-            <a:lvl9pPr marL="3657600" indent="0" algn="ctr">
-              <a:buNone/>
-              <a:defRPr sz="1600"/>
-            </a:lvl9pPr>
           </a:lstStyle>
           <a:p>
-            <a:r>
-              <a:rPr lang="zh-CN" altLang="en-US"/>
-              <a:t>单击此处编辑母版副标题样式</a:t>
-            </a:r>
-          </a:p>
-        </p:txBody>
-      </p:sp>
-      <p:sp>
-        <p:nvSpPr>
-          <p:cNvPr id="4" name="日期占位符 3">
-            <a:extLst>
-              <a:ext uri="{FF2B5EF4-FFF2-40B4-BE49-F238E27FC236}">
-                <a16:creationId xmlns:a16="http://schemas.microsoft.com/office/drawing/2014/main" id="{003CC68D-D2B3-46A3-B8C5-2BE49CCB01E3}"/>
-              </a:ext>
-            </a:extLst>
-          </p:cNvPr>
-          <p:cNvSpPr>
-            <a:spLocks noGrp="1"/>
-          </p:cNvSpPr>
-          <p:nvPr>
-            <p:ph type="dt" sz="half" idx="10"/>
-          </p:nvPr>
-        </p:nvSpPr>
-        <p:spPr/>
-        <p:txBody>
-          <a:bodyPr/>
-          <a:lstStyle/>
-          <a:p>
-            <a:fld id="{B346795D-67DE-4829-9C51-38E01F2E8E28}" type="datetimeFigureOut">
+            <a:fld id="{8AA529DF-D882-4BE0-AD0C-937F847D3BD0}" type="datetimeFigureOut">
               <a:rPr lang="zh-CN" altLang="en-US" smtClean="0"/>
-              <a:t>2018/3/27</a:t>
+              <a:t>2018/3/29</a:t>
             </a:fld>
             <a:endParaRPr lang="zh-CN" altLang="en-US"/>
           </a:p>
@@ -267,23 +210,31 @@
       </p:sp>
       <p:sp>
         <p:nvSpPr>
-          <p:cNvPr id="5" name="页脚占位符 4">
-            <a:extLst>
-              <a:ext uri="{FF2B5EF4-FFF2-40B4-BE49-F238E27FC236}">
-                <a16:creationId xmlns:a16="http://schemas.microsoft.com/office/drawing/2014/main" id="{9369D15B-5502-4B81-BE0A-719241621FD9}"/>
-              </a:ext>
-            </a:extLst>
-          </p:cNvPr>
-          <p:cNvSpPr>
-            <a:spLocks noGrp="1"/>
-          </p:cNvSpPr>
-          <p:nvPr>
-            <p:ph type="ftr" sz="quarter" idx="11"/>
-          </p:nvPr>
-        </p:nvSpPr>
-        <p:spPr/>
-        <p:txBody>
-          <a:bodyPr/>
+          <p:cNvPr id="4" name="Slide Image Placeholder 3"/>
+          <p:cNvSpPr>
+            <a:spLocks noGrp="1" noRot="1" noChangeAspect="1"/>
+          </p:cNvSpPr>
+          <p:nvPr>
+            <p:ph type="sldImg" idx="2"/>
+          </p:nvPr>
+        </p:nvSpPr>
+        <p:spPr>
+          <a:xfrm>
+            <a:off x="685800" y="1143000"/>
+            <a:ext cx="5486400" cy="3086100"/>
+          </a:xfrm>
+          <a:prstGeom prst="rect">
+            <a:avLst/>
+          </a:prstGeom>
+          <a:noFill/>
+          <a:ln w="12700">
+            <a:solidFill>
+              <a:prstClr val="black"/>
+            </a:solidFill>
+          </a:ln>
+        </p:spPr>
+        <p:txBody>
+          <a:bodyPr vert="horz" lIns="91440" tIns="45720" rIns="91440" bIns="45720" rtlCol="0" anchor="ctr"/>
           <a:lstStyle/>
           <a:p>
             <a:endParaRPr lang="zh-CN" altLang="en-US"/>
@@ -292,26 +243,123 @@
       </p:sp>
       <p:sp>
         <p:nvSpPr>
-          <p:cNvPr id="6" name="灯片编号占位符 5">
-            <a:extLst>
-              <a:ext uri="{FF2B5EF4-FFF2-40B4-BE49-F238E27FC236}">
-                <a16:creationId xmlns:a16="http://schemas.microsoft.com/office/drawing/2014/main" id="{097759DB-FB33-426D-88CE-9440DEAB3AD8}"/>
-              </a:ext>
-            </a:extLst>
-          </p:cNvPr>
-          <p:cNvSpPr>
-            <a:spLocks noGrp="1"/>
-          </p:cNvSpPr>
-          <p:nvPr>
-            <p:ph type="sldNum" sz="quarter" idx="12"/>
-          </p:nvPr>
-        </p:nvSpPr>
-        <p:spPr/>
-        <p:txBody>
-          <a:bodyPr/>
+          <p:cNvPr id="5" name="Notes Placeholder 4"/>
+          <p:cNvSpPr>
+            <a:spLocks noGrp="1"/>
+          </p:cNvSpPr>
+          <p:nvPr>
+            <p:ph type="body" sz="quarter" idx="3"/>
+          </p:nvPr>
+        </p:nvSpPr>
+        <p:spPr>
+          <a:xfrm>
+            <a:off x="685800" y="4400550"/>
+            <a:ext cx="5486400" cy="3600450"/>
+          </a:xfrm>
+          <a:prstGeom prst="rect">
+            <a:avLst/>
+          </a:prstGeom>
+        </p:spPr>
+        <p:txBody>
+          <a:bodyPr vert="horz" lIns="91440" tIns="45720" rIns="91440" bIns="45720" rtlCol="0"/>
           <a:lstStyle/>
           <a:p>
-            <a:fld id="{DCCD1F3F-ABC4-4520-A2C3-C0E9BAC79FD3}" type="slidenum">
+            <a:pPr lvl="0"/>
+            <a:r>
+              <a:rPr lang="en-US" altLang="zh-CN" smtClean="0"/>
+              <a:t>Edit Master text styles</a:t>
+            </a:r>
+          </a:p>
+          <a:p>
+            <a:pPr lvl="1"/>
+            <a:r>
+              <a:rPr lang="en-US" altLang="zh-CN" smtClean="0"/>
+              <a:t>Second level</a:t>
+            </a:r>
+          </a:p>
+          <a:p>
+            <a:pPr lvl="2"/>
+            <a:r>
+              <a:rPr lang="en-US" altLang="zh-CN" smtClean="0"/>
+              <a:t>Third level</a:t>
+            </a:r>
+          </a:p>
+          <a:p>
+            <a:pPr lvl="3"/>
+            <a:r>
+              <a:rPr lang="en-US" altLang="zh-CN" smtClean="0"/>
+              <a:t>Fourth level</a:t>
+            </a:r>
+          </a:p>
+          <a:p>
+            <a:pPr lvl="4"/>
+            <a:r>
+              <a:rPr lang="en-US" altLang="zh-CN" smtClean="0"/>
+              <a:t>Fifth level</a:t>
+            </a:r>
+            <a:endParaRPr lang="zh-CN" altLang="en-US"/>
+          </a:p>
+        </p:txBody>
+      </p:sp>
+      <p:sp>
+        <p:nvSpPr>
+          <p:cNvPr id="6" name="Footer Placeholder 5"/>
+          <p:cNvSpPr>
+            <a:spLocks noGrp="1"/>
+          </p:cNvSpPr>
+          <p:nvPr>
+            <p:ph type="ftr" sz="quarter" idx="4"/>
+          </p:nvPr>
+        </p:nvSpPr>
+        <p:spPr>
+          <a:xfrm>
+            <a:off x="0" y="8685213"/>
+            <a:ext cx="2971800" cy="458787"/>
+          </a:xfrm>
+          <a:prstGeom prst="rect">
+            <a:avLst/>
+          </a:prstGeom>
+        </p:spPr>
+        <p:txBody>
+          <a:bodyPr vert="horz" lIns="91440" tIns="45720" rIns="91440" bIns="45720" rtlCol="0" anchor="b"/>
+          <a:lstStyle>
+            <a:lvl1pPr algn="l">
+              <a:defRPr sz="1200"/>
+            </a:lvl1pPr>
+          </a:lstStyle>
+          <a:p>
+            <a:endParaRPr lang="zh-CN" altLang="en-US"/>
+          </a:p>
+        </p:txBody>
+      </p:sp>
+      <p:sp>
+        <p:nvSpPr>
+          <p:cNvPr id="7" name="Slide Number Placeholder 6"/>
+          <p:cNvSpPr>
+            <a:spLocks noGrp="1"/>
+          </p:cNvSpPr>
+          <p:nvPr>
+            <p:ph type="sldNum" sz="quarter" idx="5"/>
+          </p:nvPr>
+        </p:nvSpPr>
+        <p:spPr>
+          <a:xfrm>
+            <a:off x="3884613" y="8685213"/>
+            <a:ext cx="2971800" cy="458787"/>
+          </a:xfrm>
+          <a:prstGeom prst="rect">
+            <a:avLst/>
+          </a:prstGeom>
+        </p:spPr>
+        <p:txBody>
+          <a:bodyPr vert="horz" lIns="91440" tIns="45720" rIns="91440" bIns="45720" rtlCol="0" anchor="b"/>
+          <a:lstStyle>
+            <a:lvl1pPr algn="r">
+              <a:defRPr sz="1200"/>
+            </a:lvl1pPr>
+          </a:lstStyle>
+          <a:p>
+            <a:fld id="{20DEEEEA-8860-44D0-8245-71D76EE54FE1}" type="slidenum">
               <a:rPr lang="zh-CN" altLang="en-US" smtClean="0"/>
               <a:t>‹#›</a:t>
             </a:fld>
@@ -322,19 +370,109 @@
     </p:spTree>
     <p:extLst>
       <p:ext uri="{BB962C8B-B14F-4D97-AF65-F5344CB8AC3E}">
-        <p14:creationId xmlns:p14="http://schemas.microsoft.com/office/powerpoint/2010/main" val="3240976076"/>
+        <p14:creationId xmlns:p14="http://schemas.microsoft.com/office/powerpoint/2010/main" val="4083571274"/>
       </p:ext>
     </p:extLst>
   </p:cSld>
-  <p:clrMapOvr>
-    <a:masterClrMapping/>
-  </p:clrMapOvr>
-</p:sldLayout>
+  <p:clrMap bg1="lt1" tx1="dk1" bg2="lt2" tx2="dk2" accent1="accent1" accent2="accent2" accent3="accent3" accent4="accent4" accent5="accent5" accent6="accent6" hlink="hlink" folHlink="folHlink"/>
+  <p:notesStyle>
+    <a:lvl1pPr marL="0" algn="l" defTabSz="914400" rtl="0" eaLnBrk="1" latinLnBrk="0" hangingPunct="1">
+      <a:defRPr sz="1200" kern="1200">
+        <a:solidFill>
+          <a:schemeClr val="tx1"/>
+        </a:solidFill>
+        <a:latin typeface="+mn-lt"/>
+        <a:ea typeface="+mn-ea"/>
+        <a:cs typeface="+mn-cs"/>
+      </a:defRPr>
+    </a:lvl1pPr>
+    <a:lvl2pPr marL="457200" algn="l" defTabSz="914400" rtl="0" eaLnBrk="1" latinLnBrk="0" hangingPunct="1">
+      <a:defRPr sz="1200" kern="1200">
+        <a:solidFill>
+          <a:schemeClr val="tx1"/>
+        </a:solidFill>
+        <a:latin typeface="+mn-lt"/>
+        <a:ea typeface="+mn-ea"/>
+        <a:cs typeface="+mn-cs"/>
+      </a:defRPr>
+    </a:lvl2pPr>
+    <a:lvl3pPr marL="914400" algn="l" defTabSz="914400" rtl="0" eaLnBrk="1" latinLnBrk="0" hangingPunct="1">
+      <a:defRPr sz="1200" kern="1200">
+        <a:solidFill>
+          <a:schemeClr val="tx1"/>
+        </a:solidFill>
+        <a:latin typeface="+mn-lt"/>
+        <a:ea typeface="+mn-ea"/>
+        <a:cs typeface="+mn-cs"/>
+      </a:defRPr>
+    </a:lvl3pPr>
+    <a:lvl4pPr marL="1371600" algn="l" defTabSz="914400" rtl="0" eaLnBrk="1" latinLnBrk="0" hangingPunct="1">
+      <a:defRPr sz="1200" kern="1200">
+        <a:solidFill>
+          <a:schemeClr val="tx1"/>
+        </a:solidFill>
+        <a:latin typeface="+mn-lt"/>
+        <a:ea typeface="+mn-ea"/>
+        <a:cs typeface="+mn-cs"/>
+      </a:defRPr>
+    </a:lvl4pPr>
+    <a:lvl5pPr marL="1828800" algn="l" defTabSz="914400" rtl="0" eaLnBrk="1" latinLnBrk="0" hangingPunct="1">
+      <a:defRPr sz="1200" kern="1200">
+        <a:solidFill>
+          <a:schemeClr val="tx1"/>
+        </a:solidFill>
+        <a:latin typeface="+mn-lt"/>
+        <a:ea typeface="+mn-ea"/>
+        <a:cs typeface="+mn-cs"/>
+      </a:defRPr>
+    </a:lvl5pPr>
+    <a:lvl6pPr marL="2286000" algn="l" defTabSz="914400" rtl="0" eaLnBrk="1" latinLnBrk="0" hangingPunct="1">
+      <a:defRPr sz="1200" kern="1200">
+        <a:solidFill>
+          <a:schemeClr val="tx1"/>
+        </a:solidFill>
+        <a:latin typeface="+mn-lt"/>
+        <a:ea typeface="+mn-ea"/>
+        <a:cs typeface="+mn-cs"/>
+      </a:defRPr>
+    </a:lvl6pPr>
+    <a:lvl7pPr marL="2743200" algn="l" defTabSz="914400" rtl="0" eaLnBrk="1" latinLnBrk="0" hangingPunct="1">
+      <a:defRPr sz="1200" kern="1200">
+        <a:solidFill>
+          <a:schemeClr val="tx1"/>
+        </a:solidFill>
+        <a:latin typeface="+mn-lt"/>
+        <a:ea typeface="+mn-ea"/>
+        <a:cs typeface="+mn-cs"/>
+      </a:defRPr>
+    </a:lvl7pPr>
+    <a:lvl8pPr marL="3200400" algn="l" defTabSz="914400" rtl="0" eaLnBrk="1" latinLnBrk="0" hangingPunct="1">
+      <a:defRPr sz="1200" kern="1200">
+        <a:solidFill>
+          <a:schemeClr val="tx1"/>
+        </a:solidFill>
+        <a:latin typeface="+mn-lt"/>
+        <a:ea typeface="+mn-ea"/>
+        <a:cs typeface="+mn-cs"/>
+      </a:defRPr>
+    </a:lvl8pPr>
+    <a:lvl9pPr marL="3657600" algn="l" defTabSz="914400" rtl="0" eaLnBrk="1" latinLnBrk="0" hangingPunct="1">
+      <a:defRPr sz="1200" kern="1200">
+        <a:solidFill>
+          <a:schemeClr val="tx1"/>
+        </a:solidFill>
+        <a:latin typeface="+mn-lt"/>
+        <a:ea typeface="+mn-ea"/>
+        <a:cs typeface="+mn-cs"/>
+      </a:defRPr>
+    </a:lvl9pPr>
+  </p:notesStyle>
+</p:notesMaster>
 </file>
 
-<file path=ppt/slideLayouts/slideLayout10.xml><?xml version="1.0" encoding="utf-8"?>
-<p:sldLayout xmlns:a="http://schemas.openxmlformats.org/drawingml/2006/main" xmlns:r="http://schemas.openxmlformats.org/officeDocument/2006/relationships" xmlns:p="http://schemas.openxmlformats.org/presentationml/2006/main" type="vertTx" preserve="1">
-  <p:cSld name="标题和竖排文字">
+<file path=ppt/notesSlides/notesSlide1.xml><?xml version="1.0" encoding="utf-8"?>
+<p:notes xmlns:a="http://schemas.openxmlformats.org/drawingml/2006/main" xmlns:r="http://schemas.openxmlformats.org/officeDocument/2006/relationships" xmlns:p="http://schemas.openxmlformats.org/presentationml/2006/main">
+  <p:cSld>
     <p:spTree>
       <p:nvGrpSpPr>
         <p:cNvPr id="1" name=""/>
@@ -351,18 +489,24 @@
       </p:grpSpPr>
       <p:sp>
         <p:nvSpPr>
-          <p:cNvPr id="2" name="标题 1">
-            <a:extLst>
-              <a:ext uri="{FF2B5EF4-FFF2-40B4-BE49-F238E27FC236}">
-                <a16:creationId xmlns:a16="http://schemas.microsoft.com/office/drawing/2014/main" id="{194B13FF-55DB-4E55-86F8-157B815B6EB4}"/>
-              </a:ext>
-            </a:extLst>
-          </p:cNvPr>
-          <p:cNvSpPr>
-            <a:spLocks noGrp="1"/>
-          </p:cNvSpPr>
-          <p:nvPr>
-            <p:ph type="title"/>
+          <p:cNvPr id="2" name="Slide Image Placeholder 1"/>
+          <p:cNvSpPr>
+            <a:spLocks noGrp="1" noRot="1" noChangeAspect="1"/>
+          </p:cNvSpPr>
+          <p:nvPr>
+            <p:ph type="sldImg"/>
+          </p:nvPr>
+        </p:nvSpPr>
+        <p:spPr/>
+      </p:sp>
+      <p:sp>
+        <p:nvSpPr>
+          <p:cNvPr id="3" name="Notes Placeholder 2"/>
+          <p:cNvSpPr>
+            <a:spLocks noGrp="1"/>
+          </p:cNvSpPr>
+          <p:nvPr>
+            <p:ph type="body" idx="1"/>
           </p:nvPr>
         </p:nvSpPr>
         <p:spPr/>
@@ -371,83 +515,61 @@
           <a:lstStyle/>
           <a:p>
             <a:r>
-              <a:rPr lang="zh-CN" altLang="en-US"/>
-              <a:t>单击此处编辑母版标题样式</a:t>
-            </a:r>
-          </a:p>
-        </p:txBody>
-      </p:sp>
-      <p:sp>
-        <p:nvSpPr>
-          <p:cNvPr id="3" name="竖排文字占位符 2">
-            <a:extLst>
-              <a:ext uri="{FF2B5EF4-FFF2-40B4-BE49-F238E27FC236}">
-                <a16:creationId xmlns:a16="http://schemas.microsoft.com/office/drawing/2014/main" id="{8E2C60DE-C645-49B8-B743-34C518E6AF16}"/>
-              </a:ext>
-            </a:extLst>
-          </p:cNvPr>
-          <p:cNvSpPr>
-            <a:spLocks noGrp="1"/>
-          </p:cNvSpPr>
-          <p:nvPr>
-            <p:ph type="body" orient="vert" idx="1"/>
-          </p:nvPr>
-        </p:nvSpPr>
-        <p:spPr/>
-        <p:txBody>
-          <a:bodyPr vert="eaVert"/>
-          <a:lstStyle/>
-          <a:p>
-            <a:pPr lvl="0"/>
-            <a:r>
-              <a:rPr lang="zh-CN" altLang="en-US"/>
-              <a:t>编辑母版文本样式</a:t>
-            </a:r>
-          </a:p>
-          <a:p>
-            <a:pPr lvl="1"/>
-            <a:r>
-              <a:rPr lang="zh-CN" altLang="en-US"/>
-              <a:t>第二级</a:t>
-            </a:r>
-          </a:p>
-          <a:p>
-            <a:pPr lvl="2"/>
-            <a:r>
-              <a:rPr lang="zh-CN" altLang="en-US"/>
-              <a:t>第三级</a:t>
-            </a:r>
-          </a:p>
-          <a:p>
-            <a:pPr lvl="3"/>
-            <a:r>
-              <a:rPr lang="zh-CN" altLang="en-US"/>
-              <a:t>第四级</a:t>
-            </a:r>
-          </a:p>
-          <a:p>
-            <a:pPr lvl="4"/>
-            <a:r>
-              <a:rPr lang="zh-CN" altLang="en-US"/>
-              <a:t>第五级</a:t>
-            </a:r>
-          </a:p>
-        </p:txBody>
-      </p:sp>
-      <p:sp>
-        <p:nvSpPr>
-          <p:cNvPr id="4" name="日期占位符 3">
-            <a:extLst>
-              <a:ext uri="{FF2B5EF4-FFF2-40B4-BE49-F238E27FC236}">
-                <a16:creationId xmlns:a16="http://schemas.microsoft.com/office/drawing/2014/main" id="{6A986B35-5E73-43D7-A736-1025AC1DFE1E}"/>
-              </a:ext>
-            </a:extLst>
-          </p:cNvPr>
-          <p:cNvSpPr>
-            <a:spLocks noGrp="1"/>
-          </p:cNvSpPr>
-          <p:nvPr>
-            <p:ph type="dt" sz="half" idx="10"/>
+              <a:rPr lang="zh-CN" altLang="en-US" dirty="0" smtClean="0"/>
+              <a:t>这个系统可以实现从生产线到顶层的数据展现层的所有信息的畅通无阻</a:t>
+            </a:r>
+            <a:r>
+              <a:rPr lang="en-US" altLang="zh-CN" dirty="0" smtClean="0"/>
+              <a:t>,TSN</a:t>
+            </a:r>
+            <a:r>
+              <a:rPr lang="zh-CN" altLang="en-US" dirty="0" smtClean="0"/>
+              <a:t>技术可以扩展现有</a:t>
+            </a:r>
+            <a:r>
+              <a:rPr lang="en-US" altLang="zh-CN" dirty="0" smtClean="0"/>
+              <a:t>IEEE</a:t>
+            </a:r>
+            <a:r>
+              <a:rPr lang="en-US" altLang="zh-CN" baseline="0" dirty="0" smtClean="0"/>
+              <a:t> 802.1 Ethernet</a:t>
+            </a:r>
+            <a:r>
+              <a:rPr lang="zh-CN" altLang="en-US" baseline="0" dirty="0" smtClean="0"/>
+              <a:t>标准</a:t>
+            </a:r>
+            <a:r>
+              <a:rPr lang="en-US" altLang="zh-CN" baseline="0" dirty="0" smtClean="0"/>
+              <a:t>,</a:t>
+            </a:r>
+            <a:r>
+              <a:rPr lang="zh-CN" altLang="en-US" baseline="0" dirty="0" smtClean="0"/>
+              <a:t>从而实现</a:t>
+            </a:r>
+            <a:r>
+              <a:rPr lang="en-US" altLang="zh-CN" baseline="0" dirty="0" smtClean="0"/>
+              <a:t>OPC UA</a:t>
+            </a:r>
+            <a:r>
+              <a:rPr lang="zh-CN" altLang="en-US" baseline="0" dirty="0" smtClean="0"/>
+              <a:t>的时事通信</a:t>
+            </a:r>
+            <a:r>
+              <a:rPr lang="en-US" altLang="zh-CN" baseline="0" dirty="0" smtClean="0"/>
+              <a:t>.</a:t>
+            </a:r>
+            <a:endParaRPr lang="zh-CN" altLang="en-US" dirty="0"/>
+          </a:p>
+        </p:txBody>
+      </p:sp>
+      <p:sp>
+        <p:nvSpPr>
+          <p:cNvPr id="4" name="Slide Number Placeholder 3"/>
+          <p:cNvSpPr>
+            <a:spLocks noGrp="1"/>
+          </p:cNvSpPr>
+          <p:nvPr>
+            <p:ph type="sldNum" sz="quarter" idx="10"/>
           </p:nvPr>
         </p:nvSpPr>
         <p:spPr/>
@@ -455,63 +577,9 @@
           <a:bodyPr/>
           <a:lstStyle/>
           <a:p>
-            <a:fld id="{B346795D-67DE-4829-9C51-38E01F2E8E28}" type="datetimeFigureOut">
+            <a:fld id="{20DEEEEA-8860-44D0-8245-71D76EE54FE1}" type="slidenum">
               <a:rPr lang="zh-CN" altLang="en-US" smtClean="0"/>
-              <a:t>2018/3/27</a:t>
-            </a:fld>
-            <a:endParaRPr lang="zh-CN" altLang="en-US"/>
-          </a:p>
-        </p:txBody>
-      </p:sp>
-      <p:sp>
-        <p:nvSpPr>
-          <p:cNvPr id="5" name="页脚占位符 4">
-            <a:extLst>
-              <a:ext uri="{FF2B5EF4-FFF2-40B4-BE49-F238E27FC236}">
-                <a16:creationId xmlns:a16="http://schemas.microsoft.com/office/drawing/2014/main" id="{534339A3-B4E0-4F79-87F9-60F4F631556F}"/>
-              </a:ext>
-            </a:extLst>
-          </p:cNvPr>
-          <p:cNvSpPr>
-            <a:spLocks noGrp="1"/>
-          </p:cNvSpPr>
-          <p:nvPr>
-            <p:ph type="ftr" sz="quarter" idx="11"/>
-          </p:nvPr>
-        </p:nvSpPr>
-        <p:spPr/>
-        <p:txBody>
-          <a:bodyPr/>
-          <a:lstStyle/>
-          <a:p>
-            <a:endParaRPr lang="zh-CN" altLang="en-US"/>
-          </a:p>
-        </p:txBody>
-      </p:sp>
-      <p:sp>
-        <p:nvSpPr>
-          <p:cNvPr id="6" name="灯片编号占位符 5">
-            <a:extLst>
-              <a:ext uri="{FF2B5EF4-FFF2-40B4-BE49-F238E27FC236}">
-                <a16:creationId xmlns:a16="http://schemas.microsoft.com/office/drawing/2014/main" id="{6BB0C1BC-1C46-4873-B69E-CDF10B25E6D5}"/>
-              </a:ext>
-            </a:extLst>
-          </p:cNvPr>
-          <p:cNvSpPr>
-            <a:spLocks noGrp="1"/>
-          </p:cNvSpPr>
-          <p:nvPr>
-            <p:ph type="sldNum" sz="quarter" idx="12"/>
-          </p:nvPr>
-        </p:nvSpPr>
-        <p:spPr/>
-        <p:txBody>
-          <a:bodyPr/>
-          <a:lstStyle/>
-          <a:p>
-            <a:fld id="{DCCD1F3F-ABC4-4520-A2C3-C0E9BAC79FD3}" type="slidenum">
-              <a:rPr lang="zh-CN" altLang="en-US" smtClean="0"/>
-              <a:t>‹#›</a:t>
+              <a:t>6</a:t>
             </a:fld>
             <a:endParaRPr lang="zh-CN" altLang="en-US"/>
           </a:p>
@@ -520,19 +588,19 @@
     </p:spTree>
     <p:extLst>
       <p:ext uri="{BB962C8B-B14F-4D97-AF65-F5344CB8AC3E}">
-        <p14:creationId xmlns:p14="http://schemas.microsoft.com/office/powerpoint/2010/main" val="4239237456"/>
+        <p14:creationId xmlns:p14="http://schemas.microsoft.com/office/powerpoint/2010/main" val="2074248570"/>
       </p:ext>
     </p:extLst>
   </p:cSld>
   <p:clrMapOvr>
     <a:masterClrMapping/>
   </p:clrMapOvr>
-</p:sldLayout>
+</p:notes>
 </file>
 
-<file path=ppt/slideLayouts/slideLayout11.xml><?xml version="1.0" encoding="utf-8"?>
-<p:sldLayout xmlns:a="http://schemas.openxmlformats.org/drawingml/2006/main" xmlns:r="http://schemas.openxmlformats.org/officeDocument/2006/relationships" xmlns:p="http://schemas.openxmlformats.org/presentationml/2006/main" type="vertTitleAndTx" preserve="1">
-  <p:cSld name="竖排标题与文本">
+<file path=ppt/slideLayouts/slideLayout1.xml><?xml version="1.0" encoding="utf-8"?>
+<p:sldLayout xmlns:a="http://schemas.openxmlformats.org/drawingml/2006/main" xmlns:r="http://schemas.openxmlformats.org/officeDocument/2006/relationships" xmlns:p="http://schemas.openxmlformats.org/presentationml/2006/main" showMasterSp="0" type="title" preserve="1">
+  <p:cSld name="Title Slide">
     <p:spTree>
       <p:nvGrpSpPr>
         <p:cNvPr id="1" name=""/>
@@ -547,110 +615,697 @@
           <a:chExt cx="0" cy="0"/>
         </a:xfrm>
       </p:grpSpPr>
-      <p:sp>
-        <p:nvSpPr>
-          <p:cNvPr id="2" name="竖排标题 1">
-            <a:extLst>
-              <a:ext uri="{FF2B5EF4-FFF2-40B4-BE49-F238E27FC236}">
-                <a16:creationId xmlns:a16="http://schemas.microsoft.com/office/drawing/2014/main" id="{7A47C622-E904-439D-96A8-C39FE9301BC2}"/>
-              </a:ext>
-            </a:extLst>
-          </p:cNvPr>
-          <p:cNvSpPr>
-            <a:spLocks noGrp="1"/>
-          </p:cNvSpPr>
-          <p:nvPr>
-            <p:ph type="title" orient="vert"/>
+      <p:grpSp>
+        <p:nvGrpSpPr>
+          <p:cNvPr id="7" name="Group 6"/>
+          <p:cNvGrpSpPr/>
+          <p:nvPr/>
+        </p:nvGrpSpPr>
+        <p:grpSpPr>
+          <a:xfrm>
+            <a:off x="0" y="-8467"/>
+            <a:ext cx="12192000" cy="6866467"/>
+            <a:chOff x="0" y="-8467"/>
+            <a:chExt cx="12192000" cy="6866467"/>
+          </a:xfrm>
+        </p:grpSpPr>
+        <p:cxnSp>
+          <p:nvCxnSpPr>
+            <p:cNvPr id="32" name="Straight Connector 31"/>
+            <p:cNvCxnSpPr/>
+            <p:nvPr/>
+          </p:nvCxnSpPr>
+          <p:spPr>
+            <a:xfrm>
+              <a:off x="9371012" y="0"/>
+              <a:ext cx="1219200" cy="6858000"/>
+            </a:xfrm>
+            <a:prstGeom prst="line">
+              <a:avLst/>
+            </a:prstGeom>
+            <a:ln w="9525">
+              <a:solidFill>
+                <a:schemeClr val="bg1">
+                  <a:lumMod val="75000"/>
+                </a:schemeClr>
+              </a:solidFill>
+            </a:ln>
+          </p:spPr>
+          <p:style>
+            <a:lnRef idx="2">
+              <a:schemeClr val="accent1"/>
+            </a:lnRef>
+            <a:fillRef idx="0">
+              <a:schemeClr val="accent1"/>
+            </a:fillRef>
+            <a:effectRef idx="1">
+              <a:schemeClr val="accent1"/>
+            </a:effectRef>
+            <a:fontRef idx="minor">
+              <a:schemeClr val="tx1"/>
+            </a:fontRef>
+          </p:style>
+        </p:cxnSp>
+        <p:cxnSp>
+          <p:nvCxnSpPr>
+            <p:cNvPr id="21" name="Straight Connector 20"/>
+            <p:cNvCxnSpPr/>
+            <p:nvPr/>
+          </p:nvCxnSpPr>
+          <p:spPr>
+            <a:xfrm flipH="1">
+              <a:off x="7425267" y="3681413"/>
+              <a:ext cx="4763558" cy="3176587"/>
+            </a:xfrm>
+            <a:prstGeom prst="line">
+              <a:avLst/>
+            </a:prstGeom>
+            <a:ln w="9525">
+              <a:solidFill>
+                <a:schemeClr val="bg1">
+                  <a:lumMod val="85000"/>
+                </a:schemeClr>
+              </a:solidFill>
+            </a:ln>
+          </p:spPr>
+          <p:style>
+            <a:lnRef idx="2">
+              <a:schemeClr val="accent1"/>
+            </a:lnRef>
+            <a:fillRef idx="0">
+              <a:schemeClr val="accent1"/>
+            </a:fillRef>
+            <a:effectRef idx="1">
+              <a:schemeClr val="accent1"/>
+            </a:effectRef>
+            <a:fontRef idx="minor">
+              <a:schemeClr val="tx1"/>
+            </a:fontRef>
+          </p:style>
+        </p:cxnSp>
+        <p:sp>
+          <p:nvSpPr>
+            <p:cNvPr id="24" name="Rectangle 23"/>
+            <p:cNvSpPr/>
+            <p:nvPr/>
+          </p:nvSpPr>
+          <p:spPr>
+            <a:xfrm>
+              <a:off x="9181476" y="-8467"/>
+              <a:ext cx="3007349" cy="6866467"/>
+            </a:xfrm>
+            <a:custGeom>
+              <a:avLst/>
+              <a:gdLst/>
+              <a:ahLst/>
+              <a:cxnLst/>
+              <a:rect l="l" t="t" r="r" b="b"/>
+              <a:pathLst>
+                <a:path w="3007349" h="6866467">
+                  <a:moveTo>
+                    <a:pt x="2045532" y="0"/>
+                  </a:moveTo>
+                  <a:lnTo>
+                    <a:pt x="3007349" y="0"/>
+                  </a:lnTo>
+                  <a:lnTo>
+                    <a:pt x="3007349" y="6866467"/>
+                  </a:lnTo>
+                  <a:lnTo>
+                    <a:pt x="0" y="6866467"/>
+                  </a:lnTo>
+                  <a:lnTo>
+                    <a:pt x="2045532" y="0"/>
+                  </a:lnTo>
+                  <a:close/>
+                </a:path>
+              </a:pathLst>
+            </a:custGeom>
+            <a:solidFill>
+              <a:schemeClr val="accent1">
+                <a:alpha val="30000"/>
+              </a:schemeClr>
+            </a:solidFill>
+            <a:ln>
+              <a:noFill/>
+            </a:ln>
+            <a:effectLst/>
+          </p:spPr>
+          <p:style>
+            <a:lnRef idx="1">
+              <a:schemeClr val="accent1"/>
+            </a:lnRef>
+            <a:fillRef idx="3">
+              <a:schemeClr val="accent1"/>
+            </a:fillRef>
+            <a:effectRef idx="2">
+              <a:schemeClr val="accent1"/>
+            </a:effectRef>
+            <a:fontRef idx="minor">
+              <a:schemeClr val="lt1"/>
+            </a:fontRef>
+          </p:style>
+        </p:sp>
+        <p:sp>
+          <p:nvSpPr>
+            <p:cNvPr id="26" name="Rectangle 25"/>
+            <p:cNvSpPr/>
+            <p:nvPr/>
+          </p:nvSpPr>
+          <p:spPr>
+            <a:xfrm>
+              <a:off x="9603442" y="-8467"/>
+              <a:ext cx="2588558" cy="6866467"/>
+            </a:xfrm>
+            <a:custGeom>
+              <a:avLst/>
+              <a:gdLst/>
+              <a:ahLst/>
+              <a:cxnLst/>
+              <a:rect l="l" t="t" r="r" b="b"/>
+              <a:pathLst>
+                <a:path w="2573311" h="6866467">
+                  <a:moveTo>
+                    <a:pt x="0" y="0"/>
+                  </a:moveTo>
+                  <a:lnTo>
+                    <a:pt x="2573311" y="0"/>
+                  </a:lnTo>
+                  <a:lnTo>
+                    <a:pt x="2573311" y="6866467"/>
+                  </a:lnTo>
+                  <a:lnTo>
+                    <a:pt x="1202336" y="6866467"/>
+                  </a:lnTo>
+                  <a:lnTo>
+                    <a:pt x="0" y="0"/>
+                  </a:lnTo>
+                  <a:close/>
+                </a:path>
+              </a:pathLst>
+            </a:custGeom>
+            <a:solidFill>
+              <a:schemeClr val="accent1">
+                <a:alpha val="20000"/>
+              </a:schemeClr>
+            </a:solidFill>
+            <a:ln>
+              <a:noFill/>
+            </a:ln>
+            <a:effectLst/>
+          </p:spPr>
+          <p:style>
+            <a:lnRef idx="1">
+              <a:schemeClr val="accent1"/>
+            </a:lnRef>
+            <a:fillRef idx="3">
+              <a:schemeClr val="accent1"/>
+            </a:fillRef>
+            <a:effectRef idx="2">
+              <a:schemeClr val="accent1"/>
+            </a:effectRef>
+            <a:fontRef idx="minor">
+              <a:schemeClr val="lt1"/>
+            </a:fontRef>
+          </p:style>
+        </p:sp>
+        <p:sp>
+          <p:nvSpPr>
+            <p:cNvPr id="27" name="Isosceles Triangle 26"/>
+            <p:cNvSpPr/>
+            <p:nvPr/>
+          </p:nvSpPr>
+          <p:spPr>
+            <a:xfrm>
+              <a:off x="8932333" y="3048000"/>
+              <a:ext cx="3259667" cy="3810000"/>
+            </a:xfrm>
+            <a:prstGeom prst="triangle">
+              <a:avLst>
+                <a:gd name="adj" fmla="val 100000"/>
+              </a:avLst>
+            </a:prstGeom>
+            <a:solidFill>
+              <a:schemeClr val="accent2">
+                <a:alpha val="72000"/>
+              </a:schemeClr>
+            </a:solidFill>
+            <a:ln>
+              <a:noFill/>
+            </a:ln>
+            <a:effectLst/>
+          </p:spPr>
+          <p:style>
+            <a:lnRef idx="1">
+              <a:schemeClr val="accent1"/>
+            </a:lnRef>
+            <a:fillRef idx="3">
+              <a:schemeClr val="accent1"/>
+            </a:fillRef>
+            <a:effectRef idx="2">
+              <a:schemeClr val="accent1"/>
+            </a:effectRef>
+            <a:fontRef idx="minor">
+              <a:schemeClr val="lt1"/>
+            </a:fontRef>
+          </p:style>
+        </p:sp>
+        <p:sp>
+          <p:nvSpPr>
+            <p:cNvPr id="28" name="Rectangle 27"/>
+            <p:cNvSpPr/>
+            <p:nvPr/>
+          </p:nvSpPr>
+          <p:spPr>
+            <a:xfrm>
+              <a:off x="9334500" y="-8467"/>
+              <a:ext cx="2854326" cy="6866467"/>
+            </a:xfrm>
+            <a:custGeom>
+              <a:avLst/>
+              <a:gdLst/>
+              <a:ahLst/>
+              <a:cxnLst/>
+              <a:rect l="l" t="t" r="r" b="b"/>
+              <a:pathLst>
+                <a:path w="2858013" h="6866467">
+                  <a:moveTo>
+                    <a:pt x="0" y="0"/>
+                  </a:moveTo>
+                  <a:lnTo>
+                    <a:pt x="2858013" y="0"/>
+                  </a:lnTo>
+                  <a:lnTo>
+                    <a:pt x="2858013" y="6866467"/>
+                  </a:lnTo>
+                  <a:lnTo>
+                    <a:pt x="2473942" y="6866467"/>
+                  </a:lnTo>
+                  <a:lnTo>
+                    <a:pt x="0" y="0"/>
+                  </a:lnTo>
+                  <a:close/>
+                </a:path>
+              </a:pathLst>
+            </a:custGeom>
+            <a:solidFill>
+              <a:schemeClr val="accent2">
+                <a:lumMod val="75000"/>
+                <a:alpha val="70000"/>
+              </a:schemeClr>
+            </a:solidFill>
+            <a:ln>
+              <a:noFill/>
+            </a:ln>
+            <a:effectLst/>
+          </p:spPr>
+          <p:style>
+            <a:lnRef idx="1">
+              <a:schemeClr val="accent1"/>
+            </a:lnRef>
+            <a:fillRef idx="3">
+              <a:schemeClr val="accent1"/>
+            </a:fillRef>
+            <a:effectRef idx="2">
+              <a:schemeClr val="accent1"/>
+            </a:effectRef>
+            <a:fontRef idx="minor">
+              <a:schemeClr val="lt1"/>
+            </a:fontRef>
+          </p:style>
+        </p:sp>
+        <p:sp>
+          <p:nvSpPr>
+            <p:cNvPr id="29" name="Rectangle 28"/>
+            <p:cNvSpPr/>
+            <p:nvPr/>
+          </p:nvSpPr>
+          <p:spPr>
+            <a:xfrm>
+              <a:off x="10898730" y="-8467"/>
+              <a:ext cx="1290094" cy="6866467"/>
+            </a:xfrm>
+            <a:custGeom>
+              <a:avLst/>
+              <a:gdLst/>
+              <a:ahLst/>
+              <a:cxnLst/>
+              <a:rect l="l" t="t" r="r" b="b"/>
+              <a:pathLst>
+                <a:path w="1290094" h="6858000">
+                  <a:moveTo>
+                    <a:pt x="1019735" y="0"/>
+                  </a:moveTo>
+                  <a:lnTo>
+                    <a:pt x="1290094" y="0"/>
+                  </a:lnTo>
+                  <a:lnTo>
+                    <a:pt x="1290094" y="6858000"/>
+                  </a:lnTo>
+                  <a:lnTo>
+                    <a:pt x="0" y="6858000"/>
+                  </a:lnTo>
+                  <a:lnTo>
+                    <a:pt x="1019735" y="0"/>
+                  </a:lnTo>
+                  <a:close/>
+                </a:path>
+              </a:pathLst>
+            </a:custGeom>
+            <a:solidFill>
+              <a:schemeClr val="accent1">
+                <a:lumMod val="60000"/>
+                <a:lumOff val="40000"/>
+                <a:alpha val="70000"/>
+              </a:schemeClr>
+            </a:solidFill>
+            <a:ln>
+              <a:noFill/>
+            </a:ln>
+            <a:effectLst/>
+          </p:spPr>
+          <p:style>
+            <a:lnRef idx="1">
+              <a:schemeClr val="accent1"/>
+            </a:lnRef>
+            <a:fillRef idx="3">
+              <a:schemeClr val="accent1"/>
+            </a:fillRef>
+            <a:effectRef idx="2">
+              <a:schemeClr val="accent1"/>
+            </a:effectRef>
+            <a:fontRef idx="minor">
+              <a:schemeClr val="lt1"/>
+            </a:fontRef>
+          </p:style>
+        </p:sp>
+        <p:sp>
+          <p:nvSpPr>
+            <p:cNvPr id="30" name="Rectangle 29"/>
+            <p:cNvSpPr/>
+            <p:nvPr/>
+          </p:nvSpPr>
+          <p:spPr>
+            <a:xfrm>
+              <a:off x="10938999" y="-8467"/>
+              <a:ext cx="1249825" cy="6866467"/>
+            </a:xfrm>
+            <a:custGeom>
+              <a:avLst/>
+              <a:gdLst/>
+              <a:ahLst/>
+              <a:cxnLst/>
+              <a:rect l="l" t="t" r="r" b="b"/>
+              <a:pathLst>
+                <a:path w="1249825" h="6858000">
+                  <a:moveTo>
+                    <a:pt x="0" y="0"/>
+                  </a:moveTo>
+                  <a:lnTo>
+                    <a:pt x="1249825" y="0"/>
+                  </a:lnTo>
+                  <a:lnTo>
+                    <a:pt x="1249825" y="6858000"/>
+                  </a:lnTo>
+                  <a:lnTo>
+                    <a:pt x="1109382" y="6858000"/>
+                  </a:lnTo>
+                  <a:lnTo>
+                    <a:pt x="0" y="0"/>
+                  </a:lnTo>
+                  <a:close/>
+                </a:path>
+              </a:pathLst>
+            </a:custGeom>
+            <a:solidFill>
+              <a:schemeClr val="accent1">
+                <a:alpha val="65000"/>
+              </a:schemeClr>
+            </a:solidFill>
+            <a:ln>
+              <a:noFill/>
+            </a:ln>
+            <a:effectLst/>
+          </p:spPr>
+          <p:style>
+            <a:lnRef idx="1">
+              <a:schemeClr val="accent1"/>
+            </a:lnRef>
+            <a:fillRef idx="3">
+              <a:schemeClr val="accent1"/>
+            </a:fillRef>
+            <a:effectRef idx="2">
+              <a:schemeClr val="accent1"/>
+            </a:effectRef>
+            <a:fontRef idx="minor">
+              <a:schemeClr val="lt1"/>
+            </a:fontRef>
+          </p:style>
+        </p:sp>
+        <p:sp>
+          <p:nvSpPr>
+            <p:cNvPr id="31" name="Isosceles Triangle 30"/>
+            <p:cNvSpPr/>
+            <p:nvPr/>
+          </p:nvSpPr>
+          <p:spPr>
+            <a:xfrm>
+              <a:off x="10371666" y="3589867"/>
+              <a:ext cx="1817159" cy="3268133"/>
+            </a:xfrm>
+            <a:prstGeom prst="triangle">
+              <a:avLst>
+                <a:gd name="adj" fmla="val 100000"/>
+              </a:avLst>
+            </a:prstGeom>
+            <a:solidFill>
+              <a:schemeClr val="accent1">
+                <a:alpha val="80000"/>
+              </a:schemeClr>
+            </a:solidFill>
+            <a:ln>
+              <a:noFill/>
+            </a:ln>
+            <a:effectLst/>
+          </p:spPr>
+          <p:style>
+            <a:lnRef idx="1">
+              <a:schemeClr val="accent1"/>
+            </a:lnRef>
+            <a:fillRef idx="3">
+              <a:schemeClr val="accent1"/>
+            </a:fillRef>
+            <a:effectRef idx="2">
+              <a:schemeClr val="accent1"/>
+            </a:effectRef>
+            <a:fontRef idx="minor">
+              <a:schemeClr val="lt1"/>
+            </a:fontRef>
+          </p:style>
+        </p:sp>
+        <p:sp>
+          <p:nvSpPr>
+            <p:cNvPr id="19" name="Isosceles Triangle 18"/>
+            <p:cNvSpPr/>
+            <p:nvPr/>
+          </p:nvSpPr>
+          <p:spPr>
+            <a:xfrm rot="10800000">
+              <a:off x="0" y="0"/>
+              <a:ext cx="842596" cy="5666154"/>
+            </a:xfrm>
+            <a:prstGeom prst="triangle">
+              <a:avLst>
+                <a:gd name="adj" fmla="val 100000"/>
+              </a:avLst>
+            </a:prstGeom>
+            <a:solidFill>
+              <a:schemeClr val="accent1">
+                <a:alpha val="85000"/>
+              </a:schemeClr>
+            </a:solidFill>
+            <a:ln>
+              <a:noFill/>
+            </a:ln>
+            <a:effectLst/>
+          </p:spPr>
+          <p:style>
+            <a:lnRef idx="1">
+              <a:schemeClr val="accent1"/>
+            </a:lnRef>
+            <a:fillRef idx="3">
+              <a:schemeClr val="accent1"/>
+            </a:fillRef>
+            <a:effectRef idx="2">
+              <a:schemeClr val="accent1"/>
+            </a:effectRef>
+            <a:fontRef idx="minor">
+              <a:schemeClr val="lt1"/>
+            </a:fontRef>
+          </p:style>
+        </p:sp>
+      </p:grpSp>
+      <p:sp>
+        <p:nvSpPr>
+          <p:cNvPr id="2" name="Title 1"/>
+          <p:cNvSpPr>
+            <a:spLocks noGrp="1"/>
+          </p:cNvSpPr>
+          <p:nvPr>
+            <p:ph type="ctrTitle"/>
           </p:nvPr>
         </p:nvSpPr>
         <p:spPr>
           <a:xfrm>
-            <a:off x="8724900" y="365125"/>
-            <a:ext cx="2628900" cy="5811838"/>
+            <a:off x="1507067" y="2404534"/>
+            <a:ext cx="7766936" cy="1646302"/>
           </a:xfrm>
         </p:spPr>
         <p:txBody>
-          <a:bodyPr vert="eaVert"/>
-          <a:lstStyle/>
-          <a:p>
-            <a:r>
-              <a:rPr lang="zh-CN" altLang="en-US"/>
-              <a:t>单击此处编辑母版标题样式</a:t>
-            </a:r>
-          </a:p>
-        </p:txBody>
-      </p:sp>
-      <p:sp>
-        <p:nvSpPr>
-          <p:cNvPr id="3" name="竖排文字占位符 2">
-            <a:extLst>
-              <a:ext uri="{FF2B5EF4-FFF2-40B4-BE49-F238E27FC236}">
-                <a16:creationId xmlns:a16="http://schemas.microsoft.com/office/drawing/2014/main" id="{99915F87-57A8-4BCC-80A8-B52EDF59A01E}"/>
-              </a:ext>
-            </a:extLst>
-          </p:cNvPr>
-          <p:cNvSpPr>
-            <a:spLocks noGrp="1"/>
-          </p:cNvSpPr>
-          <p:nvPr>
-            <p:ph type="body" orient="vert" idx="1"/>
+          <a:bodyPr anchor="b">
+            <a:noAutofit/>
+          </a:bodyPr>
+          <a:lstStyle>
+            <a:lvl1pPr algn="r">
+              <a:defRPr sz="5400">
+                <a:solidFill>
+                  <a:schemeClr val="accent1"/>
+                </a:solidFill>
+              </a:defRPr>
+            </a:lvl1pPr>
+          </a:lstStyle>
+          <a:p>
+            <a:r>
+              <a:rPr lang="en-US" altLang="zh-CN" smtClean="0"/>
+              <a:t>Click to edit Master title style</a:t>
+            </a:r>
+            <a:endParaRPr lang="en-US" dirty="0"/>
+          </a:p>
+        </p:txBody>
+      </p:sp>
+      <p:sp>
+        <p:nvSpPr>
+          <p:cNvPr id="3" name="Subtitle 2"/>
+          <p:cNvSpPr>
+            <a:spLocks noGrp="1"/>
+          </p:cNvSpPr>
+          <p:nvPr>
+            <p:ph type="subTitle" idx="1"/>
           </p:nvPr>
         </p:nvSpPr>
         <p:spPr>
           <a:xfrm>
-            <a:off x="838200" y="365125"/>
-            <a:ext cx="7734300" cy="5811838"/>
+            <a:off x="1507067" y="4050833"/>
+            <a:ext cx="7766936" cy="1096899"/>
           </a:xfrm>
         </p:spPr>
         <p:txBody>
-          <a:bodyPr vert="eaVert"/>
-          <a:lstStyle/>
-          <a:p>
-            <a:pPr lvl="0"/>
-            <a:r>
-              <a:rPr lang="zh-CN" altLang="en-US"/>
-              <a:t>编辑母版文本样式</a:t>
-            </a:r>
-          </a:p>
-          <a:p>
-            <a:pPr lvl="1"/>
-            <a:r>
-              <a:rPr lang="zh-CN" altLang="en-US"/>
-              <a:t>第二级</a:t>
-            </a:r>
-          </a:p>
-          <a:p>
-            <a:pPr lvl="2"/>
-            <a:r>
-              <a:rPr lang="zh-CN" altLang="en-US"/>
-              <a:t>第三级</a:t>
-            </a:r>
-          </a:p>
-          <a:p>
-            <a:pPr lvl="3"/>
-            <a:r>
-              <a:rPr lang="zh-CN" altLang="en-US"/>
-              <a:t>第四级</a:t>
-            </a:r>
-          </a:p>
-          <a:p>
-            <a:pPr lvl="4"/>
-            <a:r>
-              <a:rPr lang="zh-CN" altLang="en-US"/>
-              <a:t>第五级</a:t>
-            </a:r>
-          </a:p>
-        </p:txBody>
-      </p:sp>
-      <p:sp>
-        <p:nvSpPr>
-          <p:cNvPr id="4" name="日期占位符 3">
-            <a:extLst>
-              <a:ext uri="{FF2B5EF4-FFF2-40B4-BE49-F238E27FC236}">
-                <a16:creationId xmlns:a16="http://schemas.microsoft.com/office/drawing/2014/main" id="{41031FFA-669E-435F-8E8F-8280BDECAA8F}"/>
-              </a:ext>
-            </a:extLst>
-          </p:cNvPr>
+          <a:bodyPr anchor="t"/>
+          <a:lstStyle>
+            <a:lvl1pPr marL="0" indent="0" algn="r">
+              <a:buNone/>
+              <a:defRPr>
+                <a:solidFill>
+                  <a:schemeClr val="tx1">
+                    <a:lumMod val="50000"/>
+                    <a:lumOff val="50000"/>
+                  </a:schemeClr>
+                </a:solidFill>
+              </a:defRPr>
+            </a:lvl1pPr>
+            <a:lvl2pPr marL="457200" indent="0" algn="ctr">
+              <a:buNone/>
+              <a:defRPr>
+                <a:solidFill>
+                  <a:schemeClr val="tx1">
+                    <a:tint val="75000"/>
+                  </a:schemeClr>
+                </a:solidFill>
+              </a:defRPr>
+            </a:lvl2pPr>
+            <a:lvl3pPr marL="914400" indent="0" algn="ctr">
+              <a:buNone/>
+              <a:defRPr>
+                <a:solidFill>
+                  <a:schemeClr val="tx1">
+                    <a:tint val="75000"/>
+                  </a:schemeClr>
+                </a:solidFill>
+              </a:defRPr>
+            </a:lvl3pPr>
+            <a:lvl4pPr marL="1371600" indent="0" algn="ctr">
+              <a:buNone/>
+              <a:defRPr>
+                <a:solidFill>
+                  <a:schemeClr val="tx1">
+                    <a:tint val="75000"/>
+                  </a:schemeClr>
+                </a:solidFill>
+              </a:defRPr>
+            </a:lvl4pPr>
+            <a:lvl5pPr marL="1828800" indent="0" algn="ctr">
+              <a:buNone/>
+              <a:defRPr>
+                <a:solidFill>
+                  <a:schemeClr val="tx1">
+                    <a:tint val="75000"/>
+                  </a:schemeClr>
+                </a:solidFill>
+              </a:defRPr>
+            </a:lvl5pPr>
+            <a:lvl6pPr marL="2286000" indent="0" algn="ctr">
+              <a:buNone/>
+              <a:defRPr>
+                <a:solidFill>
+                  <a:schemeClr val="tx1">
+                    <a:tint val="75000"/>
+                  </a:schemeClr>
+                </a:solidFill>
+              </a:defRPr>
+            </a:lvl6pPr>
+            <a:lvl7pPr marL="2743200" indent="0" algn="ctr">
+              <a:buNone/>
+              <a:defRPr>
+                <a:solidFill>
+                  <a:schemeClr val="tx1">
+                    <a:tint val="75000"/>
+                  </a:schemeClr>
+                </a:solidFill>
+              </a:defRPr>
+            </a:lvl7pPr>
+            <a:lvl8pPr marL="3200400" indent="0" algn="ctr">
+              <a:buNone/>
+              <a:defRPr>
+                <a:solidFill>
+                  <a:schemeClr val="tx1">
+                    <a:tint val="75000"/>
+                  </a:schemeClr>
+                </a:solidFill>
+              </a:defRPr>
+            </a:lvl8pPr>
+            <a:lvl9pPr marL="3657600" indent="0" algn="ctr">
+              <a:buNone/>
+              <a:defRPr>
+                <a:solidFill>
+                  <a:schemeClr val="tx1">
+                    <a:tint val="75000"/>
+                  </a:schemeClr>
+                </a:solidFill>
+              </a:defRPr>
+            </a:lvl9pPr>
+          </a:lstStyle>
+          <a:p>
+            <a:r>
+              <a:rPr lang="en-US" altLang="zh-CN" smtClean="0"/>
+              <a:t>Click to edit Master subtitle style</a:t>
+            </a:r>
+            <a:endParaRPr lang="en-US" dirty="0"/>
+          </a:p>
+        </p:txBody>
+      </p:sp>
+      <p:sp>
+        <p:nvSpPr>
+          <p:cNvPr id="4" name="Date Placeholder 3"/>
           <p:cNvSpPr>
             <a:spLocks noGrp="1"/>
           </p:cNvSpPr>
@@ -665,7 +1320,7 @@
           <a:p>
             <a:fld id="{B346795D-67DE-4829-9C51-38E01F2E8E28}" type="datetimeFigureOut">
               <a:rPr lang="zh-CN" altLang="en-US" smtClean="0"/>
-              <a:t>2018/3/27</a:t>
+              <a:t>2018/3/29</a:t>
             </a:fld>
             <a:endParaRPr lang="zh-CN" altLang="en-US"/>
           </a:p>
@@ -673,13 +1328,7 @@
       </p:sp>
       <p:sp>
         <p:nvSpPr>
-          <p:cNvPr id="5" name="页脚占位符 4">
-            <a:extLst>
-              <a:ext uri="{FF2B5EF4-FFF2-40B4-BE49-F238E27FC236}">
-                <a16:creationId xmlns:a16="http://schemas.microsoft.com/office/drawing/2014/main" id="{CCF0AA5C-5869-4AF4-BEF8-4E3578576D9D}"/>
-              </a:ext>
-            </a:extLst>
-          </p:cNvPr>
+          <p:cNvPr id="5" name="Footer Placeholder 4"/>
           <p:cNvSpPr>
             <a:spLocks noGrp="1"/>
           </p:cNvSpPr>
@@ -698,13 +1347,7 @@
       </p:sp>
       <p:sp>
         <p:nvSpPr>
-          <p:cNvPr id="6" name="灯片编号占位符 5">
-            <a:extLst>
-              <a:ext uri="{FF2B5EF4-FFF2-40B4-BE49-F238E27FC236}">
-                <a16:creationId xmlns:a16="http://schemas.microsoft.com/office/drawing/2014/main" id="{B51AA7DD-EDDF-4DC5-A3A2-B00C191B766B}"/>
-              </a:ext>
-            </a:extLst>
-          </p:cNvPr>
+          <p:cNvPr id="6" name="Slide Number Placeholder 5"/>
           <p:cNvSpPr>
             <a:spLocks noGrp="1"/>
           </p:cNvSpPr>
@@ -728,7 +1371,7 @@
     </p:spTree>
     <p:extLst>
       <p:ext uri="{BB962C8B-B14F-4D97-AF65-F5344CB8AC3E}">
-        <p14:creationId xmlns:p14="http://schemas.microsoft.com/office/powerpoint/2010/main" val="3288980872"/>
+        <p14:creationId xmlns:p14="http://schemas.microsoft.com/office/powerpoint/2010/main" val="875737534"/>
       </p:ext>
     </p:extLst>
   </p:cSld>
@@ -738,9 +1381,9 @@
 </p:sldLayout>
 </file>
 
-<file path=ppt/slideLayouts/slideLayout2.xml><?xml version="1.0" encoding="utf-8"?>
-<p:sldLayout xmlns:a="http://schemas.openxmlformats.org/drawingml/2006/main" xmlns:r="http://schemas.openxmlformats.org/officeDocument/2006/relationships" xmlns:p="http://schemas.openxmlformats.org/presentationml/2006/main" type="obj" preserve="1">
-  <p:cSld name="标题和内容">
+<file path=ppt/slideLayouts/slideLayout10.xml><?xml version="1.0" encoding="utf-8"?>
+<p:sldLayout xmlns:a="http://schemas.openxmlformats.org/drawingml/2006/main" xmlns:r="http://schemas.openxmlformats.org/officeDocument/2006/relationships" xmlns:p="http://schemas.openxmlformats.org/presentationml/2006/main" preserve="1">
+  <p:cSld name="Title and Caption">
     <p:spTree>
       <p:nvGrpSpPr>
         <p:cNvPr id="1" name=""/>
@@ -757,18 +1400,168 @@
       </p:grpSpPr>
       <p:sp>
         <p:nvSpPr>
-          <p:cNvPr id="2" name="标题 1">
-            <a:extLst>
-              <a:ext uri="{FF2B5EF4-FFF2-40B4-BE49-F238E27FC236}">
-                <a16:creationId xmlns:a16="http://schemas.microsoft.com/office/drawing/2014/main" id="{CA1092F7-2932-4E6D-8037-298D577162BD}"/>
-              </a:ext>
-            </a:extLst>
-          </p:cNvPr>
+          <p:cNvPr id="2" name="Title 1"/>
           <p:cNvSpPr>
             <a:spLocks noGrp="1"/>
           </p:cNvSpPr>
           <p:nvPr>
             <p:ph type="title"/>
+          </p:nvPr>
+        </p:nvSpPr>
+        <p:spPr>
+          <a:xfrm>
+            <a:off x="677335" y="609600"/>
+            <a:ext cx="8596668" cy="3403600"/>
+          </a:xfrm>
+        </p:spPr>
+        <p:txBody>
+          <a:bodyPr anchor="ctr">
+            <a:normAutofit/>
+          </a:bodyPr>
+          <a:lstStyle>
+            <a:lvl1pPr algn="l">
+              <a:defRPr sz="4400" b="0" cap="none"/>
+            </a:lvl1pPr>
+          </a:lstStyle>
+          <a:p>
+            <a:r>
+              <a:rPr lang="en-US" altLang="zh-CN" smtClean="0"/>
+              <a:t>Click to edit Master title style</a:t>
+            </a:r>
+            <a:endParaRPr lang="en-US" dirty="0"/>
+          </a:p>
+        </p:txBody>
+      </p:sp>
+      <p:sp>
+        <p:nvSpPr>
+          <p:cNvPr id="3" name="Text Placeholder 2"/>
+          <p:cNvSpPr>
+            <a:spLocks noGrp="1"/>
+          </p:cNvSpPr>
+          <p:nvPr>
+            <p:ph type="body" idx="1"/>
+          </p:nvPr>
+        </p:nvSpPr>
+        <p:spPr>
+          <a:xfrm>
+            <a:off x="677335" y="4470400"/>
+            <a:ext cx="8596668" cy="1570962"/>
+          </a:xfrm>
+        </p:spPr>
+        <p:txBody>
+          <a:bodyPr anchor="ctr">
+            <a:normAutofit/>
+          </a:bodyPr>
+          <a:lstStyle>
+            <a:lvl1pPr marL="0" indent="0" algn="l">
+              <a:buNone/>
+              <a:defRPr sz="1800">
+                <a:solidFill>
+                  <a:schemeClr val="tx1">
+                    <a:lumMod val="75000"/>
+                    <a:lumOff val="25000"/>
+                  </a:schemeClr>
+                </a:solidFill>
+              </a:defRPr>
+            </a:lvl1pPr>
+            <a:lvl2pPr marL="457200" indent="0">
+              <a:buNone/>
+              <a:defRPr sz="1800">
+                <a:solidFill>
+                  <a:schemeClr val="tx1">
+                    <a:tint val="75000"/>
+                  </a:schemeClr>
+                </a:solidFill>
+              </a:defRPr>
+            </a:lvl2pPr>
+            <a:lvl3pPr marL="914400" indent="0">
+              <a:buNone/>
+              <a:defRPr sz="1600">
+                <a:solidFill>
+                  <a:schemeClr val="tx1">
+                    <a:tint val="75000"/>
+                  </a:schemeClr>
+                </a:solidFill>
+              </a:defRPr>
+            </a:lvl3pPr>
+            <a:lvl4pPr marL="1371600" indent="0">
+              <a:buNone/>
+              <a:defRPr sz="1400">
+                <a:solidFill>
+                  <a:schemeClr val="tx1">
+                    <a:tint val="75000"/>
+                  </a:schemeClr>
+                </a:solidFill>
+              </a:defRPr>
+            </a:lvl4pPr>
+            <a:lvl5pPr marL="1828800" indent="0">
+              <a:buNone/>
+              <a:defRPr sz="1400">
+                <a:solidFill>
+                  <a:schemeClr val="tx1">
+                    <a:tint val="75000"/>
+                  </a:schemeClr>
+                </a:solidFill>
+              </a:defRPr>
+            </a:lvl5pPr>
+            <a:lvl6pPr marL="2286000" indent="0">
+              <a:buNone/>
+              <a:defRPr sz="1400">
+                <a:solidFill>
+                  <a:schemeClr val="tx1">
+                    <a:tint val="75000"/>
+                  </a:schemeClr>
+                </a:solidFill>
+              </a:defRPr>
+            </a:lvl6pPr>
+            <a:lvl7pPr marL="2743200" indent="0">
+              <a:buNone/>
+              <a:defRPr sz="1400">
+                <a:solidFill>
+                  <a:schemeClr val="tx1">
+                    <a:tint val="75000"/>
+                  </a:schemeClr>
+                </a:solidFill>
+              </a:defRPr>
+            </a:lvl7pPr>
+            <a:lvl8pPr marL="3200400" indent="0">
+              <a:buNone/>
+              <a:defRPr sz="1400">
+                <a:solidFill>
+                  <a:schemeClr val="tx1">
+                    <a:tint val="75000"/>
+                  </a:schemeClr>
+                </a:solidFill>
+              </a:defRPr>
+            </a:lvl8pPr>
+            <a:lvl9pPr marL="3657600" indent="0">
+              <a:buNone/>
+              <a:defRPr sz="1400">
+                <a:solidFill>
+                  <a:schemeClr val="tx1">
+                    <a:tint val="75000"/>
+                  </a:schemeClr>
+                </a:solidFill>
+              </a:defRPr>
+            </a:lvl9pPr>
+          </a:lstStyle>
+          <a:p>
+            <a:pPr lvl="0"/>
+            <a:r>
+              <a:rPr lang="en-US" altLang="zh-CN" smtClean="0"/>
+              <a:t>Edit Master text styles</a:t>
+            </a:r>
+          </a:p>
+        </p:txBody>
+      </p:sp>
+      <p:sp>
+        <p:nvSpPr>
+          <p:cNvPr id="4" name="Date Placeholder 3"/>
+          <p:cNvSpPr>
+            <a:spLocks noGrp="1"/>
+          </p:cNvSpPr>
+          <p:nvPr>
+            <p:ph type="dt" sz="half" idx="10"/>
           </p:nvPr>
         </p:nvSpPr>
         <p:spPr/>
@@ -776,27 +1569,22 @@
           <a:bodyPr/>
           <a:lstStyle/>
           <a:p>
-            <a:r>
-              <a:rPr lang="zh-CN" altLang="en-US"/>
-              <a:t>单击此处编辑母版标题样式</a:t>
-            </a:r>
-          </a:p>
-        </p:txBody>
-      </p:sp>
-      <p:sp>
-        <p:nvSpPr>
-          <p:cNvPr id="3" name="内容占位符 2">
-            <a:extLst>
-              <a:ext uri="{FF2B5EF4-FFF2-40B4-BE49-F238E27FC236}">
-                <a16:creationId xmlns:a16="http://schemas.microsoft.com/office/drawing/2014/main" id="{7F6194A3-6BE9-4CCD-B81E-1385648E3845}"/>
-              </a:ext>
-            </a:extLst>
-          </p:cNvPr>
-          <p:cNvSpPr>
-            <a:spLocks noGrp="1"/>
-          </p:cNvSpPr>
-          <p:nvPr>
-            <p:ph idx="1"/>
+            <a:fld id="{B346795D-67DE-4829-9C51-38E01F2E8E28}" type="datetimeFigureOut">
+              <a:rPr lang="zh-CN" altLang="en-US" smtClean="0"/>
+              <a:t>2018/3/29</a:t>
+            </a:fld>
+            <a:endParaRPr lang="zh-CN" altLang="en-US"/>
+          </a:p>
+        </p:txBody>
+      </p:sp>
+      <p:sp>
+        <p:nvSpPr>
+          <p:cNvPr id="5" name="Footer Placeholder 4"/>
+          <p:cNvSpPr>
+            <a:spLocks noGrp="1"/>
+          </p:cNvSpPr>
+          <p:nvPr>
+            <p:ph type="ftr" sz="quarter" idx="11"/>
           </p:nvPr>
         </p:nvSpPr>
         <p:spPr/>
@@ -804,105 +1592,13 @@
           <a:bodyPr/>
           <a:lstStyle/>
           <a:p>
-            <a:pPr lvl="0"/>
-            <a:r>
-              <a:rPr lang="zh-CN" altLang="en-US"/>
-              <a:t>编辑母版文本样式</a:t>
-            </a:r>
-          </a:p>
-          <a:p>
-            <a:pPr lvl="1"/>
-            <a:r>
-              <a:rPr lang="zh-CN" altLang="en-US"/>
-              <a:t>第二级</a:t>
-            </a:r>
-          </a:p>
-          <a:p>
-            <a:pPr lvl="2"/>
-            <a:r>
-              <a:rPr lang="zh-CN" altLang="en-US"/>
-              <a:t>第三级</a:t>
-            </a:r>
-          </a:p>
-          <a:p>
-            <a:pPr lvl="3"/>
-            <a:r>
-              <a:rPr lang="zh-CN" altLang="en-US"/>
-              <a:t>第四级</a:t>
-            </a:r>
-          </a:p>
-          <a:p>
-            <a:pPr lvl="4"/>
-            <a:r>
-              <a:rPr lang="zh-CN" altLang="en-US"/>
-              <a:t>第五级</a:t>
-            </a:r>
-          </a:p>
-        </p:txBody>
-      </p:sp>
-      <p:sp>
-        <p:nvSpPr>
-          <p:cNvPr id="4" name="日期占位符 3">
-            <a:extLst>
-              <a:ext uri="{FF2B5EF4-FFF2-40B4-BE49-F238E27FC236}">
-                <a16:creationId xmlns:a16="http://schemas.microsoft.com/office/drawing/2014/main" id="{2523CC14-6CA6-45F5-89CC-1911FA7A8443}"/>
-              </a:ext>
-            </a:extLst>
-          </p:cNvPr>
-          <p:cNvSpPr>
-            <a:spLocks noGrp="1"/>
-          </p:cNvSpPr>
-          <p:nvPr>
-            <p:ph type="dt" sz="half" idx="10"/>
-          </p:nvPr>
-        </p:nvSpPr>
-        <p:spPr/>
-        <p:txBody>
-          <a:bodyPr/>
-          <a:lstStyle/>
-          <a:p>
-            <a:fld id="{B346795D-67DE-4829-9C51-38E01F2E8E28}" type="datetimeFigureOut">
-              <a:rPr lang="zh-CN" altLang="en-US" smtClean="0"/>
-              <a:t>2018/3/27</a:t>
-            </a:fld>
             <a:endParaRPr lang="zh-CN" altLang="en-US"/>
           </a:p>
         </p:txBody>
       </p:sp>
       <p:sp>
         <p:nvSpPr>
-          <p:cNvPr id="5" name="页脚占位符 4">
-            <a:extLst>
-              <a:ext uri="{FF2B5EF4-FFF2-40B4-BE49-F238E27FC236}">
-                <a16:creationId xmlns:a16="http://schemas.microsoft.com/office/drawing/2014/main" id="{A2091AAB-AD4C-417F-8E85-349249DF5996}"/>
-              </a:ext>
-            </a:extLst>
-          </p:cNvPr>
-          <p:cNvSpPr>
-            <a:spLocks noGrp="1"/>
-          </p:cNvSpPr>
-          <p:nvPr>
-            <p:ph type="ftr" sz="quarter" idx="11"/>
-          </p:nvPr>
-        </p:nvSpPr>
-        <p:spPr/>
-        <p:txBody>
-          <a:bodyPr/>
-          <a:lstStyle/>
-          <a:p>
-            <a:endParaRPr lang="zh-CN" altLang="en-US"/>
-          </a:p>
-        </p:txBody>
-      </p:sp>
-      <p:sp>
-        <p:nvSpPr>
-          <p:cNvPr id="6" name="灯片编号占位符 5">
-            <a:extLst>
-              <a:ext uri="{FF2B5EF4-FFF2-40B4-BE49-F238E27FC236}">
-                <a16:creationId xmlns:a16="http://schemas.microsoft.com/office/drawing/2014/main" id="{2F17616E-40F8-431C-89AB-E5E343764E55}"/>
-              </a:ext>
-            </a:extLst>
-          </p:cNvPr>
+          <p:cNvPr id="6" name="Slide Number Placeholder 5"/>
           <p:cNvSpPr>
             <a:spLocks noGrp="1"/>
           </p:cNvSpPr>
@@ -926,7 +1622,7 @@
     </p:spTree>
     <p:extLst>
       <p:ext uri="{BB962C8B-B14F-4D97-AF65-F5344CB8AC3E}">
-        <p14:creationId xmlns:p14="http://schemas.microsoft.com/office/powerpoint/2010/main" val="3468105536"/>
+        <p14:creationId xmlns:p14="http://schemas.microsoft.com/office/powerpoint/2010/main" val="2842644621"/>
       </p:ext>
     </p:extLst>
   </p:cSld>
@@ -936,9 +1632,9 @@
 </p:sldLayout>
 </file>
 
-<file path=ppt/slideLayouts/slideLayout3.xml><?xml version="1.0" encoding="utf-8"?>
-<p:sldLayout xmlns:a="http://schemas.openxmlformats.org/drawingml/2006/main" xmlns:r="http://schemas.openxmlformats.org/officeDocument/2006/relationships" xmlns:p="http://schemas.openxmlformats.org/presentationml/2006/main" type="secHead" preserve="1">
-  <p:cSld name="节标题">
+<file path=ppt/slideLayouts/slideLayout11.xml><?xml version="1.0" encoding="utf-8"?>
+<p:sldLayout xmlns:a="http://schemas.openxmlformats.org/drawingml/2006/main" xmlns:r="http://schemas.openxmlformats.org/officeDocument/2006/relationships" xmlns:p="http://schemas.openxmlformats.org/presentationml/2006/main" preserve="1">
+  <p:cSld name="Quote with Caption">
     <p:spTree>
       <p:nvGrpSpPr>
         <p:cNvPr id="1" name=""/>
@@ -955,13 +1651,7 @@
       </p:grpSpPr>
       <p:sp>
         <p:nvSpPr>
-          <p:cNvPr id="2" name="标题 1">
-            <a:extLst>
-              <a:ext uri="{FF2B5EF4-FFF2-40B4-BE49-F238E27FC236}">
-                <a16:creationId xmlns:a16="http://schemas.microsoft.com/office/drawing/2014/main" id="{75B548BF-7648-47FE-986E-A35FAB53523B}"/>
-              </a:ext>
-            </a:extLst>
-          </p:cNvPr>
+          <p:cNvPr id="2" name="Title 1"/>
           <p:cNvSpPr>
             <a:spLocks noGrp="1"/>
           </p:cNvSpPr>
@@ -971,63 +1661,126 @@
         </p:nvSpPr>
         <p:spPr>
           <a:xfrm>
-            <a:off x="831850" y="1709738"/>
-            <a:ext cx="10515600" cy="2852737"/>
+            <a:off x="931334" y="609600"/>
+            <a:ext cx="8094134" cy="3022600"/>
           </a:xfrm>
         </p:spPr>
         <p:txBody>
-          <a:bodyPr anchor="b"/>
+          <a:bodyPr anchor="ctr">
+            <a:normAutofit/>
+          </a:bodyPr>
           <a:lstStyle>
-            <a:lvl1pPr>
-              <a:defRPr sz="6000"/>
+            <a:lvl1pPr algn="l">
+              <a:defRPr sz="4400" b="0" cap="none"/>
             </a:lvl1pPr>
           </a:lstStyle>
           <a:p>
             <a:r>
-              <a:rPr lang="zh-CN" altLang="en-US"/>
-              <a:t>单击此处编辑母版标题样式</a:t>
-            </a:r>
-          </a:p>
-        </p:txBody>
-      </p:sp>
-      <p:sp>
-        <p:nvSpPr>
-          <p:cNvPr id="3" name="文本占位符 2">
-            <a:extLst>
-              <a:ext uri="{FF2B5EF4-FFF2-40B4-BE49-F238E27FC236}">
-                <a16:creationId xmlns:a16="http://schemas.microsoft.com/office/drawing/2014/main" id="{324243C9-ADDA-4D94-A796-5EF45AB05E3A}"/>
-              </a:ext>
-            </a:extLst>
-          </p:cNvPr>
-          <p:cNvSpPr>
-            <a:spLocks noGrp="1"/>
-          </p:cNvSpPr>
-          <p:nvPr>
-            <p:ph type="body" idx="1"/>
+              <a:rPr lang="en-US" altLang="zh-CN" smtClean="0"/>
+              <a:t>Click to edit Master title style</a:t>
+            </a:r>
+            <a:endParaRPr lang="en-US" dirty="0"/>
+          </a:p>
+        </p:txBody>
+      </p:sp>
+      <p:sp>
+        <p:nvSpPr>
+          <p:cNvPr id="23" name="Text Placeholder 9"/>
+          <p:cNvSpPr>
+            <a:spLocks noGrp="1"/>
+          </p:cNvSpPr>
+          <p:nvPr>
+            <p:ph type="body" sz="quarter" idx="13"/>
           </p:nvPr>
         </p:nvSpPr>
         <p:spPr>
           <a:xfrm>
-            <a:off x="831850" y="4589463"/>
-            <a:ext cx="10515600" cy="1500187"/>
+            <a:off x="1366139" y="3632200"/>
+            <a:ext cx="7224524" cy="381000"/>
           </a:xfrm>
         </p:spPr>
         <p:txBody>
-          <a:bodyPr/>
+          <a:bodyPr anchor="ctr">
+            <a:noAutofit/>
+          </a:bodyPr>
           <a:lstStyle>
             <a:lvl1pPr marL="0" indent="0">
-              <a:buNone/>
-              <a:defRPr sz="2400">
+              <a:buFontTx/>
+              <a:buNone/>
+              <a:defRPr sz="1600">
                 <a:solidFill>
                   <a:schemeClr val="tx1">
-                    <a:tint val="75000"/>
+                    <a:lumMod val="50000"/>
+                    <a:lumOff val="50000"/>
                   </a:schemeClr>
                 </a:solidFill>
               </a:defRPr>
             </a:lvl1pPr>
             <a:lvl2pPr marL="457200" indent="0">
-              <a:buNone/>
-              <a:defRPr sz="2000">
+              <a:buFontTx/>
+              <a:buNone/>
+              <a:defRPr/>
+            </a:lvl2pPr>
+            <a:lvl3pPr marL="914400" indent="0">
+              <a:buFontTx/>
+              <a:buNone/>
+              <a:defRPr/>
+            </a:lvl3pPr>
+            <a:lvl4pPr marL="1371600" indent="0">
+              <a:buFontTx/>
+              <a:buNone/>
+              <a:defRPr/>
+            </a:lvl4pPr>
+            <a:lvl5pPr marL="1828800" indent="0">
+              <a:buFontTx/>
+              <a:buNone/>
+              <a:defRPr/>
+            </a:lvl5pPr>
+          </a:lstStyle>
+          <a:p>
+            <a:pPr lvl="0"/>
+            <a:r>
+              <a:rPr lang="en-US" altLang="zh-CN" smtClean="0"/>
+              <a:t>Edit Master text styles</a:t>
+            </a:r>
+          </a:p>
+        </p:txBody>
+      </p:sp>
+      <p:sp>
+        <p:nvSpPr>
+          <p:cNvPr id="3" name="Text Placeholder 2"/>
+          <p:cNvSpPr>
+            <a:spLocks noGrp="1"/>
+          </p:cNvSpPr>
+          <p:nvPr>
+            <p:ph type="body" idx="1"/>
+          </p:nvPr>
+        </p:nvSpPr>
+        <p:spPr>
+          <a:xfrm>
+            <a:off x="677335" y="4470400"/>
+            <a:ext cx="8596668" cy="1570962"/>
+          </a:xfrm>
+        </p:spPr>
+        <p:txBody>
+          <a:bodyPr anchor="ctr">
+            <a:normAutofit/>
+          </a:bodyPr>
+          <a:lstStyle>
+            <a:lvl1pPr marL="0" indent="0" algn="l">
+              <a:buNone/>
+              <a:defRPr sz="1800">
+                <a:solidFill>
+                  <a:schemeClr val="tx1">
+                    <a:lumMod val="75000"/>
+                    <a:lumOff val="25000"/>
+                  </a:schemeClr>
+                </a:solidFill>
+              </a:defRPr>
+            </a:lvl1pPr>
+            <a:lvl2pPr marL="457200" indent="0">
+              <a:buNone/>
+              <a:defRPr sz="1800">
                 <a:solidFill>
                   <a:schemeClr val="tx1">
                     <a:tint val="75000"/>
@@ -1037,7 +1790,7 @@
             </a:lvl2pPr>
             <a:lvl3pPr marL="914400" indent="0">
               <a:buNone/>
-              <a:defRPr sz="1800">
+              <a:defRPr sz="1600">
                 <a:solidFill>
                   <a:schemeClr val="tx1">
                     <a:tint val="75000"/>
@@ -1047,7 +1800,7 @@
             </a:lvl3pPr>
             <a:lvl4pPr marL="1371600" indent="0">
               <a:buNone/>
-              <a:defRPr sz="1600">
+              <a:defRPr sz="1400">
                 <a:solidFill>
                   <a:schemeClr val="tx1">
                     <a:tint val="75000"/>
@@ -1057,7 +1810,7 @@
             </a:lvl4pPr>
             <a:lvl5pPr marL="1828800" indent="0">
               <a:buNone/>
-              <a:defRPr sz="1600">
+              <a:defRPr sz="1400">
                 <a:solidFill>
                   <a:schemeClr val="tx1">
                     <a:tint val="75000"/>
@@ -1067,7 +1820,7 @@
             </a:lvl5pPr>
             <a:lvl6pPr marL="2286000" indent="0">
               <a:buNone/>
-              <a:defRPr sz="1600">
+              <a:defRPr sz="1400">
                 <a:solidFill>
                   <a:schemeClr val="tx1">
                     <a:tint val="75000"/>
@@ -1077,7 +1830,7 @@
             </a:lvl6pPr>
             <a:lvl7pPr marL="2743200" indent="0">
               <a:buNone/>
-              <a:defRPr sz="1600">
+              <a:defRPr sz="1400">
                 <a:solidFill>
                   <a:schemeClr val="tx1">
                     <a:tint val="75000"/>
@@ -1087,7 +1840,7 @@
             </a:lvl7pPr>
             <a:lvl8pPr marL="3200400" indent="0">
               <a:buNone/>
-              <a:defRPr sz="1600">
+              <a:defRPr sz="1400">
                 <a:solidFill>
                   <a:schemeClr val="tx1">
                     <a:tint val="75000"/>
@@ -1097,7 +1850,7 @@
             </a:lvl8pPr>
             <a:lvl9pPr marL="3657600" indent="0">
               <a:buNone/>
-              <a:defRPr sz="1600">
+              <a:defRPr sz="1400">
                 <a:solidFill>
                   <a:schemeClr val="tx1">
                     <a:tint val="75000"/>
@@ -1109,21 +1862,15 @@
           <a:p>
             <a:pPr lvl="0"/>
             <a:r>
-              <a:rPr lang="zh-CN" altLang="en-US"/>
-              <a:t>编辑母版文本样式</a:t>
-            </a:r>
-          </a:p>
-        </p:txBody>
-      </p:sp>
-      <p:sp>
-        <p:nvSpPr>
-          <p:cNvPr id="4" name="日期占位符 3">
-            <a:extLst>
-              <a:ext uri="{FF2B5EF4-FFF2-40B4-BE49-F238E27FC236}">
-                <a16:creationId xmlns:a16="http://schemas.microsoft.com/office/drawing/2014/main" id="{59184755-37D3-4D57-A551-370C292D0441}"/>
-              </a:ext>
-            </a:extLst>
-          </p:cNvPr>
+              <a:rPr lang="en-US" altLang="zh-CN" smtClean="0"/>
+              <a:t>Edit Master text styles</a:t>
+            </a:r>
+          </a:p>
+        </p:txBody>
+      </p:sp>
+      <p:sp>
+        <p:nvSpPr>
+          <p:cNvPr id="4" name="Date Placeholder 3"/>
           <p:cNvSpPr>
             <a:spLocks noGrp="1"/>
           </p:cNvSpPr>
@@ -1138,7 +1885,7 @@
           <a:p>
             <a:fld id="{B346795D-67DE-4829-9C51-38E01F2E8E28}" type="datetimeFigureOut">
               <a:rPr lang="zh-CN" altLang="en-US" smtClean="0"/>
-              <a:t>2018/3/27</a:t>
+              <a:t>2018/3/29</a:t>
             </a:fld>
             <a:endParaRPr lang="zh-CN" altLang="en-US"/>
           </a:p>
@@ -1146,13 +1893,7 @@
       </p:sp>
       <p:sp>
         <p:nvSpPr>
-          <p:cNvPr id="5" name="页脚占位符 4">
-            <a:extLst>
-              <a:ext uri="{FF2B5EF4-FFF2-40B4-BE49-F238E27FC236}">
-                <a16:creationId xmlns:a16="http://schemas.microsoft.com/office/drawing/2014/main" id="{3DCBD204-D6B6-4864-825B-B757B6E08E8B}"/>
-              </a:ext>
-            </a:extLst>
-          </p:cNvPr>
+          <p:cNvPr id="5" name="Footer Placeholder 4"/>
           <p:cNvSpPr>
             <a:spLocks noGrp="1"/>
           </p:cNvSpPr>
@@ -1171,13 +1912,7 @@
       </p:sp>
       <p:sp>
         <p:nvSpPr>
-          <p:cNvPr id="6" name="灯片编号占位符 5">
-            <a:extLst>
-              <a:ext uri="{FF2B5EF4-FFF2-40B4-BE49-F238E27FC236}">
-                <a16:creationId xmlns:a16="http://schemas.microsoft.com/office/drawing/2014/main" id="{A586000A-CEE2-49C1-8AFC-07F779EE7687}"/>
-              </a:ext>
-            </a:extLst>
-          </p:cNvPr>
+          <p:cNvPr id="6" name="Slide Number Placeholder 5"/>
           <p:cNvSpPr>
             <a:spLocks noGrp="1"/>
           </p:cNvSpPr>
@@ -1198,10 +1933,100 @@
           </a:p>
         </p:txBody>
       </p:sp>
+      <p:sp>
+        <p:nvSpPr>
+          <p:cNvPr id="20" name="TextBox 19"/>
+          <p:cNvSpPr txBox="1"/>
+          <p:nvPr/>
+        </p:nvSpPr>
+        <p:spPr>
+          <a:xfrm>
+            <a:off x="541870" y="790378"/>
+            <a:ext cx="609600" cy="584776"/>
+          </a:xfrm>
+          <a:prstGeom prst="rect">
+            <a:avLst/>
+          </a:prstGeom>
+        </p:spPr>
+        <p:txBody>
+          <a:bodyPr vert="horz" lIns="91440" tIns="45720" rIns="91440" bIns="45720" rtlCol="0" anchor="ctr">
+            <a:noAutofit/>
+          </a:bodyPr>
+          <a:lstStyle/>
+          <a:p>
+            <a:pPr lvl="0"/>
+            <a:r>
+              <a:rPr lang="en-US" sz="8000" baseline="0" dirty="0">
+                <a:ln w="3175" cmpd="sng">
+                  <a:noFill/>
+                </a:ln>
+                <a:solidFill>
+                  <a:schemeClr val="accent1">
+                    <a:lumMod val="60000"/>
+                    <a:lumOff val="40000"/>
+                  </a:schemeClr>
+                </a:solidFill>
+                <a:effectLst/>
+                <a:latin typeface="Arial"/>
+              </a:rPr>
+              <a:t>“</a:t>
+            </a:r>
+          </a:p>
+        </p:txBody>
+      </p:sp>
+      <p:sp>
+        <p:nvSpPr>
+          <p:cNvPr id="22" name="TextBox 21"/>
+          <p:cNvSpPr txBox="1"/>
+          <p:nvPr/>
+        </p:nvSpPr>
+        <p:spPr>
+          <a:xfrm>
+            <a:off x="8893011" y="2886556"/>
+            <a:ext cx="609600" cy="584776"/>
+          </a:xfrm>
+          <a:prstGeom prst="rect">
+            <a:avLst/>
+          </a:prstGeom>
+        </p:spPr>
+        <p:txBody>
+          <a:bodyPr vert="horz" lIns="91440" tIns="45720" rIns="91440" bIns="45720" rtlCol="0" anchor="ctr">
+            <a:noAutofit/>
+          </a:bodyPr>
+          <a:lstStyle/>
+          <a:p>
+            <a:pPr lvl="0"/>
+            <a:r>
+              <a:rPr lang="en-US" sz="8000" baseline="0" dirty="0">
+                <a:ln w="3175" cmpd="sng">
+                  <a:noFill/>
+                </a:ln>
+                <a:solidFill>
+                  <a:schemeClr val="accent1">
+                    <a:lumMod val="60000"/>
+                    <a:lumOff val="40000"/>
+                  </a:schemeClr>
+                </a:solidFill>
+                <a:latin typeface="Arial"/>
+              </a:rPr>
+              <a:t>”</a:t>
+            </a:r>
+            <a:endParaRPr lang="en-US" dirty="0">
+              <a:solidFill>
+                <a:schemeClr val="accent1">
+                  <a:lumMod val="60000"/>
+                  <a:lumOff val="40000"/>
+                </a:schemeClr>
+              </a:solidFill>
+              <a:latin typeface="Arial"/>
+            </a:endParaRPr>
+          </a:p>
+        </p:txBody>
+      </p:sp>
     </p:spTree>
     <p:extLst>
       <p:ext uri="{BB962C8B-B14F-4D97-AF65-F5344CB8AC3E}">
-        <p14:creationId xmlns:p14="http://schemas.microsoft.com/office/powerpoint/2010/main" val="3154481866"/>
+        <p14:creationId xmlns:p14="http://schemas.microsoft.com/office/powerpoint/2010/main" val="2263001264"/>
       </p:ext>
     </p:extLst>
   </p:cSld>
@@ -1211,9 +2036,9 @@
 </p:sldLayout>
 </file>
 
-<file path=ppt/slideLayouts/slideLayout4.xml><?xml version="1.0" encoding="utf-8"?>
-<p:sldLayout xmlns:a="http://schemas.openxmlformats.org/drawingml/2006/main" xmlns:r="http://schemas.openxmlformats.org/officeDocument/2006/relationships" xmlns:p="http://schemas.openxmlformats.org/presentationml/2006/main" type="twoObj" preserve="1">
-  <p:cSld name="两栏内容">
+<file path=ppt/slideLayouts/slideLayout12.xml><?xml version="1.0" encoding="utf-8"?>
+<p:sldLayout xmlns:a="http://schemas.openxmlformats.org/drawingml/2006/main" xmlns:r="http://schemas.openxmlformats.org/officeDocument/2006/relationships" xmlns:p="http://schemas.openxmlformats.org/presentationml/2006/main" preserve="1">
+  <p:cSld name="Name Card">
     <p:spTree>
       <p:nvGrpSpPr>
         <p:cNvPr id="1" name=""/>
@@ -1230,18 +2055,168 @@
       </p:grpSpPr>
       <p:sp>
         <p:nvSpPr>
-          <p:cNvPr id="2" name="标题 1">
-            <a:extLst>
-              <a:ext uri="{FF2B5EF4-FFF2-40B4-BE49-F238E27FC236}">
-                <a16:creationId xmlns:a16="http://schemas.microsoft.com/office/drawing/2014/main" id="{A32AE3DF-36A1-4F45-9E73-E8876F50C9B9}"/>
-              </a:ext>
-            </a:extLst>
-          </p:cNvPr>
+          <p:cNvPr id="2" name="Title 1"/>
           <p:cNvSpPr>
             <a:spLocks noGrp="1"/>
           </p:cNvSpPr>
           <p:nvPr>
             <p:ph type="title"/>
+          </p:nvPr>
+        </p:nvSpPr>
+        <p:spPr>
+          <a:xfrm>
+            <a:off x="677335" y="1931988"/>
+            <a:ext cx="8596668" cy="2595460"/>
+          </a:xfrm>
+        </p:spPr>
+        <p:txBody>
+          <a:bodyPr anchor="b">
+            <a:normAutofit/>
+          </a:bodyPr>
+          <a:lstStyle>
+            <a:lvl1pPr algn="l">
+              <a:defRPr sz="4400" b="0" cap="none"/>
+            </a:lvl1pPr>
+          </a:lstStyle>
+          <a:p>
+            <a:r>
+              <a:rPr lang="en-US" altLang="zh-CN" smtClean="0"/>
+              <a:t>Click to edit Master title style</a:t>
+            </a:r>
+            <a:endParaRPr lang="en-US" dirty="0"/>
+          </a:p>
+        </p:txBody>
+      </p:sp>
+      <p:sp>
+        <p:nvSpPr>
+          <p:cNvPr id="3" name="Text Placeholder 2"/>
+          <p:cNvSpPr>
+            <a:spLocks noGrp="1"/>
+          </p:cNvSpPr>
+          <p:nvPr>
+            <p:ph type="body" idx="1"/>
+          </p:nvPr>
+        </p:nvSpPr>
+        <p:spPr>
+          <a:xfrm>
+            <a:off x="677335" y="4527448"/>
+            <a:ext cx="8596668" cy="1513914"/>
+          </a:xfrm>
+        </p:spPr>
+        <p:txBody>
+          <a:bodyPr anchor="t">
+            <a:normAutofit/>
+          </a:bodyPr>
+          <a:lstStyle>
+            <a:lvl1pPr marL="0" indent="0" algn="l">
+              <a:buNone/>
+              <a:defRPr sz="1800">
+                <a:solidFill>
+                  <a:schemeClr val="tx1">
+                    <a:lumMod val="75000"/>
+                    <a:lumOff val="25000"/>
+                  </a:schemeClr>
+                </a:solidFill>
+              </a:defRPr>
+            </a:lvl1pPr>
+            <a:lvl2pPr marL="457200" indent="0">
+              <a:buNone/>
+              <a:defRPr sz="1800">
+                <a:solidFill>
+                  <a:schemeClr val="tx1">
+                    <a:tint val="75000"/>
+                  </a:schemeClr>
+                </a:solidFill>
+              </a:defRPr>
+            </a:lvl2pPr>
+            <a:lvl3pPr marL="914400" indent="0">
+              <a:buNone/>
+              <a:defRPr sz="1600">
+                <a:solidFill>
+                  <a:schemeClr val="tx1">
+                    <a:tint val="75000"/>
+                  </a:schemeClr>
+                </a:solidFill>
+              </a:defRPr>
+            </a:lvl3pPr>
+            <a:lvl4pPr marL="1371600" indent="0">
+              <a:buNone/>
+              <a:defRPr sz="1400">
+                <a:solidFill>
+                  <a:schemeClr val="tx1">
+                    <a:tint val="75000"/>
+                  </a:schemeClr>
+                </a:solidFill>
+              </a:defRPr>
+            </a:lvl4pPr>
+            <a:lvl5pPr marL="1828800" indent="0">
+              <a:buNone/>
+              <a:defRPr sz="1400">
+                <a:solidFill>
+                  <a:schemeClr val="tx1">
+                    <a:tint val="75000"/>
+                  </a:schemeClr>
+                </a:solidFill>
+              </a:defRPr>
+            </a:lvl5pPr>
+            <a:lvl6pPr marL="2286000" indent="0">
+              <a:buNone/>
+              <a:defRPr sz="1400">
+                <a:solidFill>
+                  <a:schemeClr val="tx1">
+                    <a:tint val="75000"/>
+                  </a:schemeClr>
+                </a:solidFill>
+              </a:defRPr>
+            </a:lvl6pPr>
+            <a:lvl7pPr marL="2743200" indent="0">
+              <a:buNone/>
+              <a:defRPr sz="1400">
+                <a:solidFill>
+                  <a:schemeClr val="tx1">
+                    <a:tint val="75000"/>
+                  </a:schemeClr>
+                </a:solidFill>
+              </a:defRPr>
+            </a:lvl7pPr>
+            <a:lvl8pPr marL="3200400" indent="0">
+              <a:buNone/>
+              <a:defRPr sz="1400">
+                <a:solidFill>
+                  <a:schemeClr val="tx1">
+                    <a:tint val="75000"/>
+                  </a:schemeClr>
+                </a:solidFill>
+              </a:defRPr>
+            </a:lvl8pPr>
+            <a:lvl9pPr marL="3657600" indent="0">
+              <a:buNone/>
+              <a:defRPr sz="1400">
+                <a:solidFill>
+                  <a:schemeClr val="tx1">
+                    <a:tint val="75000"/>
+                  </a:schemeClr>
+                </a:solidFill>
+              </a:defRPr>
+            </a:lvl9pPr>
+          </a:lstStyle>
+          <a:p>
+            <a:pPr lvl="0"/>
+            <a:r>
+              <a:rPr lang="en-US" altLang="zh-CN" smtClean="0"/>
+              <a:t>Edit Master text styles</a:t>
+            </a:r>
+          </a:p>
+        </p:txBody>
+      </p:sp>
+      <p:sp>
+        <p:nvSpPr>
+          <p:cNvPr id="4" name="Date Placeholder 3"/>
+          <p:cNvSpPr>
+            <a:spLocks noGrp="1"/>
+          </p:cNvSpPr>
+          <p:nvPr>
+            <p:ph type="dt" sz="half" idx="10"/>
           </p:nvPr>
         </p:nvSpPr>
         <p:spPr/>
@@ -1249,200 +2224,36 @@
           <a:bodyPr/>
           <a:lstStyle/>
           <a:p>
-            <a:r>
-              <a:rPr lang="zh-CN" altLang="en-US"/>
-              <a:t>单击此处编辑母版标题样式</a:t>
-            </a:r>
-          </a:p>
-        </p:txBody>
-      </p:sp>
-      <p:sp>
-        <p:nvSpPr>
-          <p:cNvPr id="3" name="内容占位符 2">
-            <a:extLst>
-              <a:ext uri="{FF2B5EF4-FFF2-40B4-BE49-F238E27FC236}">
-                <a16:creationId xmlns:a16="http://schemas.microsoft.com/office/drawing/2014/main" id="{927D6A08-259C-47D5-BBC2-3A6133CA06B9}"/>
-              </a:ext>
-            </a:extLst>
-          </p:cNvPr>
-          <p:cNvSpPr>
-            <a:spLocks noGrp="1"/>
-          </p:cNvSpPr>
-          <p:nvPr>
-            <p:ph sz="half" idx="1"/>
-          </p:nvPr>
-        </p:nvSpPr>
-        <p:spPr>
-          <a:xfrm>
-            <a:off x="838200" y="1825625"/>
-            <a:ext cx="5181600" cy="4351338"/>
-          </a:xfrm>
-        </p:spPr>
+            <a:fld id="{B346795D-67DE-4829-9C51-38E01F2E8E28}" type="datetimeFigureOut">
+              <a:rPr lang="zh-CN" altLang="en-US" smtClean="0"/>
+              <a:t>2018/3/29</a:t>
+            </a:fld>
+            <a:endParaRPr lang="zh-CN" altLang="en-US"/>
+          </a:p>
+        </p:txBody>
+      </p:sp>
+      <p:sp>
+        <p:nvSpPr>
+          <p:cNvPr id="5" name="Footer Placeholder 4"/>
+          <p:cNvSpPr>
+            <a:spLocks noGrp="1"/>
+          </p:cNvSpPr>
+          <p:nvPr>
+            <p:ph type="ftr" sz="quarter" idx="11"/>
+          </p:nvPr>
+        </p:nvSpPr>
+        <p:spPr/>
         <p:txBody>
           <a:bodyPr/>
           <a:lstStyle/>
           <a:p>
-            <a:pPr lvl="0"/>
-            <a:r>
-              <a:rPr lang="zh-CN" altLang="en-US"/>
-              <a:t>编辑母版文本样式</a:t>
-            </a:r>
-          </a:p>
-          <a:p>
-            <a:pPr lvl="1"/>
-            <a:r>
-              <a:rPr lang="zh-CN" altLang="en-US"/>
-              <a:t>第二级</a:t>
-            </a:r>
-          </a:p>
-          <a:p>
-            <a:pPr lvl="2"/>
-            <a:r>
-              <a:rPr lang="zh-CN" altLang="en-US"/>
-              <a:t>第三级</a:t>
-            </a:r>
-          </a:p>
-          <a:p>
-            <a:pPr lvl="3"/>
-            <a:r>
-              <a:rPr lang="zh-CN" altLang="en-US"/>
-              <a:t>第四级</a:t>
-            </a:r>
-          </a:p>
-          <a:p>
-            <a:pPr lvl="4"/>
-            <a:r>
-              <a:rPr lang="zh-CN" altLang="en-US"/>
-              <a:t>第五级</a:t>
-            </a:r>
-          </a:p>
-        </p:txBody>
-      </p:sp>
-      <p:sp>
-        <p:nvSpPr>
-          <p:cNvPr id="4" name="内容占位符 3">
-            <a:extLst>
-              <a:ext uri="{FF2B5EF4-FFF2-40B4-BE49-F238E27FC236}">
-                <a16:creationId xmlns:a16="http://schemas.microsoft.com/office/drawing/2014/main" id="{7CAB78DA-E1DF-4A74-B889-5A19D1564102}"/>
-              </a:ext>
-            </a:extLst>
-          </p:cNvPr>
-          <p:cNvSpPr>
-            <a:spLocks noGrp="1"/>
-          </p:cNvSpPr>
-          <p:nvPr>
-            <p:ph sz="half" idx="2"/>
-          </p:nvPr>
-        </p:nvSpPr>
-        <p:spPr>
-          <a:xfrm>
-            <a:off x="6172200" y="1825625"/>
-            <a:ext cx="5181600" cy="4351338"/>
-          </a:xfrm>
-        </p:spPr>
-        <p:txBody>
-          <a:bodyPr/>
-          <a:lstStyle/>
-          <a:p>
-            <a:pPr lvl="0"/>
-            <a:r>
-              <a:rPr lang="zh-CN" altLang="en-US"/>
-              <a:t>编辑母版文本样式</a:t>
-            </a:r>
-          </a:p>
-          <a:p>
-            <a:pPr lvl="1"/>
-            <a:r>
-              <a:rPr lang="zh-CN" altLang="en-US"/>
-              <a:t>第二级</a:t>
-            </a:r>
-          </a:p>
-          <a:p>
-            <a:pPr lvl="2"/>
-            <a:r>
-              <a:rPr lang="zh-CN" altLang="en-US"/>
-              <a:t>第三级</a:t>
-            </a:r>
-          </a:p>
-          <a:p>
-            <a:pPr lvl="3"/>
-            <a:r>
-              <a:rPr lang="zh-CN" altLang="en-US"/>
-              <a:t>第四级</a:t>
-            </a:r>
-          </a:p>
-          <a:p>
-            <a:pPr lvl="4"/>
-            <a:r>
-              <a:rPr lang="zh-CN" altLang="en-US"/>
-              <a:t>第五级</a:t>
-            </a:r>
-          </a:p>
-        </p:txBody>
-      </p:sp>
-      <p:sp>
-        <p:nvSpPr>
-          <p:cNvPr id="5" name="日期占位符 4">
-            <a:extLst>
-              <a:ext uri="{FF2B5EF4-FFF2-40B4-BE49-F238E27FC236}">
-                <a16:creationId xmlns:a16="http://schemas.microsoft.com/office/drawing/2014/main" id="{A16E4338-1726-4341-B41D-B7F07B120CC3}"/>
-              </a:ext>
-            </a:extLst>
-          </p:cNvPr>
-          <p:cNvSpPr>
-            <a:spLocks noGrp="1"/>
-          </p:cNvSpPr>
-          <p:nvPr>
-            <p:ph type="dt" sz="half" idx="10"/>
-          </p:nvPr>
-        </p:nvSpPr>
-        <p:spPr/>
-        <p:txBody>
-          <a:bodyPr/>
-          <a:lstStyle/>
-          <a:p>
-            <a:fld id="{B346795D-67DE-4829-9C51-38E01F2E8E28}" type="datetimeFigureOut">
-              <a:rPr lang="zh-CN" altLang="en-US" smtClean="0"/>
-              <a:t>2018/3/27</a:t>
-            </a:fld>
             <a:endParaRPr lang="zh-CN" altLang="en-US"/>
           </a:p>
         </p:txBody>
       </p:sp>
       <p:sp>
         <p:nvSpPr>
-          <p:cNvPr id="6" name="页脚占位符 5">
-            <a:extLst>
-              <a:ext uri="{FF2B5EF4-FFF2-40B4-BE49-F238E27FC236}">
-                <a16:creationId xmlns:a16="http://schemas.microsoft.com/office/drawing/2014/main" id="{E06D9C9B-9272-4397-96BD-EC96B1C9853A}"/>
-              </a:ext>
-            </a:extLst>
-          </p:cNvPr>
-          <p:cNvSpPr>
-            <a:spLocks noGrp="1"/>
-          </p:cNvSpPr>
-          <p:nvPr>
-            <p:ph type="ftr" sz="quarter" idx="11"/>
-          </p:nvPr>
-        </p:nvSpPr>
-        <p:spPr/>
-        <p:txBody>
-          <a:bodyPr/>
-          <a:lstStyle/>
-          <a:p>
-            <a:endParaRPr lang="zh-CN" altLang="en-US"/>
-          </a:p>
-        </p:txBody>
-      </p:sp>
-      <p:sp>
-        <p:nvSpPr>
-          <p:cNvPr id="7" name="灯片编号占位符 6">
-            <a:extLst>
-              <a:ext uri="{FF2B5EF4-FFF2-40B4-BE49-F238E27FC236}">
-                <a16:creationId xmlns:a16="http://schemas.microsoft.com/office/drawing/2014/main" id="{23174809-7DFC-4488-8828-C49F771E5804}"/>
-              </a:ext>
-            </a:extLst>
-          </p:cNvPr>
+          <p:cNvPr id="6" name="Slide Number Placeholder 5"/>
           <p:cNvSpPr>
             <a:spLocks noGrp="1"/>
           </p:cNvSpPr>
@@ -1466,7 +2277,7 @@
     </p:spTree>
     <p:extLst>
       <p:ext uri="{BB962C8B-B14F-4D97-AF65-F5344CB8AC3E}">
-        <p14:creationId xmlns:p14="http://schemas.microsoft.com/office/powerpoint/2010/main" val="3343058949"/>
+        <p14:creationId xmlns:p14="http://schemas.microsoft.com/office/powerpoint/2010/main" val="2963979992"/>
       </p:ext>
     </p:extLst>
   </p:cSld>
@@ -1476,9 +2287,9 @@
 </p:sldLayout>
 </file>
 
-<file path=ppt/slideLayouts/slideLayout5.xml><?xml version="1.0" encoding="utf-8"?>
-<p:sldLayout xmlns:a="http://schemas.openxmlformats.org/drawingml/2006/main" xmlns:r="http://schemas.openxmlformats.org/officeDocument/2006/relationships" xmlns:p="http://schemas.openxmlformats.org/presentationml/2006/main" type="twoTxTwoObj" preserve="1">
-  <p:cSld name="比较">
+<file path=ppt/slideLayouts/slideLayout13.xml><?xml version="1.0" encoding="utf-8"?>
+<p:sldLayout xmlns:a="http://schemas.openxmlformats.org/drawingml/2006/main" xmlns:r="http://schemas.openxmlformats.org/officeDocument/2006/relationships" xmlns:p="http://schemas.openxmlformats.org/presentationml/2006/main" preserve="1">
+  <p:cSld name="Quote Name Card">
     <p:spTree>
       <p:nvGrpSpPr>
         <p:cNvPr id="1" name=""/>
@@ -1495,13 +2306,7 @@
       </p:grpSpPr>
       <p:sp>
         <p:nvSpPr>
-          <p:cNvPr id="2" name="标题 1">
-            <a:extLst>
-              <a:ext uri="{FF2B5EF4-FFF2-40B4-BE49-F238E27FC236}">
-                <a16:creationId xmlns:a16="http://schemas.microsoft.com/office/drawing/2014/main" id="{2DFF851B-A1F8-4D58-BC20-8706A0400673}"/>
-              </a:ext>
-            </a:extLst>
-          </p:cNvPr>
+          <p:cNvPr id="2" name="Title 1"/>
           <p:cNvSpPr>
             <a:spLocks noGrp="1"/>
           </p:cNvSpPr>
@@ -1511,350 +2316,258 @@
         </p:nvSpPr>
         <p:spPr>
           <a:xfrm>
-            <a:off x="839788" y="365125"/>
-            <a:ext cx="10515600" cy="1325563"/>
+            <a:off x="931334" y="609600"/>
+            <a:ext cx="8094134" cy="3022600"/>
           </a:xfrm>
         </p:spPr>
         <p:txBody>
+          <a:bodyPr anchor="ctr">
+            <a:normAutofit/>
+          </a:bodyPr>
+          <a:lstStyle>
+            <a:lvl1pPr algn="l">
+              <a:defRPr sz="4400" b="0" cap="none"/>
+            </a:lvl1pPr>
+          </a:lstStyle>
+          <a:p>
+            <a:r>
+              <a:rPr lang="en-US" altLang="zh-CN" smtClean="0"/>
+              <a:t>Click to edit Master title style</a:t>
+            </a:r>
+            <a:endParaRPr lang="en-US" dirty="0"/>
+          </a:p>
+        </p:txBody>
+      </p:sp>
+      <p:sp>
+        <p:nvSpPr>
+          <p:cNvPr id="23" name="Text Placeholder 9"/>
+          <p:cNvSpPr>
+            <a:spLocks noGrp="1"/>
+          </p:cNvSpPr>
+          <p:nvPr>
+            <p:ph type="body" sz="quarter" idx="13"/>
+          </p:nvPr>
+        </p:nvSpPr>
+        <p:spPr>
+          <a:xfrm>
+            <a:off x="677332" y="4013200"/>
+            <a:ext cx="8596669" cy="514248"/>
+          </a:xfrm>
+        </p:spPr>
+        <p:txBody>
+          <a:bodyPr anchor="b">
+            <a:noAutofit/>
+          </a:bodyPr>
+          <a:lstStyle>
+            <a:lvl1pPr marL="0" indent="0">
+              <a:buFontTx/>
+              <a:buNone/>
+              <a:defRPr sz="2400">
+                <a:solidFill>
+                  <a:schemeClr val="tx1">
+                    <a:lumMod val="75000"/>
+                    <a:lumOff val="25000"/>
+                  </a:schemeClr>
+                </a:solidFill>
+              </a:defRPr>
+            </a:lvl1pPr>
+            <a:lvl2pPr marL="457200" indent="0">
+              <a:buFontTx/>
+              <a:buNone/>
+              <a:defRPr/>
+            </a:lvl2pPr>
+            <a:lvl3pPr marL="914400" indent="0">
+              <a:buFontTx/>
+              <a:buNone/>
+              <a:defRPr/>
+            </a:lvl3pPr>
+            <a:lvl4pPr marL="1371600" indent="0">
+              <a:buFontTx/>
+              <a:buNone/>
+              <a:defRPr/>
+            </a:lvl4pPr>
+            <a:lvl5pPr marL="1828800" indent="0">
+              <a:buFontTx/>
+              <a:buNone/>
+              <a:defRPr/>
+            </a:lvl5pPr>
+          </a:lstStyle>
+          <a:p>
+            <a:pPr lvl="0"/>
+            <a:r>
+              <a:rPr lang="en-US" altLang="zh-CN" smtClean="0"/>
+              <a:t>Edit Master text styles</a:t>
+            </a:r>
+          </a:p>
+        </p:txBody>
+      </p:sp>
+      <p:sp>
+        <p:nvSpPr>
+          <p:cNvPr id="3" name="Text Placeholder 2"/>
+          <p:cNvSpPr>
+            <a:spLocks noGrp="1"/>
+          </p:cNvSpPr>
+          <p:nvPr>
+            <p:ph type="body" idx="1"/>
+          </p:nvPr>
+        </p:nvSpPr>
+        <p:spPr>
+          <a:xfrm>
+            <a:off x="677335" y="4527448"/>
+            <a:ext cx="8596668" cy="1513914"/>
+          </a:xfrm>
+        </p:spPr>
+        <p:txBody>
+          <a:bodyPr anchor="t">
+            <a:normAutofit/>
+          </a:bodyPr>
+          <a:lstStyle>
+            <a:lvl1pPr marL="0" indent="0" algn="l">
+              <a:buNone/>
+              <a:defRPr sz="1800">
+                <a:solidFill>
+                  <a:schemeClr val="tx1">
+                    <a:lumMod val="50000"/>
+                    <a:lumOff val="50000"/>
+                  </a:schemeClr>
+                </a:solidFill>
+              </a:defRPr>
+            </a:lvl1pPr>
+            <a:lvl2pPr marL="457200" indent="0">
+              <a:buNone/>
+              <a:defRPr sz="1800">
+                <a:solidFill>
+                  <a:schemeClr val="tx1">
+                    <a:tint val="75000"/>
+                  </a:schemeClr>
+                </a:solidFill>
+              </a:defRPr>
+            </a:lvl2pPr>
+            <a:lvl3pPr marL="914400" indent="0">
+              <a:buNone/>
+              <a:defRPr sz="1600">
+                <a:solidFill>
+                  <a:schemeClr val="tx1">
+                    <a:tint val="75000"/>
+                  </a:schemeClr>
+                </a:solidFill>
+              </a:defRPr>
+            </a:lvl3pPr>
+            <a:lvl4pPr marL="1371600" indent="0">
+              <a:buNone/>
+              <a:defRPr sz="1400">
+                <a:solidFill>
+                  <a:schemeClr val="tx1">
+                    <a:tint val="75000"/>
+                  </a:schemeClr>
+                </a:solidFill>
+              </a:defRPr>
+            </a:lvl4pPr>
+            <a:lvl5pPr marL="1828800" indent="0">
+              <a:buNone/>
+              <a:defRPr sz="1400">
+                <a:solidFill>
+                  <a:schemeClr val="tx1">
+                    <a:tint val="75000"/>
+                  </a:schemeClr>
+                </a:solidFill>
+              </a:defRPr>
+            </a:lvl5pPr>
+            <a:lvl6pPr marL="2286000" indent="0">
+              <a:buNone/>
+              <a:defRPr sz="1400">
+                <a:solidFill>
+                  <a:schemeClr val="tx1">
+                    <a:tint val="75000"/>
+                  </a:schemeClr>
+                </a:solidFill>
+              </a:defRPr>
+            </a:lvl6pPr>
+            <a:lvl7pPr marL="2743200" indent="0">
+              <a:buNone/>
+              <a:defRPr sz="1400">
+                <a:solidFill>
+                  <a:schemeClr val="tx1">
+                    <a:tint val="75000"/>
+                  </a:schemeClr>
+                </a:solidFill>
+              </a:defRPr>
+            </a:lvl7pPr>
+            <a:lvl8pPr marL="3200400" indent="0">
+              <a:buNone/>
+              <a:defRPr sz="1400">
+                <a:solidFill>
+                  <a:schemeClr val="tx1">
+                    <a:tint val="75000"/>
+                  </a:schemeClr>
+                </a:solidFill>
+              </a:defRPr>
+            </a:lvl8pPr>
+            <a:lvl9pPr marL="3657600" indent="0">
+              <a:buNone/>
+              <a:defRPr sz="1400">
+                <a:solidFill>
+                  <a:schemeClr val="tx1">
+                    <a:tint val="75000"/>
+                  </a:schemeClr>
+                </a:solidFill>
+              </a:defRPr>
+            </a:lvl9pPr>
+          </a:lstStyle>
+          <a:p>
+            <a:pPr lvl="0"/>
+            <a:r>
+              <a:rPr lang="en-US" altLang="zh-CN" smtClean="0"/>
+              <a:t>Edit Master text styles</a:t>
+            </a:r>
+          </a:p>
+        </p:txBody>
+      </p:sp>
+      <p:sp>
+        <p:nvSpPr>
+          <p:cNvPr id="4" name="Date Placeholder 3"/>
+          <p:cNvSpPr>
+            <a:spLocks noGrp="1"/>
+          </p:cNvSpPr>
+          <p:nvPr>
+            <p:ph type="dt" sz="half" idx="10"/>
+          </p:nvPr>
+        </p:nvSpPr>
+        <p:spPr/>
+        <p:txBody>
           <a:bodyPr/>
           <a:lstStyle/>
           <a:p>
-            <a:r>
-              <a:rPr lang="zh-CN" altLang="en-US"/>
-              <a:t>单击此处编辑母版标题样式</a:t>
-            </a:r>
-          </a:p>
-        </p:txBody>
-      </p:sp>
-      <p:sp>
-        <p:nvSpPr>
-          <p:cNvPr id="3" name="文本占位符 2">
-            <a:extLst>
-              <a:ext uri="{FF2B5EF4-FFF2-40B4-BE49-F238E27FC236}">
-                <a16:creationId xmlns:a16="http://schemas.microsoft.com/office/drawing/2014/main" id="{ECB84CB1-F116-43DB-833F-347A69D2D9EF}"/>
-              </a:ext>
-            </a:extLst>
-          </p:cNvPr>
-          <p:cNvSpPr>
-            <a:spLocks noGrp="1"/>
-          </p:cNvSpPr>
-          <p:nvPr>
-            <p:ph type="body" idx="1"/>
-          </p:nvPr>
-        </p:nvSpPr>
-        <p:spPr>
-          <a:xfrm>
-            <a:off x="839788" y="1681163"/>
-            <a:ext cx="5157787" cy="823912"/>
-          </a:xfrm>
-        </p:spPr>
-        <p:txBody>
-          <a:bodyPr anchor="b"/>
-          <a:lstStyle>
-            <a:lvl1pPr marL="0" indent="0">
-              <a:buNone/>
-              <a:defRPr sz="2400" b="1"/>
-            </a:lvl1pPr>
-            <a:lvl2pPr marL="457200" indent="0">
-              <a:buNone/>
-              <a:defRPr sz="2000" b="1"/>
-            </a:lvl2pPr>
-            <a:lvl3pPr marL="914400" indent="0">
-              <a:buNone/>
-              <a:defRPr sz="1800" b="1"/>
-            </a:lvl3pPr>
-            <a:lvl4pPr marL="1371600" indent="0">
-              <a:buNone/>
-              <a:defRPr sz="1600" b="1"/>
-            </a:lvl4pPr>
-            <a:lvl5pPr marL="1828800" indent="0">
-              <a:buNone/>
-              <a:defRPr sz="1600" b="1"/>
-            </a:lvl5pPr>
-            <a:lvl6pPr marL="2286000" indent="0">
-              <a:buNone/>
-              <a:defRPr sz="1600" b="1"/>
-            </a:lvl6pPr>
-            <a:lvl7pPr marL="2743200" indent="0">
-              <a:buNone/>
-              <a:defRPr sz="1600" b="1"/>
-            </a:lvl7pPr>
-            <a:lvl8pPr marL="3200400" indent="0">
-              <a:buNone/>
-              <a:defRPr sz="1600" b="1"/>
-            </a:lvl8pPr>
-            <a:lvl9pPr marL="3657600" indent="0">
-              <a:buNone/>
-              <a:defRPr sz="1600" b="1"/>
-            </a:lvl9pPr>
-          </a:lstStyle>
-          <a:p>
-            <a:pPr lvl="0"/>
-            <a:r>
-              <a:rPr lang="zh-CN" altLang="en-US"/>
-              <a:t>编辑母版文本样式</a:t>
-            </a:r>
-          </a:p>
-        </p:txBody>
-      </p:sp>
-      <p:sp>
-        <p:nvSpPr>
-          <p:cNvPr id="4" name="内容占位符 3">
-            <a:extLst>
-              <a:ext uri="{FF2B5EF4-FFF2-40B4-BE49-F238E27FC236}">
-                <a16:creationId xmlns:a16="http://schemas.microsoft.com/office/drawing/2014/main" id="{E293DCC8-39D3-45D9-879E-D4A04F2D686F}"/>
-              </a:ext>
-            </a:extLst>
-          </p:cNvPr>
-          <p:cNvSpPr>
-            <a:spLocks noGrp="1"/>
-          </p:cNvSpPr>
-          <p:nvPr>
-            <p:ph sz="half" idx="2"/>
-          </p:nvPr>
-        </p:nvSpPr>
-        <p:spPr>
-          <a:xfrm>
-            <a:off x="839788" y="2505075"/>
-            <a:ext cx="5157787" cy="3684588"/>
-          </a:xfrm>
-        </p:spPr>
+            <a:fld id="{B346795D-67DE-4829-9C51-38E01F2E8E28}" type="datetimeFigureOut">
+              <a:rPr lang="zh-CN" altLang="en-US" smtClean="0"/>
+              <a:t>2018/3/29</a:t>
+            </a:fld>
+            <a:endParaRPr lang="zh-CN" altLang="en-US"/>
+          </a:p>
+        </p:txBody>
+      </p:sp>
+      <p:sp>
+        <p:nvSpPr>
+          <p:cNvPr id="5" name="Footer Placeholder 4"/>
+          <p:cNvSpPr>
+            <a:spLocks noGrp="1"/>
+          </p:cNvSpPr>
+          <p:nvPr>
+            <p:ph type="ftr" sz="quarter" idx="11"/>
+          </p:nvPr>
+        </p:nvSpPr>
+        <p:spPr/>
         <p:txBody>
           <a:bodyPr/>
           <a:lstStyle/>
           <a:p>
-            <a:pPr lvl="0"/>
-            <a:r>
-              <a:rPr lang="zh-CN" altLang="en-US"/>
-              <a:t>编辑母版文本样式</a:t>
-            </a:r>
-          </a:p>
-          <a:p>
-            <a:pPr lvl="1"/>
-            <a:r>
-              <a:rPr lang="zh-CN" altLang="en-US"/>
-              <a:t>第二级</a:t>
-            </a:r>
-          </a:p>
-          <a:p>
-            <a:pPr lvl="2"/>
-            <a:r>
-              <a:rPr lang="zh-CN" altLang="en-US"/>
-              <a:t>第三级</a:t>
-            </a:r>
-          </a:p>
-          <a:p>
-            <a:pPr lvl="3"/>
-            <a:r>
-              <a:rPr lang="zh-CN" altLang="en-US"/>
-              <a:t>第四级</a:t>
-            </a:r>
-          </a:p>
-          <a:p>
-            <a:pPr lvl="4"/>
-            <a:r>
-              <a:rPr lang="zh-CN" altLang="en-US"/>
-              <a:t>第五级</a:t>
-            </a:r>
-          </a:p>
-        </p:txBody>
-      </p:sp>
-      <p:sp>
-        <p:nvSpPr>
-          <p:cNvPr id="5" name="文本占位符 4">
-            <a:extLst>
-              <a:ext uri="{FF2B5EF4-FFF2-40B4-BE49-F238E27FC236}">
-                <a16:creationId xmlns:a16="http://schemas.microsoft.com/office/drawing/2014/main" id="{8E191E54-AEC6-4BAD-9EE6-611189963EDD}"/>
-              </a:ext>
-            </a:extLst>
-          </p:cNvPr>
-          <p:cNvSpPr>
-            <a:spLocks noGrp="1"/>
-          </p:cNvSpPr>
-          <p:nvPr>
-            <p:ph type="body" sz="quarter" idx="3"/>
-          </p:nvPr>
-        </p:nvSpPr>
-        <p:spPr>
-          <a:xfrm>
-            <a:off x="6172200" y="1681163"/>
-            <a:ext cx="5183188" cy="823912"/>
-          </a:xfrm>
-        </p:spPr>
-        <p:txBody>
-          <a:bodyPr anchor="b"/>
-          <a:lstStyle>
-            <a:lvl1pPr marL="0" indent="0">
-              <a:buNone/>
-              <a:defRPr sz="2400" b="1"/>
-            </a:lvl1pPr>
-            <a:lvl2pPr marL="457200" indent="0">
-              <a:buNone/>
-              <a:defRPr sz="2000" b="1"/>
-            </a:lvl2pPr>
-            <a:lvl3pPr marL="914400" indent="0">
-              <a:buNone/>
-              <a:defRPr sz="1800" b="1"/>
-            </a:lvl3pPr>
-            <a:lvl4pPr marL="1371600" indent="0">
-              <a:buNone/>
-              <a:defRPr sz="1600" b="1"/>
-            </a:lvl4pPr>
-            <a:lvl5pPr marL="1828800" indent="0">
-              <a:buNone/>
-              <a:defRPr sz="1600" b="1"/>
-            </a:lvl5pPr>
-            <a:lvl6pPr marL="2286000" indent="0">
-              <a:buNone/>
-              <a:defRPr sz="1600" b="1"/>
-            </a:lvl6pPr>
-            <a:lvl7pPr marL="2743200" indent="0">
-              <a:buNone/>
-              <a:defRPr sz="1600" b="1"/>
-            </a:lvl7pPr>
-            <a:lvl8pPr marL="3200400" indent="0">
-              <a:buNone/>
-              <a:defRPr sz="1600" b="1"/>
-            </a:lvl8pPr>
-            <a:lvl9pPr marL="3657600" indent="0">
-              <a:buNone/>
-              <a:defRPr sz="1600" b="1"/>
-            </a:lvl9pPr>
-          </a:lstStyle>
-          <a:p>
-            <a:pPr lvl="0"/>
-            <a:r>
-              <a:rPr lang="zh-CN" altLang="en-US"/>
-              <a:t>编辑母版文本样式</a:t>
-            </a:r>
-          </a:p>
-        </p:txBody>
-      </p:sp>
-      <p:sp>
-        <p:nvSpPr>
-          <p:cNvPr id="6" name="内容占位符 5">
-            <a:extLst>
-              <a:ext uri="{FF2B5EF4-FFF2-40B4-BE49-F238E27FC236}">
-                <a16:creationId xmlns:a16="http://schemas.microsoft.com/office/drawing/2014/main" id="{FC23BD1F-FE32-4FC4-B895-B2BEBAB17DFF}"/>
-              </a:ext>
-            </a:extLst>
-          </p:cNvPr>
-          <p:cNvSpPr>
-            <a:spLocks noGrp="1"/>
-          </p:cNvSpPr>
-          <p:nvPr>
-            <p:ph sz="quarter" idx="4"/>
-          </p:nvPr>
-        </p:nvSpPr>
-        <p:spPr>
-          <a:xfrm>
-            <a:off x="6172200" y="2505075"/>
-            <a:ext cx="5183188" cy="3684588"/>
-          </a:xfrm>
-        </p:spPr>
-        <p:txBody>
-          <a:bodyPr/>
-          <a:lstStyle/>
-          <a:p>
-            <a:pPr lvl="0"/>
-            <a:r>
-              <a:rPr lang="zh-CN" altLang="en-US"/>
-              <a:t>编辑母版文本样式</a:t>
-            </a:r>
-          </a:p>
-          <a:p>
-            <a:pPr lvl="1"/>
-            <a:r>
-              <a:rPr lang="zh-CN" altLang="en-US"/>
-              <a:t>第二级</a:t>
-            </a:r>
-          </a:p>
-          <a:p>
-            <a:pPr lvl="2"/>
-            <a:r>
-              <a:rPr lang="zh-CN" altLang="en-US"/>
-              <a:t>第三级</a:t>
-            </a:r>
-          </a:p>
-          <a:p>
-            <a:pPr lvl="3"/>
-            <a:r>
-              <a:rPr lang="zh-CN" altLang="en-US"/>
-              <a:t>第四级</a:t>
-            </a:r>
-          </a:p>
-          <a:p>
-            <a:pPr lvl="4"/>
-            <a:r>
-              <a:rPr lang="zh-CN" altLang="en-US"/>
-              <a:t>第五级</a:t>
-            </a:r>
-          </a:p>
-        </p:txBody>
-      </p:sp>
-      <p:sp>
-        <p:nvSpPr>
-          <p:cNvPr id="7" name="日期占位符 6">
-            <a:extLst>
-              <a:ext uri="{FF2B5EF4-FFF2-40B4-BE49-F238E27FC236}">
-                <a16:creationId xmlns:a16="http://schemas.microsoft.com/office/drawing/2014/main" id="{CB9BCB23-6DDE-412E-90A4-707ED3FA8521}"/>
-              </a:ext>
-            </a:extLst>
-          </p:cNvPr>
-          <p:cNvSpPr>
-            <a:spLocks noGrp="1"/>
-          </p:cNvSpPr>
-          <p:nvPr>
-            <p:ph type="dt" sz="half" idx="10"/>
-          </p:nvPr>
-        </p:nvSpPr>
-        <p:spPr/>
-        <p:txBody>
-          <a:bodyPr/>
-          <a:lstStyle/>
-          <a:p>
-            <a:fld id="{B346795D-67DE-4829-9C51-38E01F2E8E28}" type="datetimeFigureOut">
-              <a:rPr lang="zh-CN" altLang="en-US" smtClean="0"/>
-              <a:t>2018/3/27</a:t>
-            </a:fld>
             <a:endParaRPr lang="zh-CN" altLang="en-US"/>
           </a:p>
         </p:txBody>
       </p:sp>
       <p:sp>
         <p:nvSpPr>
-          <p:cNvPr id="8" name="页脚占位符 7">
-            <a:extLst>
-              <a:ext uri="{FF2B5EF4-FFF2-40B4-BE49-F238E27FC236}">
-                <a16:creationId xmlns:a16="http://schemas.microsoft.com/office/drawing/2014/main" id="{9DDDD8EA-3795-4880-90DC-D6293EB0363D}"/>
-              </a:ext>
-            </a:extLst>
-          </p:cNvPr>
-          <p:cNvSpPr>
-            <a:spLocks noGrp="1"/>
-          </p:cNvSpPr>
-          <p:nvPr>
-            <p:ph type="ftr" sz="quarter" idx="11"/>
-          </p:nvPr>
-        </p:nvSpPr>
-        <p:spPr/>
-        <p:txBody>
-          <a:bodyPr/>
-          <a:lstStyle/>
-          <a:p>
-            <a:endParaRPr lang="zh-CN" altLang="en-US"/>
-          </a:p>
-        </p:txBody>
-      </p:sp>
-      <p:sp>
-        <p:nvSpPr>
-          <p:cNvPr id="9" name="灯片编号占位符 8">
-            <a:extLst>
-              <a:ext uri="{FF2B5EF4-FFF2-40B4-BE49-F238E27FC236}">
-                <a16:creationId xmlns:a16="http://schemas.microsoft.com/office/drawing/2014/main" id="{FA5066E1-4AA3-456E-8D82-B7E102EDC668}"/>
-              </a:ext>
-            </a:extLst>
-          </p:cNvPr>
+          <p:cNvPr id="6" name="Slide Number Placeholder 5"/>
           <p:cNvSpPr>
             <a:spLocks noGrp="1"/>
           </p:cNvSpPr>
@@ -1875,10 +2588,92 @@
           </a:p>
         </p:txBody>
       </p:sp>
+      <p:sp>
+        <p:nvSpPr>
+          <p:cNvPr id="24" name="TextBox 23"/>
+          <p:cNvSpPr txBox="1"/>
+          <p:nvPr/>
+        </p:nvSpPr>
+        <p:spPr>
+          <a:xfrm>
+            <a:off x="541870" y="790378"/>
+            <a:ext cx="609600" cy="584776"/>
+          </a:xfrm>
+          <a:prstGeom prst="rect">
+            <a:avLst/>
+          </a:prstGeom>
+        </p:spPr>
+        <p:txBody>
+          <a:bodyPr vert="horz" lIns="91440" tIns="45720" rIns="91440" bIns="45720" rtlCol="0" anchor="ctr">
+            <a:noAutofit/>
+          </a:bodyPr>
+          <a:lstStyle/>
+          <a:p>
+            <a:pPr lvl="0"/>
+            <a:r>
+              <a:rPr lang="en-US" sz="8000" baseline="0" dirty="0">
+                <a:ln w="3175" cmpd="sng">
+                  <a:noFill/>
+                </a:ln>
+                <a:solidFill>
+                  <a:schemeClr val="accent1">
+                    <a:lumMod val="60000"/>
+                    <a:lumOff val="40000"/>
+                  </a:schemeClr>
+                </a:solidFill>
+                <a:effectLst/>
+                <a:latin typeface="Arial"/>
+              </a:rPr>
+              <a:t>“</a:t>
+            </a:r>
+          </a:p>
+        </p:txBody>
+      </p:sp>
+      <p:sp>
+        <p:nvSpPr>
+          <p:cNvPr id="25" name="TextBox 24"/>
+          <p:cNvSpPr txBox="1"/>
+          <p:nvPr/>
+        </p:nvSpPr>
+        <p:spPr>
+          <a:xfrm>
+            <a:off x="8893011" y="2886556"/>
+            <a:ext cx="609600" cy="584776"/>
+          </a:xfrm>
+          <a:prstGeom prst="rect">
+            <a:avLst/>
+          </a:prstGeom>
+        </p:spPr>
+        <p:txBody>
+          <a:bodyPr vert="horz" lIns="91440" tIns="45720" rIns="91440" bIns="45720" rtlCol="0" anchor="ctr">
+            <a:noAutofit/>
+          </a:bodyPr>
+          <a:lstStyle/>
+          <a:p>
+            <a:pPr lvl="0"/>
+            <a:r>
+              <a:rPr lang="en-US" sz="8000" baseline="0" dirty="0">
+                <a:ln w="3175" cmpd="sng">
+                  <a:noFill/>
+                </a:ln>
+                <a:solidFill>
+                  <a:schemeClr val="accent1">
+                    <a:lumMod val="60000"/>
+                    <a:lumOff val="40000"/>
+                  </a:schemeClr>
+                </a:solidFill>
+                <a:effectLst/>
+                <a:latin typeface="Arial"/>
+              </a:rPr>
+              <a:t>”</a:t>
+            </a:r>
+          </a:p>
+        </p:txBody>
+      </p:sp>
     </p:spTree>
     <p:extLst>
       <p:ext uri="{BB962C8B-B14F-4D97-AF65-F5344CB8AC3E}">
-        <p14:creationId xmlns:p14="http://schemas.microsoft.com/office/powerpoint/2010/main" val="1889938375"/>
+        <p14:creationId xmlns:p14="http://schemas.microsoft.com/office/powerpoint/2010/main" val="2271025163"/>
       </p:ext>
     </p:extLst>
   </p:cSld>
@@ -1888,9 +2683,9 @@
 </p:sldLayout>
 </file>
 
-<file path=ppt/slideLayouts/slideLayout6.xml><?xml version="1.0" encoding="utf-8"?>
-<p:sldLayout xmlns:a="http://schemas.openxmlformats.org/drawingml/2006/main" xmlns:r="http://schemas.openxmlformats.org/officeDocument/2006/relationships" xmlns:p="http://schemas.openxmlformats.org/presentationml/2006/main" type="titleOnly" preserve="1">
-  <p:cSld name="仅标题">
+<file path=ppt/slideLayouts/slideLayout14.xml><?xml version="1.0" encoding="utf-8"?>
+<p:sldLayout xmlns:a="http://schemas.openxmlformats.org/drawingml/2006/main" xmlns:r="http://schemas.openxmlformats.org/officeDocument/2006/relationships" xmlns:p="http://schemas.openxmlformats.org/presentationml/2006/main" preserve="1">
+  <p:cSld name="True or False">
     <p:spTree>
       <p:nvGrpSpPr>
         <p:cNvPr id="1" name=""/>
@@ -1907,18 +2702,228 @@
       </p:grpSpPr>
       <p:sp>
         <p:nvSpPr>
-          <p:cNvPr id="2" name="标题 1">
-            <a:extLst>
-              <a:ext uri="{FF2B5EF4-FFF2-40B4-BE49-F238E27FC236}">
-                <a16:creationId xmlns:a16="http://schemas.microsoft.com/office/drawing/2014/main" id="{BAAF3182-D74D-478E-8A97-0C39C6032B60}"/>
-              </a:ext>
-            </a:extLst>
-          </p:cNvPr>
+          <p:cNvPr id="2" name="Title 1"/>
           <p:cNvSpPr>
             <a:spLocks noGrp="1"/>
           </p:cNvSpPr>
           <p:nvPr>
             <p:ph type="title"/>
+          </p:nvPr>
+        </p:nvSpPr>
+        <p:spPr>
+          <a:xfrm>
+            <a:off x="685799" y="609600"/>
+            <a:ext cx="8588203" cy="3022600"/>
+          </a:xfrm>
+        </p:spPr>
+        <p:txBody>
+          <a:bodyPr anchor="ctr">
+            <a:normAutofit/>
+          </a:bodyPr>
+          <a:lstStyle>
+            <a:lvl1pPr algn="l">
+              <a:defRPr sz="4400" b="0" cap="none"/>
+            </a:lvl1pPr>
+          </a:lstStyle>
+          <a:p>
+            <a:r>
+              <a:rPr lang="en-US" altLang="zh-CN" smtClean="0"/>
+              <a:t>Click to edit Master title style</a:t>
+            </a:r>
+            <a:endParaRPr lang="en-US" dirty="0"/>
+          </a:p>
+        </p:txBody>
+      </p:sp>
+      <p:sp>
+        <p:nvSpPr>
+          <p:cNvPr id="23" name="Text Placeholder 9"/>
+          <p:cNvSpPr>
+            <a:spLocks noGrp="1"/>
+          </p:cNvSpPr>
+          <p:nvPr>
+            <p:ph type="body" sz="quarter" idx="13"/>
+          </p:nvPr>
+        </p:nvSpPr>
+        <p:spPr>
+          <a:xfrm>
+            <a:off x="677332" y="4013200"/>
+            <a:ext cx="8596669" cy="514248"/>
+          </a:xfrm>
+        </p:spPr>
+        <p:txBody>
+          <a:bodyPr anchor="b">
+            <a:noAutofit/>
+          </a:bodyPr>
+          <a:lstStyle>
+            <a:lvl1pPr marL="0" indent="0">
+              <a:buFontTx/>
+              <a:buNone/>
+              <a:defRPr sz="2400">
+                <a:solidFill>
+                  <a:schemeClr val="accent1"/>
+                </a:solidFill>
+              </a:defRPr>
+            </a:lvl1pPr>
+            <a:lvl2pPr marL="457200" indent="0">
+              <a:buFontTx/>
+              <a:buNone/>
+              <a:defRPr/>
+            </a:lvl2pPr>
+            <a:lvl3pPr marL="914400" indent="0">
+              <a:buFontTx/>
+              <a:buNone/>
+              <a:defRPr/>
+            </a:lvl3pPr>
+            <a:lvl4pPr marL="1371600" indent="0">
+              <a:buFontTx/>
+              <a:buNone/>
+              <a:defRPr/>
+            </a:lvl4pPr>
+            <a:lvl5pPr marL="1828800" indent="0">
+              <a:buFontTx/>
+              <a:buNone/>
+              <a:defRPr/>
+            </a:lvl5pPr>
+          </a:lstStyle>
+          <a:p>
+            <a:pPr lvl="0"/>
+            <a:r>
+              <a:rPr lang="en-US" altLang="zh-CN" smtClean="0"/>
+              <a:t>Edit Master text styles</a:t>
+            </a:r>
+          </a:p>
+        </p:txBody>
+      </p:sp>
+      <p:sp>
+        <p:nvSpPr>
+          <p:cNvPr id="3" name="Text Placeholder 2"/>
+          <p:cNvSpPr>
+            <a:spLocks noGrp="1"/>
+          </p:cNvSpPr>
+          <p:nvPr>
+            <p:ph type="body" idx="1"/>
+          </p:nvPr>
+        </p:nvSpPr>
+        <p:spPr>
+          <a:xfrm>
+            <a:off x="677335" y="4527448"/>
+            <a:ext cx="8596668" cy="1513914"/>
+          </a:xfrm>
+        </p:spPr>
+        <p:txBody>
+          <a:bodyPr anchor="t">
+            <a:normAutofit/>
+          </a:bodyPr>
+          <a:lstStyle>
+            <a:lvl1pPr marL="0" indent="0" algn="l">
+              <a:buNone/>
+              <a:defRPr sz="1800">
+                <a:solidFill>
+                  <a:schemeClr val="tx1">
+                    <a:lumMod val="50000"/>
+                    <a:lumOff val="50000"/>
+                  </a:schemeClr>
+                </a:solidFill>
+              </a:defRPr>
+            </a:lvl1pPr>
+            <a:lvl2pPr marL="457200" indent="0">
+              <a:buNone/>
+              <a:defRPr sz="1800">
+                <a:solidFill>
+                  <a:schemeClr val="tx1">
+                    <a:tint val="75000"/>
+                  </a:schemeClr>
+                </a:solidFill>
+              </a:defRPr>
+            </a:lvl2pPr>
+            <a:lvl3pPr marL="914400" indent="0">
+              <a:buNone/>
+              <a:defRPr sz="1600">
+                <a:solidFill>
+                  <a:schemeClr val="tx1">
+                    <a:tint val="75000"/>
+                  </a:schemeClr>
+                </a:solidFill>
+              </a:defRPr>
+            </a:lvl3pPr>
+            <a:lvl4pPr marL="1371600" indent="0">
+              <a:buNone/>
+              <a:defRPr sz="1400">
+                <a:solidFill>
+                  <a:schemeClr val="tx1">
+                    <a:tint val="75000"/>
+                  </a:schemeClr>
+                </a:solidFill>
+              </a:defRPr>
+            </a:lvl4pPr>
+            <a:lvl5pPr marL="1828800" indent="0">
+              <a:buNone/>
+              <a:defRPr sz="1400">
+                <a:solidFill>
+                  <a:schemeClr val="tx1">
+                    <a:tint val="75000"/>
+                  </a:schemeClr>
+                </a:solidFill>
+              </a:defRPr>
+            </a:lvl5pPr>
+            <a:lvl6pPr marL="2286000" indent="0">
+              <a:buNone/>
+              <a:defRPr sz="1400">
+                <a:solidFill>
+                  <a:schemeClr val="tx1">
+                    <a:tint val="75000"/>
+                  </a:schemeClr>
+                </a:solidFill>
+              </a:defRPr>
+            </a:lvl6pPr>
+            <a:lvl7pPr marL="2743200" indent="0">
+              <a:buNone/>
+              <a:defRPr sz="1400">
+                <a:solidFill>
+                  <a:schemeClr val="tx1">
+                    <a:tint val="75000"/>
+                  </a:schemeClr>
+                </a:solidFill>
+              </a:defRPr>
+            </a:lvl7pPr>
+            <a:lvl8pPr marL="3200400" indent="0">
+              <a:buNone/>
+              <a:defRPr sz="1400">
+                <a:solidFill>
+                  <a:schemeClr val="tx1">
+                    <a:tint val="75000"/>
+                  </a:schemeClr>
+                </a:solidFill>
+              </a:defRPr>
+            </a:lvl8pPr>
+            <a:lvl9pPr marL="3657600" indent="0">
+              <a:buNone/>
+              <a:defRPr sz="1400">
+                <a:solidFill>
+                  <a:schemeClr val="tx1">
+                    <a:tint val="75000"/>
+                  </a:schemeClr>
+                </a:solidFill>
+              </a:defRPr>
+            </a:lvl9pPr>
+          </a:lstStyle>
+          <a:p>
+            <a:pPr lvl="0"/>
+            <a:r>
+              <a:rPr lang="en-US" altLang="zh-CN" smtClean="0"/>
+              <a:t>Edit Master text styles</a:t>
+            </a:r>
+          </a:p>
+        </p:txBody>
+      </p:sp>
+      <p:sp>
+        <p:nvSpPr>
+          <p:cNvPr id="4" name="Date Placeholder 3"/>
+          <p:cNvSpPr>
+            <a:spLocks noGrp="1"/>
+          </p:cNvSpPr>
+          <p:nvPr>
+            <p:ph type="dt" sz="half" idx="10"/>
           </p:nvPr>
         </p:nvSpPr>
         <p:spPr/>
@@ -1926,27 +2931,22 @@
           <a:bodyPr/>
           <a:lstStyle/>
           <a:p>
-            <a:r>
-              <a:rPr lang="zh-CN" altLang="en-US"/>
-              <a:t>单击此处编辑母版标题样式</a:t>
-            </a:r>
-          </a:p>
-        </p:txBody>
-      </p:sp>
-      <p:sp>
-        <p:nvSpPr>
-          <p:cNvPr id="3" name="日期占位符 2">
-            <a:extLst>
-              <a:ext uri="{FF2B5EF4-FFF2-40B4-BE49-F238E27FC236}">
-                <a16:creationId xmlns:a16="http://schemas.microsoft.com/office/drawing/2014/main" id="{E1853E65-BD83-4951-A122-C2BB1871AD16}"/>
-              </a:ext>
-            </a:extLst>
-          </p:cNvPr>
-          <p:cNvSpPr>
-            <a:spLocks noGrp="1"/>
-          </p:cNvSpPr>
-          <p:nvPr>
-            <p:ph type="dt" sz="half" idx="10"/>
+            <a:fld id="{B346795D-67DE-4829-9C51-38E01F2E8E28}" type="datetimeFigureOut">
+              <a:rPr lang="zh-CN" altLang="en-US" smtClean="0"/>
+              <a:t>2018/3/29</a:t>
+            </a:fld>
+            <a:endParaRPr lang="zh-CN" altLang="en-US"/>
+          </a:p>
+        </p:txBody>
+      </p:sp>
+      <p:sp>
+        <p:nvSpPr>
+          <p:cNvPr id="5" name="Footer Placeholder 4"/>
+          <p:cNvSpPr>
+            <a:spLocks noGrp="1"/>
+          </p:cNvSpPr>
+          <p:nvPr>
+            <p:ph type="ftr" sz="quarter" idx="11"/>
           </p:nvPr>
         </p:nvSpPr>
         <p:spPr/>
@@ -1954,48 +2954,13 @@
           <a:bodyPr/>
           <a:lstStyle/>
           <a:p>
-            <a:fld id="{B346795D-67DE-4829-9C51-38E01F2E8E28}" type="datetimeFigureOut">
-              <a:rPr lang="zh-CN" altLang="en-US" smtClean="0"/>
-              <a:t>2018/3/27</a:t>
-            </a:fld>
             <a:endParaRPr lang="zh-CN" altLang="en-US"/>
           </a:p>
         </p:txBody>
       </p:sp>
       <p:sp>
         <p:nvSpPr>
-          <p:cNvPr id="4" name="页脚占位符 3">
-            <a:extLst>
-              <a:ext uri="{FF2B5EF4-FFF2-40B4-BE49-F238E27FC236}">
-                <a16:creationId xmlns:a16="http://schemas.microsoft.com/office/drawing/2014/main" id="{4CC3A2D1-094F-4E01-B4D0-D5E1BA4B0526}"/>
-              </a:ext>
-            </a:extLst>
-          </p:cNvPr>
-          <p:cNvSpPr>
-            <a:spLocks noGrp="1"/>
-          </p:cNvSpPr>
-          <p:nvPr>
-            <p:ph type="ftr" sz="quarter" idx="11"/>
-          </p:nvPr>
-        </p:nvSpPr>
-        <p:spPr/>
-        <p:txBody>
-          <a:bodyPr/>
-          <a:lstStyle/>
-          <a:p>
-            <a:endParaRPr lang="zh-CN" altLang="en-US"/>
-          </a:p>
-        </p:txBody>
-      </p:sp>
-      <p:sp>
-        <p:nvSpPr>
-          <p:cNvPr id="5" name="灯片编号占位符 4">
-            <a:extLst>
-              <a:ext uri="{FF2B5EF4-FFF2-40B4-BE49-F238E27FC236}">
-                <a16:creationId xmlns:a16="http://schemas.microsoft.com/office/drawing/2014/main" id="{0FB7559E-53C6-4BAB-95C8-5D82C6D89A96}"/>
-              </a:ext>
-            </a:extLst>
-          </p:cNvPr>
+          <p:cNvPr id="6" name="Slide Number Placeholder 5"/>
           <p:cNvSpPr>
             <a:spLocks noGrp="1"/>
           </p:cNvSpPr>
@@ -2019,7 +2984,7 @@
     </p:spTree>
     <p:extLst>
       <p:ext uri="{BB962C8B-B14F-4D97-AF65-F5344CB8AC3E}">
-        <p14:creationId xmlns:p14="http://schemas.microsoft.com/office/powerpoint/2010/main" val="2334640064"/>
+        <p14:creationId xmlns:p14="http://schemas.microsoft.com/office/powerpoint/2010/main" val="3394588460"/>
       </p:ext>
     </p:extLst>
   </p:cSld>
@@ -2029,9 +2994,9 @@
 </p:sldLayout>
 </file>
 
-<file path=ppt/slideLayouts/slideLayout7.xml><?xml version="1.0" encoding="utf-8"?>
-<p:sldLayout xmlns:a="http://schemas.openxmlformats.org/drawingml/2006/main" xmlns:r="http://schemas.openxmlformats.org/officeDocument/2006/relationships" xmlns:p="http://schemas.openxmlformats.org/presentationml/2006/main" type="blank" preserve="1">
-  <p:cSld name="空白">
+<file path=ppt/slideLayouts/slideLayout15.xml><?xml version="1.0" encoding="utf-8"?>
+<p:sldLayout xmlns:a="http://schemas.openxmlformats.org/drawingml/2006/main" xmlns:r="http://schemas.openxmlformats.org/officeDocument/2006/relationships" xmlns:p="http://schemas.openxmlformats.org/presentationml/2006/main" type="vertTx" preserve="1">
+  <p:cSld name="Title and Vertical Text">
     <p:spTree>
       <p:nvGrpSpPr>
         <p:cNvPr id="1" name=""/>
@@ -2048,18 +3013,12 @@
       </p:grpSpPr>
       <p:sp>
         <p:nvSpPr>
-          <p:cNvPr id="2" name="日期占位符 1">
-            <a:extLst>
-              <a:ext uri="{FF2B5EF4-FFF2-40B4-BE49-F238E27FC236}">
-                <a16:creationId xmlns:a16="http://schemas.microsoft.com/office/drawing/2014/main" id="{EC5687EA-79F6-4DA4-9B93-B791D907BAD3}"/>
-              </a:ext>
-            </a:extLst>
-          </p:cNvPr>
-          <p:cNvSpPr>
-            <a:spLocks noGrp="1"/>
-          </p:cNvSpPr>
-          <p:nvPr>
-            <p:ph type="dt" sz="half" idx="10"/>
+          <p:cNvPr id="2" name="Title 1"/>
+          <p:cNvSpPr>
+            <a:spLocks noGrp="1"/>
+          </p:cNvSpPr>
+          <p:nvPr>
+            <p:ph type="title"/>
           </p:nvPr>
         </p:nvSpPr>
         <p:spPr/>
@@ -2067,9 +3026,84 @@
           <a:bodyPr/>
           <a:lstStyle/>
           <a:p>
+            <a:r>
+              <a:rPr lang="en-US" altLang="zh-CN" smtClean="0"/>
+              <a:t>Click to edit Master title style</a:t>
+            </a:r>
+            <a:endParaRPr lang="en-US" dirty="0"/>
+          </a:p>
+        </p:txBody>
+      </p:sp>
+      <p:sp>
+        <p:nvSpPr>
+          <p:cNvPr id="3" name="Vertical Text Placeholder 2"/>
+          <p:cNvSpPr>
+            <a:spLocks noGrp="1"/>
+          </p:cNvSpPr>
+          <p:nvPr>
+            <p:ph type="body" orient="vert" idx="1"/>
+          </p:nvPr>
+        </p:nvSpPr>
+        <p:spPr/>
+        <p:txBody>
+          <a:bodyPr vert="eaVert"/>
+          <a:lstStyle/>
+          <a:p>
+            <a:pPr lvl="0"/>
+            <a:r>
+              <a:rPr lang="en-US" altLang="zh-CN" smtClean="0"/>
+              <a:t>Edit Master text styles</a:t>
+            </a:r>
+          </a:p>
+          <a:p>
+            <a:pPr lvl="1"/>
+            <a:r>
+              <a:rPr lang="en-US" altLang="zh-CN" smtClean="0"/>
+              <a:t>Second level</a:t>
+            </a:r>
+          </a:p>
+          <a:p>
+            <a:pPr lvl="2"/>
+            <a:r>
+              <a:rPr lang="en-US" altLang="zh-CN" smtClean="0"/>
+              <a:t>Third level</a:t>
+            </a:r>
+          </a:p>
+          <a:p>
+            <a:pPr lvl="3"/>
+            <a:r>
+              <a:rPr lang="en-US" altLang="zh-CN" smtClean="0"/>
+              <a:t>Fourth level</a:t>
+            </a:r>
+          </a:p>
+          <a:p>
+            <a:pPr lvl="4"/>
+            <a:r>
+              <a:rPr lang="en-US" altLang="zh-CN" smtClean="0"/>
+              <a:t>Fifth level</a:t>
+            </a:r>
+            <a:endParaRPr lang="en-US" dirty="0"/>
+          </a:p>
+        </p:txBody>
+      </p:sp>
+      <p:sp>
+        <p:nvSpPr>
+          <p:cNvPr id="4" name="Date Placeholder 3"/>
+          <p:cNvSpPr>
+            <a:spLocks noGrp="1"/>
+          </p:cNvSpPr>
+          <p:nvPr>
+            <p:ph type="dt" sz="half" idx="10"/>
+          </p:nvPr>
+        </p:nvSpPr>
+        <p:spPr/>
+        <p:txBody>
+          <a:bodyPr/>
+          <a:lstStyle/>
+          <a:p>
             <a:fld id="{B346795D-67DE-4829-9C51-38E01F2E8E28}" type="datetimeFigureOut">
               <a:rPr lang="zh-CN" altLang="en-US" smtClean="0"/>
-              <a:t>2018/3/27</a:t>
+              <a:t>2018/3/29</a:t>
             </a:fld>
             <a:endParaRPr lang="zh-CN" altLang="en-US"/>
           </a:p>
@@ -2077,13 +3111,7 @@
       </p:sp>
       <p:sp>
         <p:nvSpPr>
-          <p:cNvPr id="3" name="页脚占位符 2">
-            <a:extLst>
-              <a:ext uri="{FF2B5EF4-FFF2-40B4-BE49-F238E27FC236}">
-                <a16:creationId xmlns:a16="http://schemas.microsoft.com/office/drawing/2014/main" id="{8A72BEFD-4762-40E2-ABDD-6B7A9C8DE5CD}"/>
-              </a:ext>
-            </a:extLst>
-          </p:cNvPr>
+          <p:cNvPr id="5" name="Footer Placeholder 4"/>
           <p:cNvSpPr>
             <a:spLocks noGrp="1"/>
           </p:cNvSpPr>
@@ -2102,13 +3130,7 @@
       </p:sp>
       <p:sp>
         <p:nvSpPr>
-          <p:cNvPr id="4" name="灯片编号占位符 3">
-            <a:extLst>
-              <a:ext uri="{FF2B5EF4-FFF2-40B4-BE49-F238E27FC236}">
-                <a16:creationId xmlns:a16="http://schemas.microsoft.com/office/drawing/2014/main" id="{220AC538-B6EF-4685-9489-6E3B413F23AF}"/>
-              </a:ext>
-            </a:extLst>
-          </p:cNvPr>
+          <p:cNvPr id="6" name="Slide Number Placeholder 5"/>
           <p:cNvSpPr>
             <a:spLocks noGrp="1"/>
           </p:cNvSpPr>
@@ -2132,7 +3154,7 @@
     </p:spTree>
     <p:extLst>
       <p:ext uri="{BB962C8B-B14F-4D97-AF65-F5344CB8AC3E}">
-        <p14:creationId xmlns:p14="http://schemas.microsoft.com/office/powerpoint/2010/main" val="3372097350"/>
+        <p14:creationId xmlns:p14="http://schemas.microsoft.com/office/powerpoint/2010/main" val="1149388902"/>
       </p:ext>
     </p:extLst>
   </p:cSld>
@@ -2142,9 +3164,9 @@
 </p:sldLayout>
 </file>
 
-<file path=ppt/slideLayouts/slideLayout8.xml><?xml version="1.0" encoding="utf-8"?>
-<p:sldLayout xmlns:a="http://schemas.openxmlformats.org/drawingml/2006/main" xmlns:r="http://schemas.openxmlformats.org/officeDocument/2006/relationships" xmlns:p="http://schemas.openxmlformats.org/presentationml/2006/main" type="objTx" preserve="1">
-  <p:cSld name="内容与标题">
+<file path=ppt/slideLayouts/slideLayout16.xml><?xml version="1.0" encoding="utf-8"?>
+<p:sldLayout xmlns:a="http://schemas.openxmlformats.org/drawingml/2006/main" xmlns:r="http://schemas.openxmlformats.org/officeDocument/2006/relationships" xmlns:p="http://schemas.openxmlformats.org/presentationml/2006/main" type="vertTitleAndTx" preserve="1">
+  <p:cSld name="Vertical Title and Text">
     <p:spTree>
       <p:nvGrpSpPr>
         <p:cNvPr id="1" name=""/>
@@ -2161,211 +3183,92 @@
       </p:grpSpPr>
       <p:sp>
         <p:nvSpPr>
-          <p:cNvPr id="2" name="标题 1">
-            <a:extLst>
-              <a:ext uri="{FF2B5EF4-FFF2-40B4-BE49-F238E27FC236}">
-                <a16:creationId xmlns:a16="http://schemas.microsoft.com/office/drawing/2014/main" id="{20335401-F4E0-4C0A-9C3C-71E74877BE88}"/>
-              </a:ext>
-            </a:extLst>
-          </p:cNvPr>
-          <p:cNvSpPr>
-            <a:spLocks noGrp="1"/>
-          </p:cNvSpPr>
-          <p:nvPr>
-            <p:ph type="title"/>
+          <p:cNvPr id="2" name="Vertical Title 1"/>
+          <p:cNvSpPr>
+            <a:spLocks noGrp="1"/>
+          </p:cNvSpPr>
+          <p:nvPr>
+            <p:ph type="title" orient="vert"/>
           </p:nvPr>
         </p:nvSpPr>
         <p:spPr>
           <a:xfrm>
-            <a:off x="839788" y="457200"/>
-            <a:ext cx="3932237" cy="1600200"/>
+            <a:off x="7967673" y="609599"/>
+            <a:ext cx="1304743" cy="5251451"/>
           </a:xfrm>
         </p:spPr>
         <p:txBody>
-          <a:bodyPr anchor="b"/>
-          <a:lstStyle>
-            <a:lvl1pPr>
-              <a:defRPr sz="3200"/>
-            </a:lvl1pPr>
-          </a:lstStyle>
-          <a:p>
-            <a:r>
-              <a:rPr lang="zh-CN" altLang="en-US"/>
-              <a:t>单击此处编辑母版标题样式</a:t>
-            </a:r>
-          </a:p>
-        </p:txBody>
-      </p:sp>
-      <p:sp>
-        <p:nvSpPr>
-          <p:cNvPr id="3" name="内容占位符 2">
-            <a:extLst>
-              <a:ext uri="{FF2B5EF4-FFF2-40B4-BE49-F238E27FC236}">
-                <a16:creationId xmlns:a16="http://schemas.microsoft.com/office/drawing/2014/main" id="{517831F7-7AC2-4B94-A10B-DDD8A1DBEDCB}"/>
-              </a:ext>
-            </a:extLst>
-          </p:cNvPr>
-          <p:cNvSpPr>
-            <a:spLocks noGrp="1"/>
-          </p:cNvSpPr>
-          <p:nvPr>
-            <p:ph idx="1"/>
+          <a:bodyPr vert="eaVert" anchor="ctr"/>
+          <a:lstStyle/>
+          <a:p>
+            <a:r>
+              <a:rPr lang="en-US" altLang="zh-CN" smtClean="0"/>
+              <a:t>Click to edit Master title style</a:t>
+            </a:r>
+            <a:endParaRPr lang="en-US" dirty="0"/>
+          </a:p>
+        </p:txBody>
+      </p:sp>
+      <p:sp>
+        <p:nvSpPr>
+          <p:cNvPr id="3" name="Vertical Text Placeholder 2"/>
+          <p:cNvSpPr>
+            <a:spLocks noGrp="1"/>
+          </p:cNvSpPr>
+          <p:nvPr>
+            <p:ph type="body" orient="vert" idx="1"/>
           </p:nvPr>
         </p:nvSpPr>
         <p:spPr>
           <a:xfrm>
-            <a:off x="5183188" y="987425"/>
-            <a:ext cx="6172200" cy="4873625"/>
+            <a:off x="677335" y="609600"/>
+            <a:ext cx="7060150" cy="5251450"/>
           </a:xfrm>
         </p:spPr>
         <p:txBody>
-          <a:bodyPr/>
-          <a:lstStyle>
-            <a:lvl1pPr>
-              <a:defRPr sz="3200"/>
-            </a:lvl1pPr>
-            <a:lvl2pPr>
-              <a:defRPr sz="2800"/>
-            </a:lvl2pPr>
-            <a:lvl3pPr>
-              <a:defRPr sz="2400"/>
-            </a:lvl3pPr>
-            <a:lvl4pPr>
-              <a:defRPr sz="2000"/>
-            </a:lvl4pPr>
-            <a:lvl5pPr>
-              <a:defRPr sz="2000"/>
-            </a:lvl5pPr>
-            <a:lvl6pPr>
-              <a:defRPr sz="2000"/>
-            </a:lvl6pPr>
-            <a:lvl7pPr>
-              <a:defRPr sz="2000"/>
-            </a:lvl7pPr>
-            <a:lvl8pPr>
-              <a:defRPr sz="2000"/>
-            </a:lvl8pPr>
-            <a:lvl9pPr>
-              <a:defRPr sz="2000"/>
-            </a:lvl9pPr>
-          </a:lstStyle>
+          <a:bodyPr vert="eaVert"/>
+          <a:lstStyle/>
           <a:p>
             <a:pPr lvl="0"/>
             <a:r>
-              <a:rPr lang="zh-CN" altLang="en-US"/>
-              <a:t>编辑母版文本样式</a:t>
+              <a:rPr lang="en-US" altLang="zh-CN" smtClean="0"/>
+              <a:t>Edit Master text styles</a:t>
             </a:r>
           </a:p>
           <a:p>
             <a:pPr lvl="1"/>
             <a:r>
-              <a:rPr lang="zh-CN" altLang="en-US"/>
-              <a:t>第二级</a:t>
+              <a:rPr lang="en-US" altLang="zh-CN" smtClean="0"/>
+              <a:t>Second level</a:t>
             </a:r>
           </a:p>
           <a:p>
             <a:pPr lvl="2"/>
             <a:r>
-              <a:rPr lang="zh-CN" altLang="en-US"/>
-              <a:t>第三级</a:t>
+              <a:rPr lang="en-US" altLang="zh-CN" smtClean="0"/>
+              <a:t>Third level</a:t>
             </a:r>
           </a:p>
           <a:p>
             <a:pPr lvl="3"/>
             <a:r>
-              <a:rPr lang="zh-CN" altLang="en-US"/>
-              <a:t>第四级</a:t>
+              <a:rPr lang="en-US" altLang="zh-CN" smtClean="0"/>
+              <a:t>Fourth level</a:t>
             </a:r>
           </a:p>
           <a:p>
             <a:pPr lvl="4"/>
             <a:r>
-              <a:rPr lang="zh-CN" altLang="en-US"/>
-              <a:t>第五级</a:t>
-            </a:r>
-          </a:p>
-        </p:txBody>
-      </p:sp>
-      <p:sp>
-        <p:nvSpPr>
-          <p:cNvPr id="4" name="文本占位符 3">
-            <a:extLst>
-              <a:ext uri="{FF2B5EF4-FFF2-40B4-BE49-F238E27FC236}">
-                <a16:creationId xmlns:a16="http://schemas.microsoft.com/office/drawing/2014/main" id="{E4DCA269-D595-47A3-AFBD-FE461B2BD70F}"/>
-              </a:ext>
-            </a:extLst>
-          </p:cNvPr>
-          <p:cNvSpPr>
-            <a:spLocks noGrp="1"/>
-          </p:cNvSpPr>
-          <p:nvPr>
-            <p:ph type="body" sz="half" idx="2"/>
-          </p:nvPr>
-        </p:nvSpPr>
-        <p:spPr>
-          <a:xfrm>
-            <a:off x="839788" y="2057400"/>
-            <a:ext cx="3932237" cy="3811588"/>
-          </a:xfrm>
-        </p:spPr>
-        <p:txBody>
-          <a:bodyPr/>
-          <a:lstStyle>
-            <a:lvl1pPr marL="0" indent="0">
-              <a:buNone/>
-              <a:defRPr sz="1600"/>
-            </a:lvl1pPr>
-            <a:lvl2pPr marL="457200" indent="0">
-              <a:buNone/>
-              <a:defRPr sz="1400"/>
-            </a:lvl2pPr>
-            <a:lvl3pPr marL="914400" indent="0">
-              <a:buNone/>
-              <a:defRPr sz="1200"/>
-            </a:lvl3pPr>
-            <a:lvl4pPr marL="1371600" indent="0">
-              <a:buNone/>
-              <a:defRPr sz="1000"/>
-            </a:lvl4pPr>
-            <a:lvl5pPr marL="1828800" indent="0">
-              <a:buNone/>
-              <a:defRPr sz="1000"/>
-            </a:lvl5pPr>
-            <a:lvl6pPr marL="2286000" indent="0">
-              <a:buNone/>
-              <a:defRPr sz="1000"/>
-            </a:lvl6pPr>
-            <a:lvl7pPr marL="2743200" indent="0">
-              <a:buNone/>
-              <a:defRPr sz="1000"/>
-            </a:lvl7pPr>
-            <a:lvl8pPr marL="3200400" indent="0">
-              <a:buNone/>
-              <a:defRPr sz="1000"/>
-            </a:lvl8pPr>
-            <a:lvl9pPr marL="3657600" indent="0">
-              <a:buNone/>
-              <a:defRPr sz="1000"/>
-            </a:lvl9pPr>
-          </a:lstStyle>
-          <a:p>
-            <a:pPr lvl="0"/>
-            <a:r>
-              <a:rPr lang="zh-CN" altLang="en-US"/>
-              <a:t>编辑母版文本样式</a:t>
-            </a:r>
-          </a:p>
-        </p:txBody>
-      </p:sp>
-      <p:sp>
-        <p:nvSpPr>
-          <p:cNvPr id="5" name="日期占位符 4">
-            <a:extLst>
-              <a:ext uri="{FF2B5EF4-FFF2-40B4-BE49-F238E27FC236}">
-                <a16:creationId xmlns:a16="http://schemas.microsoft.com/office/drawing/2014/main" id="{EBA091F3-F20C-4B85-95C3-99529B254F9A}"/>
-              </a:ext>
-            </a:extLst>
-          </p:cNvPr>
+              <a:rPr lang="en-US" altLang="zh-CN" smtClean="0"/>
+              <a:t>Fifth level</a:t>
+            </a:r>
+            <a:endParaRPr lang="en-US" dirty="0"/>
+          </a:p>
+        </p:txBody>
+      </p:sp>
+      <p:sp>
+        <p:nvSpPr>
+          <p:cNvPr id="4" name="Date Placeholder 3"/>
           <p:cNvSpPr>
             <a:spLocks noGrp="1"/>
           </p:cNvSpPr>
@@ -2380,7 +3283,7 @@
           <a:p>
             <a:fld id="{B346795D-67DE-4829-9C51-38E01F2E8E28}" type="datetimeFigureOut">
               <a:rPr lang="zh-CN" altLang="en-US" smtClean="0"/>
-              <a:t>2018/3/27</a:t>
+              <a:t>2018/3/29</a:t>
             </a:fld>
             <a:endParaRPr lang="zh-CN" altLang="en-US"/>
           </a:p>
@@ -2388,13 +3291,7 @@
       </p:sp>
       <p:sp>
         <p:nvSpPr>
-          <p:cNvPr id="6" name="页脚占位符 5">
-            <a:extLst>
-              <a:ext uri="{FF2B5EF4-FFF2-40B4-BE49-F238E27FC236}">
-                <a16:creationId xmlns:a16="http://schemas.microsoft.com/office/drawing/2014/main" id="{CB1E6F57-DBBF-4A27-B2D9-11975AE5F4F1}"/>
-              </a:ext>
-            </a:extLst>
-          </p:cNvPr>
+          <p:cNvPr id="5" name="Footer Placeholder 4"/>
           <p:cNvSpPr>
             <a:spLocks noGrp="1"/>
           </p:cNvSpPr>
@@ -2413,13 +3310,7 @@
       </p:sp>
       <p:sp>
         <p:nvSpPr>
-          <p:cNvPr id="7" name="灯片编号占位符 6">
-            <a:extLst>
-              <a:ext uri="{FF2B5EF4-FFF2-40B4-BE49-F238E27FC236}">
-                <a16:creationId xmlns:a16="http://schemas.microsoft.com/office/drawing/2014/main" id="{D976E6BB-EDA3-425D-B66D-A73E1AD4D425}"/>
-              </a:ext>
-            </a:extLst>
-          </p:cNvPr>
+          <p:cNvPr id="6" name="Slide Number Placeholder 5"/>
           <p:cNvSpPr>
             <a:spLocks noGrp="1"/>
           </p:cNvSpPr>
@@ -2443,7 +3334,7 @@
     </p:spTree>
     <p:extLst>
       <p:ext uri="{BB962C8B-B14F-4D97-AF65-F5344CB8AC3E}">
-        <p14:creationId xmlns:p14="http://schemas.microsoft.com/office/powerpoint/2010/main" val="3819188455"/>
+        <p14:creationId xmlns:p14="http://schemas.microsoft.com/office/powerpoint/2010/main" val="1697534177"/>
       </p:ext>
     </p:extLst>
   </p:cSld>
@@ -2453,9 +3344,9 @@
 </p:sldLayout>
 </file>
 
-<file path=ppt/slideLayouts/slideLayout9.xml><?xml version="1.0" encoding="utf-8"?>
-<p:sldLayout xmlns:a="http://schemas.openxmlformats.org/drawingml/2006/main" xmlns:r="http://schemas.openxmlformats.org/officeDocument/2006/relationships" xmlns:p="http://schemas.openxmlformats.org/presentationml/2006/main" type="picTx" preserve="1">
-  <p:cSld name="图片与标题">
+<file path=ppt/slideLayouts/slideLayout2.xml><?xml version="1.0" encoding="utf-8"?>
+<p:sldLayout xmlns:a="http://schemas.openxmlformats.org/drawingml/2006/main" xmlns:r="http://schemas.openxmlformats.org/officeDocument/2006/relationships" xmlns:p="http://schemas.openxmlformats.org/presentationml/2006/main" type="obj" preserve="1">
+  <p:cSld name="Title and Content">
     <p:spTree>
       <p:nvGrpSpPr>
         <p:cNvPr id="1" name=""/>
@@ -2472,13 +3363,7 @@
       </p:grpSpPr>
       <p:sp>
         <p:nvSpPr>
-          <p:cNvPr id="2" name="标题 1">
-            <a:extLst>
-              <a:ext uri="{FF2B5EF4-FFF2-40B4-BE49-F238E27FC236}">
-                <a16:creationId xmlns:a16="http://schemas.microsoft.com/office/drawing/2014/main" id="{033283AF-D691-4333-A7F0-C3D30B3F4B50}"/>
-              </a:ext>
-            </a:extLst>
-          </p:cNvPr>
+          <p:cNvPr id="2" name="Title 1"/>
           <p:cNvSpPr>
             <a:spLocks noGrp="1"/>
           </p:cNvSpPr>
@@ -2486,179 +3371,33 @@
             <p:ph type="title"/>
           </p:nvPr>
         </p:nvSpPr>
-        <p:spPr>
-          <a:xfrm>
-            <a:off x="839788" y="457200"/>
-            <a:ext cx="3932237" cy="1600200"/>
-          </a:xfrm>
-        </p:spPr>
-        <p:txBody>
-          <a:bodyPr anchor="b"/>
+        <p:spPr/>
+        <p:txBody>
+          <a:bodyPr>
+            <a:normAutofit/>
+          </a:bodyPr>
           <a:lstStyle>
             <a:lvl1pPr>
-              <a:defRPr sz="3200"/>
+              <a:defRPr sz="3600"/>
             </a:lvl1pPr>
           </a:lstStyle>
           <a:p>
             <a:r>
-              <a:rPr lang="zh-CN" altLang="en-US"/>
-              <a:t>单击此处编辑母版标题样式</a:t>
-            </a:r>
-          </a:p>
-        </p:txBody>
-      </p:sp>
-      <p:sp>
-        <p:nvSpPr>
-          <p:cNvPr id="3" name="图片占位符 2">
-            <a:extLst>
-              <a:ext uri="{FF2B5EF4-FFF2-40B4-BE49-F238E27FC236}">
-                <a16:creationId xmlns:a16="http://schemas.microsoft.com/office/drawing/2014/main" id="{95133351-F38F-4B62-8F6C-765A75EB399D}"/>
-              </a:ext>
-            </a:extLst>
-          </p:cNvPr>
-          <p:cNvSpPr>
-            <a:spLocks noGrp="1"/>
-          </p:cNvSpPr>
-          <p:nvPr>
-            <p:ph type="pic" idx="1"/>
-          </p:nvPr>
-        </p:nvSpPr>
-        <p:spPr>
-          <a:xfrm>
-            <a:off x="5183188" y="987425"/>
-            <a:ext cx="6172200" cy="4873625"/>
-          </a:xfrm>
-        </p:spPr>
-        <p:txBody>
-          <a:bodyPr/>
-          <a:lstStyle>
-            <a:lvl1pPr marL="0" indent="0">
-              <a:buNone/>
-              <a:defRPr sz="3200"/>
-            </a:lvl1pPr>
-            <a:lvl2pPr marL="457200" indent="0">
-              <a:buNone/>
-              <a:defRPr sz="2800"/>
-            </a:lvl2pPr>
-            <a:lvl3pPr marL="914400" indent="0">
-              <a:buNone/>
-              <a:defRPr sz="2400"/>
-            </a:lvl3pPr>
-            <a:lvl4pPr marL="1371600" indent="0">
-              <a:buNone/>
-              <a:defRPr sz="2000"/>
-            </a:lvl4pPr>
-            <a:lvl5pPr marL="1828800" indent="0">
-              <a:buNone/>
-              <a:defRPr sz="2000"/>
-            </a:lvl5pPr>
-            <a:lvl6pPr marL="2286000" indent="0">
-              <a:buNone/>
-              <a:defRPr sz="2000"/>
-            </a:lvl6pPr>
-            <a:lvl7pPr marL="2743200" indent="0">
-              <a:buNone/>
-              <a:defRPr sz="2000"/>
-            </a:lvl7pPr>
-            <a:lvl8pPr marL="3200400" indent="0">
-              <a:buNone/>
-              <a:defRPr sz="2000"/>
-            </a:lvl8pPr>
-            <a:lvl9pPr marL="3657600" indent="0">
-              <a:buNone/>
-              <a:defRPr sz="2000"/>
-            </a:lvl9pPr>
-          </a:lstStyle>
-          <a:p>
-            <a:endParaRPr lang="zh-CN" altLang="en-US"/>
-          </a:p>
-        </p:txBody>
-      </p:sp>
-      <p:sp>
-        <p:nvSpPr>
-          <p:cNvPr id="4" name="文本占位符 3">
-            <a:extLst>
-              <a:ext uri="{FF2B5EF4-FFF2-40B4-BE49-F238E27FC236}">
-                <a16:creationId xmlns:a16="http://schemas.microsoft.com/office/drawing/2014/main" id="{BD88DF69-C67B-4DC6-A335-578D246BC662}"/>
-              </a:ext>
-            </a:extLst>
-          </p:cNvPr>
-          <p:cNvSpPr>
-            <a:spLocks noGrp="1"/>
-          </p:cNvSpPr>
-          <p:nvPr>
-            <p:ph type="body" sz="half" idx="2"/>
-          </p:nvPr>
-        </p:nvSpPr>
-        <p:spPr>
-          <a:xfrm>
-            <a:off x="839788" y="2057400"/>
-            <a:ext cx="3932237" cy="3811588"/>
-          </a:xfrm>
-        </p:spPr>
-        <p:txBody>
-          <a:bodyPr/>
-          <a:lstStyle>
-            <a:lvl1pPr marL="0" indent="0">
-              <a:buNone/>
-              <a:defRPr sz="1600"/>
-            </a:lvl1pPr>
-            <a:lvl2pPr marL="457200" indent="0">
-              <a:buNone/>
-              <a:defRPr sz="1400"/>
-            </a:lvl2pPr>
-            <a:lvl3pPr marL="914400" indent="0">
-              <a:buNone/>
-              <a:defRPr sz="1200"/>
-            </a:lvl3pPr>
-            <a:lvl4pPr marL="1371600" indent="0">
-              <a:buNone/>
-              <a:defRPr sz="1000"/>
-            </a:lvl4pPr>
-            <a:lvl5pPr marL="1828800" indent="0">
-              <a:buNone/>
-              <a:defRPr sz="1000"/>
-            </a:lvl5pPr>
-            <a:lvl6pPr marL="2286000" indent="0">
-              <a:buNone/>
-              <a:defRPr sz="1000"/>
-            </a:lvl6pPr>
-            <a:lvl7pPr marL="2743200" indent="0">
-              <a:buNone/>
-              <a:defRPr sz="1000"/>
-            </a:lvl7pPr>
-            <a:lvl8pPr marL="3200400" indent="0">
-              <a:buNone/>
-              <a:defRPr sz="1000"/>
-            </a:lvl8pPr>
-            <a:lvl9pPr marL="3657600" indent="0">
-              <a:buNone/>
-              <a:defRPr sz="1000"/>
-            </a:lvl9pPr>
-          </a:lstStyle>
-          <a:p>
-            <a:pPr lvl="0"/>
-            <a:r>
-              <a:rPr lang="zh-CN" altLang="en-US"/>
-              <a:t>编辑母版文本样式</a:t>
-            </a:r>
-          </a:p>
-        </p:txBody>
-      </p:sp>
-      <p:sp>
-        <p:nvSpPr>
-          <p:cNvPr id="5" name="日期占位符 4">
-            <a:extLst>
-              <a:ext uri="{FF2B5EF4-FFF2-40B4-BE49-F238E27FC236}">
-                <a16:creationId xmlns:a16="http://schemas.microsoft.com/office/drawing/2014/main" id="{A1109649-2003-4D06-BA18-5E57933BE9E2}"/>
-              </a:ext>
-            </a:extLst>
-          </p:cNvPr>
-          <p:cNvSpPr>
-            <a:spLocks noGrp="1"/>
-          </p:cNvSpPr>
-          <p:nvPr>
-            <p:ph type="dt" sz="half" idx="10"/>
+              <a:rPr lang="en-US" altLang="zh-CN" smtClean="0"/>
+              <a:t>Click to edit Master title style</a:t>
+            </a:r>
+            <a:endParaRPr lang="en-US" dirty="0"/>
+          </a:p>
+        </p:txBody>
+      </p:sp>
+      <p:sp>
+        <p:nvSpPr>
+          <p:cNvPr id="3" name="Content Placeholder 2"/>
+          <p:cNvSpPr>
+            <a:spLocks noGrp="1"/>
+          </p:cNvSpPr>
+          <p:nvPr>
+            <p:ph idx="1"/>
           </p:nvPr>
         </p:nvSpPr>
         <p:spPr/>
@@ -2666,9 +3405,61 @@
           <a:bodyPr/>
           <a:lstStyle/>
           <a:p>
+            <a:pPr lvl="0"/>
+            <a:r>
+              <a:rPr lang="en-US" altLang="zh-CN" smtClean="0"/>
+              <a:t>Edit Master text styles</a:t>
+            </a:r>
+          </a:p>
+          <a:p>
+            <a:pPr lvl="1"/>
+            <a:r>
+              <a:rPr lang="en-US" altLang="zh-CN" smtClean="0"/>
+              <a:t>Second level</a:t>
+            </a:r>
+          </a:p>
+          <a:p>
+            <a:pPr lvl="2"/>
+            <a:r>
+              <a:rPr lang="en-US" altLang="zh-CN" smtClean="0"/>
+              <a:t>Third level</a:t>
+            </a:r>
+          </a:p>
+          <a:p>
+            <a:pPr lvl="3"/>
+            <a:r>
+              <a:rPr lang="en-US" altLang="zh-CN" smtClean="0"/>
+              <a:t>Fourth level</a:t>
+            </a:r>
+          </a:p>
+          <a:p>
+            <a:pPr lvl="4"/>
+            <a:r>
+              <a:rPr lang="en-US" altLang="zh-CN" smtClean="0"/>
+              <a:t>Fifth level</a:t>
+            </a:r>
+            <a:endParaRPr lang="en-US" dirty="0"/>
+          </a:p>
+        </p:txBody>
+      </p:sp>
+      <p:sp>
+        <p:nvSpPr>
+          <p:cNvPr id="4" name="Date Placeholder 3"/>
+          <p:cNvSpPr>
+            <a:spLocks noGrp="1"/>
+          </p:cNvSpPr>
+          <p:nvPr>
+            <p:ph type="dt" sz="half" idx="10"/>
+          </p:nvPr>
+        </p:nvSpPr>
+        <p:spPr/>
+        <p:txBody>
+          <a:bodyPr/>
+          <a:lstStyle/>
+          <a:p>
             <a:fld id="{B346795D-67DE-4829-9C51-38E01F2E8E28}" type="datetimeFigureOut">
               <a:rPr lang="zh-CN" altLang="en-US" smtClean="0"/>
-              <a:t>2018/3/27</a:t>
+              <a:t>2018/3/29</a:t>
             </a:fld>
             <a:endParaRPr lang="zh-CN" altLang="en-US"/>
           </a:p>
@@ -2676,13 +3467,7 @@
       </p:sp>
       <p:sp>
         <p:nvSpPr>
-          <p:cNvPr id="6" name="页脚占位符 5">
-            <a:extLst>
-              <a:ext uri="{FF2B5EF4-FFF2-40B4-BE49-F238E27FC236}">
-                <a16:creationId xmlns:a16="http://schemas.microsoft.com/office/drawing/2014/main" id="{7F627931-CFAB-456E-A552-AE18089E9725}"/>
-              </a:ext>
-            </a:extLst>
-          </p:cNvPr>
+          <p:cNvPr id="5" name="Footer Placeholder 4"/>
           <p:cNvSpPr>
             <a:spLocks noGrp="1"/>
           </p:cNvSpPr>
@@ -2701,13 +3486,7 @@
       </p:sp>
       <p:sp>
         <p:nvSpPr>
-          <p:cNvPr id="7" name="灯片编号占位符 6">
-            <a:extLst>
-              <a:ext uri="{FF2B5EF4-FFF2-40B4-BE49-F238E27FC236}">
-                <a16:creationId xmlns:a16="http://schemas.microsoft.com/office/drawing/2014/main" id="{A31CBA08-3751-4536-9377-F54F7EADC840}"/>
-              </a:ext>
-            </a:extLst>
-          </p:cNvPr>
+          <p:cNvPr id="6" name="Slide Number Placeholder 5"/>
           <p:cNvSpPr>
             <a:spLocks noGrp="1"/>
           </p:cNvSpPr>
@@ -2731,7 +3510,1596 @@
     </p:spTree>
     <p:extLst>
       <p:ext uri="{BB962C8B-B14F-4D97-AF65-F5344CB8AC3E}">
-        <p14:creationId xmlns:p14="http://schemas.microsoft.com/office/powerpoint/2010/main" val="3894995676"/>
+        <p14:creationId xmlns:p14="http://schemas.microsoft.com/office/powerpoint/2010/main" val="2021542253"/>
+      </p:ext>
+    </p:extLst>
+  </p:cSld>
+  <p:clrMapOvr>
+    <a:masterClrMapping/>
+  </p:clrMapOvr>
+</p:sldLayout>
+</file>
+
+<file path=ppt/slideLayouts/slideLayout3.xml><?xml version="1.0" encoding="utf-8"?>
+<p:sldLayout xmlns:a="http://schemas.openxmlformats.org/drawingml/2006/main" xmlns:r="http://schemas.openxmlformats.org/officeDocument/2006/relationships" xmlns:p="http://schemas.openxmlformats.org/presentationml/2006/main" type="secHead" preserve="1">
+  <p:cSld name="Section Header">
+    <p:spTree>
+      <p:nvGrpSpPr>
+        <p:cNvPr id="1" name=""/>
+        <p:cNvGrpSpPr/>
+        <p:nvPr/>
+      </p:nvGrpSpPr>
+      <p:grpSpPr>
+        <a:xfrm>
+          <a:off x="0" y="0"/>
+          <a:ext cx="0" cy="0"/>
+          <a:chOff x="0" y="0"/>
+          <a:chExt cx="0" cy="0"/>
+        </a:xfrm>
+      </p:grpSpPr>
+      <p:sp>
+        <p:nvSpPr>
+          <p:cNvPr id="2" name="Title 1"/>
+          <p:cNvSpPr>
+            <a:spLocks noGrp="1"/>
+          </p:cNvSpPr>
+          <p:nvPr>
+            <p:ph type="title"/>
+          </p:nvPr>
+        </p:nvSpPr>
+        <p:spPr>
+          <a:xfrm>
+            <a:off x="677335" y="2700867"/>
+            <a:ext cx="8596668" cy="1826581"/>
+          </a:xfrm>
+        </p:spPr>
+        <p:txBody>
+          <a:bodyPr anchor="b"/>
+          <a:lstStyle>
+            <a:lvl1pPr algn="l">
+              <a:defRPr sz="4000" b="0" cap="none"/>
+            </a:lvl1pPr>
+          </a:lstStyle>
+          <a:p>
+            <a:r>
+              <a:rPr lang="en-US" altLang="zh-CN" smtClean="0"/>
+              <a:t>Click to edit Master title style</a:t>
+            </a:r>
+            <a:endParaRPr lang="en-US" dirty="0"/>
+          </a:p>
+        </p:txBody>
+      </p:sp>
+      <p:sp>
+        <p:nvSpPr>
+          <p:cNvPr id="3" name="Text Placeholder 2"/>
+          <p:cNvSpPr>
+            <a:spLocks noGrp="1"/>
+          </p:cNvSpPr>
+          <p:nvPr>
+            <p:ph type="body" idx="1"/>
+          </p:nvPr>
+        </p:nvSpPr>
+        <p:spPr>
+          <a:xfrm>
+            <a:off x="677335" y="4527448"/>
+            <a:ext cx="8596668" cy="860400"/>
+          </a:xfrm>
+        </p:spPr>
+        <p:txBody>
+          <a:bodyPr anchor="t"/>
+          <a:lstStyle>
+            <a:lvl1pPr marL="0" indent="0" algn="l">
+              <a:buNone/>
+              <a:defRPr sz="2000">
+                <a:solidFill>
+                  <a:schemeClr val="tx1">
+                    <a:lumMod val="50000"/>
+                    <a:lumOff val="50000"/>
+                  </a:schemeClr>
+                </a:solidFill>
+              </a:defRPr>
+            </a:lvl1pPr>
+            <a:lvl2pPr marL="457200" indent="0">
+              <a:buNone/>
+              <a:defRPr sz="1800">
+                <a:solidFill>
+                  <a:schemeClr val="tx1">
+                    <a:tint val="75000"/>
+                  </a:schemeClr>
+                </a:solidFill>
+              </a:defRPr>
+            </a:lvl2pPr>
+            <a:lvl3pPr marL="914400" indent="0">
+              <a:buNone/>
+              <a:defRPr sz="1600">
+                <a:solidFill>
+                  <a:schemeClr val="tx1">
+                    <a:tint val="75000"/>
+                  </a:schemeClr>
+                </a:solidFill>
+              </a:defRPr>
+            </a:lvl3pPr>
+            <a:lvl4pPr marL="1371600" indent="0">
+              <a:buNone/>
+              <a:defRPr sz="1400">
+                <a:solidFill>
+                  <a:schemeClr val="tx1">
+                    <a:tint val="75000"/>
+                  </a:schemeClr>
+                </a:solidFill>
+              </a:defRPr>
+            </a:lvl4pPr>
+            <a:lvl5pPr marL="1828800" indent="0">
+              <a:buNone/>
+              <a:defRPr sz="1400">
+                <a:solidFill>
+                  <a:schemeClr val="tx1">
+                    <a:tint val="75000"/>
+                  </a:schemeClr>
+                </a:solidFill>
+              </a:defRPr>
+            </a:lvl5pPr>
+            <a:lvl6pPr marL="2286000" indent="0">
+              <a:buNone/>
+              <a:defRPr sz="1400">
+                <a:solidFill>
+                  <a:schemeClr val="tx1">
+                    <a:tint val="75000"/>
+                  </a:schemeClr>
+                </a:solidFill>
+              </a:defRPr>
+            </a:lvl6pPr>
+            <a:lvl7pPr marL="2743200" indent="0">
+              <a:buNone/>
+              <a:defRPr sz="1400">
+                <a:solidFill>
+                  <a:schemeClr val="tx1">
+                    <a:tint val="75000"/>
+                  </a:schemeClr>
+                </a:solidFill>
+              </a:defRPr>
+            </a:lvl7pPr>
+            <a:lvl8pPr marL="3200400" indent="0">
+              <a:buNone/>
+              <a:defRPr sz="1400">
+                <a:solidFill>
+                  <a:schemeClr val="tx1">
+                    <a:tint val="75000"/>
+                  </a:schemeClr>
+                </a:solidFill>
+              </a:defRPr>
+            </a:lvl8pPr>
+            <a:lvl9pPr marL="3657600" indent="0">
+              <a:buNone/>
+              <a:defRPr sz="1400">
+                <a:solidFill>
+                  <a:schemeClr val="tx1">
+                    <a:tint val="75000"/>
+                  </a:schemeClr>
+                </a:solidFill>
+              </a:defRPr>
+            </a:lvl9pPr>
+          </a:lstStyle>
+          <a:p>
+            <a:pPr lvl="0"/>
+            <a:r>
+              <a:rPr lang="en-US" altLang="zh-CN" smtClean="0"/>
+              <a:t>Edit Master text styles</a:t>
+            </a:r>
+          </a:p>
+        </p:txBody>
+      </p:sp>
+      <p:sp>
+        <p:nvSpPr>
+          <p:cNvPr id="4" name="Date Placeholder 3"/>
+          <p:cNvSpPr>
+            <a:spLocks noGrp="1"/>
+          </p:cNvSpPr>
+          <p:nvPr>
+            <p:ph type="dt" sz="half" idx="10"/>
+          </p:nvPr>
+        </p:nvSpPr>
+        <p:spPr/>
+        <p:txBody>
+          <a:bodyPr/>
+          <a:lstStyle/>
+          <a:p>
+            <a:fld id="{B346795D-67DE-4829-9C51-38E01F2E8E28}" type="datetimeFigureOut">
+              <a:rPr lang="zh-CN" altLang="en-US" smtClean="0"/>
+              <a:t>2018/3/29</a:t>
+            </a:fld>
+            <a:endParaRPr lang="zh-CN" altLang="en-US"/>
+          </a:p>
+        </p:txBody>
+      </p:sp>
+      <p:sp>
+        <p:nvSpPr>
+          <p:cNvPr id="5" name="Footer Placeholder 4"/>
+          <p:cNvSpPr>
+            <a:spLocks noGrp="1"/>
+          </p:cNvSpPr>
+          <p:nvPr>
+            <p:ph type="ftr" sz="quarter" idx="11"/>
+          </p:nvPr>
+        </p:nvSpPr>
+        <p:spPr/>
+        <p:txBody>
+          <a:bodyPr/>
+          <a:lstStyle/>
+          <a:p>
+            <a:endParaRPr lang="zh-CN" altLang="en-US"/>
+          </a:p>
+        </p:txBody>
+      </p:sp>
+      <p:sp>
+        <p:nvSpPr>
+          <p:cNvPr id="6" name="Slide Number Placeholder 5"/>
+          <p:cNvSpPr>
+            <a:spLocks noGrp="1"/>
+          </p:cNvSpPr>
+          <p:nvPr>
+            <p:ph type="sldNum" sz="quarter" idx="12"/>
+          </p:nvPr>
+        </p:nvSpPr>
+        <p:spPr/>
+        <p:txBody>
+          <a:bodyPr/>
+          <a:lstStyle/>
+          <a:p>
+            <a:fld id="{DCCD1F3F-ABC4-4520-A2C3-C0E9BAC79FD3}" type="slidenum">
+              <a:rPr lang="zh-CN" altLang="en-US" smtClean="0"/>
+              <a:t>‹#›</a:t>
+            </a:fld>
+            <a:endParaRPr lang="zh-CN" altLang="en-US"/>
+          </a:p>
+        </p:txBody>
+      </p:sp>
+    </p:spTree>
+    <p:extLst>
+      <p:ext uri="{BB962C8B-B14F-4D97-AF65-F5344CB8AC3E}">
+        <p14:creationId xmlns:p14="http://schemas.microsoft.com/office/powerpoint/2010/main" val="485714739"/>
+      </p:ext>
+    </p:extLst>
+  </p:cSld>
+  <p:clrMapOvr>
+    <a:masterClrMapping/>
+  </p:clrMapOvr>
+</p:sldLayout>
+</file>
+
+<file path=ppt/slideLayouts/slideLayout4.xml><?xml version="1.0" encoding="utf-8"?>
+<p:sldLayout xmlns:a="http://schemas.openxmlformats.org/drawingml/2006/main" xmlns:r="http://schemas.openxmlformats.org/officeDocument/2006/relationships" xmlns:p="http://schemas.openxmlformats.org/presentationml/2006/main" type="twoObj" preserve="1">
+  <p:cSld name="Two Content">
+    <p:spTree>
+      <p:nvGrpSpPr>
+        <p:cNvPr id="1" name=""/>
+        <p:cNvGrpSpPr/>
+        <p:nvPr/>
+      </p:nvGrpSpPr>
+      <p:grpSpPr>
+        <a:xfrm>
+          <a:off x="0" y="0"/>
+          <a:ext cx="0" cy="0"/>
+          <a:chOff x="0" y="0"/>
+          <a:chExt cx="0" cy="0"/>
+        </a:xfrm>
+      </p:grpSpPr>
+      <p:sp>
+        <p:nvSpPr>
+          <p:cNvPr id="2" name="Title 1"/>
+          <p:cNvSpPr>
+            <a:spLocks noGrp="1"/>
+          </p:cNvSpPr>
+          <p:nvPr>
+            <p:ph type="title"/>
+          </p:nvPr>
+        </p:nvSpPr>
+        <p:spPr/>
+        <p:txBody>
+          <a:bodyPr/>
+          <a:lstStyle/>
+          <a:p>
+            <a:r>
+              <a:rPr lang="en-US" altLang="zh-CN" smtClean="0"/>
+              <a:t>Click to edit Master title style</a:t>
+            </a:r>
+            <a:endParaRPr lang="en-US" dirty="0"/>
+          </a:p>
+        </p:txBody>
+      </p:sp>
+      <p:sp>
+        <p:nvSpPr>
+          <p:cNvPr id="3" name="Content Placeholder 2"/>
+          <p:cNvSpPr>
+            <a:spLocks noGrp="1"/>
+          </p:cNvSpPr>
+          <p:nvPr>
+            <p:ph sz="half" idx="1"/>
+          </p:nvPr>
+        </p:nvSpPr>
+        <p:spPr>
+          <a:xfrm>
+            <a:off x="677334" y="2160589"/>
+            <a:ext cx="4184035" cy="3880772"/>
+          </a:xfrm>
+        </p:spPr>
+        <p:txBody>
+          <a:bodyPr/>
+          <a:lstStyle/>
+          <a:p>
+            <a:pPr lvl="0"/>
+            <a:r>
+              <a:rPr lang="en-US" altLang="zh-CN" smtClean="0"/>
+              <a:t>Edit Master text styles</a:t>
+            </a:r>
+          </a:p>
+          <a:p>
+            <a:pPr lvl="1"/>
+            <a:r>
+              <a:rPr lang="en-US" altLang="zh-CN" smtClean="0"/>
+              <a:t>Second level</a:t>
+            </a:r>
+          </a:p>
+          <a:p>
+            <a:pPr lvl="2"/>
+            <a:r>
+              <a:rPr lang="en-US" altLang="zh-CN" smtClean="0"/>
+              <a:t>Third level</a:t>
+            </a:r>
+          </a:p>
+          <a:p>
+            <a:pPr lvl="3"/>
+            <a:r>
+              <a:rPr lang="en-US" altLang="zh-CN" smtClean="0"/>
+              <a:t>Fourth level</a:t>
+            </a:r>
+          </a:p>
+          <a:p>
+            <a:pPr lvl="4"/>
+            <a:r>
+              <a:rPr lang="en-US" altLang="zh-CN" smtClean="0"/>
+              <a:t>Fifth level</a:t>
+            </a:r>
+            <a:endParaRPr lang="en-US" dirty="0"/>
+          </a:p>
+        </p:txBody>
+      </p:sp>
+      <p:sp>
+        <p:nvSpPr>
+          <p:cNvPr id="4" name="Content Placeholder 3"/>
+          <p:cNvSpPr>
+            <a:spLocks noGrp="1"/>
+          </p:cNvSpPr>
+          <p:nvPr>
+            <p:ph sz="half" idx="2"/>
+          </p:nvPr>
+        </p:nvSpPr>
+        <p:spPr>
+          <a:xfrm>
+            <a:off x="5089970" y="2160589"/>
+            <a:ext cx="4184034" cy="3880773"/>
+          </a:xfrm>
+        </p:spPr>
+        <p:txBody>
+          <a:bodyPr/>
+          <a:lstStyle/>
+          <a:p>
+            <a:pPr lvl="0"/>
+            <a:r>
+              <a:rPr lang="en-US" altLang="zh-CN" smtClean="0"/>
+              <a:t>Edit Master text styles</a:t>
+            </a:r>
+          </a:p>
+          <a:p>
+            <a:pPr lvl="1"/>
+            <a:r>
+              <a:rPr lang="en-US" altLang="zh-CN" smtClean="0"/>
+              <a:t>Second level</a:t>
+            </a:r>
+          </a:p>
+          <a:p>
+            <a:pPr lvl="2"/>
+            <a:r>
+              <a:rPr lang="en-US" altLang="zh-CN" smtClean="0"/>
+              <a:t>Third level</a:t>
+            </a:r>
+          </a:p>
+          <a:p>
+            <a:pPr lvl="3"/>
+            <a:r>
+              <a:rPr lang="en-US" altLang="zh-CN" smtClean="0"/>
+              <a:t>Fourth level</a:t>
+            </a:r>
+          </a:p>
+          <a:p>
+            <a:pPr lvl="4"/>
+            <a:r>
+              <a:rPr lang="en-US" altLang="zh-CN" smtClean="0"/>
+              <a:t>Fifth level</a:t>
+            </a:r>
+            <a:endParaRPr lang="en-US" dirty="0"/>
+          </a:p>
+        </p:txBody>
+      </p:sp>
+      <p:sp>
+        <p:nvSpPr>
+          <p:cNvPr id="5" name="Date Placeholder 4"/>
+          <p:cNvSpPr>
+            <a:spLocks noGrp="1"/>
+          </p:cNvSpPr>
+          <p:nvPr>
+            <p:ph type="dt" sz="half" idx="10"/>
+          </p:nvPr>
+        </p:nvSpPr>
+        <p:spPr/>
+        <p:txBody>
+          <a:bodyPr/>
+          <a:lstStyle/>
+          <a:p>
+            <a:fld id="{B346795D-67DE-4829-9C51-38E01F2E8E28}" type="datetimeFigureOut">
+              <a:rPr lang="zh-CN" altLang="en-US" smtClean="0"/>
+              <a:t>2018/3/29</a:t>
+            </a:fld>
+            <a:endParaRPr lang="zh-CN" altLang="en-US"/>
+          </a:p>
+        </p:txBody>
+      </p:sp>
+      <p:sp>
+        <p:nvSpPr>
+          <p:cNvPr id="6" name="Footer Placeholder 5"/>
+          <p:cNvSpPr>
+            <a:spLocks noGrp="1"/>
+          </p:cNvSpPr>
+          <p:nvPr>
+            <p:ph type="ftr" sz="quarter" idx="11"/>
+          </p:nvPr>
+        </p:nvSpPr>
+        <p:spPr/>
+        <p:txBody>
+          <a:bodyPr/>
+          <a:lstStyle/>
+          <a:p>
+            <a:endParaRPr lang="zh-CN" altLang="en-US"/>
+          </a:p>
+        </p:txBody>
+      </p:sp>
+      <p:sp>
+        <p:nvSpPr>
+          <p:cNvPr id="7" name="Slide Number Placeholder 6"/>
+          <p:cNvSpPr>
+            <a:spLocks noGrp="1"/>
+          </p:cNvSpPr>
+          <p:nvPr>
+            <p:ph type="sldNum" sz="quarter" idx="12"/>
+          </p:nvPr>
+        </p:nvSpPr>
+        <p:spPr/>
+        <p:txBody>
+          <a:bodyPr/>
+          <a:lstStyle/>
+          <a:p>
+            <a:fld id="{DCCD1F3F-ABC4-4520-A2C3-C0E9BAC79FD3}" type="slidenum">
+              <a:rPr lang="zh-CN" altLang="en-US" smtClean="0"/>
+              <a:t>‹#›</a:t>
+            </a:fld>
+            <a:endParaRPr lang="zh-CN" altLang="en-US"/>
+          </a:p>
+        </p:txBody>
+      </p:sp>
+    </p:spTree>
+    <p:extLst>
+      <p:ext uri="{BB962C8B-B14F-4D97-AF65-F5344CB8AC3E}">
+        <p14:creationId xmlns:p14="http://schemas.microsoft.com/office/powerpoint/2010/main" val="1102244138"/>
+      </p:ext>
+    </p:extLst>
+  </p:cSld>
+  <p:clrMapOvr>
+    <a:masterClrMapping/>
+  </p:clrMapOvr>
+</p:sldLayout>
+</file>
+
+<file path=ppt/slideLayouts/slideLayout5.xml><?xml version="1.0" encoding="utf-8"?>
+<p:sldLayout xmlns:a="http://schemas.openxmlformats.org/drawingml/2006/main" xmlns:r="http://schemas.openxmlformats.org/officeDocument/2006/relationships" xmlns:p="http://schemas.openxmlformats.org/presentationml/2006/main" type="twoTxTwoObj" preserve="1">
+  <p:cSld name="Comparison">
+    <p:spTree>
+      <p:nvGrpSpPr>
+        <p:cNvPr id="1" name=""/>
+        <p:cNvGrpSpPr/>
+        <p:nvPr/>
+      </p:nvGrpSpPr>
+      <p:grpSpPr>
+        <a:xfrm>
+          <a:off x="0" y="0"/>
+          <a:ext cx="0" cy="0"/>
+          <a:chOff x="0" y="0"/>
+          <a:chExt cx="0" cy="0"/>
+        </a:xfrm>
+      </p:grpSpPr>
+      <p:sp>
+        <p:nvSpPr>
+          <p:cNvPr id="2" name="Title 1"/>
+          <p:cNvSpPr>
+            <a:spLocks noGrp="1"/>
+          </p:cNvSpPr>
+          <p:nvPr>
+            <p:ph type="title"/>
+          </p:nvPr>
+        </p:nvSpPr>
+        <p:spPr/>
+        <p:txBody>
+          <a:bodyPr/>
+          <a:lstStyle>
+            <a:lvl1pPr>
+              <a:defRPr/>
+            </a:lvl1pPr>
+          </a:lstStyle>
+          <a:p>
+            <a:r>
+              <a:rPr lang="en-US" altLang="zh-CN" smtClean="0"/>
+              <a:t>Click to edit Master title style</a:t>
+            </a:r>
+            <a:endParaRPr lang="en-US" dirty="0"/>
+          </a:p>
+        </p:txBody>
+      </p:sp>
+      <p:sp>
+        <p:nvSpPr>
+          <p:cNvPr id="3" name="Text Placeholder 2"/>
+          <p:cNvSpPr>
+            <a:spLocks noGrp="1"/>
+          </p:cNvSpPr>
+          <p:nvPr>
+            <p:ph type="body" idx="1"/>
+          </p:nvPr>
+        </p:nvSpPr>
+        <p:spPr>
+          <a:xfrm>
+            <a:off x="675745" y="2160983"/>
+            <a:ext cx="4185623" cy="576262"/>
+          </a:xfrm>
+        </p:spPr>
+        <p:txBody>
+          <a:bodyPr anchor="b">
+            <a:noAutofit/>
+          </a:bodyPr>
+          <a:lstStyle>
+            <a:lvl1pPr marL="0" indent="0">
+              <a:buNone/>
+              <a:defRPr sz="2400" b="0"/>
+            </a:lvl1pPr>
+            <a:lvl2pPr marL="457200" indent="0">
+              <a:buNone/>
+              <a:defRPr sz="2000" b="1"/>
+            </a:lvl2pPr>
+            <a:lvl3pPr marL="914400" indent="0">
+              <a:buNone/>
+              <a:defRPr sz="1800" b="1"/>
+            </a:lvl3pPr>
+            <a:lvl4pPr marL="1371600" indent="0">
+              <a:buNone/>
+              <a:defRPr sz="1600" b="1"/>
+            </a:lvl4pPr>
+            <a:lvl5pPr marL="1828800" indent="0">
+              <a:buNone/>
+              <a:defRPr sz="1600" b="1"/>
+            </a:lvl5pPr>
+            <a:lvl6pPr marL="2286000" indent="0">
+              <a:buNone/>
+              <a:defRPr sz="1600" b="1"/>
+            </a:lvl6pPr>
+            <a:lvl7pPr marL="2743200" indent="0">
+              <a:buNone/>
+              <a:defRPr sz="1600" b="1"/>
+            </a:lvl7pPr>
+            <a:lvl8pPr marL="3200400" indent="0">
+              <a:buNone/>
+              <a:defRPr sz="1600" b="1"/>
+            </a:lvl8pPr>
+            <a:lvl9pPr marL="3657600" indent="0">
+              <a:buNone/>
+              <a:defRPr sz="1600" b="1"/>
+            </a:lvl9pPr>
+          </a:lstStyle>
+          <a:p>
+            <a:pPr lvl="0"/>
+            <a:r>
+              <a:rPr lang="en-US" altLang="zh-CN" smtClean="0"/>
+              <a:t>Edit Master text styles</a:t>
+            </a:r>
+          </a:p>
+        </p:txBody>
+      </p:sp>
+      <p:sp>
+        <p:nvSpPr>
+          <p:cNvPr id="4" name="Content Placeholder 3"/>
+          <p:cNvSpPr>
+            <a:spLocks noGrp="1"/>
+          </p:cNvSpPr>
+          <p:nvPr>
+            <p:ph sz="half" idx="2"/>
+          </p:nvPr>
+        </p:nvSpPr>
+        <p:spPr>
+          <a:xfrm>
+            <a:off x="675745" y="2737245"/>
+            <a:ext cx="4185623" cy="3304117"/>
+          </a:xfrm>
+        </p:spPr>
+        <p:txBody>
+          <a:bodyPr>
+            <a:normAutofit/>
+          </a:bodyPr>
+          <a:lstStyle/>
+          <a:p>
+            <a:pPr lvl="0"/>
+            <a:r>
+              <a:rPr lang="en-US" altLang="zh-CN" smtClean="0"/>
+              <a:t>Edit Master text styles</a:t>
+            </a:r>
+          </a:p>
+          <a:p>
+            <a:pPr lvl="1"/>
+            <a:r>
+              <a:rPr lang="en-US" altLang="zh-CN" smtClean="0"/>
+              <a:t>Second level</a:t>
+            </a:r>
+          </a:p>
+          <a:p>
+            <a:pPr lvl="2"/>
+            <a:r>
+              <a:rPr lang="en-US" altLang="zh-CN" smtClean="0"/>
+              <a:t>Third level</a:t>
+            </a:r>
+          </a:p>
+          <a:p>
+            <a:pPr lvl="3"/>
+            <a:r>
+              <a:rPr lang="en-US" altLang="zh-CN" smtClean="0"/>
+              <a:t>Fourth level</a:t>
+            </a:r>
+          </a:p>
+          <a:p>
+            <a:pPr lvl="4"/>
+            <a:r>
+              <a:rPr lang="en-US" altLang="zh-CN" smtClean="0"/>
+              <a:t>Fifth level</a:t>
+            </a:r>
+            <a:endParaRPr lang="en-US" dirty="0"/>
+          </a:p>
+        </p:txBody>
+      </p:sp>
+      <p:sp>
+        <p:nvSpPr>
+          <p:cNvPr id="5" name="Text Placeholder 4"/>
+          <p:cNvSpPr>
+            <a:spLocks noGrp="1"/>
+          </p:cNvSpPr>
+          <p:nvPr>
+            <p:ph type="body" sz="quarter" idx="3"/>
+          </p:nvPr>
+        </p:nvSpPr>
+        <p:spPr>
+          <a:xfrm>
+            <a:off x="5088383" y="2160983"/>
+            <a:ext cx="4185618" cy="576262"/>
+          </a:xfrm>
+        </p:spPr>
+        <p:txBody>
+          <a:bodyPr anchor="b">
+            <a:noAutofit/>
+          </a:bodyPr>
+          <a:lstStyle>
+            <a:lvl1pPr marL="0" indent="0">
+              <a:buNone/>
+              <a:defRPr sz="2400" b="0"/>
+            </a:lvl1pPr>
+            <a:lvl2pPr marL="457200" indent="0">
+              <a:buNone/>
+              <a:defRPr sz="2000" b="1"/>
+            </a:lvl2pPr>
+            <a:lvl3pPr marL="914400" indent="0">
+              <a:buNone/>
+              <a:defRPr sz="1800" b="1"/>
+            </a:lvl3pPr>
+            <a:lvl4pPr marL="1371600" indent="0">
+              <a:buNone/>
+              <a:defRPr sz="1600" b="1"/>
+            </a:lvl4pPr>
+            <a:lvl5pPr marL="1828800" indent="0">
+              <a:buNone/>
+              <a:defRPr sz="1600" b="1"/>
+            </a:lvl5pPr>
+            <a:lvl6pPr marL="2286000" indent="0">
+              <a:buNone/>
+              <a:defRPr sz="1600" b="1"/>
+            </a:lvl6pPr>
+            <a:lvl7pPr marL="2743200" indent="0">
+              <a:buNone/>
+              <a:defRPr sz="1600" b="1"/>
+            </a:lvl7pPr>
+            <a:lvl8pPr marL="3200400" indent="0">
+              <a:buNone/>
+              <a:defRPr sz="1600" b="1"/>
+            </a:lvl8pPr>
+            <a:lvl9pPr marL="3657600" indent="0">
+              <a:buNone/>
+              <a:defRPr sz="1600" b="1"/>
+            </a:lvl9pPr>
+          </a:lstStyle>
+          <a:p>
+            <a:pPr lvl="0"/>
+            <a:r>
+              <a:rPr lang="en-US" altLang="zh-CN" smtClean="0"/>
+              <a:t>Edit Master text styles</a:t>
+            </a:r>
+          </a:p>
+        </p:txBody>
+      </p:sp>
+      <p:sp>
+        <p:nvSpPr>
+          <p:cNvPr id="6" name="Content Placeholder 5"/>
+          <p:cNvSpPr>
+            <a:spLocks noGrp="1"/>
+          </p:cNvSpPr>
+          <p:nvPr>
+            <p:ph sz="quarter" idx="4"/>
+          </p:nvPr>
+        </p:nvSpPr>
+        <p:spPr>
+          <a:xfrm>
+            <a:off x="5088384" y="2737245"/>
+            <a:ext cx="4185617" cy="3304117"/>
+          </a:xfrm>
+        </p:spPr>
+        <p:txBody>
+          <a:bodyPr>
+            <a:normAutofit/>
+          </a:bodyPr>
+          <a:lstStyle/>
+          <a:p>
+            <a:pPr lvl="0"/>
+            <a:r>
+              <a:rPr lang="en-US" altLang="zh-CN" smtClean="0"/>
+              <a:t>Edit Master text styles</a:t>
+            </a:r>
+          </a:p>
+          <a:p>
+            <a:pPr lvl="1"/>
+            <a:r>
+              <a:rPr lang="en-US" altLang="zh-CN" smtClean="0"/>
+              <a:t>Second level</a:t>
+            </a:r>
+          </a:p>
+          <a:p>
+            <a:pPr lvl="2"/>
+            <a:r>
+              <a:rPr lang="en-US" altLang="zh-CN" smtClean="0"/>
+              <a:t>Third level</a:t>
+            </a:r>
+          </a:p>
+          <a:p>
+            <a:pPr lvl="3"/>
+            <a:r>
+              <a:rPr lang="en-US" altLang="zh-CN" smtClean="0"/>
+              <a:t>Fourth level</a:t>
+            </a:r>
+          </a:p>
+          <a:p>
+            <a:pPr lvl="4"/>
+            <a:r>
+              <a:rPr lang="en-US" altLang="zh-CN" smtClean="0"/>
+              <a:t>Fifth level</a:t>
+            </a:r>
+            <a:endParaRPr lang="en-US" dirty="0"/>
+          </a:p>
+        </p:txBody>
+      </p:sp>
+      <p:sp>
+        <p:nvSpPr>
+          <p:cNvPr id="7" name="Date Placeholder 6"/>
+          <p:cNvSpPr>
+            <a:spLocks noGrp="1"/>
+          </p:cNvSpPr>
+          <p:nvPr>
+            <p:ph type="dt" sz="half" idx="10"/>
+          </p:nvPr>
+        </p:nvSpPr>
+        <p:spPr/>
+        <p:txBody>
+          <a:bodyPr/>
+          <a:lstStyle/>
+          <a:p>
+            <a:fld id="{B346795D-67DE-4829-9C51-38E01F2E8E28}" type="datetimeFigureOut">
+              <a:rPr lang="zh-CN" altLang="en-US" smtClean="0"/>
+              <a:t>2018/3/29</a:t>
+            </a:fld>
+            <a:endParaRPr lang="zh-CN" altLang="en-US"/>
+          </a:p>
+        </p:txBody>
+      </p:sp>
+      <p:sp>
+        <p:nvSpPr>
+          <p:cNvPr id="8" name="Footer Placeholder 7"/>
+          <p:cNvSpPr>
+            <a:spLocks noGrp="1"/>
+          </p:cNvSpPr>
+          <p:nvPr>
+            <p:ph type="ftr" sz="quarter" idx="11"/>
+          </p:nvPr>
+        </p:nvSpPr>
+        <p:spPr/>
+        <p:txBody>
+          <a:bodyPr/>
+          <a:lstStyle/>
+          <a:p>
+            <a:endParaRPr lang="zh-CN" altLang="en-US"/>
+          </a:p>
+        </p:txBody>
+      </p:sp>
+      <p:sp>
+        <p:nvSpPr>
+          <p:cNvPr id="9" name="Slide Number Placeholder 8"/>
+          <p:cNvSpPr>
+            <a:spLocks noGrp="1"/>
+          </p:cNvSpPr>
+          <p:nvPr>
+            <p:ph type="sldNum" sz="quarter" idx="12"/>
+          </p:nvPr>
+        </p:nvSpPr>
+        <p:spPr/>
+        <p:txBody>
+          <a:bodyPr/>
+          <a:lstStyle/>
+          <a:p>
+            <a:fld id="{DCCD1F3F-ABC4-4520-A2C3-C0E9BAC79FD3}" type="slidenum">
+              <a:rPr lang="zh-CN" altLang="en-US" smtClean="0"/>
+              <a:t>‹#›</a:t>
+            </a:fld>
+            <a:endParaRPr lang="zh-CN" altLang="en-US"/>
+          </a:p>
+        </p:txBody>
+      </p:sp>
+    </p:spTree>
+    <p:extLst>
+      <p:ext uri="{BB962C8B-B14F-4D97-AF65-F5344CB8AC3E}">
+        <p14:creationId xmlns:p14="http://schemas.microsoft.com/office/powerpoint/2010/main" val="266096913"/>
+      </p:ext>
+    </p:extLst>
+  </p:cSld>
+  <p:clrMapOvr>
+    <a:masterClrMapping/>
+  </p:clrMapOvr>
+</p:sldLayout>
+</file>
+
+<file path=ppt/slideLayouts/slideLayout6.xml><?xml version="1.0" encoding="utf-8"?>
+<p:sldLayout xmlns:a="http://schemas.openxmlformats.org/drawingml/2006/main" xmlns:r="http://schemas.openxmlformats.org/officeDocument/2006/relationships" xmlns:p="http://schemas.openxmlformats.org/presentationml/2006/main" type="titleOnly" preserve="1">
+  <p:cSld name="Title Only">
+    <p:spTree>
+      <p:nvGrpSpPr>
+        <p:cNvPr id="1" name=""/>
+        <p:cNvGrpSpPr/>
+        <p:nvPr/>
+      </p:nvGrpSpPr>
+      <p:grpSpPr>
+        <a:xfrm>
+          <a:off x="0" y="0"/>
+          <a:ext cx="0" cy="0"/>
+          <a:chOff x="0" y="0"/>
+          <a:chExt cx="0" cy="0"/>
+        </a:xfrm>
+      </p:grpSpPr>
+      <p:sp>
+        <p:nvSpPr>
+          <p:cNvPr id="2" name="Title 1"/>
+          <p:cNvSpPr>
+            <a:spLocks noGrp="1"/>
+          </p:cNvSpPr>
+          <p:nvPr>
+            <p:ph type="title"/>
+          </p:nvPr>
+        </p:nvSpPr>
+        <p:spPr>
+          <a:xfrm>
+            <a:off x="677334" y="609600"/>
+            <a:ext cx="8596668" cy="1320800"/>
+          </a:xfrm>
+        </p:spPr>
+        <p:txBody>
+          <a:bodyPr/>
+          <a:lstStyle/>
+          <a:p>
+            <a:r>
+              <a:rPr lang="en-US" altLang="zh-CN" smtClean="0"/>
+              <a:t>Click to edit Master title style</a:t>
+            </a:r>
+            <a:endParaRPr lang="en-US" dirty="0"/>
+          </a:p>
+        </p:txBody>
+      </p:sp>
+      <p:sp>
+        <p:nvSpPr>
+          <p:cNvPr id="3" name="Date Placeholder 2"/>
+          <p:cNvSpPr>
+            <a:spLocks noGrp="1"/>
+          </p:cNvSpPr>
+          <p:nvPr>
+            <p:ph type="dt" sz="half" idx="10"/>
+          </p:nvPr>
+        </p:nvSpPr>
+        <p:spPr/>
+        <p:txBody>
+          <a:bodyPr/>
+          <a:lstStyle/>
+          <a:p>
+            <a:fld id="{B346795D-67DE-4829-9C51-38E01F2E8E28}" type="datetimeFigureOut">
+              <a:rPr lang="zh-CN" altLang="en-US" smtClean="0"/>
+              <a:t>2018/3/29</a:t>
+            </a:fld>
+            <a:endParaRPr lang="zh-CN" altLang="en-US"/>
+          </a:p>
+        </p:txBody>
+      </p:sp>
+      <p:sp>
+        <p:nvSpPr>
+          <p:cNvPr id="4" name="Footer Placeholder 3"/>
+          <p:cNvSpPr>
+            <a:spLocks noGrp="1"/>
+          </p:cNvSpPr>
+          <p:nvPr>
+            <p:ph type="ftr" sz="quarter" idx="11"/>
+          </p:nvPr>
+        </p:nvSpPr>
+        <p:spPr/>
+        <p:txBody>
+          <a:bodyPr/>
+          <a:lstStyle/>
+          <a:p>
+            <a:endParaRPr lang="zh-CN" altLang="en-US"/>
+          </a:p>
+        </p:txBody>
+      </p:sp>
+      <p:sp>
+        <p:nvSpPr>
+          <p:cNvPr id="5" name="Slide Number Placeholder 4"/>
+          <p:cNvSpPr>
+            <a:spLocks noGrp="1"/>
+          </p:cNvSpPr>
+          <p:nvPr>
+            <p:ph type="sldNum" sz="quarter" idx="12"/>
+          </p:nvPr>
+        </p:nvSpPr>
+        <p:spPr/>
+        <p:txBody>
+          <a:bodyPr/>
+          <a:lstStyle/>
+          <a:p>
+            <a:fld id="{DCCD1F3F-ABC4-4520-A2C3-C0E9BAC79FD3}" type="slidenum">
+              <a:rPr lang="zh-CN" altLang="en-US" smtClean="0"/>
+              <a:t>‹#›</a:t>
+            </a:fld>
+            <a:endParaRPr lang="zh-CN" altLang="en-US"/>
+          </a:p>
+        </p:txBody>
+      </p:sp>
+    </p:spTree>
+    <p:extLst>
+      <p:ext uri="{BB962C8B-B14F-4D97-AF65-F5344CB8AC3E}">
+        <p14:creationId xmlns:p14="http://schemas.microsoft.com/office/powerpoint/2010/main" val="3822830594"/>
+      </p:ext>
+    </p:extLst>
+  </p:cSld>
+  <p:clrMapOvr>
+    <a:masterClrMapping/>
+  </p:clrMapOvr>
+</p:sldLayout>
+</file>
+
+<file path=ppt/slideLayouts/slideLayout7.xml><?xml version="1.0" encoding="utf-8"?>
+<p:sldLayout xmlns:a="http://schemas.openxmlformats.org/drawingml/2006/main" xmlns:r="http://schemas.openxmlformats.org/officeDocument/2006/relationships" xmlns:p="http://schemas.openxmlformats.org/presentationml/2006/main" type="blank" preserve="1">
+  <p:cSld name="Blank">
+    <p:spTree>
+      <p:nvGrpSpPr>
+        <p:cNvPr id="1" name=""/>
+        <p:cNvGrpSpPr/>
+        <p:nvPr/>
+      </p:nvGrpSpPr>
+      <p:grpSpPr>
+        <a:xfrm>
+          <a:off x="0" y="0"/>
+          <a:ext cx="0" cy="0"/>
+          <a:chOff x="0" y="0"/>
+          <a:chExt cx="0" cy="0"/>
+        </a:xfrm>
+      </p:grpSpPr>
+      <p:sp>
+        <p:nvSpPr>
+          <p:cNvPr id="2" name="Date Placeholder 1"/>
+          <p:cNvSpPr>
+            <a:spLocks noGrp="1"/>
+          </p:cNvSpPr>
+          <p:nvPr>
+            <p:ph type="dt" sz="half" idx="10"/>
+          </p:nvPr>
+        </p:nvSpPr>
+        <p:spPr/>
+        <p:txBody>
+          <a:bodyPr/>
+          <a:lstStyle/>
+          <a:p>
+            <a:fld id="{B346795D-67DE-4829-9C51-38E01F2E8E28}" type="datetimeFigureOut">
+              <a:rPr lang="zh-CN" altLang="en-US" smtClean="0"/>
+              <a:t>2018/3/29</a:t>
+            </a:fld>
+            <a:endParaRPr lang="zh-CN" altLang="en-US"/>
+          </a:p>
+        </p:txBody>
+      </p:sp>
+      <p:sp>
+        <p:nvSpPr>
+          <p:cNvPr id="3" name="Footer Placeholder 2"/>
+          <p:cNvSpPr>
+            <a:spLocks noGrp="1"/>
+          </p:cNvSpPr>
+          <p:nvPr>
+            <p:ph type="ftr" sz="quarter" idx="11"/>
+          </p:nvPr>
+        </p:nvSpPr>
+        <p:spPr/>
+        <p:txBody>
+          <a:bodyPr/>
+          <a:lstStyle/>
+          <a:p>
+            <a:endParaRPr lang="zh-CN" altLang="en-US"/>
+          </a:p>
+        </p:txBody>
+      </p:sp>
+      <p:sp>
+        <p:nvSpPr>
+          <p:cNvPr id="4" name="Slide Number Placeholder 3"/>
+          <p:cNvSpPr>
+            <a:spLocks noGrp="1"/>
+          </p:cNvSpPr>
+          <p:nvPr>
+            <p:ph type="sldNum" sz="quarter" idx="12"/>
+          </p:nvPr>
+        </p:nvSpPr>
+        <p:spPr/>
+        <p:txBody>
+          <a:bodyPr/>
+          <a:lstStyle/>
+          <a:p>
+            <a:fld id="{DCCD1F3F-ABC4-4520-A2C3-C0E9BAC79FD3}" type="slidenum">
+              <a:rPr lang="zh-CN" altLang="en-US" smtClean="0"/>
+              <a:t>‹#›</a:t>
+            </a:fld>
+            <a:endParaRPr lang="zh-CN" altLang="en-US"/>
+          </a:p>
+        </p:txBody>
+      </p:sp>
+    </p:spTree>
+    <p:extLst>
+      <p:ext uri="{BB962C8B-B14F-4D97-AF65-F5344CB8AC3E}">
+        <p14:creationId xmlns:p14="http://schemas.microsoft.com/office/powerpoint/2010/main" val="3022109030"/>
+      </p:ext>
+    </p:extLst>
+  </p:cSld>
+  <p:clrMapOvr>
+    <a:masterClrMapping/>
+  </p:clrMapOvr>
+</p:sldLayout>
+</file>
+
+<file path=ppt/slideLayouts/slideLayout8.xml><?xml version="1.0" encoding="utf-8"?>
+<p:sldLayout xmlns:a="http://schemas.openxmlformats.org/drawingml/2006/main" xmlns:r="http://schemas.openxmlformats.org/officeDocument/2006/relationships" xmlns:p="http://schemas.openxmlformats.org/presentationml/2006/main" type="objTx" preserve="1">
+  <p:cSld name="Content with Caption">
+    <p:spTree>
+      <p:nvGrpSpPr>
+        <p:cNvPr id="1" name=""/>
+        <p:cNvGrpSpPr/>
+        <p:nvPr/>
+      </p:nvGrpSpPr>
+      <p:grpSpPr>
+        <a:xfrm>
+          <a:off x="0" y="0"/>
+          <a:ext cx="0" cy="0"/>
+          <a:chOff x="0" y="0"/>
+          <a:chExt cx="0" cy="0"/>
+        </a:xfrm>
+      </p:grpSpPr>
+      <p:sp>
+        <p:nvSpPr>
+          <p:cNvPr id="2" name="Title 1"/>
+          <p:cNvSpPr>
+            <a:spLocks noGrp="1"/>
+          </p:cNvSpPr>
+          <p:nvPr>
+            <p:ph type="title"/>
+          </p:nvPr>
+        </p:nvSpPr>
+        <p:spPr>
+          <a:xfrm>
+            <a:off x="677334" y="1498604"/>
+            <a:ext cx="3854528" cy="1278466"/>
+          </a:xfrm>
+        </p:spPr>
+        <p:txBody>
+          <a:bodyPr anchor="b">
+            <a:normAutofit/>
+          </a:bodyPr>
+          <a:lstStyle>
+            <a:lvl1pPr>
+              <a:defRPr sz="2000"/>
+            </a:lvl1pPr>
+          </a:lstStyle>
+          <a:p>
+            <a:r>
+              <a:rPr lang="en-US" altLang="zh-CN" smtClean="0"/>
+              <a:t>Click to edit Master title style</a:t>
+            </a:r>
+            <a:endParaRPr lang="en-US" dirty="0"/>
+          </a:p>
+        </p:txBody>
+      </p:sp>
+      <p:sp>
+        <p:nvSpPr>
+          <p:cNvPr id="3" name="Content Placeholder 2"/>
+          <p:cNvSpPr>
+            <a:spLocks noGrp="1"/>
+          </p:cNvSpPr>
+          <p:nvPr>
+            <p:ph idx="1"/>
+          </p:nvPr>
+        </p:nvSpPr>
+        <p:spPr>
+          <a:xfrm>
+            <a:off x="4760461" y="514924"/>
+            <a:ext cx="4513541" cy="5526437"/>
+          </a:xfrm>
+        </p:spPr>
+        <p:txBody>
+          <a:bodyPr>
+            <a:normAutofit/>
+          </a:bodyPr>
+          <a:lstStyle/>
+          <a:p>
+            <a:pPr lvl="0"/>
+            <a:r>
+              <a:rPr lang="en-US" altLang="zh-CN" smtClean="0"/>
+              <a:t>Edit Master text styles</a:t>
+            </a:r>
+          </a:p>
+          <a:p>
+            <a:pPr lvl="1"/>
+            <a:r>
+              <a:rPr lang="en-US" altLang="zh-CN" smtClean="0"/>
+              <a:t>Second level</a:t>
+            </a:r>
+          </a:p>
+          <a:p>
+            <a:pPr lvl="2"/>
+            <a:r>
+              <a:rPr lang="en-US" altLang="zh-CN" smtClean="0"/>
+              <a:t>Third level</a:t>
+            </a:r>
+          </a:p>
+          <a:p>
+            <a:pPr lvl="3"/>
+            <a:r>
+              <a:rPr lang="en-US" altLang="zh-CN" smtClean="0"/>
+              <a:t>Fourth level</a:t>
+            </a:r>
+          </a:p>
+          <a:p>
+            <a:pPr lvl="4"/>
+            <a:r>
+              <a:rPr lang="en-US" altLang="zh-CN" smtClean="0"/>
+              <a:t>Fifth level</a:t>
+            </a:r>
+            <a:endParaRPr lang="en-US" dirty="0"/>
+          </a:p>
+        </p:txBody>
+      </p:sp>
+      <p:sp>
+        <p:nvSpPr>
+          <p:cNvPr id="4" name="Text Placeholder 3"/>
+          <p:cNvSpPr>
+            <a:spLocks noGrp="1"/>
+          </p:cNvSpPr>
+          <p:nvPr>
+            <p:ph type="body" sz="half" idx="2"/>
+          </p:nvPr>
+        </p:nvSpPr>
+        <p:spPr>
+          <a:xfrm>
+            <a:off x="677334" y="2777069"/>
+            <a:ext cx="3854528" cy="2584449"/>
+          </a:xfrm>
+        </p:spPr>
+        <p:txBody>
+          <a:bodyPr>
+            <a:normAutofit/>
+          </a:bodyPr>
+          <a:lstStyle>
+            <a:lvl1pPr marL="0" indent="0">
+              <a:buNone/>
+              <a:defRPr sz="1400"/>
+            </a:lvl1pPr>
+            <a:lvl2pPr marL="457063" indent="0">
+              <a:buNone/>
+              <a:defRPr sz="1400"/>
+            </a:lvl2pPr>
+            <a:lvl3pPr marL="914126" indent="0">
+              <a:buNone/>
+              <a:defRPr sz="1200"/>
+            </a:lvl3pPr>
+            <a:lvl4pPr marL="1371189" indent="0">
+              <a:buNone/>
+              <a:defRPr sz="1000"/>
+            </a:lvl4pPr>
+            <a:lvl5pPr marL="1828251" indent="0">
+              <a:buNone/>
+              <a:defRPr sz="1000"/>
+            </a:lvl5pPr>
+            <a:lvl6pPr marL="2285314" indent="0">
+              <a:buNone/>
+              <a:defRPr sz="1000"/>
+            </a:lvl6pPr>
+            <a:lvl7pPr marL="2742377" indent="0">
+              <a:buNone/>
+              <a:defRPr sz="1000"/>
+            </a:lvl7pPr>
+            <a:lvl8pPr marL="3199440" indent="0">
+              <a:buNone/>
+              <a:defRPr sz="1000"/>
+            </a:lvl8pPr>
+            <a:lvl9pPr marL="3656503" indent="0">
+              <a:buNone/>
+              <a:defRPr sz="1000"/>
+            </a:lvl9pPr>
+          </a:lstStyle>
+          <a:p>
+            <a:pPr lvl="0"/>
+            <a:r>
+              <a:rPr lang="en-US" altLang="zh-CN" smtClean="0"/>
+              <a:t>Edit Master text styles</a:t>
+            </a:r>
+          </a:p>
+        </p:txBody>
+      </p:sp>
+      <p:sp>
+        <p:nvSpPr>
+          <p:cNvPr id="5" name="Date Placeholder 4"/>
+          <p:cNvSpPr>
+            <a:spLocks noGrp="1"/>
+          </p:cNvSpPr>
+          <p:nvPr>
+            <p:ph type="dt" sz="half" idx="10"/>
+          </p:nvPr>
+        </p:nvSpPr>
+        <p:spPr/>
+        <p:txBody>
+          <a:bodyPr/>
+          <a:lstStyle/>
+          <a:p>
+            <a:fld id="{B346795D-67DE-4829-9C51-38E01F2E8E28}" type="datetimeFigureOut">
+              <a:rPr lang="zh-CN" altLang="en-US" smtClean="0"/>
+              <a:t>2018/3/29</a:t>
+            </a:fld>
+            <a:endParaRPr lang="zh-CN" altLang="en-US"/>
+          </a:p>
+        </p:txBody>
+      </p:sp>
+      <p:sp>
+        <p:nvSpPr>
+          <p:cNvPr id="6" name="Footer Placeholder 5"/>
+          <p:cNvSpPr>
+            <a:spLocks noGrp="1"/>
+          </p:cNvSpPr>
+          <p:nvPr>
+            <p:ph type="ftr" sz="quarter" idx="11"/>
+          </p:nvPr>
+        </p:nvSpPr>
+        <p:spPr/>
+        <p:txBody>
+          <a:bodyPr/>
+          <a:lstStyle/>
+          <a:p>
+            <a:endParaRPr lang="zh-CN" altLang="en-US"/>
+          </a:p>
+        </p:txBody>
+      </p:sp>
+      <p:sp>
+        <p:nvSpPr>
+          <p:cNvPr id="7" name="Slide Number Placeholder 6"/>
+          <p:cNvSpPr>
+            <a:spLocks noGrp="1"/>
+          </p:cNvSpPr>
+          <p:nvPr>
+            <p:ph type="sldNum" sz="quarter" idx="12"/>
+          </p:nvPr>
+        </p:nvSpPr>
+        <p:spPr/>
+        <p:txBody>
+          <a:bodyPr/>
+          <a:lstStyle/>
+          <a:p>
+            <a:fld id="{DCCD1F3F-ABC4-4520-A2C3-C0E9BAC79FD3}" type="slidenum">
+              <a:rPr lang="zh-CN" altLang="en-US" smtClean="0"/>
+              <a:t>‹#›</a:t>
+            </a:fld>
+            <a:endParaRPr lang="zh-CN" altLang="en-US"/>
+          </a:p>
+        </p:txBody>
+      </p:sp>
+    </p:spTree>
+    <p:extLst>
+      <p:ext uri="{BB962C8B-B14F-4D97-AF65-F5344CB8AC3E}">
+        <p14:creationId xmlns:p14="http://schemas.microsoft.com/office/powerpoint/2010/main" val="2515138416"/>
+      </p:ext>
+    </p:extLst>
+  </p:cSld>
+  <p:clrMapOvr>
+    <a:masterClrMapping/>
+  </p:clrMapOvr>
+</p:sldLayout>
+</file>
+
+<file path=ppt/slideLayouts/slideLayout9.xml><?xml version="1.0" encoding="utf-8"?>
+<p:sldLayout xmlns:a="http://schemas.openxmlformats.org/drawingml/2006/main" xmlns:r="http://schemas.openxmlformats.org/officeDocument/2006/relationships" xmlns:p="http://schemas.openxmlformats.org/presentationml/2006/main" type="picTx" preserve="1">
+  <p:cSld name="Picture with Caption">
+    <p:spTree>
+      <p:nvGrpSpPr>
+        <p:cNvPr id="1" name=""/>
+        <p:cNvGrpSpPr/>
+        <p:nvPr/>
+      </p:nvGrpSpPr>
+      <p:grpSpPr>
+        <a:xfrm>
+          <a:off x="0" y="0"/>
+          <a:ext cx="0" cy="0"/>
+          <a:chOff x="0" y="0"/>
+          <a:chExt cx="0" cy="0"/>
+        </a:xfrm>
+      </p:grpSpPr>
+      <p:sp>
+        <p:nvSpPr>
+          <p:cNvPr id="2" name="Title 1"/>
+          <p:cNvSpPr>
+            <a:spLocks noGrp="1"/>
+          </p:cNvSpPr>
+          <p:nvPr>
+            <p:ph type="title"/>
+          </p:nvPr>
+        </p:nvSpPr>
+        <p:spPr>
+          <a:xfrm>
+            <a:off x="677334" y="4800600"/>
+            <a:ext cx="8596667" cy="566738"/>
+          </a:xfrm>
+        </p:spPr>
+        <p:txBody>
+          <a:bodyPr anchor="b">
+            <a:normAutofit/>
+          </a:bodyPr>
+          <a:lstStyle>
+            <a:lvl1pPr algn="l">
+              <a:defRPr sz="2400" b="0"/>
+            </a:lvl1pPr>
+          </a:lstStyle>
+          <a:p>
+            <a:r>
+              <a:rPr lang="en-US" altLang="zh-CN" smtClean="0"/>
+              <a:t>Click to edit Master title style</a:t>
+            </a:r>
+            <a:endParaRPr lang="en-US" dirty="0"/>
+          </a:p>
+        </p:txBody>
+      </p:sp>
+      <p:sp>
+        <p:nvSpPr>
+          <p:cNvPr id="3" name="Picture Placeholder 2"/>
+          <p:cNvSpPr>
+            <a:spLocks noGrp="1" noChangeAspect="1"/>
+          </p:cNvSpPr>
+          <p:nvPr>
+            <p:ph type="pic" idx="1"/>
+          </p:nvPr>
+        </p:nvSpPr>
+        <p:spPr>
+          <a:xfrm>
+            <a:off x="677334" y="609600"/>
+            <a:ext cx="8596668" cy="3845718"/>
+          </a:xfrm>
+        </p:spPr>
+        <p:txBody>
+          <a:bodyPr anchor="t">
+            <a:normAutofit/>
+          </a:bodyPr>
+          <a:lstStyle>
+            <a:lvl1pPr marL="0" indent="0" algn="ctr">
+              <a:buNone/>
+              <a:defRPr sz="1600"/>
+            </a:lvl1pPr>
+            <a:lvl2pPr marL="457200" indent="0">
+              <a:buNone/>
+              <a:defRPr sz="1600"/>
+            </a:lvl2pPr>
+            <a:lvl3pPr marL="914400" indent="0">
+              <a:buNone/>
+              <a:defRPr sz="1600"/>
+            </a:lvl3pPr>
+            <a:lvl4pPr marL="1371600" indent="0">
+              <a:buNone/>
+              <a:defRPr sz="1600"/>
+            </a:lvl4pPr>
+            <a:lvl5pPr marL="1828800" indent="0">
+              <a:buNone/>
+              <a:defRPr sz="1600"/>
+            </a:lvl5pPr>
+            <a:lvl6pPr marL="2286000" indent="0">
+              <a:buNone/>
+              <a:defRPr sz="1600"/>
+            </a:lvl6pPr>
+            <a:lvl7pPr marL="2743200" indent="0">
+              <a:buNone/>
+              <a:defRPr sz="1600"/>
+            </a:lvl7pPr>
+            <a:lvl8pPr marL="3200400" indent="0">
+              <a:buNone/>
+              <a:defRPr sz="1600"/>
+            </a:lvl8pPr>
+            <a:lvl9pPr marL="3657600" indent="0">
+              <a:buNone/>
+              <a:defRPr sz="1600"/>
+            </a:lvl9pPr>
+          </a:lstStyle>
+          <a:p>
+            <a:r>
+              <a:rPr lang="en-US" altLang="zh-CN" smtClean="0"/>
+              <a:t>Click icon to add picture</a:t>
+            </a:r>
+            <a:endParaRPr lang="en-US" dirty="0"/>
+          </a:p>
+        </p:txBody>
+      </p:sp>
+      <p:sp>
+        <p:nvSpPr>
+          <p:cNvPr id="4" name="Text Placeholder 3"/>
+          <p:cNvSpPr>
+            <a:spLocks noGrp="1"/>
+          </p:cNvSpPr>
+          <p:nvPr>
+            <p:ph type="body" sz="half" idx="2"/>
+          </p:nvPr>
+        </p:nvSpPr>
+        <p:spPr>
+          <a:xfrm>
+            <a:off x="677334" y="5367338"/>
+            <a:ext cx="8596667" cy="674024"/>
+          </a:xfrm>
+        </p:spPr>
+        <p:txBody>
+          <a:bodyPr>
+            <a:normAutofit/>
+          </a:bodyPr>
+          <a:lstStyle>
+            <a:lvl1pPr marL="0" indent="0">
+              <a:buNone/>
+              <a:defRPr sz="1200"/>
+            </a:lvl1pPr>
+            <a:lvl2pPr marL="457200" indent="0">
+              <a:buNone/>
+              <a:defRPr sz="1200"/>
+            </a:lvl2pPr>
+            <a:lvl3pPr marL="914400" indent="0">
+              <a:buNone/>
+              <a:defRPr sz="1000"/>
+            </a:lvl3pPr>
+            <a:lvl4pPr marL="1371600" indent="0">
+              <a:buNone/>
+              <a:defRPr sz="900"/>
+            </a:lvl4pPr>
+            <a:lvl5pPr marL="1828800" indent="0">
+              <a:buNone/>
+              <a:defRPr sz="900"/>
+            </a:lvl5pPr>
+            <a:lvl6pPr marL="2286000" indent="0">
+              <a:buNone/>
+              <a:defRPr sz="900"/>
+            </a:lvl6pPr>
+            <a:lvl7pPr marL="2743200" indent="0">
+              <a:buNone/>
+              <a:defRPr sz="900"/>
+            </a:lvl7pPr>
+            <a:lvl8pPr marL="3200400" indent="0">
+              <a:buNone/>
+              <a:defRPr sz="900"/>
+            </a:lvl8pPr>
+            <a:lvl9pPr marL="3657600" indent="0">
+              <a:buNone/>
+              <a:defRPr sz="900"/>
+            </a:lvl9pPr>
+          </a:lstStyle>
+          <a:p>
+            <a:pPr lvl="0"/>
+            <a:r>
+              <a:rPr lang="en-US" altLang="zh-CN" smtClean="0"/>
+              <a:t>Edit Master text styles</a:t>
+            </a:r>
+          </a:p>
+        </p:txBody>
+      </p:sp>
+      <p:sp>
+        <p:nvSpPr>
+          <p:cNvPr id="5" name="Date Placeholder 4"/>
+          <p:cNvSpPr>
+            <a:spLocks noGrp="1"/>
+          </p:cNvSpPr>
+          <p:nvPr>
+            <p:ph type="dt" sz="half" idx="10"/>
+          </p:nvPr>
+        </p:nvSpPr>
+        <p:spPr/>
+        <p:txBody>
+          <a:bodyPr/>
+          <a:lstStyle/>
+          <a:p>
+            <a:fld id="{B346795D-67DE-4829-9C51-38E01F2E8E28}" type="datetimeFigureOut">
+              <a:rPr lang="zh-CN" altLang="en-US" smtClean="0"/>
+              <a:t>2018/3/29</a:t>
+            </a:fld>
+            <a:endParaRPr lang="zh-CN" altLang="en-US"/>
+          </a:p>
+        </p:txBody>
+      </p:sp>
+      <p:sp>
+        <p:nvSpPr>
+          <p:cNvPr id="6" name="Footer Placeholder 5"/>
+          <p:cNvSpPr>
+            <a:spLocks noGrp="1"/>
+          </p:cNvSpPr>
+          <p:nvPr>
+            <p:ph type="ftr" sz="quarter" idx="11"/>
+          </p:nvPr>
+        </p:nvSpPr>
+        <p:spPr/>
+        <p:txBody>
+          <a:bodyPr/>
+          <a:lstStyle/>
+          <a:p>
+            <a:endParaRPr lang="zh-CN" altLang="en-US"/>
+          </a:p>
+        </p:txBody>
+      </p:sp>
+      <p:sp>
+        <p:nvSpPr>
+          <p:cNvPr id="7" name="Slide Number Placeholder 6"/>
+          <p:cNvSpPr>
+            <a:spLocks noGrp="1"/>
+          </p:cNvSpPr>
+          <p:nvPr>
+            <p:ph type="sldNum" sz="quarter" idx="12"/>
+          </p:nvPr>
+        </p:nvSpPr>
+        <p:spPr/>
+        <p:txBody>
+          <a:bodyPr/>
+          <a:lstStyle/>
+          <a:p>
+            <a:fld id="{DCCD1F3F-ABC4-4520-A2C3-C0E9BAC79FD3}" type="slidenum">
+              <a:rPr lang="zh-CN" altLang="en-US" smtClean="0"/>
+              <a:t>‹#›</a:t>
+            </a:fld>
+            <a:endParaRPr lang="zh-CN" altLang="en-US"/>
+          </a:p>
+        </p:txBody>
+      </p:sp>
+    </p:spTree>
+    <p:extLst>
+      <p:ext uri="{BB962C8B-B14F-4D97-AF65-F5344CB8AC3E}">
+        <p14:creationId xmlns:p14="http://schemas.microsoft.com/office/powerpoint/2010/main" val="1072889220"/>
       </p:ext>
     </p:extLst>
   </p:cSld>
@@ -2763,15 +5131,539 @@
           <a:chExt cx="0" cy="0"/>
         </a:xfrm>
       </p:grpSpPr>
-      <p:sp>
-        <p:nvSpPr>
-          <p:cNvPr id="2" name="标题占位符 1">
-            <a:extLst>
-              <a:ext uri="{FF2B5EF4-FFF2-40B4-BE49-F238E27FC236}">
-                <a16:creationId xmlns:a16="http://schemas.microsoft.com/office/drawing/2014/main" id="{E4B3938A-1146-487D-B781-426950D598A9}"/>
-              </a:ext>
-            </a:extLst>
-          </p:cNvPr>
+      <p:grpSp>
+        <p:nvGrpSpPr>
+          <p:cNvPr id="7" name="Group 6"/>
+          <p:cNvGrpSpPr/>
+          <p:nvPr/>
+        </p:nvGrpSpPr>
+        <p:grpSpPr>
+          <a:xfrm>
+            <a:off x="0" y="-8467"/>
+            <a:ext cx="12192000" cy="6866467"/>
+            <a:chOff x="0" y="-8467"/>
+            <a:chExt cx="12192000" cy="6866467"/>
+          </a:xfrm>
+        </p:grpSpPr>
+        <p:cxnSp>
+          <p:nvCxnSpPr>
+            <p:cNvPr id="20" name="Straight Connector 19"/>
+            <p:cNvCxnSpPr/>
+            <p:nvPr/>
+          </p:nvCxnSpPr>
+          <p:spPr>
+            <a:xfrm>
+              <a:off x="9371012" y="0"/>
+              <a:ext cx="1219200" cy="6858000"/>
+            </a:xfrm>
+            <a:prstGeom prst="line">
+              <a:avLst/>
+            </a:prstGeom>
+            <a:ln w="9525">
+              <a:solidFill>
+                <a:schemeClr val="bg1">
+                  <a:lumMod val="75000"/>
+                </a:schemeClr>
+              </a:solidFill>
+            </a:ln>
+          </p:spPr>
+          <p:style>
+            <a:lnRef idx="2">
+              <a:schemeClr val="accent1"/>
+            </a:lnRef>
+            <a:fillRef idx="0">
+              <a:schemeClr val="accent1"/>
+            </a:fillRef>
+            <a:effectRef idx="1">
+              <a:schemeClr val="accent1"/>
+            </a:effectRef>
+            <a:fontRef idx="minor">
+              <a:schemeClr val="tx1"/>
+            </a:fontRef>
+          </p:style>
+        </p:cxnSp>
+        <p:cxnSp>
+          <p:nvCxnSpPr>
+            <p:cNvPr id="21" name="Straight Connector 20"/>
+            <p:cNvCxnSpPr/>
+            <p:nvPr/>
+          </p:nvCxnSpPr>
+          <p:spPr>
+            <a:xfrm flipH="1">
+              <a:off x="7425267" y="3681413"/>
+              <a:ext cx="4763558" cy="3176587"/>
+            </a:xfrm>
+            <a:prstGeom prst="line">
+              <a:avLst/>
+            </a:prstGeom>
+            <a:ln w="9525">
+              <a:solidFill>
+                <a:schemeClr val="bg1">
+                  <a:lumMod val="85000"/>
+                </a:schemeClr>
+              </a:solidFill>
+            </a:ln>
+          </p:spPr>
+          <p:style>
+            <a:lnRef idx="2">
+              <a:schemeClr val="accent1"/>
+            </a:lnRef>
+            <a:fillRef idx="0">
+              <a:schemeClr val="accent1"/>
+            </a:fillRef>
+            <a:effectRef idx="1">
+              <a:schemeClr val="accent1"/>
+            </a:effectRef>
+            <a:fontRef idx="minor">
+              <a:schemeClr val="tx1"/>
+            </a:fontRef>
+          </p:style>
+        </p:cxnSp>
+        <p:sp>
+          <p:nvSpPr>
+            <p:cNvPr id="22" name="Rectangle 23"/>
+            <p:cNvSpPr/>
+            <p:nvPr/>
+          </p:nvSpPr>
+          <p:spPr>
+            <a:xfrm>
+              <a:off x="9181476" y="-8467"/>
+              <a:ext cx="3007349" cy="6866467"/>
+            </a:xfrm>
+            <a:custGeom>
+              <a:avLst/>
+              <a:gdLst/>
+              <a:ahLst/>
+              <a:cxnLst/>
+              <a:rect l="l" t="t" r="r" b="b"/>
+              <a:pathLst>
+                <a:path w="3007349" h="6866467">
+                  <a:moveTo>
+                    <a:pt x="2045532" y="0"/>
+                  </a:moveTo>
+                  <a:lnTo>
+                    <a:pt x="3007349" y="0"/>
+                  </a:lnTo>
+                  <a:lnTo>
+                    <a:pt x="3007349" y="6866467"/>
+                  </a:lnTo>
+                  <a:lnTo>
+                    <a:pt x="0" y="6866467"/>
+                  </a:lnTo>
+                  <a:lnTo>
+                    <a:pt x="2045532" y="0"/>
+                  </a:lnTo>
+                  <a:close/>
+                </a:path>
+              </a:pathLst>
+            </a:custGeom>
+            <a:solidFill>
+              <a:schemeClr val="accent1">
+                <a:alpha val="30000"/>
+              </a:schemeClr>
+            </a:solidFill>
+            <a:ln>
+              <a:noFill/>
+            </a:ln>
+            <a:effectLst/>
+          </p:spPr>
+          <p:style>
+            <a:lnRef idx="1">
+              <a:schemeClr val="accent1"/>
+            </a:lnRef>
+            <a:fillRef idx="3">
+              <a:schemeClr val="accent1"/>
+            </a:fillRef>
+            <a:effectRef idx="2">
+              <a:schemeClr val="accent1"/>
+            </a:effectRef>
+            <a:fontRef idx="minor">
+              <a:schemeClr val="lt1"/>
+            </a:fontRef>
+          </p:style>
+        </p:sp>
+        <p:sp>
+          <p:nvSpPr>
+            <p:cNvPr id="23" name="Rectangle 25"/>
+            <p:cNvSpPr/>
+            <p:nvPr/>
+          </p:nvSpPr>
+          <p:spPr>
+            <a:xfrm>
+              <a:off x="9603442" y="-8467"/>
+              <a:ext cx="2588558" cy="6866467"/>
+            </a:xfrm>
+            <a:custGeom>
+              <a:avLst/>
+              <a:gdLst/>
+              <a:ahLst/>
+              <a:cxnLst/>
+              <a:rect l="l" t="t" r="r" b="b"/>
+              <a:pathLst>
+                <a:path w="2573311" h="6866467">
+                  <a:moveTo>
+                    <a:pt x="0" y="0"/>
+                  </a:moveTo>
+                  <a:lnTo>
+                    <a:pt x="2573311" y="0"/>
+                  </a:lnTo>
+                  <a:lnTo>
+                    <a:pt x="2573311" y="6866467"/>
+                  </a:lnTo>
+                  <a:lnTo>
+                    <a:pt x="1202336" y="6866467"/>
+                  </a:lnTo>
+                  <a:lnTo>
+                    <a:pt x="0" y="0"/>
+                  </a:lnTo>
+                  <a:close/>
+                </a:path>
+              </a:pathLst>
+            </a:custGeom>
+            <a:solidFill>
+              <a:schemeClr val="accent1">
+                <a:alpha val="20000"/>
+              </a:schemeClr>
+            </a:solidFill>
+            <a:ln>
+              <a:noFill/>
+            </a:ln>
+            <a:effectLst/>
+          </p:spPr>
+          <p:style>
+            <a:lnRef idx="1">
+              <a:schemeClr val="accent1"/>
+            </a:lnRef>
+            <a:fillRef idx="3">
+              <a:schemeClr val="accent1"/>
+            </a:fillRef>
+            <a:effectRef idx="2">
+              <a:schemeClr val="accent1"/>
+            </a:effectRef>
+            <a:fontRef idx="minor">
+              <a:schemeClr val="lt1"/>
+            </a:fontRef>
+          </p:style>
+        </p:sp>
+        <p:sp>
+          <p:nvSpPr>
+            <p:cNvPr id="24" name="Isosceles Triangle 23"/>
+            <p:cNvSpPr/>
+            <p:nvPr/>
+          </p:nvSpPr>
+          <p:spPr>
+            <a:xfrm>
+              <a:off x="8932333" y="3048000"/>
+              <a:ext cx="3259667" cy="3810000"/>
+            </a:xfrm>
+            <a:prstGeom prst="triangle">
+              <a:avLst>
+                <a:gd name="adj" fmla="val 100000"/>
+              </a:avLst>
+            </a:prstGeom>
+            <a:solidFill>
+              <a:schemeClr val="accent2">
+                <a:alpha val="72000"/>
+              </a:schemeClr>
+            </a:solidFill>
+            <a:ln>
+              <a:noFill/>
+            </a:ln>
+            <a:effectLst/>
+          </p:spPr>
+          <p:style>
+            <a:lnRef idx="1">
+              <a:schemeClr val="accent1"/>
+            </a:lnRef>
+            <a:fillRef idx="3">
+              <a:schemeClr val="accent1"/>
+            </a:fillRef>
+            <a:effectRef idx="2">
+              <a:schemeClr val="accent1"/>
+            </a:effectRef>
+            <a:fontRef idx="minor">
+              <a:schemeClr val="lt1"/>
+            </a:fontRef>
+          </p:style>
+        </p:sp>
+        <p:sp>
+          <p:nvSpPr>
+            <p:cNvPr id="25" name="Rectangle 27"/>
+            <p:cNvSpPr/>
+            <p:nvPr/>
+          </p:nvSpPr>
+          <p:spPr>
+            <a:xfrm>
+              <a:off x="9334500" y="-8467"/>
+              <a:ext cx="2854326" cy="6866467"/>
+            </a:xfrm>
+            <a:custGeom>
+              <a:avLst/>
+              <a:gdLst/>
+              <a:ahLst/>
+              <a:cxnLst/>
+              <a:rect l="l" t="t" r="r" b="b"/>
+              <a:pathLst>
+                <a:path w="2858013" h="6866467">
+                  <a:moveTo>
+                    <a:pt x="0" y="0"/>
+                  </a:moveTo>
+                  <a:lnTo>
+                    <a:pt x="2858013" y="0"/>
+                  </a:lnTo>
+                  <a:lnTo>
+                    <a:pt x="2858013" y="6866467"/>
+                  </a:lnTo>
+                  <a:lnTo>
+                    <a:pt x="2473942" y="6866467"/>
+                  </a:lnTo>
+                  <a:lnTo>
+                    <a:pt x="0" y="0"/>
+                  </a:lnTo>
+                  <a:close/>
+                </a:path>
+              </a:pathLst>
+            </a:custGeom>
+            <a:solidFill>
+              <a:schemeClr val="accent2">
+                <a:lumMod val="75000"/>
+                <a:alpha val="70000"/>
+              </a:schemeClr>
+            </a:solidFill>
+            <a:ln>
+              <a:noFill/>
+            </a:ln>
+            <a:effectLst/>
+          </p:spPr>
+          <p:style>
+            <a:lnRef idx="1">
+              <a:schemeClr val="accent1"/>
+            </a:lnRef>
+            <a:fillRef idx="3">
+              <a:schemeClr val="accent1"/>
+            </a:fillRef>
+            <a:effectRef idx="2">
+              <a:schemeClr val="accent1"/>
+            </a:effectRef>
+            <a:fontRef idx="minor">
+              <a:schemeClr val="lt1"/>
+            </a:fontRef>
+          </p:style>
+        </p:sp>
+        <p:sp>
+          <p:nvSpPr>
+            <p:cNvPr id="26" name="Rectangle 28"/>
+            <p:cNvSpPr/>
+            <p:nvPr/>
+          </p:nvSpPr>
+          <p:spPr>
+            <a:xfrm>
+              <a:off x="10898730" y="-8467"/>
+              <a:ext cx="1290094" cy="6866467"/>
+            </a:xfrm>
+            <a:custGeom>
+              <a:avLst/>
+              <a:gdLst/>
+              <a:ahLst/>
+              <a:cxnLst/>
+              <a:rect l="l" t="t" r="r" b="b"/>
+              <a:pathLst>
+                <a:path w="1290094" h="6858000">
+                  <a:moveTo>
+                    <a:pt x="1019735" y="0"/>
+                  </a:moveTo>
+                  <a:lnTo>
+                    <a:pt x="1290094" y="0"/>
+                  </a:lnTo>
+                  <a:lnTo>
+                    <a:pt x="1290094" y="6858000"/>
+                  </a:lnTo>
+                  <a:lnTo>
+                    <a:pt x="0" y="6858000"/>
+                  </a:lnTo>
+                  <a:lnTo>
+                    <a:pt x="1019735" y="0"/>
+                  </a:lnTo>
+                  <a:close/>
+                </a:path>
+              </a:pathLst>
+            </a:custGeom>
+            <a:solidFill>
+              <a:schemeClr val="accent1">
+                <a:lumMod val="60000"/>
+                <a:lumOff val="40000"/>
+                <a:alpha val="70000"/>
+              </a:schemeClr>
+            </a:solidFill>
+            <a:ln>
+              <a:noFill/>
+            </a:ln>
+            <a:effectLst/>
+          </p:spPr>
+          <p:style>
+            <a:lnRef idx="1">
+              <a:schemeClr val="accent1"/>
+            </a:lnRef>
+            <a:fillRef idx="3">
+              <a:schemeClr val="accent1"/>
+            </a:fillRef>
+            <a:effectRef idx="2">
+              <a:schemeClr val="accent1"/>
+            </a:effectRef>
+            <a:fontRef idx="minor">
+              <a:schemeClr val="lt1"/>
+            </a:fontRef>
+          </p:style>
+        </p:sp>
+        <p:sp>
+          <p:nvSpPr>
+            <p:cNvPr id="27" name="Rectangle 29"/>
+            <p:cNvSpPr/>
+            <p:nvPr/>
+          </p:nvSpPr>
+          <p:spPr>
+            <a:xfrm>
+              <a:off x="10938999" y="-8467"/>
+              <a:ext cx="1249825" cy="6866467"/>
+            </a:xfrm>
+            <a:custGeom>
+              <a:avLst/>
+              <a:gdLst/>
+              <a:ahLst/>
+              <a:cxnLst/>
+              <a:rect l="l" t="t" r="r" b="b"/>
+              <a:pathLst>
+                <a:path w="1249825" h="6858000">
+                  <a:moveTo>
+                    <a:pt x="0" y="0"/>
+                  </a:moveTo>
+                  <a:lnTo>
+                    <a:pt x="1249825" y="0"/>
+                  </a:lnTo>
+                  <a:lnTo>
+                    <a:pt x="1249825" y="6858000"/>
+                  </a:lnTo>
+                  <a:lnTo>
+                    <a:pt x="1109382" y="6858000"/>
+                  </a:lnTo>
+                  <a:lnTo>
+                    <a:pt x="0" y="0"/>
+                  </a:lnTo>
+                  <a:close/>
+                </a:path>
+              </a:pathLst>
+            </a:custGeom>
+            <a:solidFill>
+              <a:schemeClr val="accent1">
+                <a:alpha val="65000"/>
+              </a:schemeClr>
+            </a:solidFill>
+            <a:ln>
+              <a:noFill/>
+            </a:ln>
+            <a:effectLst/>
+          </p:spPr>
+          <p:style>
+            <a:lnRef idx="1">
+              <a:schemeClr val="accent1"/>
+            </a:lnRef>
+            <a:fillRef idx="3">
+              <a:schemeClr val="accent1"/>
+            </a:fillRef>
+            <a:effectRef idx="2">
+              <a:schemeClr val="accent1"/>
+            </a:effectRef>
+            <a:fontRef idx="minor">
+              <a:schemeClr val="lt1"/>
+            </a:fontRef>
+          </p:style>
+        </p:sp>
+        <p:sp>
+          <p:nvSpPr>
+            <p:cNvPr id="28" name="Isosceles Triangle 27"/>
+            <p:cNvSpPr/>
+            <p:nvPr/>
+          </p:nvSpPr>
+          <p:spPr>
+            <a:xfrm>
+              <a:off x="10371666" y="3589867"/>
+              <a:ext cx="1817159" cy="3268133"/>
+            </a:xfrm>
+            <a:prstGeom prst="triangle">
+              <a:avLst>
+                <a:gd name="adj" fmla="val 100000"/>
+              </a:avLst>
+            </a:prstGeom>
+            <a:solidFill>
+              <a:schemeClr val="accent1">
+                <a:alpha val="80000"/>
+              </a:schemeClr>
+            </a:solidFill>
+            <a:ln>
+              <a:noFill/>
+            </a:ln>
+            <a:effectLst/>
+          </p:spPr>
+          <p:style>
+            <a:lnRef idx="1">
+              <a:schemeClr val="accent1"/>
+            </a:lnRef>
+            <a:fillRef idx="3">
+              <a:schemeClr val="accent1"/>
+            </a:fillRef>
+            <a:effectRef idx="2">
+              <a:schemeClr val="accent1"/>
+            </a:effectRef>
+            <a:fontRef idx="minor">
+              <a:schemeClr val="lt1"/>
+            </a:fontRef>
+          </p:style>
+        </p:sp>
+        <p:sp>
+          <p:nvSpPr>
+            <p:cNvPr id="29" name="Isosceles Triangle 28"/>
+            <p:cNvSpPr/>
+            <p:nvPr/>
+          </p:nvSpPr>
+          <p:spPr>
+            <a:xfrm>
+              <a:off x="0" y="4013200"/>
+              <a:ext cx="448733" cy="2844800"/>
+            </a:xfrm>
+            <a:prstGeom prst="triangle">
+              <a:avLst>
+                <a:gd name="adj" fmla="val 0"/>
+              </a:avLst>
+            </a:prstGeom>
+            <a:solidFill>
+              <a:schemeClr val="accent1">
+                <a:alpha val="85000"/>
+              </a:schemeClr>
+            </a:solidFill>
+            <a:ln>
+              <a:noFill/>
+            </a:ln>
+            <a:effectLst/>
+          </p:spPr>
+          <p:style>
+            <a:lnRef idx="1">
+              <a:schemeClr val="accent1"/>
+            </a:lnRef>
+            <a:fillRef idx="3">
+              <a:schemeClr val="accent1"/>
+            </a:fillRef>
+            <a:effectRef idx="2">
+              <a:schemeClr val="accent1"/>
+            </a:effectRef>
+            <a:fontRef idx="minor">
+              <a:schemeClr val="lt1"/>
+            </a:fontRef>
+          </p:style>
+        </p:sp>
+      </p:grpSp>
+      <p:sp>
+        <p:nvSpPr>
+          <p:cNvPr id="2" name="Title Placeholder 1"/>
           <p:cNvSpPr>
             <a:spLocks noGrp="1"/>
           </p:cNvSpPr>
@@ -2781,35 +5673,30 @@
         </p:nvSpPr>
         <p:spPr>
           <a:xfrm>
-            <a:off x="838200" y="365125"/>
-            <a:ext cx="10515600" cy="1325563"/>
+            <a:off x="677334" y="609600"/>
+            <a:ext cx="8596668" cy="1320800"/>
           </a:xfrm>
           <a:prstGeom prst="rect">
             <a:avLst/>
           </a:prstGeom>
         </p:spPr>
         <p:txBody>
-          <a:bodyPr vert="horz" lIns="91440" tIns="45720" rIns="91440" bIns="45720" rtlCol="0" anchor="ctr">
+          <a:bodyPr vert="horz" lIns="91440" tIns="45720" rIns="91440" bIns="45720" rtlCol="0" anchor="t">
             <a:normAutofit/>
           </a:bodyPr>
           <a:lstStyle/>
           <a:p>
             <a:r>
-              <a:rPr lang="zh-CN" altLang="en-US"/>
-              <a:t>单击此处编辑母版标题样式</a:t>
-            </a:r>
-          </a:p>
-        </p:txBody>
-      </p:sp>
-      <p:sp>
-        <p:nvSpPr>
-          <p:cNvPr id="3" name="文本占位符 2">
-            <a:extLst>
-              <a:ext uri="{FF2B5EF4-FFF2-40B4-BE49-F238E27FC236}">
-                <a16:creationId xmlns:a16="http://schemas.microsoft.com/office/drawing/2014/main" id="{91D36DAF-B06F-4DCA-857A-C418C4F1ED36}"/>
-              </a:ext>
-            </a:extLst>
-          </p:cNvPr>
+              <a:rPr lang="en-US" altLang="zh-CN" smtClean="0"/>
+              <a:t>Click to edit Master title style</a:t>
+            </a:r>
+            <a:endParaRPr lang="en-US" dirty="0"/>
+          </a:p>
+        </p:txBody>
+      </p:sp>
+      <p:sp>
+        <p:nvSpPr>
+          <p:cNvPr id="3" name="Text Placeholder 2"/>
           <p:cNvSpPr>
             <a:spLocks noGrp="1"/>
           </p:cNvSpPr>
@@ -2819,8 +5706,8 @@
         </p:nvSpPr>
         <p:spPr>
           <a:xfrm>
-            <a:off x="838200" y="1825625"/>
-            <a:ext cx="10515600" cy="4351338"/>
+            <a:off x="677334" y="2160589"/>
+            <a:ext cx="8596668" cy="3880773"/>
           </a:xfrm>
           <a:prstGeom prst="rect">
             <a:avLst/>
@@ -2834,49 +5721,44 @@
           <a:p>
             <a:pPr lvl="0"/>
             <a:r>
-              <a:rPr lang="zh-CN" altLang="en-US"/>
-              <a:t>编辑母版文本样式</a:t>
+              <a:rPr lang="en-US" altLang="zh-CN" smtClean="0"/>
+              <a:t>Edit Master text styles</a:t>
             </a:r>
           </a:p>
           <a:p>
             <a:pPr lvl="1"/>
             <a:r>
-              <a:rPr lang="zh-CN" altLang="en-US"/>
-              <a:t>第二级</a:t>
+              <a:rPr lang="en-US" altLang="zh-CN" smtClean="0"/>
+              <a:t>Second level</a:t>
             </a:r>
           </a:p>
           <a:p>
             <a:pPr lvl="2"/>
             <a:r>
-              <a:rPr lang="zh-CN" altLang="en-US"/>
-              <a:t>第三级</a:t>
+              <a:rPr lang="en-US" altLang="zh-CN" smtClean="0"/>
+              <a:t>Third level</a:t>
             </a:r>
           </a:p>
           <a:p>
             <a:pPr lvl="3"/>
             <a:r>
-              <a:rPr lang="zh-CN" altLang="en-US"/>
-              <a:t>第四级</a:t>
+              <a:rPr lang="en-US" altLang="zh-CN" smtClean="0"/>
+              <a:t>Fourth level</a:t>
             </a:r>
           </a:p>
           <a:p>
             <a:pPr lvl="4"/>
             <a:r>
-              <a:rPr lang="zh-CN" altLang="en-US"/>
-              <a:t>第五级</a:t>
-            </a:r>
-          </a:p>
-        </p:txBody>
-      </p:sp>
-      <p:sp>
-        <p:nvSpPr>
-          <p:cNvPr id="4" name="日期占位符 3">
-            <a:extLst>
-              <a:ext uri="{FF2B5EF4-FFF2-40B4-BE49-F238E27FC236}">
-                <a16:creationId xmlns:a16="http://schemas.microsoft.com/office/drawing/2014/main" id="{FE7D1909-A5F1-4AE4-A6AA-FB1A0C2E2E8B}"/>
-              </a:ext>
-            </a:extLst>
-          </p:cNvPr>
+              <a:rPr lang="en-US" altLang="zh-CN" smtClean="0"/>
+              <a:t>Fifth level</a:t>
+            </a:r>
+            <a:endParaRPr lang="en-US" dirty="0"/>
+          </a:p>
+        </p:txBody>
+      </p:sp>
+      <p:sp>
+        <p:nvSpPr>
+          <p:cNvPr id="4" name="Date Placeholder 3"/>
           <p:cNvSpPr>
             <a:spLocks noGrp="1"/>
           </p:cNvSpPr>
@@ -2886,8 +5768,8 @@
         </p:nvSpPr>
         <p:spPr>
           <a:xfrm>
-            <a:off x="838200" y="6356350"/>
-            <a:ext cx="2743200" cy="365125"/>
+            <a:off x="7205133" y="6041362"/>
+            <a:ext cx="911939" cy="365125"/>
           </a:xfrm>
           <a:prstGeom prst="rect">
             <a:avLst/>
@@ -2896,8 +5778,8 @@
         <p:txBody>
           <a:bodyPr vert="horz" lIns="91440" tIns="45720" rIns="91440" bIns="45720" rtlCol="0" anchor="ctr"/>
           <a:lstStyle>
-            <a:lvl1pPr algn="l">
-              <a:defRPr sz="1200">
+            <a:lvl1pPr algn="r">
+              <a:defRPr sz="900">
                 <a:solidFill>
                   <a:schemeClr val="tx1">
                     <a:tint val="75000"/>
@@ -2909,7 +5791,7 @@
           <a:p>
             <a:fld id="{B346795D-67DE-4829-9C51-38E01F2E8E28}" type="datetimeFigureOut">
               <a:rPr lang="zh-CN" altLang="en-US" smtClean="0"/>
-              <a:t>2018/3/27</a:t>
+              <a:t>2018/3/29</a:t>
             </a:fld>
             <a:endParaRPr lang="zh-CN" altLang="en-US"/>
           </a:p>
@@ -2917,13 +5799,7 @@
       </p:sp>
       <p:sp>
         <p:nvSpPr>
-          <p:cNvPr id="5" name="页脚占位符 4">
-            <a:extLst>
-              <a:ext uri="{FF2B5EF4-FFF2-40B4-BE49-F238E27FC236}">
-                <a16:creationId xmlns:a16="http://schemas.microsoft.com/office/drawing/2014/main" id="{F4663723-CEC6-48F5-9440-64CDE8AC7EB1}"/>
-              </a:ext>
-            </a:extLst>
-          </p:cNvPr>
+          <p:cNvPr id="5" name="Footer Placeholder 4"/>
           <p:cNvSpPr>
             <a:spLocks noGrp="1"/>
           </p:cNvSpPr>
@@ -2933,8 +5809,8 @@
         </p:nvSpPr>
         <p:spPr>
           <a:xfrm>
-            <a:off x="4038600" y="6356350"/>
-            <a:ext cx="4114800" cy="365125"/>
+            <a:off x="677334" y="6041362"/>
+            <a:ext cx="6297612" cy="365125"/>
           </a:xfrm>
           <a:prstGeom prst="rect">
             <a:avLst/>
@@ -2943,8 +5819,8 @@
         <p:txBody>
           <a:bodyPr vert="horz" lIns="91440" tIns="45720" rIns="91440" bIns="45720" rtlCol="0" anchor="ctr"/>
           <a:lstStyle>
-            <a:lvl1pPr algn="ctr">
-              <a:defRPr sz="1200">
+            <a:lvl1pPr algn="l">
+              <a:defRPr sz="900">
                 <a:solidFill>
                   <a:schemeClr val="tx1">
                     <a:tint val="75000"/>
@@ -2960,13 +5836,7 @@
       </p:sp>
       <p:sp>
         <p:nvSpPr>
-          <p:cNvPr id="6" name="灯片编号占位符 5">
-            <a:extLst>
-              <a:ext uri="{FF2B5EF4-FFF2-40B4-BE49-F238E27FC236}">
-                <a16:creationId xmlns:a16="http://schemas.microsoft.com/office/drawing/2014/main" id="{4F032029-EBAC-4D26-96F1-8CECD27CF4A2}"/>
-              </a:ext>
-            </a:extLst>
-          </p:cNvPr>
+          <p:cNvPr id="6" name="Slide Number Placeholder 5"/>
           <p:cNvSpPr>
             <a:spLocks noGrp="1"/>
           </p:cNvSpPr>
@@ -2976,8 +5846,8 @@
         </p:nvSpPr>
         <p:spPr>
           <a:xfrm>
-            <a:off x="8610600" y="6356350"/>
-            <a:ext cx="2743200" cy="365125"/>
+            <a:off x="8590663" y="6041362"/>
+            <a:ext cx="683339" cy="365125"/>
           </a:xfrm>
           <a:prstGeom prst="rect">
             <a:avLst/>
@@ -2987,11 +5857,9 @@
           <a:bodyPr vert="horz" lIns="91440" tIns="45720" rIns="91440" bIns="45720" rtlCol="0" anchor="ctr"/>
           <a:lstStyle>
             <a:lvl1pPr algn="r">
-              <a:defRPr sz="1200">
+              <a:defRPr sz="900">
                 <a:solidFill>
-                  <a:schemeClr val="tx1">
-                    <a:tint val="75000"/>
-                  </a:schemeClr>
+                  <a:schemeClr val="accent1"/>
                 </a:solidFill>
               </a:defRPr>
             </a:lvl1pPr>
@@ -3008,55 +5876,335 @@
     </p:spTree>
     <p:extLst>
       <p:ext uri="{BB962C8B-B14F-4D97-AF65-F5344CB8AC3E}">
-        <p14:creationId xmlns:p14="http://schemas.microsoft.com/office/powerpoint/2010/main" val="2553131760"/>
+        <p14:creationId xmlns:p14="http://schemas.microsoft.com/office/powerpoint/2010/main" val="5969569"/>
       </p:ext>
     </p:extLst>
   </p:cSld>
   <p:clrMap bg1="lt1" tx1="dk1" bg2="lt2" tx2="dk2" accent1="accent1" accent2="accent2" accent3="accent3" accent4="accent4" accent5="accent5" accent6="accent6" hlink="hlink" folHlink="folHlink"/>
   <p:sldLayoutIdLst>
-    <p:sldLayoutId id="2147483649" r:id="rId1"/>
-    <p:sldLayoutId id="2147483650" r:id="rId2"/>
-    <p:sldLayoutId id="2147483651" r:id="rId3"/>
-    <p:sldLayoutId id="2147483652" r:id="rId4"/>
-    <p:sldLayoutId id="2147483653" r:id="rId5"/>
-    <p:sldLayoutId id="2147483654" r:id="rId6"/>
-    <p:sldLayoutId id="2147483655" r:id="rId7"/>
-    <p:sldLayoutId id="2147483656" r:id="rId8"/>
-    <p:sldLayoutId id="2147483657" r:id="rId9"/>
-    <p:sldLayoutId id="2147483658" r:id="rId10"/>
-    <p:sldLayoutId id="2147483659" r:id="rId11"/>
+    <p:sldLayoutId id="2147483754" r:id="rId1"/>
+    <p:sldLayoutId id="2147483755" r:id="rId2"/>
+    <p:sldLayoutId id="2147483756" r:id="rId3"/>
+    <p:sldLayoutId id="2147483757" r:id="rId4"/>
+    <p:sldLayoutId id="2147483758" r:id="rId5"/>
+    <p:sldLayoutId id="2147483759" r:id="rId6"/>
+    <p:sldLayoutId id="2147483760" r:id="rId7"/>
+    <p:sldLayoutId id="2147483761" r:id="rId8"/>
+    <p:sldLayoutId id="2147483762" r:id="rId9"/>
+    <p:sldLayoutId id="2147483763" r:id="rId10"/>
+    <p:sldLayoutId id="2147483764" r:id="rId11"/>
+    <p:sldLayoutId id="2147483765" r:id="rId12"/>
+    <p:sldLayoutId id="2147483766" r:id="rId13"/>
+    <p:sldLayoutId id="2147483767" r:id="rId14"/>
+    <p:sldLayoutId id="2147483768" r:id="rId15"/>
+    <p:sldLayoutId id="2147483769" r:id="rId16"/>
   </p:sldLayoutIdLst>
   <p:txStyles>
     <p:titleStyle>
-      <a:lvl1pPr algn="l" defTabSz="914400" rtl="0" eaLnBrk="1" latinLnBrk="0" hangingPunct="1">
-        <a:lnSpc>
-          <a:spcPct val="90000"/>
-        </a:lnSpc>
+      <a:lvl1pPr algn="l" defTabSz="457200" rtl="0" eaLnBrk="1" latinLnBrk="0" hangingPunct="1">
         <a:spcBef>
           <a:spcPct val="0"/>
         </a:spcBef>
         <a:buNone/>
-        <a:defRPr sz="4400" kern="1200">
+        <a:defRPr sz="3600" kern="1200">
           <a:solidFill>
-            <a:schemeClr val="tx1"/>
+            <a:schemeClr val="accent1"/>
           </a:solidFill>
           <a:latin typeface="+mj-lt"/>
           <a:ea typeface="+mj-ea"/>
           <a:cs typeface="+mj-cs"/>
         </a:defRPr>
       </a:lvl1pPr>
+      <a:lvl2pPr eaLnBrk="1" hangingPunct="1">
+        <a:defRPr>
+          <a:solidFill>
+            <a:schemeClr val="tx2"/>
+          </a:solidFill>
+        </a:defRPr>
+      </a:lvl2pPr>
+      <a:lvl3pPr eaLnBrk="1" hangingPunct="1">
+        <a:defRPr>
+          <a:solidFill>
+            <a:schemeClr val="tx2"/>
+          </a:solidFill>
+        </a:defRPr>
+      </a:lvl3pPr>
+      <a:lvl4pPr eaLnBrk="1" hangingPunct="1">
+        <a:defRPr>
+          <a:solidFill>
+            <a:schemeClr val="tx2"/>
+          </a:solidFill>
+        </a:defRPr>
+      </a:lvl4pPr>
+      <a:lvl5pPr eaLnBrk="1" hangingPunct="1">
+        <a:defRPr>
+          <a:solidFill>
+            <a:schemeClr val="tx2"/>
+          </a:solidFill>
+        </a:defRPr>
+      </a:lvl5pPr>
+      <a:lvl6pPr eaLnBrk="1" hangingPunct="1">
+        <a:defRPr>
+          <a:solidFill>
+            <a:schemeClr val="tx2"/>
+          </a:solidFill>
+        </a:defRPr>
+      </a:lvl6pPr>
+      <a:lvl7pPr eaLnBrk="1" hangingPunct="1">
+        <a:defRPr>
+          <a:solidFill>
+            <a:schemeClr val="tx2"/>
+          </a:solidFill>
+        </a:defRPr>
+      </a:lvl7pPr>
+      <a:lvl8pPr eaLnBrk="1" hangingPunct="1">
+        <a:defRPr>
+          <a:solidFill>
+            <a:schemeClr val="tx2"/>
+          </a:solidFill>
+        </a:defRPr>
+      </a:lvl8pPr>
+      <a:lvl9pPr eaLnBrk="1" hangingPunct="1">
+        <a:defRPr>
+          <a:solidFill>
+            <a:schemeClr val="tx2"/>
+          </a:solidFill>
+        </a:defRPr>
+      </a:lvl9pPr>
     </p:titleStyle>
     <p:bodyStyle>
-      <a:lvl1pPr marL="228600" indent="-228600" algn="l" defTabSz="914400" rtl="0" eaLnBrk="1" latinLnBrk="0" hangingPunct="1">
-        <a:lnSpc>
-          <a:spcPct val="90000"/>
-        </a:lnSpc>
+      <a:lvl1pPr marL="342900" indent="-342900" algn="l" defTabSz="457200" rtl="0" eaLnBrk="1" latinLnBrk="0" hangingPunct="1">
         <a:spcBef>
           <a:spcPts val="1000"/>
         </a:spcBef>
-        <a:buFont typeface="Arial" panose="020B0604020202020204" pitchFamily="34" charset="0"/>
-        <a:buChar char="•"/>
-        <a:defRPr sz="2800" kern="1200">
+        <a:spcAft>
+          <a:spcPts val="0"/>
+        </a:spcAft>
+        <a:buClr>
+          <a:schemeClr val="accent1"/>
+        </a:buClr>
+        <a:buSzPct val="80000"/>
+        <a:buFont typeface="Wingdings 3" charset="2"/>
+        <a:buChar char=""/>
+        <a:defRPr sz="1800" kern="1200">
+          <a:solidFill>
+            <a:schemeClr val="tx1">
+              <a:lumMod val="75000"/>
+              <a:lumOff val="25000"/>
+            </a:schemeClr>
+          </a:solidFill>
+          <a:latin typeface="+mn-lt"/>
+          <a:ea typeface="+mn-ea"/>
+          <a:cs typeface="+mn-cs"/>
+        </a:defRPr>
+      </a:lvl1pPr>
+      <a:lvl2pPr marL="742950" indent="-285750" algn="l" defTabSz="457200" rtl="0" eaLnBrk="1" latinLnBrk="0" hangingPunct="1">
+        <a:spcBef>
+          <a:spcPts val="1000"/>
+        </a:spcBef>
+        <a:spcAft>
+          <a:spcPts val="0"/>
+        </a:spcAft>
+        <a:buClr>
+          <a:schemeClr val="accent1"/>
+        </a:buClr>
+        <a:buSzPct val="80000"/>
+        <a:buFont typeface="Wingdings 3" charset="2"/>
+        <a:buChar char=""/>
+        <a:defRPr sz="1600" kern="1200">
+          <a:solidFill>
+            <a:schemeClr val="tx1">
+              <a:lumMod val="75000"/>
+              <a:lumOff val="25000"/>
+            </a:schemeClr>
+          </a:solidFill>
+          <a:latin typeface="+mn-lt"/>
+          <a:ea typeface="+mn-ea"/>
+          <a:cs typeface="+mn-cs"/>
+        </a:defRPr>
+      </a:lvl2pPr>
+      <a:lvl3pPr marL="1143000" indent="-228600" algn="l" defTabSz="457200" rtl="0" eaLnBrk="1" latinLnBrk="0" hangingPunct="1">
+        <a:spcBef>
+          <a:spcPts val="1000"/>
+        </a:spcBef>
+        <a:spcAft>
+          <a:spcPts val="0"/>
+        </a:spcAft>
+        <a:buClr>
+          <a:schemeClr val="accent1"/>
+        </a:buClr>
+        <a:buSzPct val="80000"/>
+        <a:buFont typeface="Wingdings 3" charset="2"/>
+        <a:buChar char=""/>
+        <a:defRPr sz="1400" kern="1200">
+          <a:solidFill>
+            <a:schemeClr val="tx1">
+              <a:lumMod val="75000"/>
+              <a:lumOff val="25000"/>
+            </a:schemeClr>
+          </a:solidFill>
+          <a:latin typeface="+mn-lt"/>
+          <a:ea typeface="+mn-ea"/>
+          <a:cs typeface="+mn-cs"/>
+        </a:defRPr>
+      </a:lvl3pPr>
+      <a:lvl4pPr marL="1600200" indent="-228600" algn="l" defTabSz="457200" rtl="0" eaLnBrk="1" latinLnBrk="0" hangingPunct="1">
+        <a:spcBef>
+          <a:spcPts val="1000"/>
+        </a:spcBef>
+        <a:spcAft>
+          <a:spcPts val="0"/>
+        </a:spcAft>
+        <a:buClr>
+          <a:schemeClr val="accent1"/>
+        </a:buClr>
+        <a:buSzPct val="80000"/>
+        <a:buFont typeface="Wingdings 3" charset="2"/>
+        <a:buChar char=""/>
+        <a:defRPr sz="1200" kern="1200">
+          <a:solidFill>
+            <a:schemeClr val="tx1">
+              <a:lumMod val="75000"/>
+              <a:lumOff val="25000"/>
+            </a:schemeClr>
+          </a:solidFill>
+          <a:latin typeface="+mn-lt"/>
+          <a:ea typeface="+mn-ea"/>
+          <a:cs typeface="+mn-cs"/>
+        </a:defRPr>
+      </a:lvl4pPr>
+      <a:lvl5pPr marL="2057400" indent="-228600" algn="l" defTabSz="457200" rtl="0" eaLnBrk="1" latinLnBrk="0" hangingPunct="1">
+        <a:spcBef>
+          <a:spcPts val="1000"/>
+        </a:spcBef>
+        <a:spcAft>
+          <a:spcPts val="0"/>
+        </a:spcAft>
+        <a:buClr>
+          <a:schemeClr val="accent1"/>
+        </a:buClr>
+        <a:buSzPct val="80000"/>
+        <a:buFont typeface="Wingdings 3" charset="2"/>
+        <a:buChar char=""/>
+        <a:defRPr sz="1200" kern="1200">
+          <a:solidFill>
+            <a:schemeClr val="tx1">
+              <a:lumMod val="75000"/>
+              <a:lumOff val="25000"/>
+            </a:schemeClr>
+          </a:solidFill>
+          <a:latin typeface="+mn-lt"/>
+          <a:ea typeface="+mn-ea"/>
+          <a:cs typeface="+mn-cs"/>
+        </a:defRPr>
+      </a:lvl5pPr>
+      <a:lvl6pPr marL="2514600" indent="-228600" algn="l" defTabSz="457200" rtl="0" eaLnBrk="1" latinLnBrk="0" hangingPunct="1">
+        <a:spcBef>
+          <a:spcPts val="1000"/>
+        </a:spcBef>
+        <a:spcAft>
+          <a:spcPts val="0"/>
+        </a:spcAft>
+        <a:buClr>
+          <a:schemeClr val="accent1"/>
+        </a:buClr>
+        <a:buSzPct val="80000"/>
+        <a:buFont typeface="Wingdings 3" charset="2"/>
+        <a:buChar char=""/>
+        <a:defRPr sz="1200" kern="1200">
+          <a:solidFill>
+            <a:schemeClr val="tx1">
+              <a:lumMod val="75000"/>
+              <a:lumOff val="25000"/>
+            </a:schemeClr>
+          </a:solidFill>
+          <a:latin typeface="+mn-lt"/>
+          <a:ea typeface="+mn-ea"/>
+          <a:cs typeface="+mn-cs"/>
+        </a:defRPr>
+      </a:lvl6pPr>
+      <a:lvl7pPr marL="2971800" indent="-228600" algn="l" defTabSz="457200" rtl="0" eaLnBrk="1" latinLnBrk="0" hangingPunct="1">
+        <a:spcBef>
+          <a:spcPts val="1000"/>
+        </a:spcBef>
+        <a:spcAft>
+          <a:spcPts val="0"/>
+        </a:spcAft>
+        <a:buClr>
+          <a:schemeClr val="accent1"/>
+        </a:buClr>
+        <a:buSzPct val="80000"/>
+        <a:buFont typeface="Wingdings 3" charset="2"/>
+        <a:buChar char=""/>
+        <a:defRPr sz="1200" kern="1200">
+          <a:solidFill>
+            <a:schemeClr val="tx1">
+              <a:lumMod val="75000"/>
+              <a:lumOff val="25000"/>
+            </a:schemeClr>
+          </a:solidFill>
+          <a:latin typeface="+mn-lt"/>
+          <a:ea typeface="+mn-ea"/>
+          <a:cs typeface="+mn-cs"/>
+        </a:defRPr>
+      </a:lvl7pPr>
+      <a:lvl8pPr marL="3429000" indent="-228600" algn="l" defTabSz="457200" rtl="0" eaLnBrk="1" latinLnBrk="0" hangingPunct="1">
+        <a:spcBef>
+          <a:spcPts val="1000"/>
+        </a:spcBef>
+        <a:spcAft>
+          <a:spcPts val="0"/>
+        </a:spcAft>
+        <a:buClr>
+          <a:schemeClr val="accent1"/>
+        </a:buClr>
+        <a:buSzPct val="80000"/>
+        <a:buFont typeface="Wingdings 3" charset="2"/>
+        <a:buChar char=""/>
+        <a:defRPr sz="1200" kern="1200">
+          <a:solidFill>
+            <a:schemeClr val="tx1">
+              <a:lumMod val="75000"/>
+              <a:lumOff val="25000"/>
+            </a:schemeClr>
+          </a:solidFill>
+          <a:latin typeface="+mn-lt"/>
+          <a:ea typeface="+mn-ea"/>
+          <a:cs typeface="+mn-cs"/>
+        </a:defRPr>
+      </a:lvl8pPr>
+      <a:lvl9pPr marL="3886200" indent="-228600" algn="l" defTabSz="457200" rtl="0" eaLnBrk="1" latinLnBrk="0" hangingPunct="1">
+        <a:spcBef>
+          <a:spcPts val="1000"/>
+        </a:spcBef>
+        <a:spcAft>
+          <a:spcPts val="0"/>
+        </a:spcAft>
+        <a:buClr>
+          <a:schemeClr val="accent1"/>
+        </a:buClr>
+        <a:buSzPct val="80000"/>
+        <a:buFont typeface="Wingdings 3" charset="2"/>
+        <a:buChar char=""/>
+        <a:defRPr sz="1200" kern="1200">
+          <a:solidFill>
+            <a:schemeClr val="tx1">
+              <a:lumMod val="75000"/>
+              <a:lumOff val="25000"/>
+            </a:schemeClr>
+          </a:solidFill>
+          <a:latin typeface="+mn-lt"/>
+          <a:ea typeface="+mn-ea"/>
+          <a:cs typeface="+mn-cs"/>
+        </a:defRPr>
+      </a:lvl9pPr>
+    </p:bodyStyle>
+    <p:otherStyle>
+      <a:defPPr>
+        <a:defRPr lang="en-US"/>
+      </a:defPPr>
+      <a:lvl1pPr marL="0" algn="l" defTabSz="457200" rtl="0" eaLnBrk="1" latinLnBrk="0" hangingPunct="1">
+        <a:defRPr sz="1800" kern="1200">
           <a:solidFill>
             <a:schemeClr val="tx1"/>
           </a:solidFill>
@@ -3065,16 +6213,8 @@
           <a:cs typeface="+mn-cs"/>
         </a:defRPr>
       </a:lvl1pPr>
-      <a:lvl2pPr marL="685800" indent="-228600" algn="l" defTabSz="914400" rtl="0" eaLnBrk="1" latinLnBrk="0" hangingPunct="1">
-        <a:lnSpc>
-          <a:spcPct val="90000"/>
-        </a:lnSpc>
-        <a:spcBef>
-          <a:spcPts val="500"/>
-        </a:spcBef>
-        <a:buFont typeface="Arial" panose="020B0604020202020204" pitchFamily="34" charset="0"/>
-        <a:buChar char="•"/>
-        <a:defRPr sz="2400" kern="1200">
+      <a:lvl2pPr marL="457200" algn="l" defTabSz="457200" rtl="0" eaLnBrk="1" latinLnBrk="0" hangingPunct="1">
+        <a:defRPr sz="1800" kern="1200">
           <a:solidFill>
             <a:schemeClr val="tx1"/>
           </a:solidFill>
@@ -3083,16 +6223,8 @@
           <a:cs typeface="+mn-cs"/>
         </a:defRPr>
       </a:lvl2pPr>
-      <a:lvl3pPr marL="1143000" indent="-228600" algn="l" defTabSz="914400" rtl="0" eaLnBrk="1" latinLnBrk="0" hangingPunct="1">
-        <a:lnSpc>
-          <a:spcPct val="90000"/>
-        </a:lnSpc>
-        <a:spcBef>
-          <a:spcPts val="500"/>
-        </a:spcBef>
-        <a:buFont typeface="Arial" panose="020B0604020202020204" pitchFamily="34" charset="0"/>
-        <a:buChar char="•"/>
-        <a:defRPr sz="2000" kern="1200">
+      <a:lvl3pPr marL="914400" algn="l" defTabSz="457200" rtl="0" eaLnBrk="1" latinLnBrk="0" hangingPunct="1">
+        <a:defRPr sz="1800" kern="1200">
           <a:solidFill>
             <a:schemeClr val="tx1"/>
           </a:solidFill>
@@ -3101,15 +6233,7 @@
           <a:cs typeface="+mn-cs"/>
         </a:defRPr>
       </a:lvl3pPr>
-      <a:lvl4pPr marL="1600200" indent="-228600" algn="l" defTabSz="914400" rtl="0" eaLnBrk="1" latinLnBrk="0" hangingPunct="1">
-        <a:lnSpc>
-          <a:spcPct val="90000"/>
-        </a:lnSpc>
-        <a:spcBef>
-          <a:spcPts val="500"/>
-        </a:spcBef>
-        <a:buFont typeface="Arial" panose="020B0604020202020204" pitchFamily="34" charset="0"/>
-        <a:buChar char="•"/>
+      <a:lvl4pPr marL="1371600" algn="l" defTabSz="457200" rtl="0" eaLnBrk="1" latinLnBrk="0" hangingPunct="1">
         <a:defRPr sz="1800" kern="1200">
           <a:solidFill>
             <a:schemeClr val="tx1"/>
@@ -3119,15 +6243,7 @@
           <a:cs typeface="+mn-cs"/>
         </a:defRPr>
       </a:lvl4pPr>
-      <a:lvl5pPr marL="2057400" indent="-228600" algn="l" defTabSz="914400" rtl="0" eaLnBrk="1" latinLnBrk="0" hangingPunct="1">
-        <a:lnSpc>
-          <a:spcPct val="90000"/>
-        </a:lnSpc>
-        <a:spcBef>
-          <a:spcPts val="500"/>
-        </a:spcBef>
-        <a:buFont typeface="Arial" panose="020B0604020202020204" pitchFamily="34" charset="0"/>
-        <a:buChar char="•"/>
+      <a:lvl5pPr marL="1828800" algn="l" defTabSz="457200" rtl="0" eaLnBrk="1" latinLnBrk="0" hangingPunct="1">
         <a:defRPr sz="1800" kern="1200">
           <a:solidFill>
             <a:schemeClr val="tx1"/>
@@ -3137,15 +6253,7 @@
           <a:cs typeface="+mn-cs"/>
         </a:defRPr>
       </a:lvl5pPr>
-      <a:lvl6pPr marL="2514600" indent="-228600" algn="l" defTabSz="914400" rtl="0" eaLnBrk="1" latinLnBrk="0" hangingPunct="1">
-        <a:lnSpc>
-          <a:spcPct val="90000"/>
-        </a:lnSpc>
-        <a:spcBef>
-          <a:spcPts val="500"/>
-        </a:spcBef>
-        <a:buFont typeface="Arial" panose="020B0604020202020204" pitchFamily="34" charset="0"/>
-        <a:buChar char="•"/>
+      <a:lvl6pPr marL="2286000" algn="l" defTabSz="457200" rtl="0" eaLnBrk="1" latinLnBrk="0" hangingPunct="1">
         <a:defRPr sz="1800" kern="1200">
           <a:solidFill>
             <a:schemeClr val="tx1"/>
@@ -3155,15 +6263,7 @@
           <a:cs typeface="+mn-cs"/>
         </a:defRPr>
       </a:lvl6pPr>
-      <a:lvl7pPr marL="2971800" indent="-228600" algn="l" defTabSz="914400" rtl="0" eaLnBrk="1" latinLnBrk="0" hangingPunct="1">
-        <a:lnSpc>
-          <a:spcPct val="90000"/>
-        </a:lnSpc>
-        <a:spcBef>
-          <a:spcPts val="500"/>
-        </a:spcBef>
-        <a:buFont typeface="Arial" panose="020B0604020202020204" pitchFamily="34" charset="0"/>
-        <a:buChar char="•"/>
+      <a:lvl7pPr marL="2743200" algn="l" defTabSz="457200" rtl="0" eaLnBrk="1" latinLnBrk="0" hangingPunct="1">
         <a:defRPr sz="1800" kern="1200">
           <a:solidFill>
             <a:schemeClr val="tx1"/>
@@ -3173,15 +6273,7 @@
           <a:cs typeface="+mn-cs"/>
         </a:defRPr>
       </a:lvl7pPr>
-      <a:lvl8pPr marL="3429000" indent="-228600" algn="l" defTabSz="914400" rtl="0" eaLnBrk="1" latinLnBrk="0" hangingPunct="1">
-        <a:lnSpc>
-          <a:spcPct val="90000"/>
-        </a:lnSpc>
-        <a:spcBef>
-          <a:spcPts val="500"/>
-        </a:spcBef>
-        <a:buFont typeface="Arial" panose="020B0604020202020204" pitchFamily="34" charset="0"/>
-        <a:buChar char="•"/>
+      <a:lvl8pPr marL="3200400" algn="l" defTabSz="457200" rtl="0" eaLnBrk="1" latinLnBrk="0" hangingPunct="1">
         <a:defRPr sz="1800" kern="1200">
           <a:solidFill>
             <a:schemeClr val="tx1"/>
@@ -3191,110 +6283,7 @@
           <a:cs typeface="+mn-cs"/>
         </a:defRPr>
       </a:lvl8pPr>
-      <a:lvl9pPr marL="3886200" indent="-228600" algn="l" defTabSz="914400" rtl="0" eaLnBrk="1" latinLnBrk="0" hangingPunct="1">
-        <a:lnSpc>
-          <a:spcPct val="90000"/>
-        </a:lnSpc>
-        <a:spcBef>
-          <a:spcPts val="500"/>
-        </a:spcBef>
-        <a:buFont typeface="Arial" panose="020B0604020202020204" pitchFamily="34" charset="0"/>
-        <a:buChar char="•"/>
-        <a:defRPr sz="1800" kern="1200">
-          <a:solidFill>
-            <a:schemeClr val="tx1"/>
-          </a:solidFill>
-          <a:latin typeface="+mn-lt"/>
-          <a:ea typeface="+mn-ea"/>
-          <a:cs typeface="+mn-cs"/>
-        </a:defRPr>
-      </a:lvl9pPr>
-    </p:bodyStyle>
-    <p:otherStyle>
-      <a:defPPr>
-        <a:defRPr lang="zh-CN"/>
-      </a:defPPr>
-      <a:lvl1pPr marL="0" algn="l" defTabSz="914400" rtl="0" eaLnBrk="1" latinLnBrk="0" hangingPunct="1">
-        <a:defRPr sz="1800" kern="1200">
-          <a:solidFill>
-            <a:schemeClr val="tx1"/>
-          </a:solidFill>
-          <a:latin typeface="+mn-lt"/>
-          <a:ea typeface="+mn-ea"/>
-          <a:cs typeface="+mn-cs"/>
-        </a:defRPr>
-      </a:lvl1pPr>
-      <a:lvl2pPr marL="457200" algn="l" defTabSz="914400" rtl="0" eaLnBrk="1" latinLnBrk="0" hangingPunct="1">
-        <a:defRPr sz="1800" kern="1200">
-          <a:solidFill>
-            <a:schemeClr val="tx1"/>
-          </a:solidFill>
-          <a:latin typeface="+mn-lt"/>
-          <a:ea typeface="+mn-ea"/>
-          <a:cs typeface="+mn-cs"/>
-        </a:defRPr>
-      </a:lvl2pPr>
-      <a:lvl3pPr marL="914400" algn="l" defTabSz="914400" rtl="0" eaLnBrk="1" latinLnBrk="0" hangingPunct="1">
-        <a:defRPr sz="1800" kern="1200">
-          <a:solidFill>
-            <a:schemeClr val="tx1"/>
-          </a:solidFill>
-          <a:latin typeface="+mn-lt"/>
-          <a:ea typeface="+mn-ea"/>
-          <a:cs typeface="+mn-cs"/>
-        </a:defRPr>
-      </a:lvl3pPr>
-      <a:lvl4pPr marL="1371600" algn="l" defTabSz="914400" rtl="0" eaLnBrk="1" latinLnBrk="0" hangingPunct="1">
-        <a:defRPr sz="1800" kern="1200">
-          <a:solidFill>
-            <a:schemeClr val="tx1"/>
-          </a:solidFill>
-          <a:latin typeface="+mn-lt"/>
-          <a:ea typeface="+mn-ea"/>
-          <a:cs typeface="+mn-cs"/>
-        </a:defRPr>
-      </a:lvl4pPr>
-      <a:lvl5pPr marL="1828800" algn="l" defTabSz="914400" rtl="0" eaLnBrk="1" latinLnBrk="0" hangingPunct="1">
-        <a:defRPr sz="1800" kern="1200">
-          <a:solidFill>
-            <a:schemeClr val="tx1"/>
-          </a:solidFill>
-          <a:latin typeface="+mn-lt"/>
-          <a:ea typeface="+mn-ea"/>
-          <a:cs typeface="+mn-cs"/>
-        </a:defRPr>
-      </a:lvl5pPr>
-      <a:lvl6pPr marL="2286000" algn="l" defTabSz="914400" rtl="0" eaLnBrk="1" latinLnBrk="0" hangingPunct="1">
-        <a:defRPr sz="1800" kern="1200">
-          <a:solidFill>
-            <a:schemeClr val="tx1"/>
-          </a:solidFill>
-          <a:latin typeface="+mn-lt"/>
-          <a:ea typeface="+mn-ea"/>
-          <a:cs typeface="+mn-cs"/>
-        </a:defRPr>
-      </a:lvl6pPr>
-      <a:lvl7pPr marL="2743200" algn="l" defTabSz="914400" rtl="0" eaLnBrk="1" latinLnBrk="0" hangingPunct="1">
-        <a:defRPr sz="1800" kern="1200">
-          <a:solidFill>
-            <a:schemeClr val="tx1"/>
-          </a:solidFill>
-          <a:latin typeface="+mn-lt"/>
-          <a:ea typeface="+mn-ea"/>
-          <a:cs typeface="+mn-cs"/>
-        </a:defRPr>
-      </a:lvl7pPr>
-      <a:lvl8pPr marL="3200400" algn="l" defTabSz="914400" rtl="0" eaLnBrk="1" latinLnBrk="0" hangingPunct="1">
-        <a:defRPr sz="1800" kern="1200">
-          <a:solidFill>
-            <a:schemeClr val="tx1"/>
-          </a:solidFill>
-          <a:latin typeface="+mn-lt"/>
-          <a:ea typeface="+mn-ea"/>
-          <a:cs typeface="+mn-cs"/>
-        </a:defRPr>
-      </a:lvl8pPr>
-      <a:lvl9pPr marL="3657600" algn="l" defTabSz="914400" rtl="0" eaLnBrk="1" latinLnBrk="0" hangingPunct="1">
+      <a:lvl9pPr marL="3657600" algn="l" defTabSz="457200" rtl="0" eaLnBrk="1" latinLnBrk="0" hangingPunct="1">
         <a:defRPr sz="1800" kern="1200">
           <a:solidFill>
             <a:schemeClr val="tx1"/>
@@ -3388,7 +6377,7 @@
         </p:spPr>
         <p:txBody>
           <a:bodyPr>
-            <a:normAutofit fontScale="85000" lnSpcReduction="20000"/>
+            <a:normAutofit lnSpcReduction="10000"/>
           </a:bodyPr>
           <a:lstStyle/>
           <a:p>
@@ -3413,7 +6402,7 @@
           <a:p>
             <a:pPr algn="l"/>
             <a:r>
-              <a:rPr lang="en-US" altLang="zh-CN" dirty="0">
+              <a:rPr lang="en-US" altLang="zh-CN" dirty="0" smtClean="0">
                 <a:latin typeface="Times New Roman" panose="02020603050405020304" pitchFamily="18" charset="0"/>
                 <a:ea typeface="宋体" panose="02010600030101010101" pitchFamily="2" charset="-122"/>
                 <a:cs typeface="Times New Roman" panose="02020603050405020304" pitchFamily="18" charset="0"/>
@@ -3421,7 +6410,7 @@
               <a:t>        OPC</a:t>
             </a:r>
             <a:r>
-              <a:rPr lang="zh-CN" altLang="en-US" dirty="0">
+              <a:rPr lang="zh-CN" altLang="en-US" dirty="0" smtClean="0">
                 <a:latin typeface="Times New Roman" panose="02020603050405020304" pitchFamily="18" charset="0"/>
                 <a:ea typeface="宋体" panose="02010600030101010101" pitchFamily="2" charset="-122"/>
                 <a:cs typeface="Times New Roman" panose="02020603050405020304" pitchFamily="18" charset="0"/>
@@ -3429,7 +6418,7 @@
               <a:t>通信标准的核心是互通性 </a:t>
             </a:r>
             <a:r>
-              <a:rPr lang="en-US" altLang="zh-CN" dirty="0">
+              <a:rPr lang="en-US" altLang="zh-CN" dirty="0" smtClean="0">
                 <a:latin typeface="Times New Roman" panose="02020603050405020304" pitchFamily="18" charset="0"/>
                 <a:ea typeface="宋体" panose="02010600030101010101" pitchFamily="2" charset="-122"/>
                 <a:cs typeface="Times New Roman" panose="02020603050405020304" pitchFamily="18" charset="0"/>
@@ -3437,7 +6426,7 @@
               <a:t>(Interoperability) </a:t>
             </a:r>
             <a:r>
-              <a:rPr lang="zh-CN" altLang="en-US" dirty="0">
+              <a:rPr lang="zh-CN" altLang="en-US" dirty="0" smtClean="0">
                 <a:latin typeface="Times New Roman" panose="02020603050405020304" pitchFamily="18" charset="0"/>
                 <a:ea typeface="宋体" panose="02010600030101010101" pitchFamily="2" charset="-122"/>
                 <a:cs typeface="Times New Roman" panose="02020603050405020304" pitchFamily="18" charset="0"/>
@@ -3445,7 +6434,7 @@
               <a:t>和标准化 </a:t>
             </a:r>
             <a:r>
-              <a:rPr lang="en-US" altLang="zh-CN" dirty="0">
+              <a:rPr lang="en-US" altLang="zh-CN" dirty="0" smtClean="0">
                 <a:latin typeface="Times New Roman" panose="02020603050405020304" pitchFamily="18" charset="0"/>
                 <a:ea typeface="宋体" panose="02010600030101010101" pitchFamily="2" charset="-122"/>
                 <a:cs typeface="Times New Roman" panose="02020603050405020304" pitchFamily="18" charset="0"/>
@@ -3453,7 +6442,7 @@
               <a:t>(Standardization) </a:t>
             </a:r>
             <a:r>
-              <a:rPr lang="zh-CN" altLang="en-US" dirty="0">
+              <a:rPr lang="zh-CN" altLang="en-US" dirty="0" smtClean="0">
                 <a:latin typeface="Times New Roman" panose="02020603050405020304" pitchFamily="18" charset="0"/>
                 <a:ea typeface="宋体" panose="02010600030101010101" pitchFamily="2" charset="-122"/>
                 <a:cs typeface="Times New Roman" panose="02020603050405020304" pitchFamily="18" charset="0"/>
@@ -3461,7 +6450,7 @@
               <a:t>问题。传统的</a:t>
             </a:r>
             <a:r>
-              <a:rPr lang="en-US" altLang="zh-CN" dirty="0">
+              <a:rPr lang="en-US" altLang="zh-CN" dirty="0" smtClean="0">
                 <a:latin typeface="Times New Roman" panose="02020603050405020304" pitchFamily="18" charset="0"/>
                 <a:ea typeface="宋体" panose="02010600030101010101" pitchFamily="2" charset="-122"/>
                 <a:cs typeface="Times New Roman" panose="02020603050405020304" pitchFamily="18" charset="0"/>
@@ -3469,7 +6458,7 @@
               <a:t>OPC</a:t>
             </a:r>
             <a:r>
-              <a:rPr lang="zh-CN" altLang="en-US" dirty="0">
+              <a:rPr lang="zh-CN" altLang="en-US" dirty="0" smtClean="0">
                 <a:latin typeface="Times New Roman" panose="02020603050405020304" pitchFamily="18" charset="0"/>
                 <a:ea typeface="宋体" panose="02010600030101010101" pitchFamily="2" charset="-122"/>
                 <a:cs typeface="Times New Roman" panose="02020603050405020304" pitchFamily="18" charset="0"/>
@@ -3477,7 +6466,7 @@
               <a:t>技术在控制级别很好地 解决了硬件设备间的互通性问题， 在企业层面的通信标准化是同样需要的。</a:t>
             </a:r>
             <a:r>
-              <a:rPr lang="en-US" altLang="zh-CN" dirty="0">
+              <a:rPr lang="en-US" altLang="zh-CN" dirty="0" smtClean="0">
                 <a:latin typeface="Times New Roman" panose="02020603050405020304" pitchFamily="18" charset="0"/>
                 <a:ea typeface="宋体" panose="02010600030101010101" pitchFamily="2" charset="-122"/>
                 <a:cs typeface="Times New Roman" panose="02020603050405020304" pitchFamily="18" charset="0"/>
@@ -3485,7 +6474,7 @@
               <a:t>OPC UA</a:t>
             </a:r>
             <a:r>
-              <a:rPr lang="zh-CN" altLang="en-US" dirty="0">
+              <a:rPr lang="zh-CN" altLang="en-US" dirty="0" smtClean="0">
                 <a:latin typeface="Times New Roman" panose="02020603050405020304" pitchFamily="18" charset="0"/>
                 <a:ea typeface="宋体" panose="02010600030101010101" pitchFamily="2" charset="-122"/>
                 <a:cs typeface="Times New Roman" panose="02020603050405020304" pitchFamily="18" charset="0"/>
@@ -3493,7 +6482,7 @@
               <a:t>之前的访问规范都是基于微软的</a:t>
             </a:r>
             <a:r>
-              <a:rPr lang="en-US" altLang="zh-CN" dirty="0">
+              <a:rPr lang="en-US" altLang="zh-CN" dirty="0" smtClean="0">
                 <a:latin typeface="Times New Roman" panose="02020603050405020304" pitchFamily="18" charset="0"/>
                 <a:ea typeface="宋体" panose="02010600030101010101" pitchFamily="2" charset="-122"/>
                 <a:cs typeface="Times New Roman" panose="02020603050405020304" pitchFamily="18" charset="0"/>
@@ -3501,7 +6490,7 @@
               <a:t>COM/DCOM</a:t>
             </a:r>
             <a:r>
-              <a:rPr lang="zh-CN" altLang="en-US" dirty="0">
+              <a:rPr lang="zh-CN" altLang="en-US" dirty="0" smtClean="0">
                 <a:latin typeface="Times New Roman" panose="02020603050405020304" pitchFamily="18" charset="0"/>
                 <a:ea typeface="宋体" panose="02010600030101010101" pitchFamily="2" charset="-122"/>
                 <a:cs typeface="Times New Roman" panose="02020603050405020304" pitchFamily="18" charset="0"/>
@@ -3509,7 +6498,7 @@
               <a:t>技术， 这会给新增层面的通信带来不可根除的弱点。加上传统</a:t>
             </a:r>
             <a:r>
-              <a:rPr lang="en-US" altLang="zh-CN" dirty="0">
+              <a:rPr lang="en-US" altLang="zh-CN" dirty="0" smtClean="0">
                 <a:latin typeface="Times New Roman" panose="02020603050405020304" pitchFamily="18" charset="0"/>
                 <a:ea typeface="宋体" panose="02010600030101010101" pitchFamily="2" charset="-122"/>
                 <a:cs typeface="Times New Roman" panose="02020603050405020304" pitchFamily="18" charset="0"/>
@@ -3517,7 +6506,7 @@
               <a:t>OPC</a:t>
             </a:r>
             <a:r>
-              <a:rPr lang="zh-CN" altLang="en-US" dirty="0">
+              <a:rPr lang="zh-CN" altLang="en-US" dirty="0" smtClean="0">
                 <a:latin typeface="Times New Roman" panose="02020603050405020304" pitchFamily="18" charset="0"/>
                 <a:ea typeface="宋体" panose="02010600030101010101" pitchFamily="2" charset="-122"/>
                 <a:cs typeface="Times New Roman" panose="02020603050405020304" pitchFamily="18" charset="0"/>
@@ -3525,7 +6514,7 @@
               <a:t>技术不够灵活、平台局限等问题的逐渐凸显， </a:t>
             </a:r>
             <a:r>
-              <a:rPr lang="en-US" altLang="zh-CN" dirty="0">
+              <a:rPr lang="en-US" altLang="zh-CN" dirty="0" smtClean="0">
                 <a:latin typeface="Times New Roman" panose="02020603050405020304" pitchFamily="18" charset="0"/>
                 <a:ea typeface="宋体" panose="02010600030101010101" pitchFamily="2" charset="-122"/>
                 <a:cs typeface="Times New Roman" panose="02020603050405020304" pitchFamily="18" charset="0"/>
@@ -3533,7 +6522,7 @@
               <a:t>OPC</a:t>
             </a:r>
             <a:r>
-              <a:rPr lang="zh-CN" altLang="en-US" dirty="0">
+              <a:rPr lang="zh-CN" altLang="en-US" dirty="0" smtClean="0">
                 <a:latin typeface="Times New Roman" panose="02020603050405020304" pitchFamily="18" charset="0"/>
                 <a:ea typeface="宋体" panose="02010600030101010101" pitchFamily="2" charset="-122"/>
                 <a:cs typeface="Times New Roman" panose="02020603050405020304" pitchFamily="18" charset="0"/>
@@ -3541,7 +6530,7 @@
               <a:t>基金会 </a:t>
             </a:r>
             <a:r>
-              <a:rPr lang="en-US" altLang="zh-CN" dirty="0">
+              <a:rPr lang="en-US" altLang="zh-CN" dirty="0" smtClean="0">
                 <a:latin typeface="Times New Roman" panose="02020603050405020304" pitchFamily="18" charset="0"/>
                 <a:ea typeface="宋体" panose="02010600030101010101" pitchFamily="2" charset="-122"/>
                 <a:cs typeface="Times New Roman" panose="02020603050405020304" pitchFamily="18" charset="0"/>
@@ -3549,7 +6538,7 @@
               <a:t>(OPC Foundation) </a:t>
             </a:r>
             <a:r>
-              <a:rPr lang="zh-CN" altLang="en-US" dirty="0">
+              <a:rPr lang="zh-CN" altLang="en-US" dirty="0" smtClean="0">
                 <a:latin typeface="Times New Roman" panose="02020603050405020304" pitchFamily="18" charset="0"/>
                 <a:ea typeface="宋体" panose="02010600030101010101" pitchFamily="2" charset="-122"/>
                 <a:cs typeface="Times New Roman" panose="02020603050405020304" pitchFamily="18" charset="0"/>
@@ -3557,7 +6546,7 @@
               <a:t>发布了最新的数据通讯统一方法 </a:t>
             </a:r>
             <a:r>
-              <a:rPr lang="en-US" altLang="zh-CN" dirty="0">
+              <a:rPr lang="en-US" altLang="zh-CN" dirty="0" smtClean="0">
                 <a:latin typeface="Times New Roman" panose="02020603050405020304" pitchFamily="18" charset="0"/>
                 <a:ea typeface="宋体" panose="02010600030101010101" pitchFamily="2" charset="-122"/>
                 <a:cs typeface="Times New Roman" panose="02020603050405020304" pitchFamily="18" charset="0"/>
@@ -3565,7 +6554,7 @@
               <a:t>— OPC</a:t>
             </a:r>
             <a:r>
-              <a:rPr lang="zh-CN" altLang="en-US" dirty="0">
+              <a:rPr lang="zh-CN" altLang="en-US" dirty="0" smtClean="0">
                 <a:latin typeface="Times New Roman" panose="02020603050405020304" pitchFamily="18" charset="0"/>
                 <a:ea typeface="宋体" panose="02010600030101010101" pitchFamily="2" charset="-122"/>
                 <a:cs typeface="Times New Roman" panose="02020603050405020304" pitchFamily="18" charset="0"/>
@@ -3573,15 +6562,31 @@
               <a:t>统一架构 </a:t>
             </a:r>
             <a:r>
-              <a:rPr lang="en-US" altLang="zh-CN" dirty="0">
-                <a:latin typeface="Times New Roman" panose="02020603050405020304" pitchFamily="18" charset="0"/>
-                <a:ea typeface="宋体" panose="02010600030101010101" pitchFamily="2" charset="-122"/>
-                <a:cs typeface="Times New Roman" panose="02020603050405020304" pitchFamily="18" charset="0"/>
-              </a:rPr>
-              <a:t>(OPC UA)</a:t>
-            </a:r>
-            <a:r>
-              <a:rPr lang="zh-CN" altLang="en-US" dirty="0">
+              <a:rPr lang="en-US" altLang="zh-CN" dirty="0" smtClean="0">
+                <a:latin typeface="Times New Roman" panose="02020603050405020304" pitchFamily="18" charset="0"/>
+                <a:ea typeface="宋体" panose="02010600030101010101" pitchFamily="2" charset="-122"/>
+                <a:cs typeface="Times New Roman" panose="02020603050405020304" pitchFamily="18" charset="0"/>
+              </a:rPr>
+              <a:t>(</a:t>
+            </a:r>
+            <a:r>
+              <a:rPr lang="en-US" altLang="zh-CN" sz="2000" b="1" dirty="0" smtClean="0">
+                <a:latin typeface="Times New Roman" panose="02020603050405020304" pitchFamily="18" charset="0"/>
+                <a:ea typeface="宋体" panose="02010600030101010101" pitchFamily="2" charset="-122"/>
+                <a:cs typeface="Times New Roman" panose="02020603050405020304" pitchFamily="18" charset="0"/>
+              </a:rPr>
+              <a:t>OPC UA</a:t>
+            </a:r>
+            <a:r>
+              <a:rPr lang="en-US" altLang="zh-CN" dirty="0" smtClean="0">
+                <a:latin typeface="Times New Roman" panose="02020603050405020304" pitchFamily="18" charset="0"/>
+                <a:ea typeface="宋体" panose="02010600030101010101" pitchFamily="2" charset="-122"/>
+                <a:cs typeface="Times New Roman" panose="02020603050405020304" pitchFamily="18" charset="0"/>
+              </a:rPr>
+              <a:t>)</a:t>
+            </a:r>
+            <a:r>
+              <a:rPr lang="zh-CN" altLang="en-US" dirty="0" smtClean="0">
                 <a:latin typeface="Times New Roman" panose="02020603050405020304" pitchFamily="18" charset="0"/>
                 <a:ea typeface="宋体" panose="02010600030101010101" pitchFamily="2" charset="-122"/>
                 <a:cs typeface="Times New Roman" panose="02020603050405020304" pitchFamily="18" charset="0"/>
@@ -3589,7 +6594,7 @@
               <a:t>， 涵盖了</a:t>
             </a:r>
             <a:r>
-              <a:rPr lang="en-US" altLang="zh-CN" dirty="0">
+              <a:rPr lang="en-US" altLang="zh-CN" dirty="0" smtClean="0">
                 <a:latin typeface="Times New Roman" panose="02020603050405020304" pitchFamily="18" charset="0"/>
                 <a:ea typeface="宋体" panose="02010600030101010101" pitchFamily="2" charset="-122"/>
                 <a:cs typeface="Times New Roman" panose="02020603050405020304" pitchFamily="18" charset="0"/>
@@ -3597,7 +6602,7 @@
               <a:t>OPC </a:t>
             </a:r>
             <a:r>
-              <a:rPr lang="zh-CN" altLang="en-US" dirty="0">
+              <a:rPr lang="zh-CN" altLang="en-US" dirty="0" smtClean="0">
                 <a:latin typeface="Times New Roman" panose="02020603050405020304" pitchFamily="18" charset="0"/>
                 <a:ea typeface="宋体" panose="02010600030101010101" pitchFamily="2" charset="-122"/>
                 <a:cs typeface="Times New Roman" panose="02020603050405020304" pitchFamily="18" charset="0"/>
@@ -3605,7 +6610,7 @@
               <a:t>实时数据访问规范 </a:t>
             </a:r>
             <a:r>
-              <a:rPr lang="en-US" altLang="zh-CN" dirty="0">
+              <a:rPr lang="en-US" altLang="zh-CN" dirty="0" smtClean="0">
                 <a:latin typeface="Times New Roman" panose="02020603050405020304" pitchFamily="18" charset="0"/>
                 <a:ea typeface="宋体" panose="02010600030101010101" pitchFamily="2" charset="-122"/>
                 <a:cs typeface="Times New Roman" panose="02020603050405020304" pitchFamily="18" charset="0"/>
@@ -3613,7 +6618,7 @@
               <a:t>(OPC DA)</a:t>
             </a:r>
             <a:r>
-              <a:rPr lang="zh-CN" altLang="en-US" dirty="0">
+              <a:rPr lang="zh-CN" altLang="en-US" dirty="0" smtClean="0">
                 <a:latin typeface="Times New Roman" panose="02020603050405020304" pitchFamily="18" charset="0"/>
                 <a:ea typeface="宋体" panose="02010600030101010101" pitchFamily="2" charset="-122"/>
                 <a:cs typeface="Times New Roman" panose="02020603050405020304" pitchFamily="18" charset="0"/>
@@ -3621,7 +6626,7 @@
               <a:t>、</a:t>
             </a:r>
             <a:r>
-              <a:rPr lang="en-US" altLang="zh-CN" dirty="0">
+              <a:rPr lang="en-US" altLang="zh-CN" dirty="0" smtClean="0">
                 <a:latin typeface="Times New Roman" panose="02020603050405020304" pitchFamily="18" charset="0"/>
                 <a:ea typeface="宋体" panose="02010600030101010101" pitchFamily="2" charset="-122"/>
                 <a:cs typeface="Times New Roman" panose="02020603050405020304" pitchFamily="18" charset="0"/>
@@ -3629,7 +6634,7 @@
               <a:t>OPC</a:t>
             </a:r>
             <a:r>
-              <a:rPr lang="zh-CN" altLang="en-US" dirty="0">
+              <a:rPr lang="zh-CN" altLang="en-US" dirty="0" smtClean="0">
                 <a:latin typeface="Times New Roman" panose="02020603050405020304" pitchFamily="18" charset="0"/>
                 <a:ea typeface="宋体" panose="02010600030101010101" pitchFamily="2" charset="-122"/>
                 <a:cs typeface="Times New Roman" panose="02020603050405020304" pitchFamily="18" charset="0"/>
@@ -3637,7 +6642,7 @@
               <a:t>历史数据访问规范 </a:t>
             </a:r>
             <a:r>
-              <a:rPr lang="en-US" altLang="zh-CN" dirty="0">
+              <a:rPr lang="en-US" altLang="zh-CN" dirty="0" smtClean="0">
                 <a:latin typeface="Times New Roman" panose="02020603050405020304" pitchFamily="18" charset="0"/>
                 <a:ea typeface="宋体" panose="02010600030101010101" pitchFamily="2" charset="-122"/>
                 <a:cs typeface="Times New Roman" panose="02020603050405020304" pitchFamily="18" charset="0"/>
@@ -3645,7 +6650,7 @@
               <a:t>(OPC HDA)</a:t>
             </a:r>
             <a:r>
-              <a:rPr lang="zh-CN" altLang="en-US" dirty="0">
+              <a:rPr lang="zh-CN" altLang="en-US" dirty="0" smtClean="0">
                 <a:latin typeface="Times New Roman" panose="02020603050405020304" pitchFamily="18" charset="0"/>
                 <a:ea typeface="宋体" panose="02010600030101010101" pitchFamily="2" charset="-122"/>
                 <a:cs typeface="Times New Roman" panose="02020603050405020304" pitchFamily="18" charset="0"/>
@@ -3653,7 +6658,7 @@
               <a:t>、 </a:t>
             </a:r>
             <a:r>
-              <a:rPr lang="en-US" altLang="zh-CN" dirty="0">
+              <a:rPr lang="en-US" altLang="zh-CN" dirty="0" smtClean="0">
                 <a:latin typeface="Times New Roman" panose="02020603050405020304" pitchFamily="18" charset="0"/>
                 <a:ea typeface="宋体" panose="02010600030101010101" pitchFamily="2" charset="-122"/>
                 <a:cs typeface="Times New Roman" panose="02020603050405020304" pitchFamily="18" charset="0"/>
@@ -3661,7 +6666,7 @@
               <a:t>OPC </a:t>
             </a:r>
             <a:r>
-              <a:rPr lang="zh-CN" altLang="en-US" dirty="0">
+              <a:rPr lang="zh-CN" altLang="en-US" dirty="0" smtClean="0">
                 <a:latin typeface="Times New Roman" panose="02020603050405020304" pitchFamily="18" charset="0"/>
                 <a:ea typeface="宋体" panose="02010600030101010101" pitchFamily="2" charset="-122"/>
                 <a:cs typeface="Times New Roman" panose="02020603050405020304" pitchFamily="18" charset="0"/>
@@ -3669,7 +6674,7 @@
               <a:t>报警事件访问规范 </a:t>
             </a:r>
             <a:r>
-              <a:rPr lang="en-US" altLang="zh-CN" dirty="0">
+              <a:rPr lang="en-US" altLang="zh-CN" dirty="0" smtClean="0">
                 <a:latin typeface="Times New Roman" panose="02020603050405020304" pitchFamily="18" charset="0"/>
                 <a:ea typeface="宋体" panose="02010600030101010101" pitchFamily="2" charset="-122"/>
                 <a:cs typeface="Times New Roman" panose="02020603050405020304" pitchFamily="18" charset="0"/>
@@ -3677,7 +6682,7 @@
               <a:t>(OPC A&amp;E) </a:t>
             </a:r>
             <a:r>
-              <a:rPr lang="zh-CN" altLang="en-US" dirty="0">
+              <a:rPr lang="zh-CN" altLang="en-US" dirty="0" smtClean="0">
                 <a:latin typeface="Times New Roman" panose="02020603050405020304" pitchFamily="18" charset="0"/>
                 <a:ea typeface="宋体" panose="02010600030101010101" pitchFamily="2" charset="-122"/>
                 <a:cs typeface="Times New Roman" panose="02020603050405020304" pitchFamily="18" charset="0"/>
@@ -3685,7 +6690,7 @@
               <a:t>和</a:t>
             </a:r>
             <a:r>
-              <a:rPr lang="en-US" altLang="zh-CN" dirty="0">
+              <a:rPr lang="en-US" altLang="zh-CN" dirty="0" smtClean="0">
                 <a:latin typeface="Times New Roman" panose="02020603050405020304" pitchFamily="18" charset="0"/>
                 <a:ea typeface="宋体" panose="02010600030101010101" pitchFamily="2" charset="-122"/>
                 <a:cs typeface="Times New Roman" panose="02020603050405020304" pitchFamily="18" charset="0"/>
@@ -3693,7 +6698,7 @@
               <a:t>OPC</a:t>
             </a:r>
             <a:r>
-              <a:rPr lang="zh-CN" altLang="en-US" dirty="0">
+              <a:rPr lang="zh-CN" altLang="en-US" dirty="0" smtClean="0">
                 <a:latin typeface="Times New Roman" panose="02020603050405020304" pitchFamily="18" charset="0"/>
                 <a:ea typeface="宋体" panose="02010600030101010101" pitchFamily="2" charset="-122"/>
                 <a:cs typeface="Times New Roman" panose="02020603050405020304" pitchFamily="18" charset="0"/>
@@ -3701,7 +6706,7 @@
               <a:t>安全协议 </a:t>
             </a:r>
             <a:r>
-              <a:rPr lang="en-US" altLang="zh-CN" dirty="0">
+              <a:rPr lang="en-US" altLang="zh-CN" dirty="0" smtClean="0">
                 <a:latin typeface="Times New Roman" panose="02020603050405020304" pitchFamily="18" charset="0"/>
                 <a:ea typeface="宋体" panose="02010600030101010101" pitchFamily="2" charset="-122"/>
                 <a:cs typeface="Times New Roman" panose="02020603050405020304" pitchFamily="18" charset="0"/>
@@ -3709,7 +6714,7 @@
               <a:t>(OPC Security) </a:t>
             </a:r>
             <a:r>
-              <a:rPr lang="zh-CN" altLang="en-US" dirty="0">
+              <a:rPr lang="zh-CN" altLang="en-US" dirty="0" smtClean="0">
                 <a:latin typeface="Times New Roman" panose="02020603050405020304" pitchFamily="18" charset="0"/>
                 <a:ea typeface="宋体" panose="02010600030101010101" pitchFamily="2" charset="-122"/>
                 <a:cs typeface="Times New Roman" panose="02020603050405020304" pitchFamily="18" charset="0"/>
@@ -3720,7 +6725,7 @@
           <a:p>
             <a:pPr algn="l"/>
             <a:r>
-              <a:rPr lang="zh-CN" altLang="en-US" dirty="0">
+              <a:rPr lang="zh-CN" altLang="en-US" dirty="0" smtClean="0">
                 <a:latin typeface="Times New Roman" panose="02020603050405020304" pitchFamily="18" charset="0"/>
                 <a:ea typeface="宋体" panose="02010600030101010101" pitchFamily="2" charset="-122"/>
                 <a:cs typeface="Times New Roman" panose="02020603050405020304" pitchFamily="18" charset="0"/>
@@ -3728,7 +6733,7 @@
               <a:t>         </a:t>
             </a:r>
             <a:r>
-              <a:rPr lang="en-US" altLang="zh-CN" dirty="0">
+              <a:rPr lang="en-US" altLang="zh-CN" dirty="0" smtClean="0">
                 <a:latin typeface="Times New Roman" panose="02020603050405020304" pitchFamily="18" charset="0"/>
                 <a:ea typeface="宋体" panose="02010600030101010101" pitchFamily="2" charset="-122"/>
                 <a:cs typeface="Times New Roman" panose="02020603050405020304" pitchFamily="18" charset="0"/>
@@ -3736,7 +6741,7 @@
               <a:t>OPC UA</a:t>
             </a:r>
             <a:r>
-              <a:rPr lang="zh-CN" altLang="en-US" dirty="0">
+              <a:rPr lang="zh-CN" altLang="en-US" dirty="0" smtClean="0">
                 <a:latin typeface="Times New Roman" panose="02020603050405020304" pitchFamily="18" charset="0"/>
                 <a:ea typeface="宋体" panose="02010600030101010101" pitchFamily="2" charset="-122"/>
                 <a:cs typeface="Times New Roman" panose="02020603050405020304" pitchFamily="18" charset="0"/>
@@ -3744,7 +6749,7 @@
               <a:t>，是在传统</a:t>
             </a:r>
             <a:r>
-              <a:rPr lang="en-US" altLang="zh-CN" dirty="0">
+              <a:rPr lang="en-US" altLang="zh-CN" dirty="0" smtClean="0">
                 <a:latin typeface="Times New Roman" panose="02020603050405020304" pitchFamily="18" charset="0"/>
                 <a:ea typeface="宋体" panose="02010600030101010101" pitchFamily="2" charset="-122"/>
                 <a:cs typeface="Times New Roman" panose="02020603050405020304" pitchFamily="18" charset="0"/>
@@ -3752,14 +6757,14 @@
               <a:t>OPC</a:t>
             </a:r>
             <a:r>
-              <a:rPr lang="zh-CN" altLang="en-US" dirty="0">
+              <a:rPr lang="zh-CN" altLang="en-US" dirty="0" smtClean="0">
                 <a:latin typeface="Times New Roman" panose="02020603050405020304" pitchFamily="18" charset="0"/>
                 <a:ea typeface="宋体" panose="02010600030101010101" pitchFamily="2" charset="-122"/>
                 <a:cs typeface="Times New Roman" panose="02020603050405020304" pitchFamily="18" charset="0"/>
               </a:rPr>
               <a:t>技术取得很大成功之后的又一个突破，让数据采集、信息模型化以及工厂底层与企业层面之间的通讯更加安全、可靠。</a:t>
             </a:r>
-            <a:endParaRPr lang="en-US" altLang="zh-CN" dirty="0">
+            <a:endParaRPr lang="en-US" altLang="zh-CN" dirty="0" smtClean="0">
               <a:latin typeface="Times New Roman" panose="02020603050405020304" pitchFamily="18" charset="0"/>
               <a:ea typeface="宋体" panose="02010600030101010101" pitchFamily="2" charset="-122"/>
               <a:cs typeface="Times New Roman" panose="02020603050405020304" pitchFamily="18" charset="0"/>
@@ -3785,6 +6790,13 @@
   <p:clrMapOvr>
     <a:masterClrMapping/>
   </p:clrMapOvr>
+  <p:timing>
+    <p:tnLst>
+      <p:par>
+        <p:cTn id="1" dur="indefinite" restart="never" nodeType="tmRoot"/>
+      </p:par>
+    </p:tnLst>
+  </p:timing>
 </p:sld>
 </file>
 
@@ -3879,7 +6891,10 @@
               <a:buAutoNum type="arabicPeriod"/>
             </a:pPr>
             <a:r>
-              <a:rPr lang="zh-CN" altLang="en-US" dirty="0"/>
+              <a:rPr lang="zh-CN" altLang="en-US" dirty="0">
+                <a:latin typeface="宋体" panose="02010600030101010101" pitchFamily="2" charset="-122"/>
+                <a:ea typeface="宋体" panose="02010600030101010101" pitchFamily="2" charset="-122"/>
+              </a:rPr>
               <a:t>与平台无关，可在任何操作系统上运行</a:t>
             </a:r>
           </a:p>
@@ -3889,15 +6904,24 @@
               <a:buAutoNum type="arabicPeriod"/>
             </a:pPr>
             <a:r>
-              <a:rPr lang="zh-CN" altLang="en-US" dirty="0"/>
+              <a:rPr lang="zh-CN" altLang="en-US" dirty="0">
+                <a:latin typeface="宋体" panose="02010600030101010101" pitchFamily="2" charset="-122"/>
+                <a:ea typeface="宋体" panose="02010600030101010101" pitchFamily="2" charset="-122"/>
+              </a:rPr>
               <a:t>为未来的先进系统做好准备</a:t>
             </a:r>
             <a:r>
-              <a:rPr lang="en-US" altLang="zh-CN" dirty="0"/>
+              <a:rPr lang="en-US" altLang="zh-CN" dirty="0">
+                <a:latin typeface="宋体" panose="02010600030101010101" pitchFamily="2" charset="-122"/>
+                <a:ea typeface="宋体" panose="02010600030101010101" pitchFamily="2" charset="-122"/>
+              </a:rPr>
               <a:t>,</a:t>
             </a:r>
             <a:r>
-              <a:rPr lang="zh-CN" altLang="en-US" dirty="0"/>
+              <a:rPr lang="zh-CN" altLang="en-US" dirty="0">
+                <a:latin typeface="宋体" panose="02010600030101010101" pitchFamily="2" charset="-122"/>
+                <a:ea typeface="宋体" panose="02010600030101010101" pitchFamily="2" charset="-122"/>
+              </a:rPr>
               <a:t>与保留系统继续兼容</a:t>
             </a:r>
           </a:p>
@@ -3907,7 +6931,10 @@
               <a:buAutoNum type="arabicPeriod"/>
             </a:pPr>
             <a:r>
-              <a:rPr lang="zh-CN" altLang="en-US" dirty="0"/>
+              <a:rPr lang="zh-CN" altLang="en-US" dirty="0">
+                <a:latin typeface="宋体" panose="02010600030101010101" pitchFamily="2" charset="-122"/>
+                <a:ea typeface="宋体" panose="02010600030101010101" pitchFamily="2" charset="-122"/>
+              </a:rPr>
               <a:t>配置和维护更加方便</a:t>
             </a:r>
           </a:p>
@@ -3917,7 +6944,10 @@
               <a:buAutoNum type="arabicPeriod"/>
             </a:pPr>
             <a:r>
-              <a:rPr lang="zh-CN" altLang="en-US" dirty="0"/>
+              <a:rPr lang="zh-CN" altLang="en-US" dirty="0">
+                <a:latin typeface="宋体" panose="02010600030101010101" pitchFamily="2" charset="-122"/>
+                <a:ea typeface="宋体" panose="02010600030101010101" pitchFamily="2" charset="-122"/>
+              </a:rPr>
               <a:t>基于服务的技术</a:t>
             </a:r>
           </a:p>
@@ -3927,7 +6957,10 @@
               <a:buAutoNum type="arabicPeriod"/>
             </a:pPr>
             <a:r>
-              <a:rPr lang="zh-CN" altLang="en-US" dirty="0"/>
+              <a:rPr lang="zh-CN" altLang="en-US" dirty="0">
+                <a:latin typeface="宋体" panose="02010600030101010101" pitchFamily="2" charset="-122"/>
+                <a:ea typeface="宋体" panose="02010600030101010101" pitchFamily="2" charset="-122"/>
+              </a:rPr>
               <a:t>可见性增加</a:t>
             </a:r>
           </a:p>
@@ -3937,7 +6970,10 @@
               <a:buAutoNum type="arabicPeriod"/>
             </a:pPr>
             <a:r>
-              <a:rPr lang="zh-CN" altLang="en-US" dirty="0"/>
+              <a:rPr lang="zh-CN" altLang="en-US" dirty="0">
+                <a:latin typeface="宋体" panose="02010600030101010101" pitchFamily="2" charset="-122"/>
+                <a:ea typeface="宋体" panose="02010600030101010101" pitchFamily="2" charset="-122"/>
+              </a:rPr>
               <a:t>通信范围更广</a:t>
             </a:r>
           </a:p>
@@ -3947,7 +6983,10 @@
               <a:buAutoNum type="arabicPeriod"/>
             </a:pPr>
             <a:r>
-              <a:rPr lang="zh-CN" altLang="en-US" dirty="0"/>
+              <a:rPr lang="zh-CN" altLang="en-US" dirty="0">
+                <a:latin typeface="宋体" panose="02010600030101010101" pitchFamily="2" charset="-122"/>
+                <a:ea typeface="宋体" panose="02010600030101010101" pitchFamily="2" charset="-122"/>
+              </a:rPr>
               <a:t>通信性能提高</a:t>
             </a:r>
           </a:p>
@@ -3966,6 +7005,13 @@
   <p:clrMapOvr>
     <a:masterClrMapping/>
   </p:clrMapOvr>
+  <p:timing>
+    <p:tnLst>
+      <p:par>
+        <p:cTn id="1" dur="indefinite" restart="never" nodeType="tmRoot"/>
+      </p:par>
+    </p:tnLst>
+  </p:timing>
 </p:sld>
 </file>
 
@@ -4056,7 +7102,7 @@
         </p:spPr>
         <p:txBody>
           <a:bodyPr>
-            <a:normAutofit fontScale="92500" lnSpcReduction="10000"/>
+            <a:normAutofit/>
           </a:bodyPr>
           <a:lstStyle/>
           <a:p>
@@ -4365,6 +7411,13 @@
   <p:clrMapOvr>
     <a:masterClrMapping/>
   </p:clrMapOvr>
+  <p:timing>
+    <p:tnLst>
+      <p:par>
+        <p:cTn id="1" dur="indefinite" restart="never" nodeType="tmRoot"/>
+      </p:par>
+    </p:tnLst>
+  </p:timing>
 </p:sld>
 </file>
 
@@ -4455,7 +7508,7 @@
         </p:spPr>
         <p:txBody>
           <a:bodyPr>
-            <a:normAutofit fontScale="85000" lnSpcReduction="20000"/>
+            <a:normAutofit/>
           </a:bodyPr>
           <a:lstStyle/>
           <a:p>
@@ -4463,7 +7516,11 @@
               <a:buNone/>
             </a:pPr>
             <a:r>
-              <a:rPr lang="zh-CN" altLang="en-US" b="1" dirty="0"/>
+              <a:rPr lang="zh-CN" altLang="en-US" b="1" dirty="0">
+                <a:latin typeface="Times New Roman" panose="02020603050405020304" pitchFamily="18" charset="0"/>
+                <a:ea typeface="宋体" panose="02010600030101010101" pitchFamily="2" charset="-122"/>
+                <a:cs typeface="Times New Roman" panose="02020603050405020304" pitchFamily="18" charset="0"/>
+              </a:rPr>
               <a:t>可靠性、冗余性</a:t>
             </a:r>
           </a:p>
@@ -4472,27 +7529,51 @@
               <a:buNone/>
             </a:pPr>
             <a:r>
-              <a:rPr lang="en-US" altLang="zh-CN" dirty="0"/>
+              <a:rPr lang="en-US" altLang="zh-CN" dirty="0">
+                <a:latin typeface="Times New Roman" panose="02020603050405020304" pitchFamily="18" charset="0"/>
+                <a:ea typeface="宋体" panose="02010600030101010101" pitchFamily="2" charset="-122"/>
+                <a:cs typeface="Times New Roman" panose="02020603050405020304" pitchFamily="18" charset="0"/>
+              </a:rPr>
               <a:t>       OPC UA</a:t>
             </a:r>
             <a:r>
-              <a:rPr lang="zh-CN" altLang="en-US" dirty="0"/>
+              <a:rPr lang="zh-CN" altLang="en-US" dirty="0">
+                <a:latin typeface="Times New Roman" panose="02020603050405020304" pitchFamily="18" charset="0"/>
+                <a:ea typeface="宋体" panose="02010600030101010101" pitchFamily="2" charset="-122"/>
+                <a:cs typeface="Times New Roman" panose="02020603050405020304" pitchFamily="18" charset="0"/>
+              </a:rPr>
               <a:t>的开发含有高度可靠性和冗余性的设计。可调试的逾时设置，错误发现和自动纠正等新特征， 都使得符合</a:t>
             </a:r>
             <a:r>
-              <a:rPr lang="en-US" altLang="zh-CN" dirty="0"/>
+              <a:rPr lang="en-US" altLang="zh-CN" dirty="0">
+                <a:latin typeface="Times New Roman" panose="02020603050405020304" pitchFamily="18" charset="0"/>
+                <a:ea typeface="宋体" panose="02010600030101010101" pitchFamily="2" charset="-122"/>
+                <a:cs typeface="Times New Roman" panose="02020603050405020304" pitchFamily="18" charset="0"/>
+              </a:rPr>
               <a:t>OPC UA</a:t>
             </a:r>
             <a:r>
-              <a:rPr lang="zh-CN" altLang="en-US" dirty="0"/>
+              <a:rPr lang="zh-CN" altLang="en-US" dirty="0">
+                <a:latin typeface="Times New Roman" panose="02020603050405020304" pitchFamily="18" charset="0"/>
+                <a:ea typeface="宋体" panose="02010600030101010101" pitchFamily="2" charset="-122"/>
+                <a:cs typeface="Times New Roman" panose="02020603050405020304" pitchFamily="18" charset="0"/>
+              </a:rPr>
               <a:t>规范的软件产品可以很自如地处理通信错误和失败。 </a:t>
             </a:r>
             <a:r>
-              <a:rPr lang="en-US" altLang="zh-CN" dirty="0"/>
+              <a:rPr lang="en-US" altLang="zh-CN" dirty="0">
+                <a:latin typeface="Times New Roman" panose="02020603050405020304" pitchFamily="18" charset="0"/>
+                <a:ea typeface="宋体" panose="02010600030101010101" pitchFamily="2" charset="-122"/>
+                <a:cs typeface="Times New Roman" panose="02020603050405020304" pitchFamily="18" charset="0"/>
+              </a:rPr>
               <a:t>OPC UA</a:t>
             </a:r>
             <a:r>
-              <a:rPr lang="zh-CN" altLang="en-US" dirty="0"/>
+              <a:rPr lang="zh-CN" altLang="en-US" dirty="0">
+                <a:latin typeface="Times New Roman" panose="02020603050405020304" pitchFamily="18" charset="0"/>
+                <a:ea typeface="宋体" panose="02010600030101010101" pitchFamily="2" charset="-122"/>
+                <a:cs typeface="Times New Roman" panose="02020603050405020304" pitchFamily="18" charset="0"/>
+              </a:rPr>
               <a:t>的标准冗余模型也使得来自不同厂商的软件应用可以同时被采纳并彼此兼容。</a:t>
             </a:r>
           </a:p>
@@ -4501,7 +7582,11 @@
               <a:buNone/>
             </a:pPr>
             <a:r>
-              <a:rPr lang="zh-CN" altLang="en-US" b="1" dirty="0"/>
+              <a:rPr lang="zh-CN" altLang="en-US" b="1" dirty="0">
+                <a:latin typeface="Times New Roman" panose="02020603050405020304" pitchFamily="18" charset="0"/>
+                <a:ea typeface="宋体" panose="02010600030101010101" pitchFamily="2" charset="-122"/>
+                <a:cs typeface="Times New Roman" panose="02020603050405020304" pitchFamily="18" charset="0"/>
+              </a:rPr>
               <a:t>标准安全模型</a:t>
             </a:r>
           </a:p>
@@ -4510,35 +7595,67 @@
               <a:buNone/>
             </a:pPr>
             <a:r>
-              <a:rPr lang="en-US" altLang="zh-CN" dirty="0"/>
+              <a:rPr lang="en-US" altLang="zh-CN" dirty="0">
+                <a:latin typeface="Times New Roman" panose="02020603050405020304" pitchFamily="18" charset="0"/>
+                <a:ea typeface="宋体" panose="02010600030101010101" pitchFamily="2" charset="-122"/>
+                <a:cs typeface="Times New Roman" panose="02020603050405020304" pitchFamily="18" charset="0"/>
+              </a:rPr>
               <a:t>        OPC UA </a:t>
             </a:r>
             <a:r>
-              <a:rPr lang="zh-CN" altLang="en-US" dirty="0"/>
+              <a:rPr lang="zh-CN" altLang="en-US" dirty="0">
+                <a:latin typeface="Times New Roman" panose="02020603050405020304" pitchFamily="18" charset="0"/>
+                <a:ea typeface="宋体" panose="02010600030101010101" pitchFamily="2" charset="-122"/>
+                <a:cs typeface="Times New Roman" panose="02020603050405020304" pitchFamily="18" charset="0"/>
+              </a:rPr>
               <a:t>访问规范明确提出了标准安全模型， 每个</a:t>
             </a:r>
             <a:r>
-              <a:rPr lang="en-US" altLang="zh-CN" dirty="0"/>
+              <a:rPr lang="en-US" altLang="zh-CN" dirty="0">
+                <a:latin typeface="Times New Roman" panose="02020603050405020304" pitchFamily="18" charset="0"/>
+                <a:ea typeface="宋体" panose="02010600030101010101" pitchFamily="2" charset="-122"/>
+                <a:cs typeface="Times New Roman" panose="02020603050405020304" pitchFamily="18" charset="0"/>
+              </a:rPr>
               <a:t>OPC UA</a:t>
             </a:r>
             <a:r>
-              <a:rPr lang="zh-CN" altLang="en-US" dirty="0"/>
+              <a:rPr lang="zh-CN" altLang="en-US" dirty="0">
+                <a:latin typeface="Times New Roman" panose="02020603050405020304" pitchFamily="18" charset="0"/>
+                <a:ea typeface="宋体" panose="02010600030101010101" pitchFamily="2" charset="-122"/>
+                <a:cs typeface="Times New Roman" panose="02020603050405020304" pitchFamily="18" charset="0"/>
+              </a:rPr>
               <a:t>应用都必须执行</a:t>
             </a:r>
             <a:r>
-              <a:rPr lang="en-US" altLang="zh-CN" dirty="0"/>
+              <a:rPr lang="en-US" altLang="zh-CN" dirty="0">
+                <a:latin typeface="Times New Roman" panose="02020603050405020304" pitchFamily="18" charset="0"/>
+                <a:ea typeface="宋体" panose="02010600030101010101" pitchFamily="2" charset="-122"/>
+                <a:cs typeface="Times New Roman" panose="02020603050405020304" pitchFamily="18" charset="0"/>
+              </a:rPr>
               <a:t>OPC UA</a:t>
             </a:r>
             <a:r>
-              <a:rPr lang="zh-CN" altLang="en-US" dirty="0"/>
+              <a:rPr lang="zh-CN" altLang="en-US" dirty="0">
+                <a:latin typeface="Times New Roman" panose="02020603050405020304" pitchFamily="18" charset="0"/>
+                <a:ea typeface="宋体" panose="02010600030101010101" pitchFamily="2" charset="-122"/>
+                <a:cs typeface="Times New Roman" panose="02020603050405020304" pitchFamily="18" charset="0"/>
+              </a:rPr>
               <a:t>安全协议， 这在提高互通性的同时降低了维护和额外配置费用。 用于</a:t>
             </a:r>
             <a:r>
-              <a:rPr lang="en-US" altLang="zh-CN" dirty="0"/>
+              <a:rPr lang="en-US" altLang="zh-CN" dirty="0">
+                <a:latin typeface="Times New Roman" panose="02020603050405020304" pitchFamily="18" charset="0"/>
+                <a:ea typeface="宋体" panose="02010600030101010101" pitchFamily="2" charset="-122"/>
+                <a:cs typeface="Times New Roman" panose="02020603050405020304" pitchFamily="18" charset="0"/>
+              </a:rPr>
               <a:t>OPC UA</a:t>
             </a:r>
             <a:r>
-              <a:rPr lang="zh-CN" altLang="en-US" dirty="0"/>
+              <a:rPr lang="zh-CN" altLang="en-US" dirty="0">
+                <a:latin typeface="Times New Roman" panose="02020603050405020304" pitchFamily="18" charset="0"/>
+                <a:ea typeface="宋体" panose="02010600030101010101" pitchFamily="2" charset="-122"/>
+                <a:cs typeface="Times New Roman" panose="02020603050405020304" pitchFamily="18" charset="0"/>
+              </a:rPr>
               <a:t>应用程序之间传递消息的底层通信技术提供了加密功能和标记技术， 保证了消息的完整性，也防止信息的泄漏。</a:t>
             </a:r>
           </a:p>
@@ -4547,7 +7664,11 @@
               <a:buNone/>
             </a:pPr>
             <a:r>
-              <a:rPr lang="zh-CN" altLang="en-US" b="1" dirty="0"/>
+              <a:rPr lang="zh-CN" altLang="en-US" b="1" dirty="0">
+                <a:latin typeface="Times New Roman" panose="02020603050405020304" pitchFamily="18" charset="0"/>
+                <a:ea typeface="宋体" panose="02010600030101010101" pitchFamily="2" charset="-122"/>
+                <a:cs typeface="Times New Roman" panose="02020603050405020304" pitchFamily="18" charset="0"/>
+              </a:rPr>
               <a:t>平台无关</a:t>
             </a:r>
           </a:p>
@@ -4556,66 +7677,130 @@
               <a:buNone/>
             </a:pPr>
             <a:r>
-              <a:rPr lang="en-US" altLang="zh-CN" dirty="0"/>
+              <a:rPr lang="en-US" altLang="zh-CN" dirty="0">
+                <a:latin typeface="Times New Roman" panose="02020603050405020304" pitchFamily="18" charset="0"/>
+                <a:ea typeface="宋体" panose="02010600030101010101" pitchFamily="2" charset="-122"/>
+                <a:cs typeface="Times New Roman" panose="02020603050405020304" pitchFamily="18" charset="0"/>
+              </a:rPr>
               <a:t>        OPC UA</a:t>
             </a:r>
             <a:r>
-              <a:rPr lang="zh-CN" altLang="en-US" dirty="0"/>
+              <a:rPr lang="zh-CN" altLang="en-US" dirty="0">
+                <a:latin typeface="Times New Roman" panose="02020603050405020304" pitchFamily="18" charset="0"/>
+                <a:ea typeface="宋体" panose="02010600030101010101" pitchFamily="2" charset="-122"/>
+                <a:cs typeface="Times New Roman" panose="02020603050405020304" pitchFamily="18" charset="0"/>
+              </a:rPr>
               <a:t>软件的开发不再依靠和局限于任何特定的操作平台。过去只局限于</a:t>
             </a:r>
             <a:r>
-              <a:rPr lang="en-US" altLang="zh-CN" dirty="0"/>
+              <a:rPr lang="en-US" altLang="zh-CN" dirty="0">
+                <a:latin typeface="Times New Roman" panose="02020603050405020304" pitchFamily="18" charset="0"/>
+                <a:ea typeface="宋体" panose="02010600030101010101" pitchFamily="2" charset="-122"/>
+                <a:cs typeface="Times New Roman" panose="02020603050405020304" pitchFamily="18" charset="0"/>
+              </a:rPr>
               <a:t>Windows</a:t>
             </a:r>
             <a:r>
-              <a:rPr lang="zh-CN" altLang="en-US" dirty="0"/>
+              <a:rPr lang="zh-CN" altLang="en-US" dirty="0">
+                <a:latin typeface="Times New Roman" panose="02020603050405020304" pitchFamily="18" charset="0"/>
+                <a:ea typeface="宋体" panose="02010600030101010101" pitchFamily="2" charset="-122"/>
+                <a:cs typeface="Times New Roman" panose="02020603050405020304" pitchFamily="18" charset="0"/>
+              </a:rPr>
               <a:t>平台的</a:t>
             </a:r>
             <a:r>
-              <a:rPr lang="en-US" altLang="zh-CN" dirty="0"/>
+              <a:rPr lang="en-US" altLang="zh-CN" dirty="0">
+                <a:latin typeface="Times New Roman" panose="02020603050405020304" pitchFamily="18" charset="0"/>
+                <a:ea typeface="宋体" panose="02010600030101010101" pitchFamily="2" charset="-122"/>
+                <a:cs typeface="Times New Roman" panose="02020603050405020304" pitchFamily="18" charset="0"/>
+              </a:rPr>
               <a:t>OPC</a:t>
             </a:r>
             <a:r>
-              <a:rPr lang="zh-CN" altLang="en-US" dirty="0"/>
+              <a:rPr lang="zh-CN" altLang="en-US" dirty="0">
+                <a:latin typeface="Times New Roman" panose="02020603050405020304" pitchFamily="18" charset="0"/>
+                <a:ea typeface="宋体" panose="02010600030101010101" pitchFamily="2" charset="-122"/>
+                <a:cs typeface="Times New Roman" panose="02020603050405020304" pitchFamily="18" charset="0"/>
+              </a:rPr>
               <a:t>技术拓展到了</a:t>
             </a:r>
             <a:r>
-              <a:rPr lang="en-US" altLang="zh-CN" dirty="0"/>
+              <a:rPr lang="en-US" altLang="zh-CN" dirty="0">
+                <a:latin typeface="Times New Roman" panose="02020603050405020304" pitchFamily="18" charset="0"/>
+                <a:ea typeface="宋体" panose="02010600030101010101" pitchFamily="2" charset="-122"/>
+                <a:cs typeface="Times New Roman" panose="02020603050405020304" pitchFamily="18" charset="0"/>
+              </a:rPr>
               <a:t>Linux</a:t>
             </a:r>
             <a:r>
-              <a:rPr lang="zh-CN" altLang="en-US" dirty="0"/>
+              <a:rPr lang="zh-CN" altLang="en-US" dirty="0">
+                <a:latin typeface="Times New Roman" panose="02020603050405020304" pitchFamily="18" charset="0"/>
+                <a:ea typeface="宋体" panose="02010600030101010101" pitchFamily="2" charset="-122"/>
+                <a:cs typeface="Times New Roman" panose="02020603050405020304" pitchFamily="18" charset="0"/>
+              </a:rPr>
               <a:t>、</a:t>
             </a:r>
             <a:r>
-              <a:rPr lang="en-US" altLang="zh-CN" dirty="0"/>
+              <a:rPr lang="en-US" altLang="zh-CN" dirty="0">
+                <a:latin typeface="Times New Roman" panose="02020603050405020304" pitchFamily="18" charset="0"/>
+                <a:ea typeface="宋体" panose="02010600030101010101" pitchFamily="2" charset="-122"/>
+                <a:cs typeface="Times New Roman" panose="02020603050405020304" pitchFamily="18" charset="0"/>
+              </a:rPr>
               <a:t>Unix</a:t>
             </a:r>
             <a:r>
-              <a:rPr lang="zh-CN" altLang="en-US" dirty="0"/>
+              <a:rPr lang="zh-CN" altLang="en-US" dirty="0">
+                <a:latin typeface="Times New Roman" panose="02020603050405020304" pitchFamily="18" charset="0"/>
+                <a:ea typeface="宋体" panose="02010600030101010101" pitchFamily="2" charset="-122"/>
+                <a:cs typeface="Times New Roman" panose="02020603050405020304" pitchFamily="18" charset="0"/>
+              </a:rPr>
               <a:t>、</a:t>
             </a:r>
             <a:r>
-              <a:rPr lang="en-US" altLang="zh-CN" dirty="0"/>
+              <a:rPr lang="en-US" altLang="zh-CN" dirty="0">
+                <a:latin typeface="Times New Roman" panose="02020603050405020304" pitchFamily="18" charset="0"/>
+                <a:ea typeface="宋体" panose="02010600030101010101" pitchFamily="2" charset="-122"/>
+                <a:cs typeface="Times New Roman" panose="02020603050405020304" pitchFamily="18" charset="0"/>
+              </a:rPr>
               <a:t>Mac</a:t>
             </a:r>
             <a:r>
-              <a:rPr lang="zh-CN" altLang="en-US" dirty="0"/>
+              <a:rPr lang="zh-CN" altLang="en-US" dirty="0">
+                <a:latin typeface="Times New Roman" panose="02020603050405020304" pitchFamily="18" charset="0"/>
+                <a:ea typeface="宋体" panose="02010600030101010101" pitchFamily="2" charset="-122"/>
+                <a:cs typeface="Times New Roman" panose="02020603050405020304" pitchFamily="18" charset="0"/>
+              </a:rPr>
               <a:t>等各种其它平台。 基于</a:t>
             </a:r>
             <a:r>
-              <a:rPr lang="en-US" altLang="zh-CN" dirty="0"/>
+              <a:rPr lang="en-US" altLang="zh-CN" dirty="0">
+                <a:latin typeface="Times New Roman" panose="02020603050405020304" pitchFamily="18" charset="0"/>
+                <a:ea typeface="宋体" panose="02010600030101010101" pitchFamily="2" charset="-122"/>
+                <a:cs typeface="Times New Roman" panose="02020603050405020304" pitchFamily="18" charset="0"/>
+              </a:rPr>
               <a:t>Internet</a:t>
             </a:r>
             <a:r>
-              <a:rPr lang="zh-CN" altLang="en-US" dirty="0"/>
+              <a:rPr lang="zh-CN" altLang="en-US" dirty="0">
+                <a:latin typeface="Times New Roman" panose="02020603050405020304" pitchFamily="18" charset="0"/>
+                <a:ea typeface="宋体" panose="02010600030101010101" pitchFamily="2" charset="-122"/>
+                <a:cs typeface="Times New Roman" panose="02020603050405020304" pitchFamily="18" charset="0"/>
+              </a:rPr>
               <a:t>的</a:t>
             </a:r>
             <a:r>
-              <a:rPr lang="en-US" altLang="zh-CN" dirty="0" err="1"/>
+              <a:rPr lang="en-US" altLang="zh-CN" dirty="0" err="1">
+                <a:latin typeface="Times New Roman" panose="02020603050405020304" pitchFamily="18" charset="0"/>
+                <a:ea typeface="宋体" panose="02010600030101010101" pitchFamily="2" charset="-122"/>
+                <a:cs typeface="Times New Roman" panose="02020603050405020304" pitchFamily="18" charset="0"/>
+              </a:rPr>
               <a:t>WebService</a:t>
             </a:r>
-            <a:endParaRPr lang="zh-CN" altLang="en-US" dirty="0"/>
+            <a:endParaRPr lang="zh-CN" altLang="en-US" dirty="0">
+              <a:latin typeface="Times New Roman" panose="02020603050405020304" pitchFamily="18" charset="0"/>
+              <a:ea typeface="宋体" panose="02010600030101010101" pitchFamily="2" charset="-122"/>
+              <a:cs typeface="Times New Roman" panose="02020603050405020304" pitchFamily="18" charset="0"/>
+            </a:endParaRPr>
           </a:p>
         </p:txBody>
       </p:sp>
@@ -4629,6 +7814,13 @@
   <p:clrMapOvr>
     <a:masterClrMapping/>
   </p:clrMapOvr>
+  <p:timing>
+    <p:tnLst>
+      <p:par>
+        <p:cTn id="1" dur="indefinite" restart="never" nodeType="tmRoot"/>
+      </p:par>
+    </p:tnLst>
+  </p:timing>
 </p:sld>
 </file>
 
@@ -4973,6 +8165,13 @@
   <p:clrMapOvr>
     <a:masterClrMapping/>
   </p:clrMapOvr>
+  <p:timing>
+    <p:tnLst>
+      <p:par>
+        <p:cTn id="1" dur="indefinite" restart="never" nodeType="tmRoot"/>
+      </p:par>
+    </p:tnLst>
+  </p:timing>
 </p:sld>
 </file>
 
@@ -5009,12 +8208,35 @@
             <p:ph type="title"/>
           </p:nvPr>
         </p:nvSpPr>
-        <p:spPr/>
-        <p:txBody>
-          <a:bodyPr/>
+        <p:spPr>
+          <a:xfrm>
+            <a:off x="677334" y="609600"/>
+            <a:ext cx="8596668" cy="872359"/>
+          </a:xfrm>
+        </p:spPr>
+        <p:txBody>
+          <a:bodyPr>
+            <a:normAutofit/>
+          </a:bodyPr>
           <a:lstStyle/>
           <a:p>
-            <a:endParaRPr lang="zh-CN" altLang="en-US"/>
+            <a:pPr algn="ctr"/>
+            <a:r>
+              <a:rPr lang="en-US" altLang="zh-CN" sz="4400" b="1" dirty="0">
+                <a:latin typeface="Times New Roman" panose="02020603050405020304" pitchFamily="18" charset="0"/>
+                <a:ea typeface="宋体" panose="02010600030101010101" pitchFamily="2" charset="-122"/>
+                <a:cs typeface="Times New Roman" panose="02020603050405020304" pitchFamily="18" charset="0"/>
+              </a:rPr>
+              <a:t>OPC UA TSN</a:t>
+            </a:r>
+            <a:r>
+              <a:rPr lang="zh-CN" altLang="zh-CN" sz="4400" b="1" dirty="0">
+                <a:latin typeface="Times New Roman" panose="02020603050405020304" pitchFamily="18" charset="0"/>
+                <a:ea typeface="宋体" panose="02010600030101010101" pitchFamily="2" charset="-122"/>
+                <a:cs typeface="Times New Roman" panose="02020603050405020304" pitchFamily="18" charset="0"/>
+              </a:rPr>
+              <a:t>实时通信</a:t>
+            </a:r>
           </a:p>
         </p:txBody>
       </p:sp>
@@ -5034,15 +8256,399 @@
             <p:ph idx="1"/>
           </p:nvPr>
         </p:nvSpPr>
-        <p:spPr/>
-        <p:txBody>
-          <a:bodyPr/>
+        <p:spPr>
+          <a:xfrm>
+            <a:off x="677334" y="1786759"/>
+            <a:ext cx="8596668" cy="4254603"/>
+          </a:xfrm>
+        </p:spPr>
+        <p:txBody>
+          <a:bodyPr>
+            <a:normAutofit/>
+          </a:bodyPr>
           <a:lstStyle/>
           <a:p>
-            <a:endParaRPr lang="zh-CN" altLang="en-US" dirty="0"/>
-          </a:p>
-        </p:txBody>
-      </p:sp>
+            <a:r>
+              <a:rPr lang="en-US" altLang="zh-CN" sz="2000" dirty="0" smtClean="0">
+                <a:latin typeface="Times New Roman" panose="02020603050405020304" pitchFamily="18" charset="0"/>
+                <a:ea typeface="宋体" panose="02010600030101010101" pitchFamily="2" charset="-122"/>
+                <a:cs typeface="Times New Roman" panose="02020603050405020304" pitchFamily="18" charset="0"/>
+              </a:rPr>
+              <a:t>TSN</a:t>
+            </a:r>
+            <a:r>
+              <a:rPr lang="zh-CN" altLang="en-US" sz="2000" dirty="0">
+                <a:latin typeface="Times New Roman" panose="02020603050405020304" pitchFamily="18" charset="0"/>
+                <a:ea typeface="宋体" panose="02010600030101010101" pitchFamily="2" charset="-122"/>
+                <a:cs typeface="Times New Roman" panose="02020603050405020304" pitchFamily="18" charset="0"/>
+              </a:rPr>
+              <a:t>可</a:t>
+            </a:r>
+            <a:r>
+              <a:rPr lang="zh-CN" altLang="en-US" sz="2000" dirty="0" smtClean="0">
+                <a:latin typeface="Times New Roman" panose="02020603050405020304" pitchFamily="18" charset="0"/>
+                <a:ea typeface="宋体" panose="02010600030101010101" pitchFamily="2" charset="-122"/>
+                <a:cs typeface="Times New Roman" panose="02020603050405020304" pitchFamily="18" charset="0"/>
+              </a:rPr>
+              <a:t>以用来作为</a:t>
+            </a:r>
+            <a:r>
+              <a:rPr lang="en-US" altLang="zh-CN" sz="2000" dirty="0" smtClean="0">
+                <a:latin typeface="Times New Roman" panose="02020603050405020304" pitchFamily="18" charset="0"/>
+                <a:ea typeface="宋体" panose="02010600030101010101" pitchFamily="2" charset="-122"/>
+                <a:cs typeface="Times New Roman" panose="02020603050405020304" pitchFamily="18" charset="0"/>
+              </a:rPr>
+              <a:t>OPC UA</a:t>
+            </a:r>
+            <a:r>
+              <a:rPr lang="zh-CN" altLang="en-US" sz="2000" dirty="0" smtClean="0">
+                <a:latin typeface="Times New Roman" panose="02020603050405020304" pitchFamily="18" charset="0"/>
+                <a:ea typeface="宋体" panose="02010600030101010101" pitchFamily="2" charset="-122"/>
+                <a:cs typeface="Times New Roman" panose="02020603050405020304" pitchFamily="18" charset="0"/>
+              </a:rPr>
+              <a:t>增</a:t>
+            </a:r>
+            <a:r>
+              <a:rPr lang="zh-CN" altLang="en-US" sz="2000" dirty="0" smtClean="0">
+                <a:latin typeface="Times New Roman" panose="02020603050405020304" pitchFamily="18" charset="0"/>
+                <a:ea typeface="宋体" panose="02010600030101010101" pitchFamily="2" charset="-122"/>
+                <a:cs typeface="Times New Roman" panose="02020603050405020304" pitchFamily="18" charset="0"/>
+              </a:rPr>
+              <a:t>速器</a:t>
+            </a:r>
+            <a:r>
+              <a:rPr lang="en-US" altLang="zh-CN" sz="2000" dirty="0" smtClean="0">
+                <a:latin typeface="Times New Roman" panose="02020603050405020304" pitchFamily="18" charset="0"/>
+                <a:ea typeface="宋体" panose="02010600030101010101" pitchFamily="2" charset="-122"/>
+                <a:cs typeface="Times New Roman" panose="02020603050405020304" pitchFamily="18" charset="0"/>
+              </a:rPr>
+              <a:t>,</a:t>
+            </a:r>
+            <a:r>
+              <a:rPr lang="zh-CN" altLang="en-US" sz="2000" dirty="0">
+                <a:latin typeface="Times New Roman" panose="02020603050405020304" pitchFamily="18" charset="0"/>
+                <a:ea typeface="宋体" panose="02010600030101010101" pitchFamily="2" charset="-122"/>
+                <a:cs typeface="Times New Roman" panose="02020603050405020304" pitchFamily="18" charset="0"/>
+              </a:rPr>
+              <a:t>集</a:t>
+            </a:r>
+            <a:r>
+              <a:rPr lang="zh-CN" altLang="en-US" sz="2000" dirty="0" smtClean="0">
+                <a:latin typeface="Times New Roman" panose="02020603050405020304" pitchFamily="18" charset="0"/>
+                <a:ea typeface="宋体" panose="02010600030101010101" pitchFamily="2" charset="-122"/>
+                <a:cs typeface="Times New Roman" panose="02020603050405020304" pitchFamily="18" charset="0"/>
+              </a:rPr>
+              <a:t>成从</a:t>
+            </a:r>
+            <a:r>
+              <a:rPr lang="en-US" altLang="zh-CN" sz="2000" dirty="0" smtClean="0">
+                <a:latin typeface="Times New Roman" panose="02020603050405020304" pitchFamily="18" charset="0"/>
+                <a:ea typeface="宋体" panose="02010600030101010101" pitchFamily="2" charset="-122"/>
+                <a:cs typeface="Times New Roman" panose="02020603050405020304" pitchFamily="18" charset="0"/>
+              </a:rPr>
+              <a:t>ERP</a:t>
+            </a:r>
+            <a:r>
+              <a:rPr lang="zh-CN" altLang="en-US" sz="2000" dirty="0" smtClean="0">
+                <a:latin typeface="Times New Roman" panose="02020603050405020304" pitchFamily="18" charset="0"/>
+                <a:ea typeface="宋体" panose="02010600030101010101" pitchFamily="2" charset="-122"/>
+                <a:cs typeface="Times New Roman" panose="02020603050405020304" pitchFamily="18" charset="0"/>
+              </a:rPr>
+              <a:t>级到现场级的所有通讯</a:t>
+            </a:r>
+            <a:endParaRPr lang="en-US" altLang="zh-CN" sz="2000" dirty="0" smtClean="0">
+              <a:latin typeface="Times New Roman" panose="02020603050405020304" pitchFamily="18" charset="0"/>
+              <a:ea typeface="宋体" panose="02010600030101010101" pitchFamily="2" charset="-122"/>
+              <a:cs typeface="Times New Roman" panose="02020603050405020304" pitchFamily="18" charset="0"/>
+            </a:endParaRPr>
+          </a:p>
+          <a:p>
+            <a:r>
+              <a:rPr lang="en-US" altLang="zh-CN" sz="2000" dirty="0" smtClean="0">
+                <a:latin typeface="Times New Roman" panose="02020603050405020304" pitchFamily="18" charset="0"/>
+                <a:ea typeface="宋体" panose="02010600030101010101" pitchFamily="2" charset="-122"/>
+                <a:cs typeface="Times New Roman" panose="02020603050405020304" pitchFamily="18" charset="0"/>
+              </a:rPr>
+              <a:t>IT</a:t>
+            </a:r>
+            <a:r>
+              <a:rPr lang="zh-CN" altLang="en-US" sz="2000" dirty="0" smtClean="0">
+                <a:latin typeface="Times New Roman" panose="02020603050405020304" pitchFamily="18" charset="0"/>
+                <a:ea typeface="宋体" panose="02010600030101010101" pitchFamily="2" charset="-122"/>
+                <a:cs typeface="Times New Roman" panose="02020603050405020304" pitchFamily="18" charset="0"/>
+              </a:rPr>
+              <a:t>与自动化碰撞</a:t>
+            </a:r>
+            <a:endParaRPr lang="en-US" altLang="zh-CN" sz="2000" dirty="0">
+              <a:latin typeface="Times New Roman" panose="02020603050405020304" pitchFamily="18" charset="0"/>
+              <a:ea typeface="宋体" panose="02010600030101010101" pitchFamily="2" charset="-122"/>
+              <a:cs typeface="Times New Roman" panose="02020603050405020304" pitchFamily="18" charset="0"/>
+            </a:endParaRPr>
+          </a:p>
+          <a:p>
+            <a:r>
+              <a:rPr lang="en-US" altLang="zh-CN" sz="2000" dirty="0">
+                <a:latin typeface="Times New Roman" panose="02020603050405020304" pitchFamily="18" charset="0"/>
+                <a:ea typeface="宋体" panose="02010600030101010101" pitchFamily="2" charset="-122"/>
+                <a:cs typeface="Times New Roman" panose="02020603050405020304" pitchFamily="18" charset="0"/>
+              </a:rPr>
+              <a:t> </a:t>
+            </a:r>
+            <a:r>
+              <a:rPr lang="en-US" altLang="zh-CN" sz="2000" dirty="0" smtClean="0">
+                <a:latin typeface="Times New Roman" panose="02020603050405020304" pitchFamily="18" charset="0"/>
+                <a:ea typeface="宋体" panose="02010600030101010101" pitchFamily="2" charset="-122"/>
+                <a:cs typeface="Times New Roman" panose="02020603050405020304" pitchFamily="18" charset="0"/>
+              </a:rPr>
+              <a:t>  </a:t>
+            </a:r>
+            <a:r>
+              <a:rPr lang="zh-CN" altLang="en-US" sz="2000" dirty="0" smtClean="0">
+                <a:latin typeface="Times New Roman" panose="02020603050405020304" pitchFamily="18" charset="0"/>
+                <a:ea typeface="宋体" panose="02010600030101010101" pitchFamily="2" charset="-122"/>
+                <a:cs typeface="Times New Roman" panose="02020603050405020304" pitchFamily="18" charset="0"/>
+              </a:rPr>
+              <a:t>借助</a:t>
+            </a:r>
+            <a:r>
+              <a:rPr lang="en-US" altLang="zh-CN" sz="2000" dirty="0" smtClean="0">
+                <a:latin typeface="Times New Roman" panose="02020603050405020304" pitchFamily="18" charset="0"/>
+                <a:ea typeface="宋体" panose="02010600030101010101" pitchFamily="2" charset="-122"/>
+                <a:cs typeface="Times New Roman" panose="02020603050405020304" pitchFamily="18" charset="0"/>
+              </a:rPr>
+              <a:t>OPC UA TSN,</a:t>
+            </a:r>
+            <a:r>
+              <a:rPr lang="zh-CN" altLang="en-US" sz="2000" dirty="0" smtClean="0">
+                <a:latin typeface="Times New Roman" panose="02020603050405020304" pitchFamily="18" charset="0"/>
+                <a:ea typeface="宋体" panose="02010600030101010101" pitchFamily="2" charset="-122"/>
+                <a:cs typeface="Times New Roman" panose="02020603050405020304" pitchFamily="18" charset="0"/>
+              </a:rPr>
+              <a:t>在基于</a:t>
+            </a:r>
+            <a:r>
+              <a:rPr lang="en-US" altLang="zh-CN" sz="2000" dirty="0" smtClean="0">
+                <a:latin typeface="Times New Roman" panose="02020603050405020304" pitchFamily="18" charset="0"/>
+                <a:ea typeface="宋体" panose="02010600030101010101" pitchFamily="2" charset="-122"/>
+                <a:cs typeface="Times New Roman" panose="02020603050405020304" pitchFamily="18" charset="0"/>
+              </a:rPr>
+              <a:t>IP</a:t>
+            </a:r>
+            <a:r>
+              <a:rPr lang="zh-CN" altLang="en-US" sz="2000" dirty="0">
+                <a:latin typeface="Times New Roman" panose="02020603050405020304" pitchFamily="18" charset="0"/>
+                <a:ea typeface="宋体" panose="02010600030101010101" pitchFamily="2" charset="-122"/>
+                <a:cs typeface="Times New Roman" panose="02020603050405020304" pitchFamily="18" charset="0"/>
+              </a:rPr>
+              <a:t>地</a:t>
+            </a:r>
+            <a:r>
+              <a:rPr lang="zh-CN" altLang="en-US" sz="2000" dirty="0" smtClean="0">
+                <a:latin typeface="Times New Roman" panose="02020603050405020304" pitchFamily="18" charset="0"/>
+                <a:ea typeface="宋体" panose="02010600030101010101" pitchFamily="2" charset="-122"/>
+                <a:cs typeface="Times New Roman" panose="02020603050405020304" pitchFamily="18" charset="0"/>
+              </a:rPr>
+              <a:t>址的</a:t>
+            </a:r>
+            <a:r>
+              <a:rPr lang="en-US" altLang="zh-CN" sz="2000" dirty="0" smtClean="0">
+                <a:latin typeface="Times New Roman" panose="02020603050405020304" pitchFamily="18" charset="0"/>
+                <a:ea typeface="宋体" panose="02010600030101010101" pitchFamily="2" charset="-122"/>
+                <a:cs typeface="Times New Roman" panose="02020603050405020304" pitchFamily="18" charset="0"/>
+              </a:rPr>
+              <a:t>IT</a:t>
+            </a:r>
+            <a:r>
+              <a:rPr lang="zh-CN" altLang="en-US" sz="2000" dirty="0" smtClean="0">
+                <a:latin typeface="Times New Roman" panose="02020603050405020304" pitchFamily="18" charset="0"/>
+                <a:ea typeface="宋体" panose="02010600030101010101" pitchFamily="2" charset="-122"/>
+                <a:cs typeface="Times New Roman" panose="02020603050405020304" pitchFamily="18" charset="0"/>
+              </a:rPr>
+              <a:t>世界和满足硬实时要求</a:t>
+            </a:r>
+            <a:r>
+              <a:rPr lang="en-US" altLang="zh-CN" sz="2000" dirty="0" smtClean="0">
+                <a:latin typeface="Times New Roman" panose="02020603050405020304" pitchFamily="18" charset="0"/>
+                <a:ea typeface="宋体" panose="02010600030101010101" pitchFamily="2" charset="-122"/>
+                <a:cs typeface="Times New Roman" panose="02020603050405020304" pitchFamily="18" charset="0"/>
+              </a:rPr>
+              <a:t>(</a:t>
+            </a:r>
+            <a:r>
+              <a:rPr lang="zh-CN" altLang="en-US" sz="2000" dirty="0" smtClean="0">
+                <a:latin typeface="Times New Roman" panose="02020603050405020304" pitchFamily="18" charset="0"/>
+                <a:ea typeface="宋体" panose="02010600030101010101" pitchFamily="2" charset="-122"/>
+                <a:cs typeface="Times New Roman" panose="02020603050405020304" pitchFamily="18" charset="0"/>
+              </a:rPr>
+              <a:t>如</a:t>
+            </a:r>
+            <a:r>
+              <a:rPr lang="en-US" altLang="zh-CN" sz="2000" dirty="0" err="1" smtClean="0">
+                <a:latin typeface="Times New Roman" panose="02020603050405020304" pitchFamily="18" charset="0"/>
+                <a:ea typeface="宋体" panose="02010600030101010101" pitchFamily="2" charset="-122"/>
+                <a:cs typeface="Times New Roman" panose="02020603050405020304" pitchFamily="18" charset="0"/>
+              </a:rPr>
+              <a:t>powerlink</a:t>
+            </a:r>
+            <a:r>
+              <a:rPr lang="en-US" altLang="zh-CN" sz="2000" dirty="0" smtClean="0">
+                <a:latin typeface="Times New Roman" panose="02020603050405020304" pitchFamily="18" charset="0"/>
+                <a:ea typeface="宋体" panose="02010600030101010101" pitchFamily="2" charset="-122"/>
+                <a:cs typeface="Times New Roman" panose="02020603050405020304" pitchFamily="18" charset="0"/>
+              </a:rPr>
+              <a:t>)</a:t>
+            </a:r>
+            <a:r>
+              <a:rPr lang="zh-CN" altLang="en-US" sz="2000" dirty="0" smtClean="0">
+                <a:latin typeface="Times New Roman" panose="02020603050405020304" pitchFamily="18" charset="0"/>
+                <a:ea typeface="宋体" panose="02010600030101010101" pitchFamily="2" charset="-122"/>
+                <a:cs typeface="Times New Roman" panose="02020603050405020304" pitchFamily="18" charset="0"/>
+              </a:rPr>
+              <a:t>协议之间架起一座</a:t>
+            </a:r>
+            <a:r>
+              <a:rPr lang="zh-CN" altLang="en-US" sz="2000" dirty="0">
+                <a:latin typeface="Times New Roman" panose="02020603050405020304" pitchFamily="18" charset="0"/>
+                <a:ea typeface="宋体" panose="02010600030101010101" pitchFamily="2" charset="-122"/>
+                <a:cs typeface="Times New Roman" panose="02020603050405020304" pitchFamily="18" charset="0"/>
+              </a:rPr>
+              <a:t>桥</a:t>
+            </a:r>
+            <a:r>
+              <a:rPr lang="zh-CN" altLang="en-US" sz="2000" dirty="0" smtClean="0">
+                <a:latin typeface="Times New Roman" panose="02020603050405020304" pitchFamily="18" charset="0"/>
+                <a:ea typeface="宋体" panose="02010600030101010101" pitchFamily="2" charset="-122"/>
+                <a:cs typeface="Times New Roman" panose="02020603050405020304" pitchFamily="18" charset="0"/>
+              </a:rPr>
+              <a:t>梁</a:t>
+            </a:r>
+            <a:r>
+              <a:rPr lang="en-US" altLang="zh-CN" sz="2000" dirty="0" smtClean="0">
+                <a:latin typeface="Times New Roman" panose="02020603050405020304" pitchFamily="18" charset="0"/>
+                <a:ea typeface="宋体" panose="02010600030101010101" pitchFamily="2" charset="-122"/>
+                <a:cs typeface="Times New Roman" panose="02020603050405020304" pitchFamily="18" charset="0"/>
+              </a:rPr>
+              <a:t>,</a:t>
+            </a:r>
+            <a:r>
+              <a:rPr lang="zh-CN" altLang="en-US" sz="2000" dirty="0" smtClean="0">
+                <a:latin typeface="Times New Roman" panose="02020603050405020304" pitchFamily="18" charset="0"/>
+                <a:ea typeface="宋体" panose="02010600030101010101" pitchFamily="2" charset="-122"/>
+                <a:cs typeface="Times New Roman" panose="02020603050405020304" pitchFamily="18" charset="0"/>
+              </a:rPr>
+              <a:t>实现</a:t>
+            </a:r>
+            <a:r>
+              <a:rPr lang="en-US" altLang="zh-CN" sz="2000" dirty="0">
+                <a:latin typeface="Times New Roman" panose="02020603050405020304" pitchFamily="18" charset="0"/>
+                <a:ea typeface="宋体" panose="02010600030101010101" pitchFamily="2" charset="-122"/>
+                <a:cs typeface="Times New Roman" panose="02020603050405020304" pitchFamily="18" charset="0"/>
+              </a:rPr>
+              <a:t>SCADA</a:t>
+            </a:r>
+            <a:r>
+              <a:rPr lang="zh-CN" altLang="en-US" sz="2000" dirty="0">
+                <a:latin typeface="Times New Roman" panose="02020603050405020304" pitchFamily="18" charset="0"/>
+                <a:ea typeface="宋体" panose="02010600030101010101" pitchFamily="2" charset="-122"/>
+                <a:cs typeface="Times New Roman" panose="02020603050405020304" pitchFamily="18" charset="0"/>
+              </a:rPr>
+              <a:t>系统连接、简单控制任务解决和传输带操作。所有这些任务将在</a:t>
+            </a:r>
+            <a:r>
+              <a:rPr lang="en-US" altLang="zh-CN" sz="2000" dirty="0">
+                <a:latin typeface="Times New Roman" panose="02020603050405020304" pitchFamily="18" charset="0"/>
+                <a:ea typeface="宋体" panose="02010600030101010101" pitchFamily="2" charset="-122"/>
+                <a:cs typeface="Times New Roman" panose="02020603050405020304" pitchFamily="18" charset="0"/>
+              </a:rPr>
+              <a:t>2-10</a:t>
+            </a:r>
+            <a:r>
+              <a:rPr lang="zh-CN" altLang="en-US" sz="2000" dirty="0">
+                <a:latin typeface="Times New Roman" panose="02020603050405020304" pitchFamily="18" charset="0"/>
+                <a:ea typeface="宋体" panose="02010600030101010101" pitchFamily="2" charset="-122"/>
+                <a:cs typeface="Times New Roman" panose="02020603050405020304" pitchFamily="18" charset="0"/>
+              </a:rPr>
+              <a:t>毫秒的范围内执行</a:t>
+            </a:r>
+            <a:r>
+              <a:rPr lang="en-US" altLang="zh-CN" sz="2000" dirty="0">
+                <a:latin typeface="Times New Roman" panose="02020603050405020304" pitchFamily="18" charset="0"/>
+                <a:ea typeface="宋体" panose="02010600030101010101" pitchFamily="2" charset="-122"/>
+                <a:cs typeface="Times New Roman" panose="02020603050405020304" pitchFamily="18" charset="0"/>
+              </a:rPr>
+              <a:t>,</a:t>
+            </a:r>
+            <a:r>
+              <a:rPr lang="zh-CN" altLang="en-US" sz="2000" dirty="0">
+                <a:latin typeface="Times New Roman" panose="02020603050405020304" pitchFamily="18" charset="0"/>
+                <a:ea typeface="宋体" panose="02010600030101010101" pitchFamily="2" charset="-122"/>
+                <a:cs typeface="Times New Roman" panose="02020603050405020304" pitchFamily="18" charset="0"/>
+              </a:rPr>
+              <a:t>抖动范围为几百毫秒</a:t>
+            </a:r>
+            <a:r>
+              <a:rPr lang="en-US" altLang="zh-CN" sz="2000" dirty="0">
+                <a:latin typeface="Times New Roman" panose="02020603050405020304" pitchFamily="18" charset="0"/>
+                <a:ea typeface="宋体" panose="02010600030101010101" pitchFamily="2" charset="-122"/>
+                <a:cs typeface="Times New Roman" panose="02020603050405020304" pitchFamily="18" charset="0"/>
+              </a:rPr>
+              <a:t>.</a:t>
+            </a:r>
+            <a:r>
+              <a:rPr lang="zh-CN" altLang="en-US" sz="2000" dirty="0" smtClean="0">
+                <a:latin typeface="Times New Roman" panose="02020603050405020304" pitchFamily="18" charset="0"/>
+                <a:ea typeface="宋体" panose="02010600030101010101" pitchFamily="2" charset="-122"/>
+                <a:cs typeface="Times New Roman" panose="02020603050405020304" pitchFamily="18" charset="0"/>
+              </a:rPr>
+              <a:t>生产线</a:t>
+            </a:r>
+            <a:r>
+              <a:rPr lang="zh-CN" altLang="en-US" sz="2000" smtClean="0">
+                <a:latin typeface="Times New Roman" panose="02020603050405020304" pitchFamily="18" charset="0"/>
+                <a:ea typeface="宋体" panose="02010600030101010101" pitchFamily="2" charset="-122"/>
+                <a:cs typeface="Times New Roman" panose="02020603050405020304" pitchFamily="18" charset="0"/>
+              </a:rPr>
+              <a:t>同步</a:t>
+            </a:r>
+            <a:endParaRPr lang="en-US" altLang="zh-CN" sz="2000" dirty="0" smtClean="0">
+              <a:latin typeface="Times New Roman" panose="02020603050405020304" pitchFamily="18" charset="0"/>
+              <a:ea typeface="宋体" panose="02010600030101010101" pitchFamily="2" charset="-122"/>
+              <a:cs typeface="Times New Roman" panose="02020603050405020304" pitchFamily="18" charset="0"/>
+            </a:endParaRPr>
+          </a:p>
+          <a:p>
+            <a:endParaRPr lang="en-US" altLang="zh-CN" sz="2000" dirty="0" smtClean="0">
+              <a:latin typeface="Times New Roman" panose="02020603050405020304" pitchFamily="18" charset="0"/>
+              <a:ea typeface="宋体" panose="02010600030101010101" pitchFamily="2" charset="-122"/>
+              <a:cs typeface="Times New Roman" panose="02020603050405020304" pitchFamily="18" charset="0"/>
+            </a:endParaRPr>
+          </a:p>
+        </p:txBody>
+      </p:sp>
+      <p:pic>
+        <p:nvPicPr>
+          <p:cNvPr id="4" name="Picture 3"/>
+          <p:cNvPicPr>
+            <a:picLocks noChangeAspect="1"/>
+          </p:cNvPicPr>
+          <p:nvPr/>
+        </p:nvPicPr>
+        <p:blipFill>
+          <a:blip r:embed="rId3"/>
+          <a:stretch>
+            <a:fillRect/>
+          </a:stretch>
+        </p:blipFill>
+        <p:spPr>
+          <a:xfrm>
+            <a:off x="528431" y="4374253"/>
+            <a:ext cx="10099813" cy="733425"/>
+          </a:xfrm>
+          <a:prstGeom prst="rect">
+            <a:avLst/>
+          </a:prstGeom>
+        </p:spPr>
+      </p:pic>
     </p:spTree>
     <p:extLst>
       <p:ext uri="{BB962C8B-B14F-4D97-AF65-F5344CB8AC3E}">
@@ -5053,11 +8659,275 @@
   <p:clrMapOvr>
     <a:masterClrMapping/>
   </p:clrMapOvr>
+  <p:timing>
+    <p:tnLst>
+      <p:par>
+        <p:cTn id="1" dur="indefinite" restart="never" nodeType="tmRoot"/>
+      </p:par>
+    </p:tnLst>
+  </p:timing>
 </p:sld>
 </file>
 
 <file path=ppt/theme/theme1.xml><?xml version="1.0" encoding="utf-8"?>
-<a:theme xmlns:a="http://schemas.openxmlformats.org/drawingml/2006/main" name="Office 主题​​">
+<a:theme xmlns:a="http://schemas.openxmlformats.org/drawingml/2006/main" name="Facet">
+  <a:themeElements>
+    <a:clrScheme name="Facet">
+      <a:dk1>
+        <a:sysClr val="windowText" lastClr="000000"/>
+      </a:dk1>
+      <a:lt1>
+        <a:sysClr val="window" lastClr="FFFFFF"/>
+      </a:lt1>
+      <a:dk2>
+        <a:srgbClr val="2C3C43"/>
+      </a:dk2>
+      <a:lt2>
+        <a:srgbClr val="EBEBEB"/>
+      </a:lt2>
+      <a:accent1>
+        <a:srgbClr val="90C226"/>
+      </a:accent1>
+      <a:accent2>
+        <a:srgbClr val="54A021"/>
+      </a:accent2>
+      <a:accent3>
+        <a:srgbClr val="E6B91E"/>
+      </a:accent3>
+      <a:accent4>
+        <a:srgbClr val="E76618"/>
+      </a:accent4>
+      <a:accent5>
+        <a:srgbClr val="C42F1A"/>
+      </a:accent5>
+      <a:accent6>
+        <a:srgbClr val="918655"/>
+      </a:accent6>
+      <a:hlink>
+        <a:srgbClr val="99CA3C"/>
+      </a:hlink>
+      <a:folHlink>
+        <a:srgbClr val="B9D181"/>
+      </a:folHlink>
+    </a:clrScheme>
+    <a:fontScheme name="Facet">
+      <a:majorFont>
+        <a:latin typeface="Trebuchet MS" panose="020B0603020202020204"/>
+        <a:ea typeface=""/>
+        <a:cs typeface=""/>
+        <a:font script="Jpan" typeface="メイリオ"/>
+        <a:font script="Hang" typeface="맑은 고딕"/>
+        <a:font script="Hans" typeface="方正姚体"/>
+        <a:font script="Hant" typeface="微軟正黑體"/>
+        <a:font script="Arab" typeface="Tahoma"/>
+        <a:font script="Hebr" typeface="Arial"/>
+        <a:font script="Thai" typeface="Cordia New"/>
+        <a:font script="Ethi" typeface="Nyala"/>
+        <a:font script="Beng" typeface="Vrinda"/>
+        <a:font script="Gujr" typeface="Shruti"/>
+        <a:font script="Khmr" typeface="DaunPenh"/>
+        <a:font script="Knda" typeface="Tunga"/>
+        <a:font script="Guru" typeface="Raavi"/>
+        <a:font script="Cans" typeface="Euphemia"/>
+        <a:font script="Cher" typeface="Plantagenet Cherokee"/>
+        <a:font script="Yiii" typeface="Microsoft Yi Baiti"/>
+        <a:font script="Tibt" typeface="Microsoft Himalaya"/>
+        <a:font script="Thaa" typeface="MV Boli"/>
+        <a:font script="Deva" typeface="Mangal"/>
+        <a:font script="Telu" typeface="Gautami"/>
+        <a:font script="Taml" typeface="Latha"/>
+        <a:font script="Syrc" typeface="Estrangelo Edessa"/>
+        <a:font script="Orya" typeface="Kalinga"/>
+        <a:font script="Mlym" typeface="Kartika"/>
+        <a:font script="Laoo" typeface="DokChampa"/>
+        <a:font script="Sinh" typeface="Iskoola Pota"/>
+        <a:font script="Mong" typeface="Mongolian Baiti"/>
+        <a:font script="Viet" typeface="Tahoma"/>
+        <a:font script="Uigh" typeface="Microsoft Uighur"/>
+        <a:font script="Geor" typeface="Sylfaen"/>
+      </a:majorFont>
+      <a:minorFont>
+        <a:latin typeface="Trebuchet MS" panose="020B0603020202020204"/>
+        <a:ea typeface=""/>
+        <a:cs typeface=""/>
+        <a:font script="Jpan" typeface="メイリオ"/>
+        <a:font script="Hang" typeface="HY그래픽M"/>
+        <a:font script="Hans" typeface="华文新魏"/>
+        <a:font script="Hant" typeface="微軟正黑體"/>
+        <a:font script="Arab" typeface="Tahoma"/>
+        <a:font script="Hebr" typeface="Gisha"/>
+        <a:font script="Thai" typeface="IrisUPC"/>
+        <a:font script="Ethi" typeface="Nyala"/>
+        <a:font script="Beng" typeface="Vrinda"/>
+        <a:font script="Gujr" typeface="Shruti"/>
+        <a:font script="Khmr" typeface="DaunPenh"/>
+        <a:font script="Knda" typeface="Tunga"/>
+        <a:font script="Guru" typeface="Raavi"/>
+        <a:font script="Cans" typeface="Euphemia"/>
+        <a:font script="Cher" typeface="Plantagenet Cherokee"/>
+        <a:font script="Yiii" typeface="Microsoft Yi Baiti"/>
+        <a:font script="Tibt" typeface="Microsoft Himalaya"/>
+        <a:font script="Thaa" typeface="MV Boli"/>
+        <a:font script="Deva" typeface="Mangal"/>
+        <a:font script="Telu" typeface="Gautami"/>
+        <a:font script="Taml" typeface="Latha"/>
+        <a:font script="Syrc" typeface="Estrangelo Edessa"/>
+        <a:font script="Orya" typeface="Kalinga"/>
+        <a:font script="Mlym" typeface="Kartika"/>
+        <a:font script="Laoo" typeface="DokChampa"/>
+        <a:font script="Sinh" typeface="Iskoola Pota"/>
+        <a:font script="Mong" typeface="Mongolian Baiti"/>
+        <a:font script="Viet" typeface="Arial"/>
+        <a:font script="Uigh" typeface="Microsoft Uighur"/>
+        <a:font script="Geor" typeface="Sylfaen"/>
+      </a:minorFont>
+    </a:fontScheme>
+    <a:fmtScheme name="Facet">
+      <a:fillStyleLst>
+        <a:solidFill>
+          <a:schemeClr val="phClr"/>
+        </a:solidFill>
+        <a:gradFill rotWithShape="1">
+          <a:gsLst>
+            <a:gs pos="0">
+              <a:schemeClr val="phClr">
+                <a:tint val="65000"/>
+                <a:lumMod val="110000"/>
+              </a:schemeClr>
+            </a:gs>
+            <a:gs pos="88000">
+              <a:schemeClr val="phClr">
+                <a:tint val="90000"/>
+              </a:schemeClr>
+            </a:gs>
+          </a:gsLst>
+          <a:lin ang="5400000" scaled="0"/>
+        </a:gradFill>
+        <a:gradFill rotWithShape="1">
+          <a:gsLst>
+            <a:gs pos="0">
+              <a:schemeClr val="phClr">
+                <a:tint val="96000"/>
+                <a:lumMod val="100000"/>
+              </a:schemeClr>
+            </a:gs>
+            <a:gs pos="78000">
+              <a:schemeClr val="phClr">
+                <a:shade val="94000"/>
+                <a:lumMod val="94000"/>
+              </a:schemeClr>
+            </a:gs>
+          </a:gsLst>
+          <a:lin ang="5400000" scaled="0"/>
+        </a:gradFill>
+      </a:fillStyleLst>
+      <a:lnStyleLst>
+        <a:ln w="12700" cap="rnd" cmpd="sng" algn="ctr">
+          <a:solidFill>
+            <a:schemeClr val="phClr"/>
+          </a:solidFill>
+          <a:prstDash val="solid"/>
+        </a:ln>
+        <a:ln w="19050" cap="rnd" cmpd="sng" algn="ctr">
+          <a:solidFill>
+            <a:schemeClr val="phClr"/>
+          </a:solidFill>
+          <a:prstDash val="solid"/>
+        </a:ln>
+        <a:ln w="25400" cap="rnd" cmpd="sng" algn="ctr">
+          <a:solidFill>
+            <a:schemeClr val="phClr"/>
+          </a:solidFill>
+          <a:prstDash val="solid"/>
+        </a:ln>
+      </a:lnStyleLst>
+      <a:effectStyleLst>
+        <a:effectStyle>
+          <a:effectLst/>
+        </a:effectStyle>
+        <a:effectStyle>
+          <a:effectLst>
+            <a:outerShdw blurRad="38100" dist="25400" dir="5400000" rotWithShape="0">
+              <a:srgbClr val="000000">
+                <a:alpha val="35000"/>
+              </a:srgbClr>
+            </a:outerShdw>
+          </a:effectLst>
+        </a:effectStyle>
+        <a:effectStyle>
+          <a:effectLst>
+            <a:outerShdw blurRad="50800" dist="38100" dir="5400000" rotWithShape="0">
+              <a:srgbClr val="000000">
+                <a:alpha val="35000"/>
+              </a:srgbClr>
+            </a:outerShdw>
+          </a:effectLst>
+          <a:scene3d>
+            <a:camera prst="orthographicFront">
+              <a:rot lat="0" lon="0" rev="0"/>
+            </a:camera>
+            <a:lightRig rig="threePt" dir="tl"/>
+          </a:scene3d>
+          <a:sp3d prstMaterial="plastic">
+            <a:bevelT w="0" h="0"/>
+          </a:sp3d>
+        </a:effectStyle>
+      </a:effectStyleLst>
+      <a:bgFillStyleLst>
+        <a:solidFill>
+          <a:schemeClr val="phClr"/>
+        </a:solidFill>
+        <a:gradFill rotWithShape="1">
+          <a:gsLst>
+            <a:gs pos="0">
+              <a:schemeClr val="phClr">
+                <a:tint val="90000"/>
+                <a:lumMod val="104000"/>
+              </a:schemeClr>
+            </a:gs>
+            <a:gs pos="94000">
+              <a:schemeClr val="phClr">
+                <a:shade val="96000"/>
+                <a:lumMod val="82000"/>
+              </a:schemeClr>
+            </a:gs>
+          </a:gsLst>
+          <a:lin ang="5400000" scaled="0"/>
+        </a:gradFill>
+        <a:gradFill rotWithShape="1">
+          <a:gsLst>
+            <a:gs pos="0">
+              <a:schemeClr val="phClr">
+                <a:tint val="90000"/>
+                <a:lumMod val="110000"/>
+              </a:schemeClr>
+            </a:gs>
+            <a:gs pos="100000">
+              <a:schemeClr val="phClr">
+                <a:shade val="94000"/>
+                <a:lumMod val="96000"/>
+              </a:schemeClr>
+            </a:gs>
+          </a:gsLst>
+          <a:path path="circle">
+            <a:fillToRect l="50000" t="50000" r="100000" b="100000"/>
+          </a:path>
+        </a:gradFill>
+      </a:bgFillStyleLst>
+    </a:fmtScheme>
+  </a:themeElements>
+  <a:objectDefaults/>
+  <a:extraClrSchemeLst/>
+  <a:extLst>
+    <a:ext uri="{05A4C25C-085E-4340-85A3-A5531E510DB2}">
+      <thm15:themeFamily xmlns:thm15="http://schemas.microsoft.com/office/thememl/2012/main" name="Facet" id="{C0C680CD-088A-49FC-A102-D699147F32B2}" vid="{CFBC31BA-B70F-4F30-BCAA-4F3011E16C4D}"/>
+    </a:ext>
+  </a:extLst>
+</a:theme>
+</file>
+
+<file path=ppt/theme/theme2.xml><?xml version="1.0" encoding="utf-8"?>
+<a:theme xmlns:a="http://schemas.openxmlformats.org/drawingml/2006/main" name="Office Theme">
   <a:themeElements>
     <a:clrScheme name="Office">
       <a:dk1>
@@ -5073,7 +8943,7 @@
         <a:srgbClr val="E7E6E6"/>
       </a:lt2>
       <a:accent1>
-        <a:srgbClr val="4472C4"/>
+        <a:srgbClr val="5B9BD5"/>
       </a:accent1>
       <a:accent2>
         <a:srgbClr val="ED7D31"/>
@@ -5085,7 +8955,7 @@
         <a:srgbClr val="FFC000"/>
       </a:accent4>
       <a:accent5>
-        <a:srgbClr val="5B9BD5"/>
+        <a:srgbClr val="4472C4"/>
       </a:accent5>
       <a:accent6>
         <a:srgbClr val="70AD47"/>
@@ -5132,23 +9002,6 @@
         <a:font script="Viet" typeface="Times New Roman"/>
         <a:font script="Uigh" typeface="Microsoft Uighur"/>
         <a:font script="Geor" typeface="Sylfaen"/>
-        <a:font script="Armn" typeface="Arial"/>
-        <a:font script="Bugi" typeface="Leelawadee UI"/>
-        <a:font script="Bopo" typeface="Microsoft JhengHei"/>
-        <a:font script="Java" typeface="Javanese Text"/>
-        <a:font script="Lisu" typeface="Segoe UI"/>
-        <a:font script="Mymr" typeface="Myanmar Text"/>
-        <a:font script="Nkoo" typeface="Ebrima"/>
-        <a:font script="Olck" typeface="Nirmala UI"/>
-        <a:font script="Osma" typeface="Ebrima"/>
-        <a:font script="Phag" typeface="Phagspa"/>
-        <a:font script="Syrn" typeface="Estrangelo Edessa"/>
-        <a:font script="Syrj" typeface="Estrangelo Edessa"/>
-        <a:font script="Syre" typeface="Estrangelo Edessa"/>
-        <a:font script="Sora" typeface="Nirmala UI"/>
-        <a:font script="Tale" typeface="Microsoft Tai Le"/>
-        <a:font script="Talu" typeface="Microsoft New Tai Lue"/>
-        <a:font script="Tfng" typeface="Ebrima"/>
       </a:majorFont>
       <a:minorFont>
         <a:latin typeface="等线" panose="020F0502020204030204"/>
@@ -5184,23 +9037,6 @@
         <a:font script="Viet" typeface="Arial"/>
         <a:font script="Uigh" typeface="Microsoft Uighur"/>
         <a:font script="Geor" typeface="Sylfaen"/>
-        <a:font script="Armn" typeface="Arial"/>
-        <a:font script="Bugi" typeface="Leelawadee UI"/>
-        <a:font script="Bopo" typeface="Microsoft JhengHei"/>
-        <a:font script="Java" typeface="Javanese Text"/>
-        <a:font script="Lisu" typeface="Segoe UI"/>
-        <a:font script="Mymr" typeface="Myanmar Text"/>
-        <a:font script="Nkoo" typeface="Ebrima"/>
-        <a:font script="Olck" typeface="Nirmala UI"/>
-        <a:font script="Osma" typeface="Ebrima"/>
-        <a:font script="Phag" typeface="Phagspa"/>
-        <a:font script="Syrn" typeface="Estrangelo Edessa"/>
-        <a:font script="Syrj" typeface="Estrangelo Edessa"/>
-        <a:font script="Syre" typeface="Estrangelo Edessa"/>
-        <a:font script="Sora" typeface="Nirmala UI"/>
-        <a:font script="Tale" typeface="Microsoft Tai Le"/>
-        <a:font script="Talu" typeface="Microsoft New Tai Lue"/>
-        <a:font script="Tfng" typeface="Ebrima"/>
       </a:minorFont>
     </a:fontScheme>
     <a:fmtScheme name="Office">

--- a/研究组会/组会PPT.pptx
+++ b/研究组会/组会PPT.pptx
@@ -8306,15 +8306,7 @@
                 <a:ea typeface="宋体" panose="02010600030101010101" pitchFamily="2" charset="-122"/>
                 <a:cs typeface="Times New Roman" panose="02020603050405020304" pitchFamily="18" charset="0"/>
               </a:rPr>
-              <a:t>增</a:t>
-            </a:r>
-            <a:r>
-              <a:rPr lang="zh-CN" altLang="en-US" sz="2000" dirty="0" smtClean="0">
-                <a:latin typeface="Times New Roman" panose="02020603050405020304" pitchFamily="18" charset="0"/>
-                <a:ea typeface="宋体" panose="02010600030101010101" pitchFamily="2" charset="-122"/>
-                <a:cs typeface="Times New Roman" panose="02020603050405020304" pitchFamily="18" charset="0"/>
-              </a:rPr>
-              <a:t>速器</a:t>
+              <a:t>增速器</a:t>
             </a:r>
             <a:r>
               <a:rPr lang="en-US" altLang="zh-CN" sz="2000" dirty="0" smtClean="0">
@@ -8587,28 +8579,123 @@
               <a:t>抖动范围为几百毫秒</a:t>
             </a:r>
             <a:r>
-              <a:rPr lang="en-US" altLang="zh-CN" sz="2000" dirty="0">
+              <a:rPr lang="en-US" altLang="zh-CN" sz="2000" smtClean="0">
                 <a:latin typeface="Times New Roman" panose="02020603050405020304" pitchFamily="18" charset="0"/>
                 <a:ea typeface="宋体" panose="02010600030101010101" pitchFamily="2" charset="-122"/>
                 <a:cs typeface="Times New Roman" panose="02020603050405020304" pitchFamily="18" charset="0"/>
               </a:rPr>
               <a:t>.</a:t>
             </a:r>
+            <a:endParaRPr lang="en-US" altLang="zh-CN" sz="2000" dirty="0">
+              <a:latin typeface="Times New Roman" panose="02020603050405020304" pitchFamily="18" charset="0"/>
+              <a:ea typeface="宋体" panose="02010600030101010101" pitchFamily="2" charset="-122"/>
+              <a:cs typeface="Times New Roman" panose="02020603050405020304" pitchFamily="18" charset="0"/>
+            </a:endParaRPr>
+          </a:p>
+          <a:p>
+            <a:r>
+              <a:rPr lang="en-US" altLang="zh-CN" sz="2000" dirty="0" smtClean="0">
+                <a:latin typeface="Times New Roman" panose="02020603050405020304" pitchFamily="18" charset="0"/>
+                <a:ea typeface="宋体" panose="02010600030101010101" pitchFamily="2" charset="-122"/>
+                <a:cs typeface="Times New Roman" panose="02020603050405020304" pitchFamily="18" charset="0"/>
+              </a:rPr>
+              <a:t>OPC UA</a:t>
+            </a:r>
             <a:r>
               <a:rPr lang="zh-CN" altLang="en-US" sz="2000" dirty="0" smtClean="0">
                 <a:latin typeface="Times New Roman" panose="02020603050405020304" pitchFamily="18" charset="0"/>
                 <a:ea typeface="宋体" panose="02010600030101010101" pitchFamily="2" charset="-122"/>
                 <a:cs typeface="Times New Roman" panose="02020603050405020304" pitchFamily="18" charset="0"/>
               </a:rPr>
-              <a:t>生产线</a:t>
-            </a:r>
-            <a:r>
-              <a:rPr lang="zh-CN" altLang="en-US" sz="2000" smtClean="0">
-                <a:latin typeface="Times New Roman" panose="02020603050405020304" pitchFamily="18" charset="0"/>
-                <a:ea typeface="宋体" panose="02010600030101010101" pitchFamily="2" charset="-122"/>
-                <a:cs typeface="Times New Roman" panose="02020603050405020304" pitchFamily="18" charset="0"/>
-              </a:rPr>
-              <a:t>同步</a:t>
+              <a:t>和</a:t>
+            </a:r>
+            <a:r>
+              <a:rPr lang="en-US" altLang="zh-CN" sz="2000" dirty="0" smtClean="0">
+                <a:latin typeface="Times New Roman" panose="02020603050405020304" pitchFamily="18" charset="0"/>
+                <a:ea typeface="宋体" panose="02010600030101010101" pitchFamily="2" charset="-122"/>
+                <a:cs typeface="Times New Roman" panose="02020603050405020304" pitchFamily="18" charset="0"/>
+              </a:rPr>
+              <a:t>POWERLINK</a:t>
+            </a:r>
+            <a:r>
+              <a:rPr lang="zh-CN" altLang="en-US" sz="2000" dirty="0">
+                <a:latin typeface="Times New Roman" panose="02020603050405020304" pitchFamily="18" charset="0"/>
+                <a:ea typeface="宋体" panose="02010600030101010101" pitchFamily="2" charset="-122"/>
+                <a:cs typeface="Times New Roman" panose="02020603050405020304" pitchFamily="18" charset="0"/>
+              </a:rPr>
+              <a:t>仅仅</a:t>
+            </a:r>
+            <a:r>
+              <a:rPr lang="zh-CN" altLang="en-US" sz="2000" dirty="0" smtClean="0">
+                <a:latin typeface="Times New Roman" panose="02020603050405020304" pitchFamily="18" charset="0"/>
+                <a:ea typeface="宋体" panose="02010600030101010101" pitchFamily="2" charset="-122"/>
+                <a:cs typeface="Times New Roman" panose="02020603050405020304" pitchFamily="18" charset="0"/>
+              </a:rPr>
+              <a:t>是基于软件的栈协议</a:t>
+            </a:r>
+            <a:r>
+              <a:rPr lang="en-US" altLang="zh-CN" sz="2000" dirty="0" smtClean="0">
+                <a:latin typeface="Times New Roman" panose="02020603050405020304" pitchFamily="18" charset="0"/>
+                <a:ea typeface="宋体" panose="02010600030101010101" pitchFamily="2" charset="-122"/>
+                <a:cs typeface="Times New Roman" panose="02020603050405020304" pitchFamily="18" charset="0"/>
+              </a:rPr>
+              <a:t>,</a:t>
+            </a:r>
+            <a:r>
+              <a:rPr lang="zh-CN" altLang="en-US" sz="2000" dirty="0">
+                <a:latin typeface="Times New Roman" panose="02020603050405020304" pitchFamily="18" charset="0"/>
+                <a:ea typeface="宋体" panose="02010600030101010101" pitchFamily="2" charset="-122"/>
+                <a:cs typeface="Times New Roman" panose="02020603050405020304" pitchFamily="18" charset="0"/>
+              </a:rPr>
+              <a:t>可</a:t>
+            </a:r>
+            <a:r>
+              <a:rPr lang="zh-CN" altLang="en-US" sz="2000" dirty="0" smtClean="0">
+                <a:latin typeface="Times New Roman" panose="02020603050405020304" pitchFamily="18" charset="0"/>
+                <a:ea typeface="宋体" panose="02010600030101010101" pitchFamily="2" charset="-122"/>
+                <a:cs typeface="Times New Roman" panose="02020603050405020304" pitchFamily="18" charset="0"/>
+              </a:rPr>
+              <a:t>以免费获取并接入任何平台</a:t>
+            </a:r>
+            <a:r>
+              <a:rPr lang="en-US" altLang="zh-CN" sz="2000" dirty="0" smtClean="0">
+                <a:latin typeface="Times New Roman" panose="02020603050405020304" pitchFamily="18" charset="0"/>
+                <a:ea typeface="宋体" panose="02010600030101010101" pitchFamily="2" charset="-122"/>
+                <a:cs typeface="Times New Roman" panose="02020603050405020304" pitchFamily="18" charset="0"/>
+              </a:rPr>
+              <a:t>.OPC UA</a:t>
+            </a:r>
+            <a:r>
+              <a:rPr lang="zh-CN" altLang="en-US" sz="2000" dirty="0" smtClean="0">
+                <a:latin typeface="Times New Roman" panose="02020603050405020304" pitchFamily="18" charset="0"/>
+                <a:ea typeface="宋体" panose="02010600030101010101" pitchFamily="2" charset="-122"/>
+                <a:cs typeface="Times New Roman" panose="02020603050405020304" pitchFamily="18" charset="0"/>
+              </a:rPr>
+              <a:t>和</a:t>
+            </a:r>
+            <a:r>
+              <a:rPr lang="en-US" altLang="zh-CN" sz="2000" dirty="0" smtClean="0">
+                <a:latin typeface="Times New Roman" panose="02020603050405020304" pitchFamily="18" charset="0"/>
+                <a:ea typeface="宋体" panose="02010600030101010101" pitchFamily="2" charset="-122"/>
+                <a:cs typeface="Times New Roman" panose="02020603050405020304" pitchFamily="18" charset="0"/>
+              </a:rPr>
+              <a:t>POWERLINK</a:t>
+            </a:r>
+            <a:r>
+              <a:rPr lang="zh-CN" altLang="en-US" sz="2000" dirty="0" smtClean="0">
+                <a:latin typeface="Times New Roman" panose="02020603050405020304" pitchFamily="18" charset="0"/>
+                <a:ea typeface="宋体" panose="02010600030101010101" pitchFamily="2" charset="-122"/>
+                <a:cs typeface="Times New Roman" panose="02020603050405020304" pitchFamily="18" charset="0"/>
+              </a:rPr>
+              <a:t>的结合为机械工程和系统工程提供了最大的自由</a:t>
+            </a:r>
+            <a:r>
+              <a:rPr lang="en-US" altLang="zh-CN" sz="2000" dirty="0" smtClean="0">
+                <a:latin typeface="Times New Roman" panose="02020603050405020304" pitchFamily="18" charset="0"/>
+                <a:ea typeface="宋体" panose="02010600030101010101" pitchFamily="2" charset="-122"/>
+                <a:cs typeface="Times New Roman" panose="02020603050405020304" pitchFamily="18" charset="0"/>
+              </a:rPr>
+              <a:t>.</a:t>
             </a:r>
             <a:endParaRPr lang="en-US" altLang="zh-CN" sz="2000" dirty="0" smtClean="0">
               <a:latin typeface="Times New Roman" panose="02020603050405020304" pitchFamily="18" charset="0"/>
@@ -8625,30 +8712,6 @@
           </a:p>
         </p:txBody>
       </p:sp>
-      <p:pic>
-        <p:nvPicPr>
-          <p:cNvPr id="4" name="Picture 3"/>
-          <p:cNvPicPr>
-            <a:picLocks noChangeAspect="1"/>
-          </p:cNvPicPr>
-          <p:nvPr/>
-        </p:nvPicPr>
-        <p:blipFill>
-          <a:blip r:embed="rId3"/>
-          <a:stretch>
-            <a:fillRect/>
-          </a:stretch>
-        </p:blipFill>
-        <p:spPr>
-          <a:xfrm>
-            <a:off x="528431" y="4374253"/>
-            <a:ext cx="10099813" cy="733425"/>
-          </a:xfrm>
-          <a:prstGeom prst="rect">
-            <a:avLst/>
-          </a:prstGeom>
-        </p:spPr>
-      </p:pic>
     </p:spTree>
     <p:extLst>
       <p:ext uri="{BB962C8B-B14F-4D97-AF65-F5344CB8AC3E}">
